--- a/CRC - 8 ModBusRTU.pptx
+++ b/CRC - 8 ModBusRTU.pptx
@@ -291,7 +291,7 @@
           <a:p>
             <a:fld id="{B4C71EC6-210F-42DE-9C53-41977AD35B3D}" type="datetimeFigureOut">
               <a:rPr lang="ru-RU" smtClean="0"/>
-              <a:t>21.11.2019</a:t>
+              <a:t>22.11.2019</a:t>
             </a:fld>
             <a:endParaRPr lang="ru-RU"/>
           </a:p>
@@ -456,7 +456,7 @@
           <a:p>
             <a:fld id="{B4C71EC6-210F-42DE-9C53-41977AD35B3D}" type="datetimeFigureOut">
               <a:rPr lang="ru-RU" smtClean="0"/>
-              <a:t>21.11.2019</a:t>
+              <a:t>22.11.2019</a:t>
             </a:fld>
             <a:endParaRPr lang="ru-RU"/>
           </a:p>
@@ -631,7 +631,7 @@
           <a:p>
             <a:fld id="{B4C71EC6-210F-42DE-9C53-41977AD35B3D}" type="datetimeFigureOut">
               <a:rPr lang="ru-RU" smtClean="0"/>
-              <a:t>21.11.2019</a:t>
+              <a:t>22.11.2019</a:t>
             </a:fld>
             <a:endParaRPr lang="ru-RU"/>
           </a:p>
@@ -796,7 +796,7 @@
           <a:p>
             <a:fld id="{B4C71EC6-210F-42DE-9C53-41977AD35B3D}" type="datetimeFigureOut">
               <a:rPr lang="ru-RU" smtClean="0"/>
-              <a:t>21.11.2019</a:t>
+              <a:t>22.11.2019</a:t>
             </a:fld>
             <a:endParaRPr lang="ru-RU"/>
           </a:p>
@@ -1037,7 +1037,7 @@
           <a:p>
             <a:fld id="{B4C71EC6-210F-42DE-9C53-41977AD35B3D}" type="datetimeFigureOut">
               <a:rPr lang="ru-RU" smtClean="0"/>
-              <a:t>21.11.2019</a:t>
+              <a:t>22.11.2019</a:t>
             </a:fld>
             <a:endParaRPr lang="ru-RU"/>
           </a:p>
@@ -1320,7 +1320,7 @@
           <a:p>
             <a:fld id="{B4C71EC6-210F-42DE-9C53-41977AD35B3D}" type="datetimeFigureOut">
               <a:rPr lang="ru-RU" smtClean="0"/>
-              <a:t>21.11.2019</a:t>
+              <a:t>22.11.2019</a:t>
             </a:fld>
             <a:endParaRPr lang="ru-RU"/>
           </a:p>
@@ -1737,7 +1737,7 @@
           <a:p>
             <a:fld id="{B4C71EC6-210F-42DE-9C53-41977AD35B3D}" type="datetimeFigureOut">
               <a:rPr lang="ru-RU" smtClean="0"/>
-              <a:t>21.11.2019</a:t>
+              <a:t>22.11.2019</a:t>
             </a:fld>
             <a:endParaRPr lang="ru-RU"/>
           </a:p>
@@ -1850,7 +1850,7 @@
           <a:p>
             <a:fld id="{B4C71EC6-210F-42DE-9C53-41977AD35B3D}" type="datetimeFigureOut">
               <a:rPr lang="ru-RU" smtClean="0"/>
-              <a:t>21.11.2019</a:t>
+              <a:t>22.11.2019</a:t>
             </a:fld>
             <a:endParaRPr lang="ru-RU"/>
           </a:p>
@@ -1940,7 +1940,7 @@
           <a:p>
             <a:fld id="{B4C71EC6-210F-42DE-9C53-41977AD35B3D}" type="datetimeFigureOut">
               <a:rPr lang="ru-RU" smtClean="0"/>
-              <a:t>21.11.2019</a:t>
+              <a:t>22.11.2019</a:t>
             </a:fld>
             <a:endParaRPr lang="ru-RU"/>
           </a:p>
@@ -2212,7 +2212,7 @@
           <a:p>
             <a:fld id="{B4C71EC6-210F-42DE-9C53-41977AD35B3D}" type="datetimeFigureOut">
               <a:rPr lang="ru-RU" smtClean="0"/>
-              <a:t>21.11.2019</a:t>
+              <a:t>22.11.2019</a:t>
             </a:fld>
             <a:endParaRPr lang="ru-RU"/>
           </a:p>
@@ -2460,7 +2460,7 @@
           <a:p>
             <a:fld id="{B4C71EC6-210F-42DE-9C53-41977AD35B3D}" type="datetimeFigureOut">
               <a:rPr lang="ru-RU" smtClean="0"/>
-              <a:t>21.11.2019</a:t>
+              <a:t>22.11.2019</a:t>
             </a:fld>
             <a:endParaRPr lang="ru-RU"/>
           </a:p>
@@ -2668,7 +2668,7 @@
           <a:p>
             <a:fld id="{B4C71EC6-210F-42DE-9C53-41977AD35B3D}" type="datetimeFigureOut">
               <a:rPr lang="ru-RU" smtClean="0"/>
-              <a:t>21.11.2019</a:t>
+              <a:t>22.11.2019</a:t>
             </a:fld>
             <a:endParaRPr lang="ru-RU"/>
           </a:p>
@@ -3177,7 +3177,23 @@
           <a:p>
             <a:r>
               <a:rPr lang="ru-RU" sz="2000" dirty="0" smtClean="0"/>
-              <a:t>Предположим имеется следующее начало из пакет данных:</a:t>
+              <a:t>Предположим имеется следующее начало из </a:t>
+            </a:r>
+            <a:r>
+              <a:rPr lang="ru-RU" sz="2000" dirty="0" smtClean="0"/>
+              <a:t>пакет</a:t>
+            </a:r>
+            <a:r>
+              <a:rPr lang="ru-RU" sz="2000" dirty="0"/>
+              <a:t>а</a:t>
+            </a:r>
+            <a:r>
+              <a:rPr lang="ru-RU" sz="2000" dirty="0" smtClean="0"/>
+              <a:t> </a:t>
+            </a:r>
+            <a:r>
+              <a:rPr lang="ru-RU" sz="2000" dirty="0" smtClean="0"/>
+              <a:t>данных:</a:t>
             </a:r>
           </a:p>
           <a:p>
@@ -3258,7 +3274,19 @@
           <a:p>
             <a:r>
               <a:rPr lang="ru-RU" sz="2000" dirty="0" smtClean="0"/>
-              <a:t>Далее регистры 8м раз поразрядно сдвигаются, при этом старшие разряды В2 переходят в младшие В1, а старшие В1 во флаг С</a:t>
+              <a:t>Далее регистры </a:t>
+            </a:r>
+            <a:r>
+              <a:rPr lang="ru-RU" sz="2000" dirty="0"/>
+              <a:t>8</a:t>
+            </a:r>
+            <a:r>
+              <a:rPr lang="ru-RU" sz="2000" dirty="0" smtClean="0"/>
+              <a:t> </a:t>
+            </a:r>
+            <a:r>
+              <a:rPr lang="ru-RU" sz="2000" dirty="0" smtClean="0"/>
+              <a:t>раз поразрядно сдвигаются, при этом старшие разряды В2 переходят в младшие В1, а старшие В1 во флаг С</a:t>
             </a:r>
             <a:r>
               <a:rPr lang="en-US" sz="2000" dirty="0" smtClean="0"/>
@@ -4107,6 +4135,170 @@
           </a:fontRef>
         </p:style>
       </p:cxnSp>
+      <p:sp>
+        <p:nvSpPr>
+          <p:cNvPr id="3" name="Скругленный прямоугольник 2"/>
+          <p:cNvSpPr/>
+          <p:nvPr/>
+        </p:nvSpPr>
+        <p:spPr>
+          <a:xfrm>
+            <a:off x="5968630" y="709563"/>
+            <a:ext cx="1060136" cy="294129"/>
+          </a:xfrm>
+          <a:prstGeom prst="roundRect">
+            <a:avLst/>
+          </a:prstGeom>
+          <a:noFill/>
+        </p:spPr>
+        <p:style>
+          <a:lnRef idx="2">
+            <a:schemeClr val="accent2">
+              <a:shade val="50000"/>
+            </a:schemeClr>
+          </a:lnRef>
+          <a:fillRef idx="1">
+            <a:schemeClr val="accent2"/>
+          </a:fillRef>
+          <a:effectRef idx="0">
+            <a:schemeClr val="accent2"/>
+          </a:effectRef>
+          <a:fontRef idx="minor">
+            <a:schemeClr val="lt1"/>
+          </a:fontRef>
+        </p:style>
+        <p:txBody>
+          <a:bodyPr rtlCol="0" anchor="ctr"/>
+          <a:lstStyle/>
+          <a:p>
+            <a:pPr algn="ctr"/>
+            <a:endParaRPr lang="ru-RU"/>
+          </a:p>
+        </p:txBody>
+      </p:sp>
+      <p:sp>
+        <p:nvSpPr>
+          <p:cNvPr id="28" name="Скругленный прямоугольник 27"/>
+          <p:cNvSpPr/>
+          <p:nvPr/>
+        </p:nvSpPr>
+        <p:spPr>
+          <a:xfrm>
+            <a:off x="4658247" y="5673703"/>
+            <a:ext cx="1140087" cy="294129"/>
+          </a:xfrm>
+          <a:prstGeom prst="roundRect">
+            <a:avLst/>
+          </a:prstGeom>
+          <a:noFill/>
+        </p:spPr>
+        <p:style>
+          <a:lnRef idx="2">
+            <a:schemeClr val="accent2">
+              <a:shade val="50000"/>
+            </a:schemeClr>
+          </a:lnRef>
+          <a:fillRef idx="1">
+            <a:schemeClr val="accent2"/>
+          </a:fillRef>
+          <a:effectRef idx="0">
+            <a:schemeClr val="accent2"/>
+          </a:effectRef>
+          <a:fontRef idx="minor">
+            <a:schemeClr val="lt1"/>
+          </a:fontRef>
+        </p:style>
+        <p:txBody>
+          <a:bodyPr rtlCol="0" anchor="ctr"/>
+          <a:lstStyle/>
+          <a:p>
+            <a:pPr algn="ctr"/>
+            <a:endParaRPr lang="ru-RU"/>
+          </a:p>
+        </p:txBody>
+      </p:sp>
+      <p:sp>
+        <p:nvSpPr>
+          <p:cNvPr id="31" name="Скругленный прямоугольник 30"/>
+          <p:cNvSpPr/>
+          <p:nvPr/>
+        </p:nvSpPr>
+        <p:spPr>
+          <a:xfrm>
+            <a:off x="3791967" y="699988"/>
+            <a:ext cx="1060136" cy="294129"/>
+          </a:xfrm>
+          <a:prstGeom prst="roundRect">
+            <a:avLst/>
+          </a:prstGeom>
+          <a:noFill/>
+        </p:spPr>
+        <p:style>
+          <a:lnRef idx="2">
+            <a:schemeClr val="accent2">
+              <a:shade val="50000"/>
+            </a:schemeClr>
+          </a:lnRef>
+          <a:fillRef idx="1">
+            <a:schemeClr val="accent2"/>
+          </a:fillRef>
+          <a:effectRef idx="0">
+            <a:schemeClr val="accent2"/>
+          </a:effectRef>
+          <a:fontRef idx="minor">
+            <a:schemeClr val="lt1"/>
+          </a:fontRef>
+        </p:style>
+        <p:txBody>
+          <a:bodyPr rtlCol="0" anchor="ctr"/>
+          <a:lstStyle/>
+          <a:p>
+            <a:pPr algn="ctr"/>
+            <a:endParaRPr lang="ru-RU"/>
+          </a:p>
+        </p:txBody>
+      </p:sp>
+      <p:sp>
+        <p:nvSpPr>
+          <p:cNvPr id="33" name="Скругленный прямоугольник 32"/>
+          <p:cNvSpPr/>
+          <p:nvPr/>
+        </p:nvSpPr>
+        <p:spPr>
+          <a:xfrm>
+            <a:off x="4892851" y="704077"/>
+            <a:ext cx="1060136" cy="294129"/>
+          </a:xfrm>
+          <a:prstGeom prst="roundRect">
+            <a:avLst/>
+          </a:prstGeom>
+          <a:noFill/>
+        </p:spPr>
+        <p:style>
+          <a:lnRef idx="2">
+            <a:schemeClr val="accent2">
+              <a:shade val="50000"/>
+            </a:schemeClr>
+          </a:lnRef>
+          <a:fillRef idx="1">
+            <a:schemeClr val="accent2"/>
+          </a:fillRef>
+          <a:effectRef idx="0">
+            <a:schemeClr val="accent2"/>
+          </a:effectRef>
+          <a:fontRef idx="minor">
+            <a:schemeClr val="lt1"/>
+          </a:fontRef>
+        </p:style>
+        <p:txBody>
+          <a:bodyPr rtlCol="0" anchor="ctr"/>
+          <a:lstStyle/>
+          <a:p>
+            <a:pPr algn="ctr"/>
+            <a:endParaRPr lang="ru-RU"/>
+          </a:p>
+        </p:txBody>
+      </p:sp>
     </p:spTree>
     <p:extLst>
       <p:ext uri="{BB962C8B-B14F-4D97-AF65-F5344CB8AC3E}">
@@ -4329,6 +4521,108 @@
                                   </p:subTnLst>
                                 </p:cTn>
                               </p:par>
+                              <p:par>
+                                <p:cTn id="19" presetID="10" presetClass="entr" presetSubtype="0" fill="hold" grpId="0" nodeType="withEffect">
+                                  <p:stCondLst>
+                                    <p:cond delay="0"/>
+                                  </p:stCondLst>
+                                  <p:childTnLst>
+                                    <p:set>
+                                      <p:cBhvr>
+                                        <p:cTn id="20" dur="1" fill="hold">
+                                          <p:stCondLst>
+                                            <p:cond delay="0"/>
+                                          </p:stCondLst>
+                                        </p:cTn>
+                                        <p:tgtEl>
+                                          <p:spTgt spid="31"/>
+                                        </p:tgtEl>
+                                        <p:attrNameLst>
+                                          <p:attrName>style.visibility</p:attrName>
+                                        </p:attrNameLst>
+                                      </p:cBhvr>
+                                      <p:to>
+                                        <p:strVal val="visible"/>
+                                      </p:to>
+                                    </p:set>
+                                    <p:animEffect transition="in" filter="fade">
+                                      <p:cBhvr>
+                                        <p:cTn id="21" dur="500"/>
+                                        <p:tgtEl>
+                                          <p:spTgt spid="31"/>
+                                        </p:tgtEl>
+                                      </p:cBhvr>
+                                    </p:animEffect>
+                                  </p:childTnLst>
+                                  <p:subTnLst>
+                                    <p:set>
+                                      <p:cBhvr override="childStyle">
+                                        <p:cTn dur="1" fill="hold" display="0" masterRel="nextClick" afterEffect="1"/>
+                                        <p:tgtEl>
+                                          <p:spTgt spid="31"/>
+                                        </p:tgtEl>
+                                        <p:attrNameLst>
+                                          <p:attrName>style.visibility</p:attrName>
+                                        </p:attrNameLst>
+                                      </p:cBhvr>
+                                      <p:to>
+                                        <p:strVal val="hidden"/>
+                                      </p:to>
+                                    </p:set>
+                                  </p:subTnLst>
+                                </p:cTn>
+                              </p:par>
+                              <p:par>
+                                <p:cTn id="22" presetID="10" presetClass="entr" presetSubtype="0" fill="hold" grpId="0" nodeType="withEffect">
+                                  <p:stCondLst>
+                                    <p:cond delay="0"/>
+                                  </p:stCondLst>
+                                  <p:childTnLst>
+                                    <p:set>
+                                      <p:cBhvr>
+                                        <p:cTn id="23" dur="1" fill="hold">
+                                          <p:stCondLst>
+                                            <p:cond delay="0"/>
+                                          </p:stCondLst>
+                                        </p:cTn>
+                                        <p:tgtEl>
+                                          <p:spTgt spid="33"/>
+                                        </p:tgtEl>
+                                        <p:attrNameLst>
+                                          <p:attrName>style.visibility</p:attrName>
+                                        </p:attrNameLst>
+                                      </p:cBhvr>
+                                      <p:to>
+                                        <p:strVal val="visible"/>
+                                      </p:to>
+                                    </p:set>
+                                    <p:animEffect transition="in" filter="fade">
+                                      <p:cBhvr>
+                                        <p:cTn id="24" dur="500"/>
+                                        <p:tgtEl>
+                                          <p:spTgt spid="33"/>
+                                        </p:tgtEl>
+                                      </p:cBhvr>
+                                    </p:animEffect>
+                                  </p:childTnLst>
+                                  <p:subTnLst>
+                                    <p:set>
+                                      <p:cBhvr override="childStyle">
+                                        <p:cTn dur="1" fill="hold" display="0" masterRel="nextClick" afterEffect="1"/>
+                                        <p:tgtEl>
+                                          <p:spTgt spid="33"/>
+                                        </p:tgtEl>
+                                        <p:attrNameLst>
+                                          <p:attrName>style.visibility</p:attrName>
+                                        </p:attrNameLst>
+                                      </p:cBhvr>
+                                      <p:to>
+                                        <p:strVal val="hidden"/>
+                                      </p:to>
+                                    </p:set>
+                                  </p:subTnLst>
+                                </p:cTn>
+                              </p:par>
                             </p:childTnLst>
                           </p:cTn>
                         </p:par>
@@ -4336,26 +4630,26 @@
                     </p:cTn>
                   </p:par>
                   <p:par>
-                    <p:cTn id="19" fill="hold">
+                    <p:cTn id="25" fill="hold">
                       <p:stCondLst>
                         <p:cond delay="indefinite"/>
                       </p:stCondLst>
                       <p:childTnLst>
                         <p:par>
-                          <p:cTn id="20" fill="hold">
+                          <p:cTn id="26" fill="hold">
                             <p:stCondLst>
                               <p:cond delay="0"/>
                             </p:stCondLst>
                             <p:childTnLst>
                               <p:par>
-                                <p:cTn id="21" presetID="1" presetClass="entr" presetSubtype="0" fill="hold" grpId="0" nodeType="clickEffect">
+                                <p:cTn id="27" presetID="1" presetClass="entr" presetSubtype="0" fill="hold" grpId="0" nodeType="clickEffect">
                                   <p:stCondLst>
                                     <p:cond delay="0"/>
                                   </p:stCondLst>
                                   <p:childTnLst>
                                     <p:set>
                                       <p:cBhvr>
-                                        <p:cTn id="22" dur="1" fill="hold">
+                                        <p:cTn id="28" dur="1" fill="hold">
                                           <p:stCondLst>
                                             <p:cond delay="0"/>
                                           </p:stCondLst>
@@ -4381,26 +4675,26 @@
                     </p:cTn>
                   </p:par>
                   <p:par>
-                    <p:cTn id="23" fill="hold">
+                    <p:cTn id="29" fill="hold">
                       <p:stCondLst>
                         <p:cond delay="indefinite"/>
                       </p:stCondLst>
                       <p:childTnLst>
                         <p:par>
-                          <p:cTn id="24" fill="hold">
+                          <p:cTn id="30" fill="hold">
                             <p:stCondLst>
                               <p:cond delay="0"/>
                             </p:stCondLst>
                             <p:childTnLst>
                               <p:par>
-                                <p:cTn id="25" presetID="1" presetClass="entr" presetSubtype="0" fill="hold" grpId="0" nodeType="clickEffect">
+                                <p:cTn id="31" presetID="1" presetClass="entr" presetSubtype="0" fill="hold" grpId="0" nodeType="clickEffect">
                                   <p:stCondLst>
                                     <p:cond delay="0"/>
                                   </p:stCondLst>
                                   <p:childTnLst>
                                     <p:set>
                                       <p:cBhvr>
-                                        <p:cTn id="26" dur="1" fill="hold">
+                                        <p:cTn id="32" dur="1" fill="hold">
                                           <p:stCondLst>
                                             <p:cond delay="0"/>
                                           </p:stCondLst>
@@ -4442,26 +4736,26 @@
                     </p:cTn>
                   </p:par>
                   <p:par>
-                    <p:cTn id="27" fill="hold">
+                    <p:cTn id="33" fill="hold">
                       <p:stCondLst>
                         <p:cond delay="indefinite"/>
                       </p:stCondLst>
                       <p:childTnLst>
                         <p:par>
-                          <p:cTn id="28" fill="hold">
+                          <p:cTn id="34" fill="hold">
                             <p:stCondLst>
                               <p:cond delay="0"/>
                             </p:stCondLst>
                             <p:childTnLst>
                               <p:par>
-                                <p:cTn id="29" presetID="1" presetClass="entr" presetSubtype="0" fill="hold" grpId="0" nodeType="clickEffect">
+                                <p:cTn id="35" presetID="1" presetClass="entr" presetSubtype="0" fill="hold" grpId="0" nodeType="clickEffect">
                                   <p:stCondLst>
                                     <p:cond delay="0"/>
                                   </p:stCondLst>
                                   <p:childTnLst>
                                     <p:set>
                                       <p:cBhvr>
-                                        <p:cTn id="30" dur="1" fill="hold">
+                                        <p:cTn id="36" dur="1" fill="hold">
                                           <p:stCondLst>
                                             <p:cond delay="0"/>
                                           </p:stCondLst>
@@ -4503,26 +4797,26 @@
                     </p:cTn>
                   </p:par>
                   <p:par>
-                    <p:cTn id="31" fill="hold">
+                    <p:cTn id="37" fill="hold">
                       <p:stCondLst>
                         <p:cond delay="indefinite"/>
                       </p:stCondLst>
                       <p:childTnLst>
                         <p:par>
-                          <p:cTn id="32" fill="hold">
+                          <p:cTn id="38" fill="hold">
                             <p:stCondLst>
                               <p:cond delay="0"/>
                             </p:stCondLst>
                             <p:childTnLst>
                               <p:par>
-                                <p:cTn id="33" presetID="1" presetClass="entr" presetSubtype="0" fill="hold" grpId="0" nodeType="clickEffect">
+                                <p:cTn id="39" presetID="1" presetClass="entr" presetSubtype="0" fill="hold" grpId="0" nodeType="clickEffect">
                                   <p:stCondLst>
                                     <p:cond delay="0"/>
                                   </p:stCondLst>
                                   <p:childTnLst>
                                     <p:set>
                                       <p:cBhvr>
-                                        <p:cTn id="34" dur="1" fill="hold">
+                                        <p:cTn id="40" dur="1" fill="hold">
                                           <p:stCondLst>
                                             <p:cond delay="0"/>
                                           </p:stCondLst>
@@ -4564,26 +4858,26 @@
                     </p:cTn>
                   </p:par>
                   <p:par>
-                    <p:cTn id="35" fill="hold">
+                    <p:cTn id="41" fill="hold">
                       <p:stCondLst>
                         <p:cond delay="indefinite"/>
                       </p:stCondLst>
                       <p:childTnLst>
                         <p:par>
-                          <p:cTn id="36" fill="hold">
+                          <p:cTn id="42" fill="hold">
                             <p:stCondLst>
                               <p:cond delay="0"/>
                             </p:stCondLst>
                             <p:childTnLst>
                               <p:par>
-                                <p:cTn id="37" presetID="1" presetClass="entr" presetSubtype="0" fill="hold" grpId="0" nodeType="clickEffect">
+                                <p:cTn id="43" presetID="1" presetClass="entr" presetSubtype="0" fill="hold" grpId="0" nodeType="clickEffect">
                                   <p:stCondLst>
                                     <p:cond delay="0"/>
                                   </p:stCondLst>
                                   <p:childTnLst>
                                     <p:set>
                                       <p:cBhvr>
-                                        <p:cTn id="38" dur="1" fill="hold">
+                                        <p:cTn id="44" dur="1" fill="hold">
                                           <p:stCondLst>
                                             <p:cond delay="0"/>
                                           </p:stCondLst>
@@ -4625,26 +4919,26 @@
                     </p:cTn>
                   </p:par>
                   <p:par>
-                    <p:cTn id="39" fill="hold">
+                    <p:cTn id="45" fill="hold">
                       <p:stCondLst>
                         <p:cond delay="indefinite"/>
                       </p:stCondLst>
                       <p:childTnLst>
                         <p:par>
-                          <p:cTn id="40" fill="hold">
+                          <p:cTn id="46" fill="hold">
                             <p:stCondLst>
                               <p:cond delay="0"/>
                             </p:stCondLst>
                             <p:childTnLst>
                               <p:par>
-                                <p:cTn id="41" presetID="1" presetClass="entr" presetSubtype="0" fill="hold" grpId="0" nodeType="clickEffect">
+                                <p:cTn id="47" presetID="1" presetClass="entr" presetSubtype="0" fill="hold" grpId="0" nodeType="clickEffect">
                                   <p:stCondLst>
                                     <p:cond delay="0"/>
                                   </p:stCondLst>
                                   <p:childTnLst>
                                     <p:set>
                                       <p:cBhvr>
-                                        <p:cTn id="42" dur="1" fill="hold">
+                                        <p:cTn id="48" dur="1" fill="hold">
                                           <p:stCondLst>
                                             <p:cond delay="0"/>
                                           </p:stCondLst>
@@ -4670,26 +4964,26 @@
                     </p:cTn>
                   </p:par>
                   <p:par>
-                    <p:cTn id="43" fill="hold">
+                    <p:cTn id="49" fill="hold">
                       <p:stCondLst>
                         <p:cond delay="indefinite"/>
                       </p:stCondLst>
                       <p:childTnLst>
                         <p:par>
-                          <p:cTn id="44" fill="hold">
+                          <p:cTn id="50" fill="hold">
                             <p:stCondLst>
                               <p:cond delay="0"/>
                             </p:stCondLst>
                             <p:childTnLst>
                               <p:par>
-                                <p:cTn id="45" presetID="1" presetClass="entr" presetSubtype="0" fill="hold" grpId="0" nodeType="clickEffect">
+                                <p:cTn id="51" presetID="1" presetClass="entr" presetSubtype="0" fill="hold" grpId="0" nodeType="clickEffect">
                                   <p:stCondLst>
                                     <p:cond delay="0"/>
                                   </p:stCondLst>
                                   <p:childTnLst>
                                     <p:set>
                                       <p:cBhvr>
-                                        <p:cTn id="46" dur="1" fill="hold">
+                                        <p:cTn id="52" dur="1" fill="hold">
                                           <p:stCondLst>
                                             <p:cond delay="0"/>
                                           </p:stCondLst>
@@ -4715,26 +5009,26 @@
                     </p:cTn>
                   </p:par>
                   <p:par>
-                    <p:cTn id="47" fill="hold">
+                    <p:cTn id="53" fill="hold">
                       <p:stCondLst>
                         <p:cond delay="indefinite"/>
                       </p:stCondLst>
                       <p:childTnLst>
                         <p:par>
-                          <p:cTn id="48" fill="hold">
+                          <p:cTn id="54" fill="hold">
                             <p:stCondLst>
                               <p:cond delay="0"/>
                             </p:stCondLst>
                             <p:childTnLst>
                               <p:par>
-                                <p:cTn id="49" presetID="1" presetClass="entr" presetSubtype="0" fill="hold" grpId="0" nodeType="clickEffect">
+                                <p:cTn id="55" presetID="1" presetClass="entr" presetSubtype="0" fill="hold" grpId="0" nodeType="clickEffect">
                                   <p:stCondLst>
                                     <p:cond delay="0"/>
                                   </p:stCondLst>
                                   <p:childTnLst>
                                     <p:set>
                                       <p:cBhvr>
-                                        <p:cTn id="50" dur="1" fill="hold">
+                                        <p:cTn id="56" dur="1" fill="hold">
                                           <p:stCondLst>
                                             <p:cond delay="0"/>
                                           </p:stCondLst>
@@ -4770,14 +5064,14 @@
                                 </p:cTn>
                               </p:par>
                               <p:par>
-                                <p:cTn id="51" presetID="10" presetClass="entr" presetSubtype="0" fill="hold" nodeType="withEffect">
+                                <p:cTn id="57" presetID="10" presetClass="entr" presetSubtype="0" fill="hold" nodeType="withEffect">
                                   <p:stCondLst>
                                     <p:cond delay="0"/>
                                   </p:stCondLst>
                                   <p:childTnLst>
                                     <p:set>
                                       <p:cBhvr>
-                                        <p:cTn id="52" dur="1" fill="hold">
+                                        <p:cTn id="58" dur="1" fill="hold">
                                           <p:stCondLst>
                                             <p:cond delay="0"/>
                                           </p:stCondLst>
@@ -4795,7 +5089,7 @@
                                     </p:set>
                                     <p:animEffect transition="in" filter="fade">
                                       <p:cBhvr>
-                                        <p:cTn id="53" dur="500"/>
+                                        <p:cTn id="59" dur="500"/>
                                         <p:tgtEl>
                                           <p:spTgt spid="21"/>
                                         </p:tgtEl>
@@ -4808,108 +5102,6 @@
                                         <p:cTn dur="1" fill="hold" display="0" masterRel="nextClick" afterEffect="1"/>
                                         <p:tgtEl>
                                           <p:spTgt spid="21"/>
-                                        </p:tgtEl>
-                                        <p:attrNameLst>
-                                          <p:attrName>style.visibility</p:attrName>
-                                        </p:attrNameLst>
-                                      </p:cBhvr>
-                                      <p:to>
-                                        <p:strVal val="hidden"/>
-                                      </p:to>
-                                    </p:set>
-                                  </p:subTnLst>
-                                </p:cTn>
-                              </p:par>
-                              <p:par>
-                                <p:cTn id="54" presetID="10" presetClass="entr" presetSubtype="0" fill="hold" nodeType="withEffect">
-                                  <p:stCondLst>
-                                    <p:cond delay="0"/>
-                                  </p:stCondLst>
-                                  <p:childTnLst>
-                                    <p:set>
-                                      <p:cBhvr>
-                                        <p:cTn id="55" dur="1" fill="hold">
-                                          <p:stCondLst>
-                                            <p:cond delay="0"/>
-                                          </p:stCondLst>
-                                        </p:cTn>
-                                        <p:tgtEl>
-                                          <p:spTgt spid="26"/>
-                                        </p:tgtEl>
-                                        <p:attrNameLst>
-                                          <p:attrName>style.visibility</p:attrName>
-                                        </p:attrNameLst>
-                                      </p:cBhvr>
-                                      <p:to>
-                                        <p:strVal val="visible"/>
-                                      </p:to>
-                                    </p:set>
-                                    <p:animEffect transition="in" filter="fade">
-                                      <p:cBhvr>
-                                        <p:cTn id="56" dur="500"/>
-                                        <p:tgtEl>
-                                          <p:spTgt spid="26"/>
-                                        </p:tgtEl>
-                                      </p:cBhvr>
-                                    </p:animEffect>
-                                  </p:childTnLst>
-                                  <p:subTnLst>
-                                    <p:set>
-                                      <p:cBhvr override="childStyle">
-                                        <p:cTn dur="1" fill="hold" display="0" masterRel="nextClick" afterEffect="1"/>
-                                        <p:tgtEl>
-                                          <p:spTgt spid="26"/>
-                                        </p:tgtEl>
-                                        <p:attrNameLst>
-                                          <p:attrName>style.visibility</p:attrName>
-                                        </p:attrNameLst>
-                                      </p:cBhvr>
-                                      <p:to>
-                                        <p:strVal val="hidden"/>
-                                      </p:to>
-                                    </p:set>
-                                  </p:subTnLst>
-                                </p:cTn>
-                              </p:par>
-                              <p:par>
-                                <p:cTn id="57" presetID="10" presetClass="entr" presetSubtype="0" fill="hold" nodeType="withEffect">
-                                  <p:stCondLst>
-                                    <p:cond delay="0"/>
-                                  </p:stCondLst>
-                                  <p:childTnLst>
-                                    <p:set>
-                                      <p:cBhvr>
-                                        <p:cTn id="58" dur="1" fill="hold">
-                                          <p:stCondLst>
-                                            <p:cond delay="0"/>
-                                          </p:stCondLst>
-                                        </p:cTn>
-                                        <p:tgtEl>
-                                          <p:spTgt spid="29"/>
-                                        </p:tgtEl>
-                                        <p:attrNameLst>
-                                          <p:attrName>style.visibility</p:attrName>
-                                        </p:attrNameLst>
-                                      </p:cBhvr>
-                                      <p:to>
-                                        <p:strVal val="visible"/>
-                                      </p:to>
-                                    </p:set>
-                                    <p:animEffect transition="in" filter="fade">
-                                      <p:cBhvr>
-                                        <p:cTn id="59" dur="500"/>
-                                        <p:tgtEl>
-                                          <p:spTgt spid="29"/>
-                                        </p:tgtEl>
-                                      </p:cBhvr>
-                                    </p:animEffect>
-                                  </p:childTnLst>
-                                  <p:subTnLst>
-                                    <p:set>
-                                      <p:cBhvr override="childStyle">
-                                        <p:cTn dur="1" fill="hold" display="0" masterRel="nextClick" afterEffect="1"/>
-                                        <p:tgtEl>
-                                          <p:spTgt spid="29"/>
                                         </p:tgtEl>
                                         <p:attrNameLst>
                                           <p:attrName>style.visibility</p:attrName>
@@ -4936,6 +5128,108 @@
                                           </p:stCondLst>
                                         </p:cTn>
                                         <p:tgtEl>
+                                          <p:spTgt spid="26"/>
+                                        </p:tgtEl>
+                                        <p:attrNameLst>
+                                          <p:attrName>style.visibility</p:attrName>
+                                        </p:attrNameLst>
+                                      </p:cBhvr>
+                                      <p:to>
+                                        <p:strVal val="visible"/>
+                                      </p:to>
+                                    </p:set>
+                                    <p:animEffect transition="in" filter="fade">
+                                      <p:cBhvr>
+                                        <p:cTn id="62" dur="500"/>
+                                        <p:tgtEl>
+                                          <p:spTgt spid="26"/>
+                                        </p:tgtEl>
+                                      </p:cBhvr>
+                                    </p:animEffect>
+                                  </p:childTnLst>
+                                  <p:subTnLst>
+                                    <p:set>
+                                      <p:cBhvr override="childStyle">
+                                        <p:cTn dur="1" fill="hold" display="0" masterRel="nextClick" afterEffect="1"/>
+                                        <p:tgtEl>
+                                          <p:spTgt spid="26"/>
+                                        </p:tgtEl>
+                                        <p:attrNameLst>
+                                          <p:attrName>style.visibility</p:attrName>
+                                        </p:attrNameLst>
+                                      </p:cBhvr>
+                                      <p:to>
+                                        <p:strVal val="hidden"/>
+                                      </p:to>
+                                    </p:set>
+                                  </p:subTnLst>
+                                </p:cTn>
+                              </p:par>
+                              <p:par>
+                                <p:cTn id="63" presetID="10" presetClass="entr" presetSubtype="0" fill="hold" nodeType="withEffect">
+                                  <p:stCondLst>
+                                    <p:cond delay="0"/>
+                                  </p:stCondLst>
+                                  <p:childTnLst>
+                                    <p:set>
+                                      <p:cBhvr>
+                                        <p:cTn id="64" dur="1" fill="hold">
+                                          <p:stCondLst>
+                                            <p:cond delay="0"/>
+                                          </p:stCondLst>
+                                        </p:cTn>
+                                        <p:tgtEl>
+                                          <p:spTgt spid="29"/>
+                                        </p:tgtEl>
+                                        <p:attrNameLst>
+                                          <p:attrName>style.visibility</p:attrName>
+                                        </p:attrNameLst>
+                                      </p:cBhvr>
+                                      <p:to>
+                                        <p:strVal val="visible"/>
+                                      </p:to>
+                                    </p:set>
+                                    <p:animEffect transition="in" filter="fade">
+                                      <p:cBhvr>
+                                        <p:cTn id="65" dur="500"/>
+                                        <p:tgtEl>
+                                          <p:spTgt spid="29"/>
+                                        </p:tgtEl>
+                                      </p:cBhvr>
+                                    </p:animEffect>
+                                  </p:childTnLst>
+                                  <p:subTnLst>
+                                    <p:set>
+                                      <p:cBhvr override="childStyle">
+                                        <p:cTn dur="1" fill="hold" display="0" masterRel="nextClick" afterEffect="1"/>
+                                        <p:tgtEl>
+                                          <p:spTgt spid="29"/>
+                                        </p:tgtEl>
+                                        <p:attrNameLst>
+                                          <p:attrName>style.visibility</p:attrName>
+                                        </p:attrNameLst>
+                                      </p:cBhvr>
+                                      <p:to>
+                                        <p:strVal val="hidden"/>
+                                      </p:to>
+                                    </p:set>
+                                  </p:subTnLst>
+                                </p:cTn>
+                              </p:par>
+                              <p:par>
+                                <p:cTn id="66" presetID="10" presetClass="entr" presetSubtype="0" fill="hold" nodeType="withEffect">
+                                  <p:stCondLst>
+                                    <p:cond delay="0"/>
+                                  </p:stCondLst>
+                                  <p:childTnLst>
+                                    <p:set>
+                                      <p:cBhvr>
+                                        <p:cTn id="67" dur="1" fill="hold">
+                                          <p:stCondLst>
+                                            <p:cond delay="0"/>
+                                          </p:stCondLst>
+                                        </p:cTn>
+                                        <p:tgtEl>
                                           <p:spTgt spid="32"/>
                                         </p:tgtEl>
                                         <p:attrNameLst>
@@ -4948,7 +5242,7 @@
                                     </p:set>
                                     <p:animEffect transition="in" filter="fade">
                                       <p:cBhvr>
-                                        <p:cTn id="62" dur="500"/>
+                                        <p:cTn id="68" dur="500"/>
                                         <p:tgtEl>
                                           <p:spTgt spid="32"/>
                                         </p:tgtEl>
@@ -4980,26 +5274,26 @@
                     </p:cTn>
                   </p:par>
                   <p:par>
-                    <p:cTn id="63" fill="hold">
+                    <p:cTn id="69" fill="hold">
                       <p:stCondLst>
                         <p:cond delay="indefinite"/>
                       </p:stCondLst>
                       <p:childTnLst>
                         <p:par>
-                          <p:cTn id="64" fill="hold">
+                          <p:cTn id="70" fill="hold">
                             <p:stCondLst>
                               <p:cond delay="0"/>
                             </p:stCondLst>
                             <p:childTnLst>
                               <p:par>
-                                <p:cTn id="65" presetID="1" presetClass="entr" presetSubtype="0" fill="hold" grpId="0" nodeType="clickEffect">
+                                <p:cTn id="71" presetID="1" presetClass="entr" presetSubtype="0" fill="hold" grpId="0" nodeType="clickEffect">
                                   <p:stCondLst>
                                     <p:cond delay="0"/>
                                   </p:stCondLst>
                                   <p:childTnLst>
                                     <p:set>
                                       <p:cBhvr>
-                                        <p:cTn id="66" dur="1" fill="hold">
+                                        <p:cTn id="72" dur="1" fill="hold">
                                           <p:stCondLst>
                                             <p:cond delay="0"/>
                                           </p:stCondLst>
@@ -5025,26 +5319,26 @@
                     </p:cTn>
                   </p:par>
                   <p:par>
-                    <p:cTn id="67" fill="hold">
+                    <p:cTn id="73" fill="hold">
                       <p:stCondLst>
                         <p:cond delay="indefinite"/>
                       </p:stCondLst>
                       <p:childTnLst>
                         <p:par>
-                          <p:cTn id="68" fill="hold">
+                          <p:cTn id="74" fill="hold">
                             <p:stCondLst>
                               <p:cond delay="0"/>
                             </p:stCondLst>
                             <p:childTnLst>
                               <p:par>
-                                <p:cTn id="69" presetID="1" presetClass="entr" presetSubtype="0" fill="hold" grpId="0" nodeType="clickEffect">
+                                <p:cTn id="75" presetID="1" presetClass="entr" presetSubtype="0" fill="hold" grpId="0" nodeType="clickEffect">
                                   <p:stCondLst>
                                     <p:cond delay="0"/>
                                   </p:stCondLst>
                                   <p:childTnLst>
                                     <p:set>
                                       <p:cBhvr>
-                                        <p:cTn id="70" dur="1" fill="hold">
+                                        <p:cTn id="76" dur="1" fill="hold">
                                           <p:stCondLst>
                                             <p:cond delay="0"/>
                                           </p:stCondLst>
@@ -5070,26 +5364,26 @@
                     </p:cTn>
                   </p:par>
                   <p:par>
-                    <p:cTn id="71" fill="hold">
+                    <p:cTn id="77" fill="hold">
                       <p:stCondLst>
                         <p:cond delay="indefinite"/>
                       </p:stCondLst>
                       <p:childTnLst>
                         <p:par>
-                          <p:cTn id="72" fill="hold">
+                          <p:cTn id="78" fill="hold">
                             <p:stCondLst>
                               <p:cond delay="0"/>
                             </p:stCondLst>
                             <p:childTnLst>
                               <p:par>
-                                <p:cTn id="73" presetID="1" presetClass="entr" presetSubtype="0" fill="hold" grpId="0" nodeType="clickEffect">
+                                <p:cTn id="79" presetID="1" presetClass="entr" presetSubtype="0" fill="hold" grpId="0" nodeType="clickEffect">
                                   <p:stCondLst>
                                     <p:cond delay="0"/>
                                   </p:stCondLst>
                                   <p:childTnLst>
                                     <p:set>
                                       <p:cBhvr>
-                                        <p:cTn id="74" dur="1" fill="hold">
+                                        <p:cTn id="80" dur="1" fill="hold">
                                           <p:stCondLst>
                                             <p:cond delay="0"/>
                                           </p:stCondLst>
@@ -5115,26 +5409,26 @@
                     </p:cTn>
                   </p:par>
                   <p:par>
-                    <p:cTn id="75" fill="hold">
+                    <p:cTn id="81" fill="hold">
                       <p:stCondLst>
                         <p:cond delay="indefinite"/>
                       </p:stCondLst>
                       <p:childTnLst>
                         <p:par>
-                          <p:cTn id="76" fill="hold">
+                          <p:cTn id="82" fill="hold">
                             <p:stCondLst>
                               <p:cond delay="0"/>
                             </p:stCondLst>
                             <p:childTnLst>
                               <p:par>
-                                <p:cTn id="77" presetID="1" presetClass="entr" presetSubtype="0" fill="hold" grpId="0" nodeType="clickEffect">
+                                <p:cTn id="83" presetID="1" presetClass="entr" presetSubtype="0" fill="hold" grpId="0" nodeType="clickEffect">
                                   <p:stCondLst>
                                     <p:cond delay="0"/>
                                   </p:stCondLst>
                                   <p:childTnLst>
                                     <p:set>
                                       <p:cBhvr>
-                                        <p:cTn id="78" dur="1" fill="hold">
+                                        <p:cTn id="84" dur="1" fill="hold">
                                           <p:stCondLst>
                                             <p:cond delay="0"/>
                                           </p:stCondLst>
@@ -5160,26 +5454,26 @@
                     </p:cTn>
                   </p:par>
                   <p:par>
-                    <p:cTn id="79" fill="hold">
+                    <p:cTn id="85" fill="hold">
                       <p:stCondLst>
                         <p:cond delay="indefinite"/>
                       </p:stCondLst>
                       <p:childTnLst>
                         <p:par>
-                          <p:cTn id="80" fill="hold">
+                          <p:cTn id="86" fill="hold">
                             <p:stCondLst>
                               <p:cond delay="0"/>
                             </p:stCondLst>
                             <p:childTnLst>
                               <p:par>
-                                <p:cTn id="81" presetID="1" presetClass="entr" presetSubtype="0" fill="hold" grpId="0" nodeType="clickEffect">
+                                <p:cTn id="87" presetID="1" presetClass="entr" presetSubtype="0" fill="hold" grpId="0" nodeType="clickEffect">
                                   <p:stCondLst>
                                     <p:cond delay="0"/>
                                   </p:stCondLst>
                                   <p:childTnLst>
                                     <p:set>
                                       <p:cBhvr>
-                                        <p:cTn id="82" dur="1" fill="hold">
+                                        <p:cTn id="88" dur="1" fill="hold">
                                           <p:stCondLst>
                                             <p:cond delay="0"/>
                                           </p:stCondLst>
@@ -5205,26 +5499,26 @@
                     </p:cTn>
                   </p:par>
                   <p:par>
-                    <p:cTn id="83" fill="hold">
+                    <p:cTn id="89" fill="hold">
                       <p:stCondLst>
                         <p:cond delay="indefinite"/>
                       </p:stCondLst>
                       <p:childTnLst>
                         <p:par>
-                          <p:cTn id="84" fill="hold">
+                          <p:cTn id="90" fill="hold">
                             <p:stCondLst>
                               <p:cond delay="0"/>
                             </p:stCondLst>
                             <p:childTnLst>
                               <p:par>
-                                <p:cTn id="85" presetID="10" presetClass="entr" presetSubtype="0" fill="hold" nodeType="clickEffect">
+                                <p:cTn id="91" presetID="10" presetClass="entr" presetSubtype="0" fill="hold" nodeType="clickEffect">
                                   <p:stCondLst>
                                     <p:cond delay="0"/>
                                   </p:stCondLst>
                                   <p:childTnLst>
                                     <p:set>
                                       <p:cBhvr>
-                                        <p:cTn id="86" dur="1" fill="hold">
+                                        <p:cTn id="92" dur="1" fill="hold">
                                           <p:stCondLst>
                                             <p:cond delay="0"/>
                                           </p:stCondLst>
@@ -5242,7 +5536,7 @@
                                     </p:set>
                                     <p:animEffect transition="in" filter="fade">
                                       <p:cBhvr>
-                                        <p:cTn id="87" dur="500"/>
+                                        <p:cTn id="93" dur="500"/>
                                         <p:tgtEl>
                                           <p:spTgt spid="49"/>
                                         </p:tgtEl>
@@ -5268,14 +5562,14 @@
                                 </p:cTn>
                               </p:par>
                               <p:par>
-                                <p:cTn id="88" presetID="10" presetClass="entr" presetSubtype="0" fill="hold" nodeType="withEffect">
+                                <p:cTn id="94" presetID="10" presetClass="entr" presetSubtype="0" fill="hold" nodeType="withEffect">
                                   <p:stCondLst>
                                     <p:cond delay="0"/>
                                   </p:stCondLst>
                                   <p:childTnLst>
                                     <p:set>
                                       <p:cBhvr>
-                                        <p:cTn id="89" dur="1" fill="hold">
+                                        <p:cTn id="95" dur="1" fill="hold">
                                           <p:stCondLst>
                                             <p:cond delay="0"/>
                                           </p:stCondLst>
@@ -5293,7 +5587,7 @@
                                     </p:set>
                                     <p:animEffect transition="in" filter="fade">
                                       <p:cBhvr>
-                                        <p:cTn id="90" dur="500"/>
+                                        <p:cTn id="96" dur="500"/>
                                         <p:tgtEl>
                                           <p:spTgt spid="46"/>
                                         </p:tgtEl>
@@ -5306,6 +5600,108 @@
                                         <p:cTn dur="1" fill="hold" display="0" masterRel="nextClick" afterEffect="1"/>
                                         <p:tgtEl>
                                           <p:spTgt spid="46"/>
+                                        </p:tgtEl>
+                                        <p:attrNameLst>
+                                          <p:attrName>style.visibility</p:attrName>
+                                        </p:attrNameLst>
+                                      </p:cBhvr>
+                                      <p:to>
+                                        <p:strVal val="hidden"/>
+                                      </p:to>
+                                    </p:set>
+                                  </p:subTnLst>
+                                </p:cTn>
+                              </p:par>
+                              <p:par>
+                                <p:cTn id="97" presetID="10" presetClass="entr" presetSubtype="0" fill="hold" grpId="0" nodeType="withEffect">
+                                  <p:stCondLst>
+                                    <p:cond delay="0"/>
+                                  </p:stCondLst>
+                                  <p:childTnLst>
+                                    <p:set>
+                                      <p:cBhvr>
+                                        <p:cTn id="98" dur="1" fill="hold">
+                                          <p:stCondLst>
+                                            <p:cond delay="0"/>
+                                          </p:stCondLst>
+                                        </p:cTn>
+                                        <p:tgtEl>
+                                          <p:spTgt spid="3"/>
+                                        </p:tgtEl>
+                                        <p:attrNameLst>
+                                          <p:attrName>style.visibility</p:attrName>
+                                        </p:attrNameLst>
+                                      </p:cBhvr>
+                                      <p:to>
+                                        <p:strVal val="visible"/>
+                                      </p:to>
+                                    </p:set>
+                                    <p:animEffect transition="in" filter="fade">
+                                      <p:cBhvr>
+                                        <p:cTn id="99" dur="500"/>
+                                        <p:tgtEl>
+                                          <p:spTgt spid="3"/>
+                                        </p:tgtEl>
+                                      </p:cBhvr>
+                                    </p:animEffect>
+                                  </p:childTnLst>
+                                  <p:subTnLst>
+                                    <p:set>
+                                      <p:cBhvr override="childStyle">
+                                        <p:cTn dur="1" fill="hold" display="0" masterRel="nextClick" afterEffect="1"/>
+                                        <p:tgtEl>
+                                          <p:spTgt spid="3"/>
+                                        </p:tgtEl>
+                                        <p:attrNameLst>
+                                          <p:attrName>style.visibility</p:attrName>
+                                        </p:attrNameLst>
+                                      </p:cBhvr>
+                                      <p:to>
+                                        <p:strVal val="hidden"/>
+                                      </p:to>
+                                    </p:set>
+                                  </p:subTnLst>
+                                </p:cTn>
+                              </p:par>
+                              <p:par>
+                                <p:cTn id="100" presetID="10" presetClass="entr" presetSubtype="0" fill="hold" grpId="0" nodeType="withEffect">
+                                  <p:stCondLst>
+                                    <p:cond delay="0"/>
+                                  </p:stCondLst>
+                                  <p:childTnLst>
+                                    <p:set>
+                                      <p:cBhvr>
+                                        <p:cTn id="101" dur="1" fill="hold">
+                                          <p:stCondLst>
+                                            <p:cond delay="0"/>
+                                          </p:stCondLst>
+                                        </p:cTn>
+                                        <p:tgtEl>
+                                          <p:spTgt spid="28"/>
+                                        </p:tgtEl>
+                                        <p:attrNameLst>
+                                          <p:attrName>style.visibility</p:attrName>
+                                        </p:attrNameLst>
+                                      </p:cBhvr>
+                                      <p:to>
+                                        <p:strVal val="visible"/>
+                                      </p:to>
+                                    </p:set>
+                                    <p:animEffect transition="in" filter="fade">
+                                      <p:cBhvr>
+                                        <p:cTn id="102" dur="500"/>
+                                        <p:tgtEl>
+                                          <p:spTgt spid="28"/>
+                                        </p:tgtEl>
+                                      </p:cBhvr>
+                                    </p:animEffect>
+                                  </p:childTnLst>
+                                  <p:subTnLst>
+                                    <p:set>
+                                      <p:cBhvr override="childStyle">
+                                        <p:cTn dur="1" fill="hold" display="0" masterRel="nextClick" afterEffect="1"/>
+                                        <p:tgtEl>
+                                          <p:spTgt spid="28"/>
                                         </p:tgtEl>
                                         <p:attrNameLst>
                                           <p:attrName>style.visibility</p:attrName>
@@ -5361,6 +5757,10 @@
       <p:bldP spid="42" grpId="0"/>
       <p:bldP spid="43" grpId="0"/>
       <p:bldP spid="44" grpId="0"/>
+      <p:bldP spid="3" grpId="0" animBg="1"/>
+      <p:bldP spid="28" grpId="0" animBg="1"/>
+      <p:bldP spid="31" grpId="0" animBg="1"/>
+      <p:bldP spid="33" grpId="0" animBg="1"/>
     </p:bldLst>
   </p:timing>
 </p:sld>
@@ -5405,14 +5805,262 @@
         </p:blipFill>
         <p:spPr>
           <a:xfrm>
-            <a:off x="0" y="116632"/>
-            <a:ext cx="1724025" cy="6305550"/>
+            <a:off x="0" y="0"/>
+            <a:ext cx="2339752" cy="6858000"/>
           </a:xfrm>
           <a:prstGeom prst="rect">
             <a:avLst/>
           </a:prstGeom>
         </p:spPr>
       </p:pic>
+      <p:pic>
+        <p:nvPicPr>
+          <p:cNvPr id="2" name="Рисунок 1"/>
+          <p:cNvPicPr>
+            <a:picLocks noChangeAspect="1"/>
+          </p:cNvPicPr>
+          <p:nvPr/>
+        </p:nvPicPr>
+        <p:blipFill>
+          <a:blip r:embed="rId3">
+            <a:extLst>
+              <a:ext uri="{28A0092B-C50C-407E-A947-70E740481C1C}">
+                <a14:useLocalDpi xmlns:a14="http://schemas.microsoft.com/office/drawing/2010/main" val="0"/>
+              </a:ext>
+            </a:extLst>
+          </a:blip>
+          <a:stretch>
+            <a:fillRect/>
+          </a:stretch>
+        </p:blipFill>
+        <p:spPr>
+          <a:xfrm>
+            <a:off x="6516216" y="116632"/>
+            <a:ext cx="2433698" cy="4248472"/>
+          </a:xfrm>
+          <a:prstGeom prst="rect">
+            <a:avLst/>
+          </a:prstGeom>
+        </p:spPr>
+      </p:pic>
+      <p:sp>
+        <p:nvSpPr>
+          <p:cNvPr id="3" name="TextBox 2"/>
+          <p:cNvSpPr txBox="1"/>
+          <p:nvPr/>
+        </p:nvSpPr>
+        <p:spPr>
+          <a:xfrm>
+            <a:off x="3095836" y="855234"/>
+            <a:ext cx="1296144" cy="2031325"/>
+          </a:xfrm>
+          <a:prstGeom prst="rect">
+            <a:avLst/>
+          </a:prstGeom>
+          <a:noFill/>
+        </p:spPr>
+        <p:txBody>
+          <a:bodyPr wrap="square" rtlCol="0">
+            <a:spAutoFit/>
+          </a:bodyPr>
+          <a:lstStyle/>
+          <a:p>
+            <a:r>
+              <a:rPr lang="en-US" dirty="0" smtClean="0"/>
+              <a:t>B1 =</a:t>
+            </a:r>
+          </a:p>
+          <a:p>
+            <a:endParaRPr lang="en-US" dirty="0" smtClean="0"/>
+          </a:p>
+          <a:p>
+            <a:r>
+              <a:rPr lang="en-US" dirty="0" smtClean="0"/>
+              <a:t>B2 =</a:t>
+            </a:r>
+          </a:p>
+          <a:p>
+            <a:endParaRPr lang="en-US" sz="1600" dirty="0" smtClean="0"/>
+          </a:p>
+          <a:p>
+            <a:r>
+              <a:rPr lang="en-US" dirty="0" err="1" smtClean="0"/>
+              <a:t>BReceiver</a:t>
+            </a:r>
+            <a:r>
+              <a:rPr lang="en-US" dirty="0" smtClean="0"/>
+              <a:t> =</a:t>
+            </a:r>
+          </a:p>
+          <a:p>
+            <a:r>
+              <a:rPr lang="en-US" dirty="0" smtClean="0"/>
+              <a:t> </a:t>
+            </a:r>
+          </a:p>
+          <a:p>
+            <a:r>
+              <a:rPr lang="en-US" dirty="0" smtClean="0"/>
+              <a:t>Counter = </a:t>
+            </a:r>
+            <a:endParaRPr lang="ru-RU" dirty="0"/>
+          </a:p>
+        </p:txBody>
+      </p:sp>
+      <p:sp>
+        <p:nvSpPr>
+          <p:cNvPr id="5" name="TextBox 4"/>
+          <p:cNvSpPr txBox="1"/>
+          <p:nvPr/>
+        </p:nvSpPr>
+        <p:spPr>
+          <a:xfrm>
+            <a:off x="3095836" y="146525"/>
+            <a:ext cx="2952328" cy="369332"/>
+          </a:xfrm>
+          <a:prstGeom prst="rect">
+            <a:avLst/>
+          </a:prstGeom>
+          <a:noFill/>
+        </p:spPr>
+        <p:txBody>
+          <a:bodyPr wrap="square" rtlCol="0">
+            <a:spAutoFit/>
+          </a:bodyPr>
+          <a:lstStyle/>
+          <a:p>
+            <a:r>
+              <a:rPr lang="en-US" dirty="0" err="1" smtClean="0"/>
+              <a:t>Polynom</a:t>
+            </a:r>
+            <a:r>
+              <a:rPr lang="en-US" dirty="0" smtClean="0"/>
+              <a:t> =      0001 1001</a:t>
+            </a:r>
+            <a:endParaRPr lang="ru-RU" dirty="0"/>
+          </a:p>
+        </p:txBody>
+      </p:sp>
+      <p:sp>
+        <p:nvSpPr>
+          <p:cNvPr id="7" name="TextBox 6"/>
+          <p:cNvSpPr txBox="1"/>
+          <p:nvPr/>
+        </p:nvSpPr>
+        <p:spPr>
+          <a:xfrm>
+            <a:off x="4391980" y="859817"/>
+            <a:ext cx="1296144" cy="369332"/>
+          </a:xfrm>
+          <a:prstGeom prst="rect">
+            <a:avLst/>
+          </a:prstGeom>
+          <a:noFill/>
+        </p:spPr>
+        <p:txBody>
+          <a:bodyPr wrap="square" rtlCol="0">
+            <a:spAutoFit/>
+          </a:bodyPr>
+          <a:lstStyle/>
+          <a:p>
+            <a:r>
+              <a:rPr lang="en-US" dirty="0" smtClean="0"/>
+              <a:t>0000 0000</a:t>
+            </a:r>
+            <a:endParaRPr lang="ru-RU" dirty="0"/>
+          </a:p>
+        </p:txBody>
+      </p:sp>
+      <p:sp>
+        <p:nvSpPr>
+          <p:cNvPr id="8" name="TextBox 7"/>
+          <p:cNvSpPr txBox="1"/>
+          <p:nvPr/>
+        </p:nvSpPr>
+        <p:spPr>
+          <a:xfrm>
+            <a:off x="4379974" y="1364659"/>
+            <a:ext cx="1296144" cy="369332"/>
+          </a:xfrm>
+          <a:prstGeom prst="rect">
+            <a:avLst/>
+          </a:prstGeom>
+          <a:noFill/>
+        </p:spPr>
+        <p:txBody>
+          <a:bodyPr wrap="square" rtlCol="0">
+            <a:spAutoFit/>
+          </a:bodyPr>
+          <a:lstStyle/>
+          <a:p>
+            <a:r>
+              <a:rPr lang="en-US" dirty="0" smtClean="0"/>
+              <a:t>0000 0000</a:t>
+            </a:r>
+            <a:endParaRPr lang="ru-RU" dirty="0"/>
+          </a:p>
+        </p:txBody>
+      </p:sp>
+      <p:sp>
+        <p:nvSpPr>
+          <p:cNvPr id="9" name="TextBox 8"/>
+          <p:cNvSpPr txBox="1"/>
+          <p:nvPr/>
+        </p:nvSpPr>
+        <p:spPr>
+          <a:xfrm>
+            <a:off x="4391980" y="1921793"/>
+            <a:ext cx="1296144" cy="369332"/>
+          </a:xfrm>
+          <a:prstGeom prst="rect">
+            <a:avLst/>
+          </a:prstGeom>
+          <a:noFill/>
+        </p:spPr>
+        <p:txBody>
+          <a:bodyPr wrap="square" rtlCol="0">
+            <a:spAutoFit/>
+          </a:bodyPr>
+          <a:lstStyle/>
+          <a:p>
+            <a:r>
+              <a:rPr lang="en-US" dirty="0" smtClean="0"/>
+              <a:t>0000 0000</a:t>
+            </a:r>
+            <a:endParaRPr lang="ru-RU" dirty="0"/>
+          </a:p>
+        </p:txBody>
+      </p:sp>
+      <p:sp>
+        <p:nvSpPr>
+          <p:cNvPr id="10" name="TextBox 9"/>
+          <p:cNvSpPr txBox="1"/>
+          <p:nvPr/>
+        </p:nvSpPr>
+        <p:spPr>
+          <a:xfrm>
+            <a:off x="4391980" y="2478026"/>
+            <a:ext cx="1296144" cy="369332"/>
+          </a:xfrm>
+          <a:prstGeom prst="rect">
+            <a:avLst/>
+          </a:prstGeom>
+          <a:noFill/>
+        </p:spPr>
+        <p:txBody>
+          <a:bodyPr wrap="square" rtlCol="0">
+            <a:spAutoFit/>
+          </a:bodyPr>
+          <a:lstStyle/>
+          <a:p>
+            <a:r>
+              <a:rPr lang="en-US" dirty="0" smtClean="0"/>
+              <a:t>8</a:t>
+            </a:r>
+            <a:endParaRPr lang="ru-RU" dirty="0"/>
+          </a:p>
+        </p:txBody>
+      </p:sp>
     </p:spTree>
     <p:extLst>
       <p:ext uri="{BB962C8B-B14F-4D97-AF65-F5344CB8AC3E}">
@@ -5475,10 +6123,1009 @@
         <p:spPr>
           <a:xfrm>
             <a:off x="107504" y="19720"/>
-            <a:ext cx="1728192" cy="5500485"/>
+            <a:ext cx="2448272" cy="6838280"/>
           </a:xfrm>
         </p:spPr>
       </p:pic>
+      <p:pic>
+        <p:nvPicPr>
+          <p:cNvPr id="2" name="Рисунок 1"/>
+          <p:cNvPicPr>
+            <a:picLocks noChangeAspect="1"/>
+          </p:cNvPicPr>
+          <p:nvPr/>
+        </p:nvPicPr>
+        <p:blipFill>
+          <a:blip r:embed="rId3">
+            <a:extLst>
+              <a:ext uri="{28A0092B-C50C-407E-A947-70E740481C1C}">
+                <a14:useLocalDpi xmlns:a14="http://schemas.microsoft.com/office/drawing/2010/main" val="0"/>
+              </a:ext>
+            </a:extLst>
+          </a:blip>
+          <a:stretch>
+            <a:fillRect/>
+          </a:stretch>
+        </p:blipFill>
+        <p:spPr>
+          <a:xfrm>
+            <a:off x="6876257" y="0"/>
+            <a:ext cx="2267744" cy="4642746"/>
+          </a:xfrm>
+          <a:prstGeom prst="rect">
+            <a:avLst/>
+          </a:prstGeom>
+        </p:spPr>
+      </p:pic>
+      <p:sp>
+        <p:nvSpPr>
+          <p:cNvPr id="5" name="TextBox 4"/>
+          <p:cNvSpPr txBox="1"/>
+          <p:nvPr/>
+        </p:nvSpPr>
+        <p:spPr>
+          <a:xfrm>
+            <a:off x="3275856" y="146525"/>
+            <a:ext cx="2628292" cy="369332"/>
+          </a:xfrm>
+          <a:prstGeom prst="rect">
+            <a:avLst/>
+          </a:prstGeom>
+          <a:noFill/>
+        </p:spPr>
+        <p:txBody>
+          <a:bodyPr wrap="square" rtlCol="0">
+            <a:spAutoFit/>
+          </a:bodyPr>
+          <a:lstStyle/>
+          <a:p>
+            <a:r>
+              <a:rPr lang="en-US" dirty="0" err="1" smtClean="0"/>
+              <a:t>Polynom</a:t>
+            </a:r>
+            <a:r>
+              <a:rPr lang="en-US" dirty="0" smtClean="0"/>
+              <a:t> =      0001 1001</a:t>
+            </a:r>
+            <a:endParaRPr lang="ru-RU" dirty="0"/>
+          </a:p>
+        </p:txBody>
+      </p:sp>
+      <p:sp>
+        <p:nvSpPr>
+          <p:cNvPr id="6" name="TextBox 5"/>
+          <p:cNvSpPr txBox="1"/>
+          <p:nvPr/>
+        </p:nvSpPr>
+        <p:spPr>
+          <a:xfrm>
+            <a:off x="3851921" y="798156"/>
+            <a:ext cx="732921" cy="1477328"/>
+          </a:xfrm>
+          <a:prstGeom prst="rect">
+            <a:avLst/>
+          </a:prstGeom>
+          <a:noFill/>
+        </p:spPr>
+        <p:txBody>
+          <a:bodyPr wrap="square" rtlCol="0">
+            <a:spAutoFit/>
+          </a:bodyPr>
+          <a:lstStyle/>
+          <a:p>
+            <a:r>
+              <a:rPr lang="en-US" dirty="0" smtClean="0"/>
+              <a:t>B1 =</a:t>
+            </a:r>
+          </a:p>
+          <a:p>
+            <a:endParaRPr lang="en-US" dirty="0"/>
+          </a:p>
+          <a:p>
+            <a:r>
+              <a:rPr lang="en-US" dirty="0" smtClean="0"/>
+              <a:t>B2 = </a:t>
+            </a:r>
+          </a:p>
+          <a:p>
+            <a:endParaRPr lang="en-US" dirty="0"/>
+          </a:p>
+          <a:p>
+            <a:r>
+              <a:rPr lang="en-US" dirty="0" smtClean="0"/>
+              <a:t>Cl = </a:t>
+            </a:r>
+            <a:endParaRPr lang="ru-RU" dirty="0"/>
+          </a:p>
+        </p:txBody>
+      </p:sp>
+      <p:sp>
+        <p:nvSpPr>
+          <p:cNvPr id="7" name="TextBox 6"/>
+          <p:cNvSpPr txBox="1"/>
+          <p:nvPr/>
+        </p:nvSpPr>
+        <p:spPr>
+          <a:xfrm>
+            <a:off x="4584842" y="787102"/>
+            <a:ext cx="1685900" cy="369332"/>
+          </a:xfrm>
+          <a:prstGeom prst="rect">
+            <a:avLst/>
+          </a:prstGeom>
+          <a:noFill/>
+        </p:spPr>
+        <p:txBody>
+          <a:bodyPr wrap="square" rtlCol="0">
+            <a:spAutoFit/>
+          </a:bodyPr>
+          <a:lstStyle/>
+          <a:p>
+            <a:r>
+              <a:rPr lang="en-US" dirty="0" smtClean="0"/>
+              <a:t>0001 0100</a:t>
+            </a:r>
+            <a:endParaRPr lang="ru-RU" dirty="0"/>
+          </a:p>
+        </p:txBody>
+      </p:sp>
+      <p:sp>
+        <p:nvSpPr>
+          <p:cNvPr id="9" name="TextBox 8"/>
+          <p:cNvSpPr txBox="1"/>
+          <p:nvPr/>
+        </p:nvSpPr>
+        <p:spPr>
+          <a:xfrm>
+            <a:off x="4584842" y="1354743"/>
+            <a:ext cx="1685900" cy="369332"/>
+          </a:xfrm>
+          <a:prstGeom prst="rect">
+            <a:avLst/>
+          </a:prstGeom>
+          <a:noFill/>
+        </p:spPr>
+        <p:txBody>
+          <a:bodyPr wrap="square" rtlCol="0">
+            <a:spAutoFit/>
+          </a:bodyPr>
+          <a:lstStyle/>
+          <a:p>
+            <a:r>
+              <a:rPr lang="en-US" dirty="0" smtClean="0"/>
+              <a:t>0000 </a:t>
+            </a:r>
+            <a:r>
+              <a:rPr lang="en-US" dirty="0"/>
+              <a:t>1</a:t>
+            </a:r>
+            <a:r>
+              <a:rPr lang="en-US" dirty="0" smtClean="0"/>
+              <a:t>100</a:t>
+            </a:r>
+            <a:endParaRPr lang="ru-RU" dirty="0"/>
+          </a:p>
+        </p:txBody>
+      </p:sp>
+      <p:sp>
+        <p:nvSpPr>
+          <p:cNvPr id="10" name="TextBox 9"/>
+          <p:cNvSpPr txBox="1"/>
+          <p:nvPr/>
+        </p:nvSpPr>
+        <p:spPr>
+          <a:xfrm>
+            <a:off x="4584842" y="1883734"/>
+            <a:ext cx="1685900" cy="369332"/>
+          </a:xfrm>
+          <a:prstGeom prst="rect">
+            <a:avLst/>
+          </a:prstGeom>
+          <a:noFill/>
+        </p:spPr>
+        <p:txBody>
+          <a:bodyPr wrap="square" rtlCol="0">
+            <a:spAutoFit/>
+          </a:bodyPr>
+          <a:lstStyle/>
+          <a:p>
+            <a:r>
+              <a:rPr lang="en-US" dirty="0"/>
+              <a:t>0</a:t>
+            </a:r>
+            <a:endParaRPr lang="ru-RU" dirty="0"/>
+          </a:p>
+        </p:txBody>
+      </p:sp>
+      <p:cxnSp>
+        <p:nvCxnSpPr>
+          <p:cNvPr id="12" name="Прямая со стрелкой 11"/>
+          <p:cNvCxnSpPr/>
+          <p:nvPr/>
+        </p:nvCxnSpPr>
+        <p:spPr>
+          <a:xfrm flipH="1">
+            <a:off x="2475885" y="476672"/>
+            <a:ext cx="504056" cy="0"/>
+          </a:xfrm>
+          <a:prstGeom prst="straightConnector1">
+            <a:avLst/>
+          </a:prstGeom>
+          <a:ln>
+            <a:tailEnd type="arrow"/>
+          </a:ln>
+        </p:spPr>
+        <p:style>
+          <a:lnRef idx="3">
+            <a:schemeClr val="dk1"/>
+          </a:lnRef>
+          <a:fillRef idx="0">
+            <a:schemeClr val="dk1"/>
+          </a:fillRef>
+          <a:effectRef idx="2">
+            <a:schemeClr val="dk1"/>
+          </a:effectRef>
+          <a:fontRef idx="minor">
+            <a:schemeClr val="tx1"/>
+          </a:fontRef>
+        </p:style>
+      </p:cxnSp>
+      <p:cxnSp>
+        <p:nvCxnSpPr>
+          <p:cNvPr id="22" name="Прямая со стрелкой 21"/>
+          <p:cNvCxnSpPr/>
+          <p:nvPr/>
+        </p:nvCxnSpPr>
+        <p:spPr>
+          <a:xfrm flipH="1">
+            <a:off x="2475885" y="1156434"/>
+            <a:ext cx="504056" cy="0"/>
+          </a:xfrm>
+          <a:prstGeom prst="straightConnector1">
+            <a:avLst/>
+          </a:prstGeom>
+          <a:ln>
+            <a:tailEnd type="arrow"/>
+          </a:ln>
+        </p:spPr>
+        <p:style>
+          <a:lnRef idx="3">
+            <a:schemeClr val="dk1"/>
+          </a:lnRef>
+          <a:fillRef idx="0">
+            <a:schemeClr val="dk1"/>
+          </a:fillRef>
+          <a:effectRef idx="2">
+            <a:schemeClr val="dk1"/>
+          </a:effectRef>
+          <a:fontRef idx="minor">
+            <a:schemeClr val="tx1"/>
+          </a:fontRef>
+        </p:style>
+      </p:cxnSp>
+      <p:cxnSp>
+        <p:nvCxnSpPr>
+          <p:cNvPr id="25" name="Прямая со стрелкой 24"/>
+          <p:cNvCxnSpPr/>
+          <p:nvPr/>
+        </p:nvCxnSpPr>
+        <p:spPr>
+          <a:xfrm flipH="1">
+            <a:off x="2475885" y="1889518"/>
+            <a:ext cx="504056" cy="0"/>
+          </a:xfrm>
+          <a:prstGeom prst="straightConnector1">
+            <a:avLst/>
+          </a:prstGeom>
+          <a:ln>
+            <a:tailEnd type="arrow"/>
+          </a:ln>
+        </p:spPr>
+        <p:style>
+          <a:lnRef idx="3">
+            <a:schemeClr val="dk1"/>
+          </a:lnRef>
+          <a:fillRef idx="0">
+            <a:schemeClr val="dk1"/>
+          </a:fillRef>
+          <a:effectRef idx="2">
+            <a:schemeClr val="dk1"/>
+          </a:effectRef>
+          <a:fontRef idx="minor">
+            <a:schemeClr val="tx1"/>
+          </a:fontRef>
+        </p:style>
+      </p:cxnSp>
+      <p:cxnSp>
+        <p:nvCxnSpPr>
+          <p:cNvPr id="26" name="Прямая со стрелкой 25"/>
+          <p:cNvCxnSpPr/>
+          <p:nvPr/>
+        </p:nvCxnSpPr>
+        <p:spPr>
+          <a:xfrm flipH="1">
+            <a:off x="2475885" y="2564904"/>
+            <a:ext cx="504056" cy="0"/>
+          </a:xfrm>
+          <a:prstGeom prst="straightConnector1">
+            <a:avLst/>
+          </a:prstGeom>
+          <a:ln>
+            <a:tailEnd type="arrow"/>
+          </a:ln>
+        </p:spPr>
+        <p:style>
+          <a:lnRef idx="3">
+            <a:schemeClr val="dk1"/>
+          </a:lnRef>
+          <a:fillRef idx="0">
+            <a:schemeClr val="dk1"/>
+          </a:fillRef>
+          <a:effectRef idx="2">
+            <a:schemeClr val="dk1"/>
+          </a:effectRef>
+          <a:fontRef idx="minor">
+            <a:schemeClr val="tx1"/>
+          </a:fontRef>
+        </p:style>
+      </p:cxnSp>
+      <p:cxnSp>
+        <p:nvCxnSpPr>
+          <p:cNvPr id="27" name="Прямая со стрелкой 26"/>
+          <p:cNvCxnSpPr/>
+          <p:nvPr/>
+        </p:nvCxnSpPr>
+        <p:spPr>
+          <a:xfrm flipH="1">
+            <a:off x="2475885" y="3140968"/>
+            <a:ext cx="504056" cy="0"/>
+          </a:xfrm>
+          <a:prstGeom prst="straightConnector1">
+            <a:avLst/>
+          </a:prstGeom>
+          <a:ln>
+            <a:tailEnd type="arrow"/>
+          </a:ln>
+        </p:spPr>
+        <p:style>
+          <a:lnRef idx="3">
+            <a:schemeClr val="dk1"/>
+          </a:lnRef>
+          <a:fillRef idx="0">
+            <a:schemeClr val="dk1"/>
+          </a:fillRef>
+          <a:effectRef idx="2">
+            <a:schemeClr val="dk1"/>
+          </a:effectRef>
+          <a:fontRef idx="minor">
+            <a:schemeClr val="tx1"/>
+          </a:fontRef>
+        </p:style>
+      </p:cxnSp>
+      <p:cxnSp>
+        <p:nvCxnSpPr>
+          <p:cNvPr id="28" name="Прямая со стрелкой 27"/>
+          <p:cNvCxnSpPr/>
+          <p:nvPr/>
+        </p:nvCxnSpPr>
+        <p:spPr>
+          <a:xfrm flipH="1">
+            <a:off x="2475885" y="3717032"/>
+            <a:ext cx="504056" cy="0"/>
+          </a:xfrm>
+          <a:prstGeom prst="straightConnector1">
+            <a:avLst/>
+          </a:prstGeom>
+          <a:ln>
+            <a:tailEnd type="arrow"/>
+          </a:ln>
+        </p:spPr>
+        <p:style>
+          <a:lnRef idx="3">
+            <a:schemeClr val="dk1"/>
+          </a:lnRef>
+          <a:fillRef idx="0">
+            <a:schemeClr val="dk1"/>
+          </a:fillRef>
+          <a:effectRef idx="2">
+            <a:schemeClr val="dk1"/>
+          </a:effectRef>
+          <a:fontRef idx="minor">
+            <a:schemeClr val="tx1"/>
+          </a:fontRef>
+        </p:style>
+      </p:cxnSp>
+      <p:cxnSp>
+        <p:nvCxnSpPr>
+          <p:cNvPr id="29" name="Прямая со стрелкой 28"/>
+          <p:cNvCxnSpPr/>
+          <p:nvPr/>
+        </p:nvCxnSpPr>
+        <p:spPr>
+          <a:xfrm flipH="1">
+            <a:off x="2475885" y="4293096"/>
+            <a:ext cx="504056" cy="0"/>
+          </a:xfrm>
+          <a:prstGeom prst="straightConnector1">
+            <a:avLst/>
+          </a:prstGeom>
+          <a:ln>
+            <a:tailEnd type="arrow"/>
+          </a:ln>
+        </p:spPr>
+        <p:style>
+          <a:lnRef idx="3">
+            <a:schemeClr val="dk1"/>
+          </a:lnRef>
+          <a:fillRef idx="0">
+            <a:schemeClr val="dk1"/>
+          </a:fillRef>
+          <a:effectRef idx="2">
+            <a:schemeClr val="dk1"/>
+          </a:effectRef>
+          <a:fontRef idx="minor">
+            <a:schemeClr val="tx1"/>
+          </a:fontRef>
+        </p:style>
+      </p:cxnSp>
+      <p:cxnSp>
+        <p:nvCxnSpPr>
+          <p:cNvPr id="30" name="Прямая со стрелкой 29"/>
+          <p:cNvCxnSpPr/>
+          <p:nvPr/>
+        </p:nvCxnSpPr>
+        <p:spPr>
+          <a:xfrm flipH="1">
+            <a:off x="2475885" y="5085184"/>
+            <a:ext cx="504056" cy="0"/>
+          </a:xfrm>
+          <a:prstGeom prst="straightConnector1">
+            <a:avLst/>
+          </a:prstGeom>
+          <a:ln>
+            <a:tailEnd type="arrow"/>
+          </a:ln>
+        </p:spPr>
+        <p:style>
+          <a:lnRef idx="3">
+            <a:schemeClr val="dk1"/>
+          </a:lnRef>
+          <a:fillRef idx="0">
+            <a:schemeClr val="dk1"/>
+          </a:fillRef>
+          <a:effectRef idx="2">
+            <a:schemeClr val="dk1"/>
+          </a:effectRef>
+          <a:fontRef idx="minor">
+            <a:schemeClr val="tx1"/>
+          </a:fontRef>
+        </p:style>
+      </p:cxnSp>
+      <p:cxnSp>
+        <p:nvCxnSpPr>
+          <p:cNvPr id="31" name="Прямая со стрелкой 30"/>
+          <p:cNvCxnSpPr/>
+          <p:nvPr/>
+        </p:nvCxnSpPr>
+        <p:spPr>
+          <a:xfrm flipH="1">
+            <a:off x="2475885" y="5661248"/>
+            <a:ext cx="504056" cy="0"/>
+          </a:xfrm>
+          <a:prstGeom prst="straightConnector1">
+            <a:avLst/>
+          </a:prstGeom>
+          <a:ln>
+            <a:tailEnd type="arrow"/>
+          </a:ln>
+        </p:spPr>
+        <p:style>
+          <a:lnRef idx="3">
+            <a:schemeClr val="dk1"/>
+          </a:lnRef>
+          <a:fillRef idx="0">
+            <a:schemeClr val="dk1"/>
+          </a:fillRef>
+          <a:effectRef idx="2">
+            <a:schemeClr val="dk1"/>
+          </a:effectRef>
+          <a:fontRef idx="minor">
+            <a:schemeClr val="tx1"/>
+          </a:fontRef>
+        </p:style>
+      </p:cxnSp>
+      <p:cxnSp>
+        <p:nvCxnSpPr>
+          <p:cNvPr id="32" name="Прямая со стрелкой 31"/>
+          <p:cNvCxnSpPr/>
+          <p:nvPr/>
+        </p:nvCxnSpPr>
+        <p:spPr>
+          <a:xfrm flipH="1">
+            <a:off x="2475885" y="6381328"/>
+            <a:ext cx="504056" cy="0"/>
+          </a:xfrm>
+          <a:prstGeom prst="straightConnector1">
+            <a:avLst/>
+          </a:prstGeom>
+          <a:ln>
+            <a:tailEnd type="arrow"/>
+          </a:ln>
+        </p:spPr>
+        <p:style>
+          <a:lnRef idx="3">
+            <a:schemeClr val="dk1"/>
+          </a:lnRef>
+          <a:fillRef idx="0">
+            <a:schemeClr val="dk1"/>
+          </a:fillRef>
+          <a:effectRef idx="2">
+            <a:schemeClr val="dk1"/>
+          </a:effectRef>
+          <a:fontRef idx="minor">
+            <a:schemeClr val="tx1"/>
+          </a:fontRef>
+        </p:style>
+      </p:cxnSp>
+      <p:cxnSp>
+        <p:nvCxnSpPr>
+          <p:cNvPr id="34" name="Прямая со стрелкой 33"/>
+          <p:cNvCxnSpPr/>
+          <p:nvPr/>
+        </p:nvCxnSpPr>
+        <p:spPr>
+          <a:xfrm>
+            <a:off x="6523792" y="254596"/>
+            <a:ext cx="296336" cy="0"/>
+          </a:xfrm>
+          <a:prstGeom prst="straightConnector1">
+            <a:avLst/>
+          </a:prstGeom>
+          <a:ln>
+            <a:tailEnd type="arrow"/>
+          </a:ln>
+        </p:spPr>
+        <p:style>
+          <a:lnRef idx="2">
+            <a:schemeClr val="dk1"/>
+          </a:lnRef>
+          <a:fillRef idx="0">
+            <a:schemeClr val="dk1"/>
+          </a:fillRef>
+          <a:effectRef idx="1">
+            <a:schemeClr val="dk1"/>
+          </a:effectRef>
+          <a:fontRef idx="minor">
+            <a:schemeClr val="tx1"/>
+          </a:fontRef>
+        </p:style>
+      </p:cxnSp>
+      <p:cxnSp>
+        <p:nvCxnSpPr>
+          <p:cNvPr id="36" name="Прямая со стрелкой 35"/>
+          <p:cNvCxnSpPr/>
+          <p:nvPr/>
+        </p:nvCxnSpPr>
+        <p:spPr>
+          <a:xfrm>
+            <a:off x="6523792" y="517730"/>
+            <a:ext cx="296336" cy="0"/>
+          </a:xfrm>
+          <a:prstGeom prst="straightConnector1">
+            <a:avLst/>
+          </a:prstGeom>
+          <a:ln>
+            <a:tailEnd type="arrow"/>
+          </a:ln>
+        </p:spPr>
+        <p:style>
+          <a:lnRef idx="2">
+            <a:schemeClr val="dk1"/>
+          </a:lnRef>
+          <a:fillRef idx="0">
+            <a:schemeClr val="dk1"/>
+          </a:fillRef>
+          <a:effectRef idx="1">
+            <a:schemeClr val="dk1"/>
+          </a:effectRef>
+          <a:fontRef idx="minor">
+            <a:schemeClr val="tx1"/>
+          </a:fontRef>
+        </p:style>
+      </p:cxnSp>
+      <p:cxnSp>
+        <p:nvCxnSpPr>
+          <p:cNvPr id="37" name="Прямая со стрелкой 36"/>
+          <p:cNvCxnSpPr/>
+          <p:nvPr/>
+        </p:nvCxnSpPr>
+        <p:spPr>
+          <a:xfrm>
+            <a:off x="6523792" y="800745"/>
+            <a:ext cx="296336" cy="0"/>
+          </a:xfrm>
+          <a:prstGeom prst="straightConnector1">
+            <a:avLst/>
+          </a:prstGeom>
+          <a:ln>
+            <a:tailEnd type="arrow"/>
+          </a:ln>
+        </p:spPr>
+        <p:style>
+          <a:lnRef idx="2">
+            <a:schemeClr val="dk1"/>
+          </a:lnRef>
+          <a:fillRef idx="0">
+            <a:schemeClr val="dk1"/>
+          </a:fillRef>
+          <a:effectRef idx="1">
+            <a:schemeClr val="dk1"/>
+          </a:effectRef>
+          <a:fontRef idx="minor">
+            <a:schemeClr val="tx1"/>
+          </a:fontRef>
+        </p:style>
+      </p:cxnSp>
+      <p:cxnSp>
+        <p:nvCxnSpPr>
+          <p:cNvPr id="38" name="Прямая со стрелкой 37"/>
+          <p:cNvCxnSpPr/>
+          <p:nvPr/>
+        </p:nvCxnSpPr>
+        <p:spPr>
+          <a:xfrm>
+            <a:off x="6523792" y="1126599"/>
+            <a:ext cx="296336" cy="0"/>
+          </a:xfrm>
+          <a:prstGeom prst="straightConnector1">
+            <a:avLst/>
+          </a:prstGeom>
+          <a:ln>
+            <a:tailEnd type="arrow"/>
+          </a:ln>
+        </p:spPr>
+        <p:style>
+          <a:lnRef idx="2">
+            <a:schemeClr val="dk1"/>
+          </a:lnRef>
+          <a:fillRef idx="0">
+            <a:schemeClr val="dk1"/>
+          </a:fillRef>
+          <a:effectRef idx="1">
+            <a:schemeClr val="dk1"/>
+          </a:effectRef>
+          <a:fontRef idx="minor">
+            <a:schemeClr val="tx1"/>
+          </a:fontRef>
+        </p:style>
+      </p:cxnSp>
+      <p:cxnSp>
+        <p:nvCxnSpPr>
+          <p:cNvPr id="39" name="Прямая со стрелкой 38"/>
+          <p:cNvCxnSpPr/>
+          <p:nvPr/>
+        </p:nvCxnSpPr>
+        <p:spPr>
+          <a:xfrm>
+            <a:off x="6523792" y="1412776"/>
+            <a:ext cx="296336" cy="0"/>
+          </a:xfrm>
+          <a:prstGeom prst="straightConnector1">
+            <a:avLst/>
+          </a:prstGeom>
+          <a:ln>
+            <a:tailEnd type="arrow"/>
+          </a:ln>
+        </p:spPr>
+        <p:style>
+          <a:lnRef idx="2">
+            <a:schemeClr val="dk1"/>
+          </a:lnRef>
+          <a:fillRef idx="0">
+            <a:schemeClr val="dk1"/>
+          </a:fillRef>
+          <a:effectRef idx="1">
+            <a:schemeClr val="dk1"/>
+          </a:effectRef>
+          <a:fontRef idx="minor">
+            <a:schemeClr val="tx1"/>
+          </a:fontRef>
+        </p:style>
+      </p:cxnSp>
+      <p:cxnSp>
+        <p:nvCxnSpPr>
+          <p:cNvPr id="40" name="Прямая со стрелкой 39"/>
+          <p:cNvCxnSpPr/>
+          <p:nvPr/>
+        </p:nvCxnSpPr>
+        <p:spPr>
+          <a:xfrm>
+            <a:off x="6523792" y="1704291"/>
+            <a:ext cx="296336" cy="0"/>
+          </a:xfrm>
+          <a:prstGeom prst="straightConnector1">
+            <a:avLst/>
+          </a:prstGeom>
+          <a:ln>
+            <a:tailEnd type="arrow"/>
+          </a:ln>
+        </p:spPr>
+        <p:style>
+          <a:lnRef idx="2">
+            <a:schemeClr val="dk1"/>
+          </a:lnRef>
+          <a:fillRef idx="0">
+            <a:schemeClr val="dk1"/>
+          </a:fillRef>
+          <a:effectRef idx="1">
+            <a:schemeClr val="dk1"/>
+          </a:effectRef>
+          <a:fontRef idx="minor">
+            <a:schemeClr val="tx1"/>
+          </a:fontRef>
+        </p:style>
+      </p:cxnSp>
+      <p:cxnSp>
+        <p:nvCxnSpPr>
+          <p:cNvPr id="41" name="Прямая со стрелкой 40"/>
+          <p:cNvCxnSpPr/>
+          <p:nvPr/>
+        </p:nvCxnSpPr>
+        <p:spPr>
+          <a:xfrm>
+            <a:off x="6523792" y="2275484"/>
+            <a:ext cx="296336" cy="0"/>
+          </a:xfrm>
+          <a:prstGeom prst="straightConnector1">
+            <a:avLst/>
+          </a:prstGeom>
+          <a:ln>
+            <a:tailEnd type="arrow"/>
+          </a:ln>
+        </p:spPr>
+        <p:style>
+          <a:lnRef idx="2">
+            <a:schemeClr val="dk1"/>
+          </a:lnRef>
+          <a:fillRef idx="0">
+            <a:schemeClr val="dk1"/>
+          </a:fillRef>
+          <a:effectRef idx="1">
+            <a:schemeClr val="dk1"/>
+          </a:effectRef>
+          <a:fontRef idx="minor">
+            <a:schemeClr val="tx1"/>
+          </a:fontRef>
+        </p:style>
+      </p:cxnSp>
+      <p:cxnSp>
+        <p:nvCxnSpPr>
+          <p:cNvPr id="42" name="Прямая со стрелкой 41"/>
+          <p:cNvCxnSpPr/>
+          <p:nvPr/>
+        </p:nvCxnSpPr>
+        <p:spPr>
+          <a:xfrm>
+            <a:off x="6523792" y="2564904"/>
+            <a:ext cx="296336" cy="0"/>
+          </a:xfrm>
+          <a:prstGeom prst="straightConnector1">
+            <a:avLst/>
+          </a:prstGeom>
+          <a:ln>
+            <a:tailEnd type="arrow"/>
+          </a:ln>
+        </p:spPr>
+        <p:style>
+          <a:lnRef idx="2">
+            <a:schemeClr val="dk1"/>
+          </a:lnRef>
+          <a:fillRef idx="0">
+            <a:schemeClr val="dk1"/>
+          </a:fillRef>
+          <a:effectRef idx="1">
+            <a:schemeClr val="dk1"/>
+          </a:effectRef>
+          <a:fontRef idx="minor">
+            <a:schemeClr val="tx1"/>
+          </a:fontRef>
+        </p:style>
+      </p:cxnSp>
+      <p:cxnSp>
+        <p:nvCxnSpPr>
+          <p:cNvPr id="43" name="Прямая со стрелкой 42"/>
+          <p:cNvCxnSpPr/>
+          <p:nvPr/>
+        </p:nvCxnSpPr>
+        <p:spPr>
+          <a:xfrm>
+            <a:off x="6523792" y="2852936"/>
+            <a:ext cx="296336" cy="0"/>
+          </a:xfrm>
+          <a:prstGeom prst="straightConnector1">
+            <a:avLst/>
+          </a:prstGeom>
+          <a:ln>
+            <a:tailEnd type="arrow"/>
+          </a:ln>
+        </p:spPr>
+        <p:style>
+          <a:lnRef idx="2">
+            <a:schemeClr val="dk1"/>
+          </a:lnRef>
+          <a:fillRef idx="0">
+            <a:schemeClr val="dk1"/>
+          </a:fillRef>
+          <a:effectRef idx="1">
+            <a:schemeClr val="dk1"/>
+          </a:effectRef>
+          <a:fontRef idx="minor">
+            <a:schemeClr val="tx1"/>
+          </a:fontRef>
+        </p:style>
+      </p:cxnSp>
+      <p:cxnSp>
+        <p:nvCxnSpPr>
+          <p:cNvPr id="44" name="Прямая со стрелкой 43"/>
+          <p:cNvCxnSpPr/>
+          <p:nvPr/>
+        </p:nvCxnSpPr>
+        <p:spPr>
+          <a:xfrm>
+            <a:off x="6523792" y="3140968"/>
+            <a:ext cx="296336" cy="0"/>
+          </a:xfrm>
+          <a:prstGeom prst="straightConnector1">
+            <a:avLst/>
+          </a:prstGeom>
+          <a:ln>
+            <a:tailEnd type="arrow"/>
+          </a:ln>
+        </p:spPr>
+        <p:style>
+          <a:lnRef idx="2">
+            <a:schemeClr val="dk1"/>
+          </a:lnRef>
+          <a:fillRef idx="0">
+            <a:schemeClr val="dk1"/>
+          </a:fillRef>
+          <a:effectRef idx="1">
+            <a:schemeClr val="dk1"/>
+          </a:effectRef>
+          <a:fontRef idx="minor">
+            <a:schemeClr val="tx1"/>
+          </a:fontRef>
+        </p:style>
+      </p:cxnSp>
+      <p:cxnSp>
+        <p:nvCxnSpPr>
+          <p:cNvPr id="45" name="Прямая со стрелкой 44"/>
+          <p:cNvCxnSpPr/>
+          <p:nvPr/>
+        </p:nvCxnSpPr>
+        <p:spPr>
+          <a:xfrm>
+            <a:off x="6523792" y="3429000"/>
+            <a:ext cx="296336" cy="0"/>
+          </a:xfrm>
+          <a:prstGeom prst="straightConnector1">
+            <a:avLst/>
+          </a:prstGeom>
+          <a:ln>
+            <a:tailEnd type="arrow"/>
+          </a:ln>
+        </p:spPr>
+        <p:style>
+          <a:lnRef idx="2">
+            <a:schemeClr val="dk1"/>
+          </a:lnRef>
+          <a:fillRef idx="0">
+            <a:schemeClr val="dk1"/>
+          </a:fillRef>
+          <a:effectRef idx="1">
+            <a:schemeClr val="dk1"/>
+          </a:effectRef>
+          <a:fontRef idx="minor">
+            <a:schemeClr val="tx1"/>
+          </a:fontRef>
+        </p:style>
+      </p:cxnSp>
+      <p:cxnSp>
+        <p:nvCxnSpPr>
+          <p:cNvPr id="46" name="Прямая со стрелкой 45"/>
+          <p:cNvCxnSpPr/>
+          <p:nvPr/>
+        </p:nvCxnSpPr>
+        <p:spPr>
+          <a:xfrm>
+            <a:off x="6523792" y="4005064"/>
+            <a:ext cx="296336" cy="0"/>
+          </a:xfrm>
+          <a:prstGeom prst="straightConnector1">
+            <a:avLst/>
+          </a:prstGeom>
+          <a:ln>
+            <a:tailEnd type="arrow"/>
+          </a:ln>
+        </p:spPr>
+        <p:style>
+          <a:lnRef idx="2">
+            <a:schemeClr val="dk1"/>
+          </a:lnRef>
+          <a:fillRef idx="0">
+            <a:schemeClr val="dk1"/>
+          </a:fillRef>
+          <a:effectRef idx="1">
+            <a:schemeClr val="dk1"/>
+          </a:effectRef>
+          <a:fontRef idx="minor">
+            <a:schemeClr val="tx1"/>
+          </a:fontRef>
+        </p:style>
+      </p:cxnSp>
+      <p:cxnSp>
+        <p:nvCxnSpPr>
+          <p:cNvPr id="47" name="Прямая со стрелкой 46"/>
+          <p:cNvCxnSpPr/>
+          <p:nvPr/>
+        </p:nvCxnSpPr>
+        <p:spPr>
+          <a:xfrm>
+            <a:off x="6523792" y="4365104"/>
+            <a:ext cx="296336" cy="0"/>
+          </a:xfrm>
+          <a:prstGeom prst="straightConnector1">
+            <a:avLst/>
+          </a:prstGeom>
+          <a:ln>
+            <a:tailEnd type="arrow"/>
+          </a:ln>
+        </p:spPr>
+        <p:style>
+          <a:lnRef idx="2">
+            <a:schemeClr val="dk1"/>
+          </a:lnRef>
+          <a:fillRef idx="0">
+            <a:schemeClr val="dk1"/>
+          </a:fillRef>
+          <a:effectRef idx="1">
+            <a:schemeClr val="dk1"/>
+          </a:effectRef>
+          <a:fontRef idx="minor">
+            <a:schemeClr val="tx1"/>
+          </a:fontRef>
+        </p:style>
+      </p:cxnSp>
+      <p:sp>
+        <p:nvSpPr>
+          <p:cNvPr id="49" name="TextBox 48"/>
+          <p:cNvSpPr txBox="1"/>
+          <p:nvPr/>
+        </p:nvSpPr>
+        <p:spPr>
+          <a:xfrm>
+            <a:off x="4573977" y="1883734"/>
+            <a:ext cx="1685900" cy="369332"/>
+          </a:xfrm>
+          <a:prstGeom prst="rect">
+            <a:avLst/>
+          </a:prstGeom>
+          <a:noFill/>
+        </p:spPr>
+        <p:txBody>
+          <a:bodyPr wrap="square" rtlCol="0">
+            <a:spAutoFit/>
+          </a:bodyPr>
+          <a:lstStyle/>
+          <a:p>
+            <a:r>
+              <a:rPr lang="en-US" dirty="0"/>
+              <a:t>8</a:t>
+            </a:r>
+            <a:endParaRPr lang="ru-RU" dirty="0"/>
+          </a:p>
+        </p:txBody>
+      </p:sp>
     </p:spTree>
     <p:extLst>
       <p:ext uri="{BB962C8B-B14F-4D97-AF65-F5344CB8AC3E}">
@@ -5492,9 +7139,338 @@
   <p:timing>
     <p:tnLst>
       <p:par>
-        <p:cTn id="1" dur="indefinite" restart="never" nodeType="tmRoot"/>
+        <p:cTn id="1" dur="indefinite" restart="never" nodeType="tmRoot">
+          <p:childTnLst>
+            <p:seq concurrent="1" nextAc="seek">
+              <p:cTn id="2" dur="indefinite" nodeType="mainSeq">
+                <p:childTnLst>
+                  <p:par>
+                    <p:cTn id="3" fill="hold">
+                      <p:stCondLst>
+                        <p:cond delay="indefinite"/>
+                      </p:stCondLst>
+                      <p:childTnLst>
+                        <p:par>
+                          <p:cTn id="4" fill="hold">
+                            <p:stCondLst>
+                              <p:cond delay="0"/>
+                            </p:stCondLst>
+                            <p:childTnLst>
+                              <p:par>
+                                <p:cTn id="5" presetID="10" presetClass="entr" presetSubtype="0" fill="hold" nodeType="clickEffect">
+                                  <p:stCondLst>
+                                    <p:cond delay="0"/>
+                                  </p:stCondLst>
+                                  <p:childTnLst>
+                                    <p:set>
+                                      <p:cBhvr>
+                                        <p:cTn id="6" dur="1" fill="hold">
+                                          <p:stCondLst>
+                                            <p:cond delay="0"/>
+                                          </p:stCondLst>
+                                        </p:cTn>
+                                        <p:tgtEl>
+                                          <p:spTgt spid="12"/>
+                                        </p:tgtEl>
+                                        <p:attrNameLst>
+                                          <p:attrName>style.visibility</p:attrName>
+                                        </p:attrNameLst>
+                                      </p:cBhvr>
+                                      <p:to>
+                                        <p:strVal val="visible"/>
+                                      </p:to>
+                                    </p:set>
+                                    <p:animEffect transition="in" filter="fade">
+                                      <p:cBhvr>
+                                        <p:cTn id="7" dur="500"/>
+                                        <p:tgtEl>
+                                          <p:spTgt spid="12"/>
+                                        </p:tgtEl>
+                                      </p:cBhvr>
+                                    </p:animEffect>
+                                  </p:childTnLst>
+                                  <p:subTnLst>
+                                    <p:set>
+                                      <p:cBhvr override="childStyle">
+                                        <p:cTn dur="1" fill="hold" display="0" masterRel="nextClick" afterEffect="1"/>
+                                        <p:tgtEl>
+                                          <p:spTgt spid="12"/>
+                                        </p:tgtEl>
+                                        <p:attrNameLst>
+                                          <p:attrName>style.visibility</p:attrName>
+                                        </p:attrNameLst>
+                                      </p:cBhvr>
+                                      <p:to>
+                                        <p:strVal val="hidden"/>
+                                      </p:to>
+                                    </p:set>
+                                  </p:subTnLst>
+                                </p:cTn>
+                              </p:par>
+                              <p:par>
+                                <p:cTn id="8" presetID="10" presetClass="entr" presetSubtype="0" fill="hold" nodeType="withEffect">
+                                  <p:stCondLst>
+                                    <p:cond delay="0"/>
+                                  </p:stCondLst>
+                                  <p:childTnLst>
+                                    <p:set>
+                                      <p:cBhvr>
+                                        <p:cTn id="9" dur="1" fill="hold">
+                                          <p:stCondLst>
+                                            <p:cond delay="0"/>
+                                          </p:stCondLst>
+                                        </p:cTn>
+                                        <p:tgtEl>
+                                          <p:spTgt spid="34"/>
+                                        </p:tgtEl>
+                                        <p:attrNameLst>
+                                          <p:attrName>style.visibility</p:attrName>
+                                        </p:attrNameLst>
+                                      </p:cBhvr>
+                                      <p:to>
+                                        <p:strVal val="visible"/>
+                                      </p:to>
+                                    </p:set>
+                                    <p:animEffect transition="in" filter="fade">
+                                      <p:cBhvr>
+                                        <p:cTn id="10" dur="500"/>
+                                        <p:tgtEl>
+                                          <p:spTgt spid="34"/>
+                                        </p:tgtEl>
+                                      </p:cBhvr>
+                                    </p:animEffect>
+                                  </p:childTnLst>
+                                  <p:subTnLst>
+                                    <p:set>
+                                      <p:cBhvr override="childStyle">
+                                        <p:cTn dur="1" fill="hold" display="0" masterRel="nextClick" afterEffect="1"/>
+                                        <p:tgtEl>
+                                          <p:spTgt spid="34"/>
+                                        </p:tgtEl>
+                                        <p:attrNameLst>
+                                          <p:attrName>style.visibility</p:attrName>
+                                        </p:attrNameLst>
+                                      </p:cBhvr>
+                                      <p:to>
+                                        <p:strVal val="hidden"/>
+                                      </p:to>
+                                    </p:set>
+                                  </p:subTnLst>
+                                </p:cTn>
+                              </p:par>
+                            </p:childTnLst>
+                          </p:cTn>
+                        </p:par>
+                      </p:childTnLst>
+                    </p:cTn>
+                  </p:par>
+                  <p:par>
+                    <p:cTn id="11" fill="hold">
+                      <p:stCondLst>
+                        <p:cond delay="indefinite"/>
+                      </p:stCondLst>
+                      <p:childTnLst>
+                        <p:par>
+                          <p:cTn id="12" fill="hold">
+                            <p:stCondLst>
+                              <p:cond delay="0"/>
+                            </p:stCondLst>
+                            <p:childTnLst>
+                              <p:par>
+                                <p:cTn id="13" presetID="10" presetClass="entr" presetSubtype="0" fill="hold" nodeType="clickEffect">
+                                  <p:stCondLst>
+                                    <p:cond delay="0"/>
+                                  </p:stCondLst>
+                                  <p:childTnLst>
+                                    <p:set>
+                                      <p:cBhvr>
+                                        <p:cTn id="14" dur="1" fill="hold">
+                                          <p:stCondLst>
+                                            <p:cond delay="0"/>
+                                          </p:stCondLst>
+                                        </p:cTn>
+                                        <p:tgtEl>
+                                          <p:spTgt spid="22"/>
+                                        </p:tgtEl>
+                                        <p:attrNameLst>
+                                          <p:attrName>style.visibility</p:attrName>
+                                        </p:attrNameLst>
+                                      </p:cBhvr>
+                                      <p:to>
+                                        <p:strVal val="visible"/>
+                                      </p:to>
+                                    </p:set>
+                                    <p:animEffect transition="in" filter="fade">
+                                      <p:cBhvr>
+                                        <p:cTn id="15" dur="500"/>
+                                        <p:tgtEl>
+                                          <p:spTgt spid="22"/>
+                                        </p:tgtEl>
+                                      </p:cBhvr>
+                                    </p:animEffect>
+                                  </p:childTnLst>
+                                  <p:subTnLst>
+                                    <p:set>
+                                      <p:cBhvr override="childStyle">
+                                        <p:cTn dur="1" fill="hold" display="0" masterRel="nextClick" afterEffect="1"/>
+                                        <p:tgtEl>
+                                          <p:spTgt spid="22"/>
+                                        </p:tgtEl>
+                                        <p:attrNameLst>
+                                          <p:attrName>style.visibility</p:attrName>
+                                        </p:attrNameLst>
+                                      </p:cBhvr>
+                                      <p:to>
+                                        <p:strVal val="hidden"/>
+                                      </p:to>
+                                    </p:set>
+                                  </p:subTnLst>
+                                </p:cTn>
+                              </p:par>
+                              <p:par>
+                                <p:cTn id="16" presetID="10" presetClass="entr" presetSubtype="0" fill="hold" nodeType="withEffect">
+                                  <p:stCondLst>
+                                    <p:cond delay="0"/>
+                                  </p:stCondLst>
+                                  <p:childTnLst>
+                                    <p:set>
+                                      <p:cBhvr>
+                                        <p:cTn id="17" dur="1" fill="hold">
+                                          <p:stCondLst>
+                                            <p:cond delay="0"/>
+                                          </p:stCondLst>
+                                        </p:cTn>
+                                        <p:tgtEl>
+                                          <p:spTgt spid="36"/>
+                                        </p:tgtEl>
+                                        <p:attrNameLst>
+                                          <p:attrName>style.visibility</p:attrName>
+                                        </p:attrNameLst>
+                                      </p:cBhvr>
+                                      <p:to>
+                                        <p:strVal val="visible"/>
+                                      </p:to>
+                                    </p:set>
+                                    <p:animEffect transition="in" filter="fade">
+                                      <p:cBhvr>
+                                        <p:cTn id="18" dur="500"/>
+                                        <p:tgtEl>
+                                          <p:spTgt spid="36"/>
+                                        </p:tgtEl>
+                                      </p:cBhvr>
+                                    </p:animEffect>
+                                  </p:childTnLst>
+                                  <p:subTnLst>
+                                    <p:set>
+                                      <p:cBhvr override="childStyle">
+                                        <p:cTn dur="1" fill="hold" display="0" masterRel="nextClick" afterEffect="1"/>
+                                        <p:tgtEl>
+                                          <p:spTgt spid="36"/>
+                                        </p:tgtEl>
+                                        <p:attrNameLst>
+                                          <p:attrName>style.visibility</p:attrName>
+                                        </p:attrNameLst>
+                                      </p:cBhvr>
+                                      <p:to>
+                                        <p:strVal val="hidden"/>
+                                      </p:to>
+                                    </p:set>
+                                  </p:subTnLst>
+                                </p:cTn>
+                              </p:par>
+                              <p:par>
+                                <p:cTn id="19" presetID="10" presetClass="entr" presetSubtype="0" fill="hold" grpId="0" nodeType="withEffect">
+                                  <p:stCondLst>
+                                    <p:cond delay="0"/>
+                                  </p:stCondLst>
+                                  <p:childTnLst>
+                                    <p:set>
+                                      <p:cBhvr>
+                                        <p:cTn id="20" dur="1" fill="hold">
+                                          <p:stCondLst>
+                                            <p:cond delay="0"/>
+                                          </p:stCondLst>
+                                        </p:cTn>
+                                        <p:tgtEl>
+                                          <p:spTgt spid="49"/>
+                                        </p:tgtEl>
+                                        <p:attrNameLst>
+                                          <p:attrName>style.visibility</p:attrName>
+                                        </p:attrNameLst>
+                                      </p:cBhvr>
+                                      <p:to>
+                                        <p:strVal val="visible"/>
+                                      </p:to>
+                                    </p:set>
+                                    <p:animEffect transition="in" filter="fade">
+                                      <p:cBhvr>
+                                        <p:cTn id="21" dur="500"/>
+                                        <p:tgtEl>
+                                          <p:spTgt spid="49"/>
+                                        </p:tgtEl>
+                                      </p:cBhvr>
+                                    </p:animEffect>
+                                  </p:childTnLst>
+                                </p:cTn>
+                              </p:par>
+                              <p:par>
+                                <p:cTn id="22" presetID="1" presetClass="exit" presetSubtype="0" fill="hold" grpId="0" nodeType="withEffect">
+                                  <p:stCondLst>
+                                    <p:cond delay="0"/>
+                                  </p:stCondLst>
+                                  <p:childTnLst>
+                                    <p:set>
+                                      <p:cBhvr>
+                                        <p:cTn id="23" dur="1" fill="hold">
+                                          <p:stCondLst>
+                                            <p:cond delay="0"/>
+                                          </p:stCondLst>
+                                        </p:cTn>
+                                        <p:tgtEl>
+                                          <p:spTgt spid="10"/>
+                                        </p:tgtEl>
+                                        <p:attrNameLst>
+                                          <p:attrName>style.visibility</p:attrName>
+                                        </p:attrNameLst>
+                                      </p:cBhvr>
+                                      <p:to>
+                                        <p:strVal val="hidden"/>
+                                      </p:to>
+                                    </p:set>
+                                  </p:childTnLst>
+                                </p:cTn>
+                              </p:par>
+                            </p:childTnLst>
+                          </p:cTn>
+                        </p:par>
+                      </p:childTnLst>
+                    </p:cTn>
+                  </p:par>
+                </p:childTnLst>
+              </p:cTn>
+              <p:prevCondLst>
+                <p:cond evt="onPrev" delay="0">
+                  <p:tgtEl>
+                    <p:sldTgt/>
+                  </p:tgtEl>
+                </p:cond>
+              </p:prevCondLst>
+              <p:nextCondLst>
+                <p:cond evt="onNext" delay="0">
+                  <p:tgtEl>
+                    <p:sldTgt/>
+                  </p:tgtEl>
+                </p:cond>
+              </p:nextCondLst>
+            </p:seq>
+          </p:childTnLst>
+        </p:cTn>
       </p:par>
     </p:tnLst>
+    <p:bldLst>
+      <p:bldP spid="10" grpId="0"/>
+      <p:bldP spid="49" grpId="0"/>
+    </p:bldLst>
   </p:timing>
 </p:sld>
 </file>

--- a/CRC - 8 ModBusRTU.pptx
+++ b/CRC - 8 ModBusRTU.pptx
@@ -3177,11 +3177,7 @@
           <a:p>
             <a:r>
               <a:rPr lang="ru-RU" sz="2000" dirty="0" smtClean="0"/>
-              <a:t>Предположим имеется следующее начало из </a:t>
-            </a:r>
-            <a:r>
-              <a:rPr lang="ru-RU" sz="2000" dirty="0" smtClean="0"/>
-              <a:t>пакет</a:t>
+              <a:t>Предположим имеется следующее начало из пакет</a:t>
             </a:r>
             <a:r>
               <a:rPr lang="ru-RU" sz="2000" dirty="0"/>
@@ -3189,11 +3185,7 @@
             </a:r>
             <a:r>
               <a:rPr lang="ru-RU" sz="2000" dirty="0" smtClean="0"/>
-              <a:t> </a:t>
-            </a:r>
-            <a:r>
-              <a:rPr lang="ru-RU" sz="2000" dirty="0" smtClean="0"/>
-              <a:t>данных:</a:t>
+              <a:t> данных:</a:t>
             </a:r>
           </a:p>
           <a:p>
@@ -3282,11 +3274,7 @@
             </a:r>
             <a:r>
               <a:rPr lang="ru-RU" sz="2000" dirty="0" smtClean="0"/>
-              <a:t> </a:t>
-            </a:r>
-            <a:r>
-              <a:rPr lang="ru-RU" sz="2000" dirty="0" smtClean="0"/>
-              <a:t>раз поразрядно сдвигаются, при этом старшие разряды В2 переходят в младшие В1, а старшие В1 во флаг С</a:t>
+              <a:t> раз поразрядно сдвигаются, при этом старшие разряды В2 переходят в младшие В1, а старшие В1 во флаг С</a:t>
             </a:r>
             <a:r>
               <a:rPr lang="en-US" sz="2000" dirty="0" smtClean="0"/>
@@ -6061,6 +6049,3134 @@
           </a:p>
         </p:txBody>
       </p:sp>
+      <p:cxnSp>
+        <p:nvCxnSpPr>
+          <p:cNvPr id="11" name="Прямая со стрелкой 10"/>
+          <p:cNvCxnSpPr/>
+          <p:nvPr/>
+        </p:nvCxnSpPr>
+        <p:spPr>
+          <a:xfrm flipH="1">
+            <a:off x="2224666" y="364518"/>
+            <a:ext cx="504056" cy="0"/>
+          </a:xfrm>
+          <a:prstGeom prst="straightConnector1">
+            <a:avLst/>
+          </a:prstGeom>
+          <a:ln>
+            <a:tailEnd type="arrow"/>
+          </a:ln>
+        </p:spPr>
+        <p:style>
+          <a:lnRef idx="3">
+            <a:schemeClr val="dk1"/>
+          </a:lnRef>
+          <a:fillRef idx="0">
+            <a:schemeClr val="dk1"/>
+          </a:fillRef>
+          <a:effectRef idx="2">
+            <a:schemeClr val="dk1"/>
+          </a:effectRef>
+          <a:fontRef idx="minor">
+            <a:schemeClr val="tx1"/>
+          </a:fontRef>
+        </p:style>
+      </p:cxnSp>
+      <p:cxnSp>
+        <p:nvCxnSpPr>
+          <p:cNvPr id="12" name="Прямая со стрелкой 11"/>
+          <p:cNvCxnSpPr/>
+          <p:nvPr/>
+        </p:nvCxnSpPr>
+        <p:spPr>
+          <a:xfrm flipH="1">
+            <a:off x="2224666" y="1044483"/>
+            <a:ext cx="504056" cy="0"/>
+          </a:xfrm>
+          <a:prstGeom prst="straightConnector1">
+            <a:avLst/>
+          </a:prstGeom>
+          <a:ln>
+            <a:tailEnd type="arrow"/>
+          </a:ln>
+        </p:spPr>
+        <p:style>
+          <a:lnRef idx="3">
+            <a:schemeClr val="dk1"/>
+          </a:lnRef>
+          <a:fillRef idx="0">
+            <a:schemeClr val="dk1"/>
+          </a:fillRef>
+          <a:effectRef idx="2">
+            <a:schemeClr val="dk1"/>
+          </a:effectRef>
+          <a:fontRef idx="minor">
+            <a:schemeClr val="tx1"/>
+          </a:fontRef>
+        </p:style>
+      </p:cxnSp>
+      <p:cxnSp>
+        <p:nvCxnSpPr>
+          <p:cNvPr id="13" name="Прямая со стрелкой 12"/>
+          <p:cNvCxnSpPr/>
+          <p:nvPr/>
+        </p:nvCxnSpPr>
+        <p:spPr>
+          <a:xfrm flipH="1">
+            <a:off x="2224666" y="1733991"/>
+            <a:ext cx="504056" cy="0"/>
+          </a:xfrm>
+          <a:prstGeom prst="straightConnector1">
+            <a:avLst/>
+          </a:prstGeom>
+          <a:ln>
+            <a:tailEnd type="arrow"/>
+          </a:ln>
+        </p:spPr>
+        <p:style>
+          <a:lnRef idx="3">
+            <a:schemeClr val="dk1"/>
+          </a:lnRef>
+          <a:fillRef idx="0">
+            <a:schemeClr val="dk1"/>
+          </a:fillRef>
+          <a:effectRef idx="2">
+            <a:schemeClr val="dk1"/>
+          </a:effectRef>
+          <a:fontRef idx="minor">
+            <a:schemeClr val="tx1"/>
+          </a:fontRef>
+        </p:style>
+      </p:cxnSp>
+      <p:cxnSp>
+        <p:nvCxnSpPr>
+          <p:cNvPr id="14" name="Прямая со стрелкой 13"/>
+          <p:cNvCxnSpPr/>
+          <p:nvPr/>
+        </p:nvCxnSpPr>
+        <p:spPr>
+          <a:xfrm flipH="1">
+            <a:off x="2224666" y="2240868"/>
+            <a:ext cx="504056" cy="0"/>
+          </a:xfrm>
+          <a:prstGeom prst="straightConnector1">
+            <a:avLst/>
+          </a:prstGeom>
+          <a:ln>
+            <a:tailEnd type="arrow"/>
+          </a:ln>
+        </p:spPr>
+        <p:style>
+          <a:lnRef idx="3">
+            <a:schemeClr val="dk1"/>
+          </a:lnRef>
+          <a:fillRef idx="0">
+            <a:schemeClr val="dk1"/>
+          </a:fillRef>
+          <a:effectRef idx="2">
+            <a:schemeClr val="dk1"/>
+          </a:effectRef>
+          <a:fontRef idx="minor">
+            <a:schemeClr val="tx1"/>
+          </a:fontRef>
+        </p:style>
+      </p:cxnSp>
+      <p:cxnSp>
+        <p:nvCxnSpPr>
+          <p:cNvPr id="15" name="Прямая со стрелкой 14"/>
+          <p:cNvCxnSpPr/>
+          <p:nvPr/>
+        </p:nvCxnSpPr>
+        <p:spPr>
+          <a:xfrm flipH="1">
+            <a:off x="2224666" y="2847358"/>
+            <a:ext cx="504056" cy="0"/>
+          </a:xfrm>
+          <a:prstGeom prst="straightConnector1">
+            <a:avLst/>
+          </a:prstGeom>
+          <a:ln>
+            <a:tailEnd type="arrow"/>
+          </a:ln>
+        </p:spPr>
+        <p:style>
+          <a:lnRef idx="3">
+            <a:schemeClr val="dk1"/>
+          </a:lnRef>
+          <a:fillRef idx="0">
+            <a:schemeClr val="dk1"/>
+          </a:fillRef>
+          <a:effectRef idx="2">
+            <a:schemeClr val="dk1"/>
+          </a:effectRef>
+          <a:fontRef idx="minor">
+            <a:schemeClr val="tx1"/>
+          </a:fontRef>
+        </p:style>
+      </p:cxnSp>
+      <p:cxnSp>
+        <p:nvCxnSpPr>
+          <p:cNvPr id="16" name="Прямая со стрелкой 15"/>
+          <p:cNvCxnSpPr/>
+          <p:nvPr/>
+        </p:nvCxnSpPr>
+        <p:spPr>
+          <a:xfrm flipH="1">
+            <a:off x="2224666" y="3429000"/>
+            <a:ext cx="504056" cy="0"/>
+          </a:xfrm>
+          <a:prstGeom prst="straightConnector1">
+            <a:avLst/>
+          </a:prstGeom>
+          <a:ln>
+            <a:tailEnd type="arrow"/>
+          </a:ln>
+        </p:spPr>
+        <p:style>
+          <a:lnRef idx="3">
+            <a:schemeClr val="dk1"/>
+          </a:lnRef>
+          <a:fillRef idx="0">
+            <a:schemeClr val="dk1"/>
+          </a:fillRef>
+          <a:effectRef idx="2">
+            <a:schemeClr val="dk1"/>
+          </a:effectRef>
+          <a:fontRef idx="minor">
+            <a:schemeClr val="tx1"/>
+          </a:fontRef>
+        </p:style>
+      </p:cxnSp>
+      <p:cxnSp>
+        <p:nvCxnSpPr>
+          <p:cNvPr id="17" name="Прямая со стрелкой 16"/>
+          <p:cNvCxnSpPr/>
+          <p:nvPr/>
+        </p:nvCxnSpPr>
+        <p:spPr>
+          <a:xfrm flipH="1">
+            <a:off x="2224666" y="4005064"/>
+            <a:ext cx="504056" cy="0"/>
+          </a:xfrm>
+          <a:prstGeom prst="straightConnector1">
+            <a:avLst/>
+          </a:prstGeom>
+          <a:ln>
+            <a:tailEnd type="arrow"/>
+          </a:ln>
+        </p:spPr>
+        <p:style>
+          <a:lnRef idx="3">
+            <a:schemeClr val="dk1"/>
+          </a:lnRef>
+          <a:fillRef idx="0">
+            <a:schemeClr val="dk1"/>
+          </a:fillRef>
+          <a:effectRef idx="2">
+            <a:schemeClr val="dk1"/>
+          </a:effectRef>
+          <a:fontRef idx="minor">
+            <a:schemeClr val="tx1"/>
+          </a:fontRef>
+        </p:style>
+      </p:cxnSp>
+      <p:cxnSp>
+        <p:nvCxnSpPr>
+          <p:cNvPr id="18" name="Прямая со стрелкой 17"/>
+          <p:cNvCxnSpPr/>
+          <p:nvPr/>
+        </p:nvCxnSpPr>
+        <p:spPr>
+          <a:xfrm flipH="1">
+            <a:off x="2224666" y="4653136"/>
+            <a:ext cx="504056" cy="0"/>
+          </a:xfrm>
+          <a:prstGeom prst="straightConnector1">
+            <a:avLst/>
+          </a:prstGeom>
+          <a:ln>
+            <a:tailEnd type="arrow"/>
+          </a:ln>
+        </p:spPr>
+        <p:style>
+          <a:lnRef idx="3">
+            <a:schemeClr val="dk1"/>
+          </a:lnRef>
+          <a:fillRef idx="0">
+            <a:schemeClr val="dk1"/>
+          </a:fillRef>
+          <a:effectRef idx="2">
+            <a:schemeClr val="dk1"/>
+          </a:effectRef>
+          <a:fontRef idx="minor">
+            <a:schemeClr val="tx1"/>
+          </a:fontRef>
+        </p:style>
+      </p:cxnSp>
+      <p:cxnSp>
+        <p:nvCxnSpPr>
+          <p:cNvPr id="19" name="Прямая со стрелкой 18"/>
+          <p:cNvCxnSpPr/>
+          <p:nvPr/>
+        </p:nvCxnSpPr>
+        <p:spPr>
+          <a:xfrm flipH="1">
+            <a:off x="2224666" y="5229200"/>
+            <a:ext cx="504056" cy="0"/>
+          </a:xfrm>
+          <a:prstGeom prst="straightConnector1">
+            <a:avLst/>
+          </a:prstGeom>
+          <a:ln>
+            <a:tailEnd type="arrow"/>
+          </a:ln>
+        </p:spPr>
+        <p:style>
+          <a:lnRef idx="3">
+            <a:schemeClr val="dk1"/>
+          </a:lnRef>
+          <a:fillRef idx="0">
+            <a:schemeClr val="dk1"/>
+          </a:fillRef>
+          <a:effectRef idx="2">
+            <a:schemeClr val="dk1"/>
+          </a:effectRef>
+          <a:fontRef idx="minor">
+            <a:schemeClr val="tx1"/>
+          </a:fontRef>
+        </p:style>
+      </p:cxnSp>
+      <p:cxnSp>
+        <p:nvCxnSpPr>
+          <p:cNvPr id="20" name="Прямая со стрелкой 19"/>
+          <p:cNvCxnSpPr/>
+          <p:nvPr/>
+        </p:nvCxnSpPr>
+        <p:spPr>
+          <a:xfrm flipH="1">
+            <a:off x="2224666" y="6453336"/>
+            <a:ext cx="504056" cy="0"/>
+          </a:xfrm>
+          <a:prstGeom prst="straightConnector1">
+            <a:avLst/>
+          </a:prstGeom>
+          <a:ln>
+            <a:tailEnd type="arrow"/>
+          </a:ln>
+        </p:spPr>
+        <p:style>
+          <a:lnRef idx="3">
+            <a:schemeClr val="dk1"/>
+          </a:lnRef>
+          <a:fillRef idx="0">
+            <a:schemeClr val="dk1"/>
+          </a:fillRef>
+          <a:effectRef idx="2">
+            <a:schemeClr val="dk1"/>
+          </a:effectRef>
+          <a:fontRef idx="minor">
+            <a:schemeClr val="tx1"/>
+          </a:fontRef>
+        </p:style>
+      </p:cxnSp>
+      <p:cxnSp>
+        <p:nvCxnSpPr>
+          <p:cNvPr id="21" name="Прямая со стрелкой 20"/>
+          <p:cNvCxnSpPr/>
+          <p:nvPr/>
+        </p:nvCxnSpPr>
+        <p:spPr>
+          <a:xfrm>
+            <a:off x="6046581" y="254596"/>
+            <a:ext cx="296336" cy="0"/>
+          </a:xfrm>
+          <a:prstGeom prst="straightConnector1">
+            <a:avLst/>
+          </a:prstGeom>
+          <a:ln>
+            <a:tailEnd type="arrow"/>
+          </a:ln>
+        </p:spPr>
+        <p:style>
+          <a:lnRef idx="2">
+            <a:schemeClr val="dk1"/>
+          </a:lnRef>
+          <a:fillRef idx="0">
+            <a:schemeClr val="dk1"/>
+          </a:fillRef>
+          <a:effectRef idx="1">
+            <a:schemeClr val="dk1"/>
+          </a:effectRef>
+          <a:fontRef idx="minor">
+            <a:schemeClr val="tx1"/>
+          </a:fontRef>
+        </p:style>
+      </p:cxnSp>
+      <p:cxnSp>
+        <p:nvCxnSpPr>
+          <p:cNvPr id="22" name="Прямая со стрелкой 21"/>
+          <p:cNvCxnSpPr/>
+          <p:nvPr/>
+        </p:nvCxnSpPr>
+        <p:spPr>
+          <a:xfrm>
+            <a:off x="6046581" y="532328"/>
+            <a:ext cx="296336" cy="0"/>
+          </a:xfrm>
+          <a:prstGeom prst="straightConnector1">
+            <a:avLst/>
+          </a:prstGeom>
+          <a:ln>
+            <a:tailEnd type="arrow"/>
+          </a:ln>
+        </p:spPr>
+        <p:style>
+          <a:lnRef idx="2">
+            <a:schemeClr val="dk1"/>
+          </a:lnRef>
+          <a:fillRef idx="0">
+            <a:schemeClr val="dk1"/>
+          </a:fillRef>
+          <a:effectRef idx="1">
+            <a:schemeClr val="dk1"/>
+          </a:effectRef>
+          <a:fontRef idx="minor">
+            <a:schemeClr val="tx1"/>
+          </a:fontRef>
+        </p:style>
+      </p:cxnSp>
+      <p:cxnSp>
+        <p:nvCxnSpPr>
+          <p:cNvPr id="23" name="Прямая со стрелкой 22"/>
+          <p:cNvCxnSpPr/>
+          <p:nvPr/>
+        </p:nvCxnSpPr>
+        <p:spPr>
+          <a:xfrm>
+            <a:off x="6046581" y="692696"/>
+            <a:ext cx="296336" cy="0"/>
+          </a:xfrm>
+          <a:prstGeom prst="straightConnector1">
+            <a:avLst/>
+          </a:prstGeom>
+          <a:ln>
+            <a:tailEnd type="arrow"/>
+          </a:ln>
+        </p:spPr>
+        <p:style>
+          <a:lnRef idx="2">
+            <a:schemeClr val="dk1"/>
+          </a:lnRef>
+          <a:fillRef idx="0">
+            <a:schemeClr val="dk1"/>
+          </a:fillRef>
+          <a:effectRef idx="1">
+            <a:schemeClr val="dk1"/>
+          </a:effectRef>
+          <a:fontRef idx="minor">
+            <a:schemeClr val="tx1"/>
+          </a:fontRef>
+        </p:style>
+      </p:cxnSp>
+      <p:cxnSp>
+        <p:nvCxnSpPr>
+          <p:cNvPr id="24" name="Прямая со стрелкой 23"/>
+          <p:cNvCxnSpPr/>
+          <p:nvPr/>
+        </p:nvCxnSpPr>
+        <p:spPr>
+          <a:xfrm>
+            <a:off x="6046581" y="1013279"/>
+            <a:ext cx="296336" cy="0"/>
+          </a:xfrm>
+          <a:prstGeom prst="straightConnector1">
+            <a:avLst/>
+          </a:prstGeom>
+          <a:ln>
+            <a:tailEnd type="arrow"/>
+          </a:ln>
+        </p:spPr>
+        <p:style>
+          <a:lnRef idx="2">
+            <a:schemeClr val="dk1"/>
+          </a:lnRef>
+          <a:fillRef idx="0">
+            <a:schemeClr val="dk1"/>
+          </a:fillRef>
+          <a:effectRef idx="1">
+            <a:schemeClr val="dk1"/>
+          </a:effectRef>
+          <a:fontRef idx="minor">
+            <a:schemeClr val="tx1"/>
+          </a:fontRef>
+        </p:style>
+      </p:cxnSp>
+      <p:cxnSp>
+        <p:nvCxnSpPr>
+          <p:cNvPr id="25" name="Прямая со стрелкой 24"/>
+          <p:cNvCxnSpPr/>
+          <p:nvPr/>
+        </p:nvCxnSpPr>
+        <p:spPr>
+          <a:xfrm>
+            <a:off x="6046581" y="1229149"/>
+            <a:ext cx="296336" cy="0"/>
+          </a:xfrm>
+          <a:prstGeom prst="straightConnector1">
+            <a:avLst/>
+          </a:prstGeom>
+          <a:ln>
+            <a:tailEnd type="arrow"/>
+          </a:ln>
+        </p:spPr>
+        <p:style>
+          <a:lnRef idx="2">
+            <a:schemeClr val="dk1"/>
+          </a:lnRef>
+          <a:fillRef idx="0">
+            <a:schemeClr val="dk1"/>
+          </a:fillRef>
+          <a:effectRef idx="1">
+            <a:schemeClr val="dk1"/>
+          </a:effectRef>
+          <a:fontRef idx="minor">
+            <a:schemeClr val="tx1"/>
+          </a:fontRef>
+        </p:style>
+      </p:cxnSp>
+      <p:cxnSp>
+        <p:nvCxnSpPr>
+          <p:cNvPr id="26" name="Прямая со стрелкой 25"/>
+          <p:cNvCxnSpPr/>
+          <p:nvPr/>
+        </p:nvCxnSpPr>
+        <p:spPr>
+          <a:xfrm>
+            <a:off x="6046581" y="1753906"/>
+            <a:ext cx="296336" cy="0"/>
+          </a:xfrm>
+          <a:prstGeom prst="straightConnector1">
+            <a:avLst/>
+          </a:prstGeom>
+          <a:ln>
+            <a:tailEnd type="arrow"/>
+          </a:ln>
+        </p:spPr>
+        <p:style>
+          <a:lnRef idx="2">
+            <a:schemeClr val="dk1"/>
+          </a:lnRef>
+          <a:fillRef idx="0">
+            <a:schemeClr val="dk1"/>
+          </a:fillRef>
+          <a:effectRef idx="1">
+            <a:schemeClr val="dk1"/>
+          </a:effectRef>
+          <a:fontRef idx="minor">
+            <a:schemeClr val="tx1"/>
+          </a:fontRef>
+        </p:style>
+      </p:cxnSp>
+      <p:cxnSp>
+        <p:nvCxnSpPr>
+          <p:cNvPr id="27" name="Прямая со стрелкой 26"/>
+          <p:cNvCxnSpPr/>
+          <p:nvPr/>
+        </p:nvCxnSpPr>
+        <p:spPr>
+          <a:xfrm>
+            <a:off x="6046581" y="1988840"/>
+            <a:ext cx="296336" cy="0"/>
+          </a:xfrm>
+          <a:prstGeom prst="straightConnector1">
+            <a:avLst/>
+          </a:prstGeom>
+          <a:ln>
+            <a:tailEnd type="arrow"/>
+          </a:ln>
+        </p:spPr>
+        <p:style>
+          <a:lnRef idx="2">
+            <a:schemeClr val="dk1"/>
+          </a:lnRef>
+          <a:fillRef idx="0">
+            <a:schemeClr val="dk1"/>
+          </a:fillRef>
+          <a:effectRef idx="1">
+            <a:schemeClr val="dk1"/>
+          </a:effectRef>
+          <a:fontRef idx="minor">
+            <a:schemeClr val="tx1"/>
+          </a:fontRef>
+        </p:style>
+      </p:cxnSp>
+      <p:cxnSp>
+        <p:nvCxnSpPr>
+          <p:cNvPr id="28" name="Прямая со стрелкой 27"/>
+          <p:cNvCxnSpPr/>
+          <p:nvPr/>
+        </p:nvCxnSpPr>
+        <p:spPr>
+          <a:xfrm>
+            <a:off x="6046581" y="2229086"/>
+            <a:ext cx="296336" cy="0"/>
+          </a:xfrm>
+          <a:prstGeom prst="straightConnector1">
+            <a:avLst/>
+          </a:prstGeom>
+          <a:ln>
+            <a:tailEnd type="arrow"/>
+          </a:ln>
+        </p:spPr>
+        <p:style>
+          <a:lnRef idx="2">
+            <a:schemeClr val="dk1"/>
+          </a:lnRef>
+          <a:fillRef idx="0">
+            <a:schemeClr val="dk1"/>
+          </a:fillRef>
+          <a:effectRef idx="1">
+            <a:schemeClr val="dk1"/>
+          </a:effectRef>
+          <a:fontRef idx="minor">
+            <a:schemeClr val="tx1"/>
+          </a:fontRef>
+        </p:style>
+      </p:cxnSp>
+      <p:cxnSp>
+        <p:nvCxnSpPr>
+          <p:cNvPr id="29" name="Прямая со стрелкой 28"/>
+          <p:cNvCxnSpPr/>
+          <p:nvPr/>
+        </p:nvCxnSpPr>
+        <p:spPr>
+          <a:xfrm>
+            <a:off x="6046581" y="2708920"/>
+            <a:ext cx="296336" cy="0"/>
+          </a:xfrm>
+          <a:prstGeom prst="straightConnector1">
+            <a:avLst/>
+          </a:prstGeom>
+          <a:ln>
+            <a:tailEnd type="arrow"/>
+          </a:ln>
+        </p:spPr>
+        <p:style>
+          <a:lnRef idx="2">
+            <a:schemeClr val="dk1"/>
+          </a:lnRef>
+          <a:fillRef idx="0">
+            <a:schemeClr val="dk1"/>
+          </a:fillRef>
+          <a:effectRef idx="1">
+            <a:schemeClr val="dk1"/>
+          </a:effectRef>
+          <a:fontRef idx="minor">
+            <a:schemeClr val="tx1"/>
+          </a:fontRef>
+        </p:style>
+      </p:cxnSp>
+      <p:cxnSp>
+        <p:nvCxnSpPr>
+          <p:cNvPr id="32" name="Прямая со стрелкой 31"/>
+          <p:cNvCxnSpPr/>
+          <p:nvPr/>
+        </p:nvCxnSpPr>
+        <p:spPr>
+          <a:xfrm>
+            <a:off x="6046581" y="3009726"/>
+            <a:ext cx="296336" cy="0"/>
+          </a:xfrm>
+          <a:prstGeom prst="straightConnector1">
+            <a:avLst/>
+          </a:prstGeom>
+          <a:ln>
+            <a:tailEnd type="arrow"/>
+          </a:ln>
+        </p:spPr>
+        <p:style>
+          <a:lnRef idx="2">
+            <a:schemeClr val="dk1"/>
+          </a:lnRef>
+          <a:fillRef idx="0">
+            <a:schemeClr val="dk1"/>
+          </a:fillRef>
+          <a:effectRef idx="1">
+            <a:schemeClr val="dk1"/>
+          </a:effectRef>
+          <a:fontRef idx="minor">
+            <a:schemeClr val="tx1"/>
+          </a:fontRef>
+        </p:style>
+      </p:cxnSp>
+      <p:cxnSp>
+        <p:nvCxnSpPr>
+          <p:cNvPr id="33" name="Прямая со стрелкой 32"/>
+          <p:cNvCxnSpPr/>
+          <p:nvPr/>
+        </p:nvCxnSpPr>
+        <p:spPr>
+          <a:xfrm>
+            <a:off x="6046581" y="3212976"/>
+            <a:ext cx="296336" cy="0"/>
+          </a:xfrm>
+          <a:prstGeom prst="straightConnector1">
+            <a:avLst/>
+          </a:prstGeom>
+          <a:ln>
+            <a:tailEnd type="arrow"/>
+          </a:ln>
+        </p:spPr>
+        <p:style>
+          <a:lnRef idx="2">
+            <a:schemeClr val="dk1"/>
+          </a:lnRef>
+          <a:fillRef idx="0">
+            <a:schemeClr val="dk1"/>
+          </a:fillRef>
+          <a:effectRef idx="1">
+            <a:schemeClr val="dk1"/>
+          </a:effectRef>
+          <a:fontRef idx="minor">
+            <a:schemeClr val="tx1"/>
+          </a:fontRef>
+        </p:style>
+      </p:cxnSp>
+      <p:cxnSp>
+        <p:nvCxnSpPr>
+          <p:cNvPr id="34" name="Прямая со стрелкой 33"/>
+          <p:cNvCxnSpPr/>
+          <p:nvPr/>
+        </p:nvCxnSpPr>
+        <p:spPr>
+          <a:xfrm>
+            <a:off x="6046581" y="3429000"/>
+            <a:ext cx="296336" cy="0"/>
+          </a:xfrm>
+          <a:prstGeom prst="straightConnector1">
+            <a:avLst/>
+          </a:prstGeom>
+          <a:ln>
+            <a:tailEnd type="arrow"/>
+          </a:ln>
+        </p:spPr>
+        <p:style>
+          <a:lnRef idx="2">
+            <a:schemeClr val="dk1"/>
+          </a:lnRef>
+          <a:fillRef idx="0">
+            <a:schemeClr val="dk1"/>
+          </a:fillRef>
+          <a:effectRef idx="1">
+            <a:schemeClr val="dk1"/>
+          </a:effectRef>
+          <a:fontRef idx="minor">
+            <a:schemeClr val="tx1"/>
+          </a:fontRef>
+        </p:style>
+      </p:cxnSp>
+      <p:cxnSp>
+        <p:nvCxnSpPr>
+          <p:cNvPr id="35" name="Прямая со стрелкой 34"/>
+          <p:cNvCxnSpPr/>
+          <p:nvPr/>
+        </p:nvCxnSpPr>
+        <p:spPr>
+          <a:xfrm>
+            <a:off x="6046581" y="3645024"/>
+            <a:ext cx="296336" cy="0"/>
+          </a:xfrm>
+          <a:prstGeom prst="straightConnector1">
+            <a:avLst/>
+          </a:prstGeom>
+          <a:ln>
+            <a:tailEnd type="arrow"/>
+          </a:ln>
+        </p:spPr>
+        <p:style>
+          <a:lnRef idx="2">
+            <a:schemeClr val="dk1"/>
+          </a:lnRef>
+          <a:fillRef idx="0">
+            <a:schemeClr val="dk1"/>
+          </a:fillRef>
+          <a:effectRef idx="1">
+            <a:schemeClr val="dk1"/>
+          </a:effectRef>
+          <a:fontRef idx="minor">
+            <a:schemeClr val="tx1"/>
+          </a:fontRef>
+        </p:style>
+      </p:cxnSp>
+      <p:cxnSp>
+        <p:nvCxnSpPr>
+          <p:cNvPr id="36" name="Прямая со стрелкой 35"/>
+          <p:cNvCxnSpPr/>
+          <p:nvPr/>
+        </p:nvCxnSpPr>
+        <p:spPr>
+          <a:xfrm>
+            <a:off x="6046581" y="3933056"/>
+            <a:ext cx="296336" cy="0"/>
+          </a:xfrm>
+          <a:prstGeom prst="straightConnector1">
+            <a:avLst/>
+          </a:prstGeom>
+          <a:ln>
+            <a:tailEnd type="arrow"/>
+          </a:ln>
+        </p:spPr>
+        <p:style>
+          <a:lnRef idx="2">
+            <a:schemeClr val="dk1"/>
+          </a:lnRef>
+          <a:fillRef idx="0">
+            <a:schemeClr val="dk1"/>
+          </a:fillRef>
+          <a:effectRef idx="1">
+            <a:schemeClr val="dk1"/>
+          </a:effectRef>
+          <a:fontRef idx="minor">
+            <a:schemeClr val="tx1"/>
+          </a:fontRef>
+        </p:style>
+      </p:cxnSp>
+      <p:cxnSp>
+        <p:nvCxnSpPr>
+          <p:cNvPr id="37" name="Прямая со стрелкой 36"/>
+          <p:cNvCxnSpPr/>
+          <p:nvPr/>
+        </p:nvCxnSpPr>
+        <p:spPr>
+          <a:xfrm>
+            <a:off x="6046581" y="4221088"/>
+            <a:ext cx="296336" cy="0"/>
+          </a:xfrm>
+          <a:prstGeom prst="straightConnector1">
+            <a:avLst/>
+          </a:prstGeom>
+          <a:ln>
+            <a:tailEnd type="arrow"/>
+          </a:ln>
+        </p:spPr>
+        <p:style>
+          <a:lnRef idx="2">
+            <a:schemeClr val="dk1"/>
+          </a:lnRef>
+          <a:fillRef idx="0">
+            <a:schemeClr val="dk1"/>
+          </a:fillRef>
+          <a:effectRef idx="1">
+            <a:schemeClr val="dk1"/>
+          </a:effectRef>
+          <a:fontRef idx="minor">
+            <a:schemeClr val="tx1"/>
+          </a:fontRef>
+        </p:style>
+      </p:cxnSp>
+      <p:sp>
+        <p:nvSpPr>
+          <p:cNvPr id="38" name="TextBox 37"/>
+          <p:cNvSpPr txBox="1"/>
+          <p:nvPr/>
+        </p:nvSpPr>
+        <p:spPr>
+          <a:xfrm>
+            <a:off x="4379974" y="1921793"/>
+            <a:ext cx="1296144" cy="369332"/>
+          </a:xfrm>
+          <a:prstGeom prst="rect">
+            <a:avLst/>
+          </a:prstGeom>
+          <a:noFill/>
+        </p:spPr>
+        <p:txBody>
+          <a:bodyPr wrap="square" rtlCol="0">
+            <a:spAutoFit/>
+          </a:bodyPr>
+          <a:lstStyle/>
+          <a:p>
+            <a:r>
+              <a:rPr lang="en-US" dirty="0" smtClean="0"/>
+              <a:t>000</a:t>
+            </a:r>
+            <a:r>
+              <a:rPr lang="ru-RU" dirty="0" smtClean="0"/>
+              <a:t>1</a:t>
+            </a:r>
+            <a:r>
+              <a:rPr lang="en-US" dirty="0" smtClean="0"/>
+              <a:t> 0</a:t>
+            </a:r>
+            <a:r>
+              <a:rPr lang="ru-RU" dirty="0" smtClean="0"/>
+              <a:t>1</a:t>
+            </a:r>
+            <a:r>
+              <a:rPr lang="en-US" dirty="0" smtClean="0"/>
+              <a:t>00</a:t>
+            </a:r>
+            <a:endParaRPr lang="ru-RU" dirty="0"/>
+          </a:p>
+        </p:txBody>
+      </p:sp>
+      <p:sp>
+        <p:nvSpPr>
+          <p:cNvPr id="39" name="TextBox 38"/>
+          <p:cNvSpPr txBox="1"/>
+          <p:nvPr/>
+        </p:nvSpPr>
+        <p:spPr>
+          <a:xfrm>
+            <a:off x="4391980" y="859817"/>
+            <a:ext cx="1296144" cy="369332"/>
+          </a:xfrm>
+          <a:prstGeom prst="rect">
+            <a:avLst/>
+          </a:prstGeom>
+          <a:noFill/>
+        </p:spPr>
+        <p:txBody>
+          <a:bodyPr wrap="square" rtlCol="0">
+            <a:spAutoFit/>
+          </a:bodyPr>
+          <a:lstStyle/>
+          <a:p>
+            <a:r>
+              <a:rPr lang="en-US" dirty="0" smtClean="0"/>
+              <a:t>000</a:t>
+            </a:r>
+            <a:r>
+              <a:rPr lang="ru-RU" dirty="0" smtClean="0"/>
+              <a:t>1</a:t>
+            </a:r>
+            <a:r>
+              <a:rPr lang="en-US" dirty="0" smtClean="0"/>
+              <a:t> 0</a:t>
+            </a:r>
+            <a:r>
+              <a:rPr lang="ru-RU" dirty="0" smtClean="0"/>
+              <a:t>1</a:t>
+            </a:r>
+            <a:r>
+              <a:rPr lang="en-US" dirty="0" smtClean="0"/>
+              <a:t>00</a:t>
+            </a:r>
+            <a:endParaRPr lang="ru-RU" dirty="0"/>
+          </a:p>
+        </p:txBody>
+      </p:sp>
+      <p:sp>
+        <p:nvSpPr>
+          <p:cNvPr id="40" name="TextBox 39"/>
+          <p:cNvSpPr txBox="1"/>
+          <p:nvPr/>
+        </p:nvSpPr>
+        <p:spPr>
+          <a:xfrm>
+            <a:off x="4412981" y="2479126"/>
+            <a:ext cx="318033" cy="369332"/>
+          </a:xfrm>
+          <a:prstGeom prst="rect">
+            <a:avLst/>
+          </a:prstGeom>
+          <a:noFill/>
+        </p:spPr>
+        <p:txBody>
+          <a:bodyPr wrap="square" rtlCol="0">
+            <a:spAutoFit/>
+          </a:bodyPr>
+          <a:lstStyle/>
+          <a:p>
+            <a:r>
+              <a:rPr lang="ru-RU" dirty="0" smtClean="0"/>
+              <a:t>7</a:t>
+            </a:r>
+            <a:endParaRPr lang="ru-RU" dirty="0"/>
+          </a:p>
+        </p:txBody>
+      </p:sp>
+      <p:cxnSp>
+        <p:nvCxnSpPr>
+          <p:cNvPr id="42" name="Прямая со стрелкой 41"/>
+          <p:cNvCxnSpPr/>
+          <p:nvPr/>
+        </p:nvCxnSpPr>
+        <p:spPr>
+          <a:xfrm flipH="1">
+            <a:off x="2224666" y="2848458"/>
+            <a:ext cx="504056" cy="0"/>
+          </a:xfrm>
+          <a:prstGeom prst="straightConnector1">
+            <a:avLst/>
+          </a:prstGeom>
+          <a:ln>
+            <a:tailEnd type="arrow"/>
+          </a:ln>
+        </p:spPr>
+        <p:style>
+          <a:lnRef idx="3">
+            <a:schemeClr val="dk1"/>
+          </a:lnRef>
+          <a:fillRef idx="0">
+            <a:schemeClr val="dk1"/>
+          </a:fillRef>
+          <a:effectRef idx="2">
+            <a:schemeClr val="dk1"/>
+          </a:effectRef>
+          <a:fontRef idx="minor">
+            <a:schemeClr val="tx1"/>
+          </a:fontRef>
+        </p:style>
+      </p:cxnSp>
+      <p:sp>
+        <p:nvSpPr>
+          <p:cNvPr id="43" name="TextBox 42"/>
+          <p:cNvSpPr txBox="1"/>
+          <p:nvPr/>
+        </p:nvSpPr>
+        <p:spPr>
+          <a:xfrm>
+            <a:off x="4379974" y="1921793"/>
+            <a:ext cx="1296144" cy="369332"/>
+          </a:xfrm>
+          <a:prstGeom prst="rect">
+            <a:avLst/>
+          </a:prstGeom>
+          <a:noFill/>
+        </p:spPr>
+        <p:txBody>
+          <a:bodyPr wrap="square" rtlCol="0">
+            <a:spAutoFit/>
+          </a:bodyPr>
+          <a:lstStyle/>
+          <a:p>
+            <a:r>
+              <a:rPr lang="en-US" dirty="0" smtClean="0"/>
+              <a:t>000</a:t>
+            </a:r>
+            <a:r>
+              <a:rPr lang="ru-RU" dirty="0"/>
+              <a:t>0</a:t>
+            </a:r>
+            <a:r>
+              <a:rPr lang="en-US" dirty="0" smtClean="0"/>
+              <a:t> </a:t>
+            </a:r>
+            <a:r>
+              <a:rPr lang="ru-RU" dirty="0"/>
+              <a:t>1</a:t>
+            </a:r>
+            <a:r>
+              <a:rPr lang="ru-RU" dirty="0" smtClean="0"/>
+              <a:t>1</a:t>
+            </a:r>
+            <a:r>
+              <a:rPr lang="en-US" dirty="0" smtClean="0"/>
+              <a:t>00</a:t>
+            </a:r>
+            <a:endParaRPr lang="ru-RU" dirty="0"/>
+          </a:p>
+        </p:txBody>
+      </p:sp>
+      <p:sp>
+        <p:nvSpPr>
+          <p:cNvPr id="44" name="TextBox 43"/>
+          <p:cNvSpPr txBox="1"/>
+          <p:nvPr/>
+        </p:nvSpPr>
+        <p:spPr>
+          <a:xfrm>
+            <a:off x="4385679" y="1364659"/>
+            <a:ext cx="1296144" cy="369332"/>
+          </a:xfrm>
+          <a:prstGeom prst="rect">
+            <a:avLst/>
+          </a:prstGeom>
+          <a:noFill/>
+        </p:spPr>
+        <p:txBody>
+          <a:bodyPr wrap="square" rtlCol="0">
+            <a:spAutoFit/>
+          </a:bodyPr>
+          <a:lstStyle/>
+          <a:p>
+            <a:r>
+              <a:rPr lang="en-US" dirty="0" smtClean="0"/>
+              <a:t>0000 </a:t>
+            </a:r>
+            <a:r>
+              <a:rPr lang="ru-RU" dirty="0" smtClean="0"/>
+              <a:t>11</a:t>
+            </a:r>
+            <a:r>
+              <a:rPr lang="en-US" dirty="0" smtClean="0"/>
+              <a:t>00</a:t>
+            </a:r>
+            <a:endParaRPr lang="ru-RU" dirty="0"/>
+          </a:p>
+        </p:txBody>
+      </p:sp>
+      <p:sp>
+        <p:nvSpPr>
+          <p:cNvPr id="45" name="TextBox 44"/>
+          <p:cNvSpPr txBox="1"/>
+          <p:nvPr/>
+        </p:nvSpPr>
+        <p:spPr>
+          <a:xfrm>
+            <a:off x="4379974" y="859817"/>
+            <a:ext cx="1296144" cy="369332"/>
+          </a:xfrm>
+          <a:prstGeom prst="rect">
+            <a:avLst/>
+          </a:prstGeom>
+          <a:noFill/>
+        </p:spPr>
+        <p:txBody>
+          <a:bodyPr wrap="square" rtlCol="0">
+            <a:spAutoFit/>
+          </a:bodyPr>
+          <a:lstStyle/>
+          <a:p>
+            <a:r>
+              <a:rPr lang="en-US" dirty="0" smtClean="0"/>
+              <a:t>00</a:t>
+            </a:r>
+            <a:r>
+              <a:rPr lang="ru-RU" dirty="0" smtClean="0"/>
+              <a:t>10</a:t>
+            </a:r>
+            <a:r>
+              <a:rPr lang="en-US" dirty="0" smtClean="0"/>
+              <a:t> 000</a:t>
+            </a:r>
+            <a:r>
+              <a:rPr lang="ru-RU" dirty="0" smtClean="0"/>
+              <a:t>1</a:t>
+            </a:r>
+            <a:endParaRPr lang="ru-RU" dirty="0"/>
+          </a:p>
+        </p:txBody>
+      </p:sp>
+      <p:cxnSp>
+        <p:nvCxnSpPr>
+          <p:cNvPr id="46" name="Прямая со стрелкой 45"/>
+          <p:cNvCxnSpPr/>
+          <p:nvPr/>
+        </p:nvCxnSpPr>
+        <p:spPr>
+          <a:xfrm>
+            <a:off x="6046581" y="2708920"/>
+            <a:ext cx="296336" cy="0"/>
+          </a:xfrm>
+          <a:prstGeom prst="straightConnector1">
+            <a:avLst/>
+          </a:prstGeom>
+          <a:ln>
+            <a:tailEnd type="arrow"/>
+          </a:ln>
+        </p:spPr>
+        <p:style>
+          <a:lnRef idx="2">
+            <a:schemeClr val="dk1"/>
+          </a:lnRef>
+          <a:fillRef idx="0">
+            <a:schemeClr val="dk1"/>
+          </a:fillRef>
+          <a:effectRef idx="1">
+            <a:schemeClr val="dk1"/>
+          </a:effectRef>
+          <a:fontRef idx="minor">
+            <a:schemeClr val="tx1"/>
+          </a:fontRef>
+        </p:style>
+      </p:cxnSp>
+      <p:cxnSp>
+        <p:nvCxnSpPr>
+          <p:cNvPr id="47" name="Прямая со стрелкой 46"/>
+          <p:cNvCxnSpPr/>
+          <p:nvPr/>
+        </p:nvCxnSpPr>
+        <p:spPr>
+          <a:xfrm flipH="1">
+            <a:off x="2224666" y="2848458"/>
+            <a:ext cx="504056" cy="0"/>
+          </a:xfrm>
+          <a:prstGeom prst="straightConnector1">
+            <a:avLst/>
+          </a:prstGeom>
+          <a:ln>
+            <a:tailEnd type="arrow"/>
+          </a:ln>
+        </p:spPr>
+        <p:style>
+          <a:lnRef idx="3">
+            <a:schemeClr val="dk1"/>
+          </a:lnRef>
+          <a:fillRef idx="0">
+            <a:schemeClr val="dk1"/>
+          </a:fillRef>
+          <a:effectRef idx="2">
+            <a:schemeClr val="dk1"/>
+          </a:effectRef>
+          <a:fontRef idx="minor">
+            <a:schemeClr val="tx1"/>
+          </a:fontRef>
+        </p:style>
+      </p:cxnSp>
+      <p:sp>
+        <p:nvSpPr>
+          <p:cNvPr id="48" name="TextBox 47"/>
+          <p:cNvSpPr txBox="1"/>
+          <p:nvPr/>
+        </p:nvSpPr>
+        <p:spPr>
+          <a:xfrm>
+            <a:off x="4391980" y="2479126"/>
+            <a:ext cx="318033" cy="369332"/>
+          </a:xfrm>
+          <a:prstGeom prst="rect">
+            <a:avLst/>
+          </a:prstGeom>
+          <a:noFill/>
+        </p:spPr>
+        <p:txBody>
+          <a:bodyPr wrap="square" rtlCol="0">
+            <a:spAutoFit/>
+          </a:bodyPr>
+          <a:lstStyle/>
+          <a:p>
+            <a:r>
+              <a:rPr lang="ru-RU" dirty="0" smtClean="0"/>
+              <a:t>6</a:t>
+            </a:r>
+            <a:endParaRPr lang="ru-RU" dirty="0"/>
+          </a:p>
+        </p:txBody>
+      </p:sp>
+      <p:cxnSp>
+        <p:nvCxnSpPr>
+          <p:cNvPr id="49" name="Прямая со стрелкой 48"/>
+          <p:cNvCxnSpPr/>
+          <p:nvPr/>
+        </p:nvCxnSpPr>
+        <p:spPr>
+          <a:xfrm>
+            <a:off x="6048164" y="3009726"/>
+            <a:ext cx="296336" cy="0"/>
+          </a:xfrm>
+          <a:prstGeom prst="straightConnector1">
+            <a:avLst/>
+          </a:prstGeom>
+          <a:ln>
+            <a:tailEnd type="arrow"/>
+          </a:ln>
+        </p:spPr>
+        <p:style>
+          <a:lnRef idx="2">
+            <a:schemeClr val="dk1"/>
+          </a:lnRef>
+          <a:fillRef idx="0">
+            <a:schemeClr val="dk1"/>
+          </a:fillRef>
+          <a:effectRef idx="1">
+            <a:schemeClr val="dk1"/>
+          </a:effectRef>
+          <a:fontRef idx="minor">
+            <a:schemeClr val="tx1"/>
+          </a:fontRef>
+        </p:style>
+      </p:cxnSp>
+      <p:cxnSp>
+        <p:nvCxnSpPr>
+          <p:cNvPr id="50" name="Прямая со стрелкой 49"/>
+          <p:cNvCxnSpPr/>
+          <p:nvPr/>
+        </p:nvCxnSpPr>
+        <p:spPr>
+          <a:xfrm flipH="1">
+            <a:off x="2224666" y="2848458"/>
+            <a:ext cx="504056" cy="0"/>
+          </a:xfrm>
+          <a:prstGeom prst="straightConnector1">
+            <a:avLst/>
+          </a:prstGeom>
+          <a:ln>
+            <a:tailEnd type="arrow"/>
+          </a:ln>
+        </p:spPr>
+        <p:style>
+          <a:lnRef idx="3">
+            <a:schemeClr val="dk1"/>
+          </a:lnRef>
+          <a:fillRef idx="0">
+            <a:schemeClr val="dk1"/>
+          </a:fillRef>
+          <a:effectRef idx="2">
+            <a:schemeClr val="dk1"/>
+          </a:effectRef>
+          <a:fontRef idx="minor">
+            <a:schemeClr val="tx1"/>
+          </a:fontRef>
+        </p:style>
+      </p:cxnSp>
+      <p:cxnSp>
+        <p:nvCxnSpPr>
+          <p:cNvPr id="51" name="Прямая со стрелкой 50"/>
+          <p:cNvCxnSpPr/>
+          <p:nvPr/>
+        </p:nvCxnSpPr>
+        <p:spPr>
+          <a:xfrm flipH="1">
+            <a:off x="2224666" y="3426172"/>
+            <a:ext cx="504056" cy="0"/>
+          </a:xfrm>
+          <a:prstGeom prst="straightConnector1">
+            <a:avLst/>
+          </a:prstGeom>
+          <a:ln>
+            <a:tailEnd type="arrow"/>
+          </a:ln>
+        </p:spPr>
+        <p:style>
+          <a:lnRef idx="3">
+            <a:schemeClr val="dk1"/>
+          </a:lnRef>
+          <a:fillRef idx="0">
+            <a:schemeClr val="dk1"/>
+          </a:fillRef>
+          <a:effectRef idx="2">
+            <a:schemeClr val="dk1"/>
+          </a:effectRef>
+          <a:fontRef idx="minor">
+            <a:schemeClr val="tx1"/>
+          </a:fontRef>
+        </p:style>
+      </p:cxnSp>
+      <p:cxnSp>
+        <p:nvCxnSpPr>
+          <p:cNvPr id="52" name="Прямая со стрелкой 51"/>
+          <p:cNvCxnSpPr/>
+          <p:nvPr/>
+        </p:nvCxnSpPr>
+        <p:spPr>
+          <a:xfrm>
+            <a:off x="6048164" y="3213050"/>
+            <a:ext cx="296336" cy="0"/>
+          </a:xfrm>
+          <a:prstGeom prst="straightConnector1">
+            <a:avLst/>
+          </a:prstGeom>
+          <a:ln>
+            <a:tailEnd type="arrow"/>
+          </a:ln>
+        </p:spPr>
+        <p:style>
+          <a:lnRef idx="2">
+            <a:schemeClr val="dk1"/>
+          </a:lnRef>
+          <a:fillRef idx="0">
+            <a:schemeClr val="dk1"/>
+          </a:fillRef>
+          <a:effectRef idx="1">
+            <a:schemeClr val="dk1"/>
+          </a:effectRef>
+          <a:fontRef idx="minor">
+            <a:schemeClr val="tx1"/>
+          </a:fontRef>
+        </p:style>
+      </p:cxnSp>
+      <p:sp>
+        <p:nvSpPr>
+          <p:cNvPr id="53" name="TextBox 52"/>
+          <p:cNvSpPr txBox="1"/>
+          <p:nvPr/>
+        </p:nvSpPr>
+        <p:spPr>
+          <a:xfrm>
+            <a:off x="4379974" y="1916832"/>
+            <a:ext cx="1296144" cy="369332"/>
+          </a:xfrm>
+          <a:prstGeom prst="rect">
+            <a:avLst/>
+          </a:prstGeom>
+          <a:noFill/>
+        </p:spPr>
+        <p:txBody>
+          <a:bodyPr wrap="square" rtlCol="0">
+            <a:spAutoFit/>
+          </a:bodyPr>
+          <a:lstStyle/>
+          <a:p>
+            <a:r>
+              <a:rPr lang="ru-RU" dirty="0" smtClean="0"/>
+              <a:t>11</a:t>
+            </a:r>
+            <a:r>
+              <a:rPr lang="en-US" dirty="0" smtClean="0"/>
+              <a:t>0</a:t>
+            </a:r>
+            <a:r>
+              <a:rPr lang="ru-RU" dirty="0"/>
+              <a:t>0</a:t>
+            </a:r>
+            <a:r>
+              <a:rPr lang="en-US" dirty="0" smtClean="0"/>
+              <a:t> </a:t>
+            </a:r>
+            <a:r>
+              <a:rPr lang="ru-RU" dirty="0" smtClean="0"/>
+              <a:t>01</a:t>
+            </a:r>
+            <a:r>
+              <a:rPr lang="en-US" dirty="0" smtClean="0"/>
+              <a:t>0</a:t>
+            </a:r>
+            <a:r>
+              <a:rPr lang="ru-RU" dirty="0" smtClean="0"/>
+              <a:t>1</a:t>
+            </a:r>
+            <a:endParaRPr lang="ru-RU" dirty="0"/>
+          </a:p>
+        </p:txBody>
+      </p:sp>
+      <p:sp>
+        <p:nvSpPr>
+          <p:cNvPr id="54" name="TextBox 53"/>
+          <p:cNvSpPr txBox="1"/>
+          <p:nvPr/>
+        </p:nvSpPr>
+        <p:spPr>
+          <a:xfrm>
+            <a:off x="4379974" y="1364659"/>
+            <a:ext cx="1296144" cy="369332"/>
+          </a:xfrm>
+          <a:prstGeom prst="rect">
+            <a:avLst/>
+          </a:prstGeom>
+          <a:noFill/>
+        </p:spPr>
+        <p:txBody>
+          <a:bodyPr wrap="square" rtlCol="0">
+            <a:spAutoFit/>
+          </a:bodyPr>
+          <a:lstStyle/>
+          <a:p>
+            <a:r>
+              <a:rPr lang="ru-RU" dirty="0" smtClean="0"/>
+              <a:t>11</a:t>
+            </a:r>
+            <a:r>
+              <a:rPr lang="en-US" dirty="0" smtClean="0"/>
+              <a:t>00 </a:t>
+            </a:r>
+            <a:r>
+              <a:rPr lang="ru-RU" dirty="0"/>
+              <a:t>0</a:t>
+            </a:r>
+            <a:r>
+              <a:rPr lang="ru-RU" dirty="0" smtClean="0"/>
+              <a:t>1</a:t>
+            </a:r>
+            <a:r>
+              <a:rPr lang="en-US" dirty="0" smtClean="0"/>
+              <a:t>0</a:t>
+            </a:r>
+            <a:r>
+              <a:rPr lang="ru-RU" dirty="0" smtClean="0"/>
+              <a:t>1</a:t>
+            </a:r>
+            <a:endParaRPr lang="ru-RU" dirty="0"/>
+          </a:p>
+        </p:txBody>
+      </p:sp>
+      <p:cxnSp>
+        <p:nvCxnSpPr>
+          <p:cNvPr id="55" name="Прямая со стрелкой 54"/>
+          <p:cNvCxnSpPr/>
+          <p:nvPr/>
+        </p:nvCxnSpPr>
+        <p:spPr>
+          <a:xfrm flipH="1">
+            <a:off x="2224666" y="4005064"/>
+            <a:ext cx="504056" cy="0"/>
+          </a:xfrm>
+          <a:prstGeom prst="straightConnector1">
+            <a:avLst/>
+          </a:prstGeom>
+          <a:ln>
+            <a:tailEnd type="arrow"/>
+          </a:ln>
+        </p:spPr>
+        <p:style>
+          <a:lnRef idx="3">
+            <a:schemeClr val="dk1"/>
+          </a:lnRef>
+          <a:fillRef idx="0">
+            <a:schemeClr val="dk1"/>
+          </a:fillRef>
+          <a:effectRef idx="2">
+            <a:schemeClr val="dk1"/>
+          </a:effectRef>
+          <a:fontRef idx="minor">
+            <a:schemeClr val="tx1"/>
+          </a:fontRef>
+        </p:style>
+      </p:cxnSp>
+      <p:cxnSp>
+        <p:nvCxnSpPr>
+          <p:cNvPr id="56" name="Прямая со стрелкой 55"/>
+          <p:cNvCxnSpPr/>
+          <p:nvPr/>
+        </p:nvCxnSpPr>
+        <p:spPr>
+          <a:xfrm>
+            <a:off x="6046581" y="3426172"/>
+            <a:ext cx="296336" cy="0"/>
+          </a:xfrm>
+          <a:prstGeom prst="straightConnector1">
+            <a:avLst/>
+          </a:prstGeom>
+          <a:ln>
+            <a:tailEnd type="arrow"/>
+          </a:ln>
+        </p:spPr>
+        <p:style>
+          <a:lnRef idx="2">
+            <a:schemeClr val="dk1"/>
+          </a:lnRef>
+          <a:fillRef idx="0">
+            <a:schemeClr val="dk1"/>
+          </a:fillRef>
+          <a:effectRef idx="1">
+            <a:schemeClr val="dk1"/>
+          </a:effectRef>
+          <a:fontRef idx="minor">
+            <a:schemeClr val="tx1"/>
+          </a:fontRef>
+        </p:style>
+      </p:cxnSp>
+      <p:sp>
+        <p:nvSpPr>
+          <p:cNvPr id="57" name="TextBox 56"/>
+          <p:cNvSpPr txBox="1"/>
+          <p:nvPr/>
+        </p:nvSpPr>
+        <p:spPr>
+          <a:xfrm>
+            <a:off x="4379974" y="859817"/>
+            <a:ext cx="1296144" cy="369332"/>
+          </a:xfrm>
+          <a:prstGeom prst="rect">
+            <a:avLst/>
+          </a:prstGeom>
+          <a:noFill/>
+        </p:spPr>
+        <p:txBody>
+          <a:bodyPr wrap="square" rtlCol="0">
+            <a:spAutoFit/>
+          </a:bodyPr>
+          <a:lstStyle/>
+          <a:p>
+            <a:r>
+              <a:rPr lang="ru-RU" dirty="0" smtClean="0"/>
+              <a:t>1101</a:t>
+            </a:r>
+            <a:r>
+              <a:rPr lang="en-US" dirty="0" smtClean="0"/>
+              <a:t> </a:t>
+            </a:r>
+            <a:r>
+              <a:rPr lang="ru-RU" dirty="0" smtClean="0"/>
+              <a:t>0111</a:t>
+            </a:r>
+            <a:endParaRPr lang="ru-RU" dirty="0"/>
+          </a:p>
+        </p:txBody>
+      </p:sp>
+      <p:cxnSp>
+        <p:nvCxnSpPr>
+          <p:cNvPr id="58" name="Прямая со стрелкой 57"/>
+          <p:cNvCxnSpPr/>
+          <p:nvPr/>
+        </p:nvCxnSpPr>
+        <p:spPr>
+          <a:xfrm flipH="1">
+            <a:off x="2215335" y="4653136"/>
+            <a:ext cx="504056" cy="0"/>
+          </a:xfrm>
+          <a:prstGeom prst="straightConnector1">
+            <a:avLst/>
+          </a:prstGeom>
+          <a:ln>
+            <a:tailEnd type="arrow"/>
+          </a:ln>
+        </p:spPr>
+        <p:style>
+          <a:lnRef idx="3">
+            <a:schemeClr val="dk1"/>
+          </a:lnRef>
+          <a:fillRef idx="0">
+            <a:schemeClr val="dk1"/>
+          </a:fillRef>
+          <a:effectRef idx="2">
+            <a:schemeClr val="dk1"/>
+          </a:effectRef>
+          <a:fontRef idx="minor">
+            <a:schemeClr val="tx1"/>
+          </a:fontRef>
+        </p:style>
+      </p:cxnSp>
+      <p:cxnSp>
+        <p:nvCxnSpPr>
+          <p:cNvPr id="59" name="Прямая со стрелкой 58"/>
+          <p:cNvCxnSpPr/>
+          <p:nvPr/>
+        </p:nvCxnSpPr>
+        <p:spPr>
+          <a:xfrm>
+            <a:off x="6046581" y="3645024"/>
+            <a:ext cx="296336" cy="0"/>
+          </a:xfrm>
+          <a:prstGeom prst="straightConnector1">
+            <a:avLst/>
+          </a:prstGeom>
+          <a:ln>
+            <a:tailEnd type="arrow"/>
+          </a:ln>
+        </p:spPr>
+        <p:style>
+          <a:lnRef idx="2">
+            <a:schemeClr val="dk1"/>
+          </a:lnRef>
+          <a:fillRef idx="0">
+            <a:schemeClr val="dk1"/>
+          </a:fillRef>
+          <a:effectRef idx="1">
+            <a:schemeClr val="dk1"/>
+          </a:effectRef>
+          <a:fontRef idx="minor">
+            <a:schemeClr val="tx1"/>
+          </a:fontRef>
+        </p:style>
+      </p:cxnSp>
+      <p:cxnSp>
+        <p:nvCxnSpPr>
+          <p:cNvPr id="60" name="Прямая со стрелкой 59"/>
+          <p:cNvCxnSpPr/>
+          <p:nvPr/>
+        </p:nvCxnSpPr>
+        <p:spPr>
+          <a:xfrm flipH="1">
+            <a:off x="2215335" y="5229200"/>
+            <a:ext cx="504056" cy="0"/>
+          </a:xfrm>
+          <a:prstGeom prst="straightConnector1">
+            <a:avLst/>
+          </a:prstGeom>
+          <a:ln>
+            <a:tailEnd type="arrow"/>
+          </a:ln>
+        </p:spPr>
+        <p:style>
+          <a:lnRef idx="3">
+            <a:schemeClr val="dk1"/>
+          </a:lnRef>
+          <a:fillRef idx="0">
+            <a:schemeClr val="dk1"/>
+          </a:fillRef>
+          <a:effectRef idx="2">
+            <a:schemeClr val="dk1"/>
+          </a:effectRef>
+          <a:fontRef idx="minor">
+            <a:schemeClr val="tx1"/>
+          </a:fontRef>
+        </p:style>
+      </p:cxnSp>
+      <p:cxnSp>
+        <p:nvCxnSpPr>
+          <p:cNvPr id="61" name="Прямая со стрелкой 60"/>
+          <p:cNvCxnSpPr/>
+          <p:nvPr/>
+        </p:nvCxnSpPr>
+        <p:spPr>
+          <a:xfrm>
+            <a:off x="6037250" y="4221088"/>
+            <a:ext cx="296336" cy="0"/>
+          </a:xfrm>
+          <a:prstGeom prst="straightConnector1">
+            <a:avLst/>
+          </a:prstGeom>
+          <a:ln>
+            <a:tailEnd type="arrow"/>
+          </a:ln>
+        </p:spPr>
+        <p:style>
+          <a:lnRef idx="2">
+            <a:schemeClr val="dk1"/>
+          </a:lnRef>
+          <a:fillRef idx="0">
+            <a:schemeClr val="dk1"/>
+          </a:fillRef>
+          <a:effectRef idx="1">
+            <a:schemeClr val="dk1"/>
+          </a:effectRef>
+          <a:fontRef idx="minor">
+            <a:schemeClr val="tx1"/>
+          </a:fontRef>
+        </p:style>
+      </p:cxnSp>
+      <p:sp>
+        <p:nvSpPr>
+          <p:cNvPr id="62" name="TextBox 61"/>
+          <p:cNvSpPr txBox="1"/>
+          <p:nvPr/>
+        </p:nvSpPr>
+        <p:spPr>
+          <a:xfrm>
+            <a:off x="3405298" y="4653136"/>
+            <a:ext cx="5544616" cy="400110"/>
+          </a:xfrm>
+          <a:prstGeom prst="rect">
+            <a:avLst/>
+          </a:prstGeom>
+          <a:noFill/>
+        </p:spPr>
+        <p:txBody>
+          <a:bodyPr wrap="square" rtlCol="0">
+            <a:spAutoFit/>
+          </a:bodyPr>
+          <a:lstStyle/>
+          <a:p>
+            <a:r>
+              <a:rPr lang="ru-RU" sz="2000" dirty="0" smtClean="0">
+                <a:solidFill>
+                  <a:srgbClr val="1E4E1F"/>
+                </a:solidFill>
+              </a:rPr>
+              <a:t>Начало программы</a:t>
+            </a:r>
+            <a:endParaRPr lang="ru-RU" sz="2000" dirty="0">
+              <a:solidFill>
+                <a:srgbClr val="1E4E1F"/>
+              </a:solidFill>
+            </a:endParaRPr>
+          </a:p>
+        </p:txBody>
+      </p:sp>
+      <p:sp>
+        <p:nvSpPr>
+          <p:cNvPr id="63" name="TextBox 62"/>
+          <p:cNvSpPr txBox="1"/>
+          <p:nvPr/>
+        </p:nvSpPr>
+        <p:spPr>
+          <a:xfrm>
+            <a:off x="3095836" y="4653136"/>
+            <a:ext cx="5544616" cy="1938992"/>
+          </a:xfrm>
+          <a:prstGeom prst="rect">
+            <a:avLst/>
+          </a:prstGeom>
+          <a:noFill/>
+        </p:spPr>
+        <p:txBody>
+          <a:bodyPr wrap="square" rtlCol="0">
+            <a:spAutoFit/>
+          </a:bodyPr>
+          <a:lstStyle/>
+          <a:p>
+            <a:r>
+              <a:rPr lang="ru-RU" sz="2000" dirty="0" smtClean="0">
+                <a:solidFill>
+                  <a:srgbClr val="1E4E1F"/>
+                </a:solidFill>
+              </a:rPr>
+              <a:t>Регистр </a:t>
+            </a:r>
+            <a:r>
+              <a:rPr lang="en-US" sz="2000" dirty="0" err="1" smtClean="0">
+                <a:solidFill>
+                  <a:srgbClr val="1E4E1F"/>
+                </a:solidFill>
+              </a:rPr>
+              <a:t>Polynom</a:t>
+            </a:r>
+            <a:r>
+              <a:rPr lang="en-US" sz="2000" dirty="0" smtClean="0">
+                <a:solidFill>
+                  <a:srgbClr val="1E4E1F"/>
+                </a:solidFill>
+              </a:rPr>
+              <a:t> </a:t>
+            </a:r>
+            <a:r>
+              <a:rPr lang="ru-RU" sz="2000" dirty="0" smtClean="0">
+                <a:solidFill>
+                  <a:srgbClr val="1E4E1F"/>
+                </a:solidFill>
+              </a:rPr>
+              <a:t>содержит полином</a:t>
+            </a:r>
+          </a:p>
+          <a:p>
+            <a:r>
+              <a:rPr lang="ru-RU" sz="2000" dirty="0" smtClean="0">
+                <a:solidFill>
+                  <a:srgbClr val="1E4E1F"/>
+                </a:solidFill>
+              </a:rPr>
+              <a:t>Регистры В1 и В2 необходимы для расчета </a:t>
+            </a:r>
+            <a:r>
+              <a:rPr lang="en-US" sz="2000" dirty="0" smtClean="0">
+                <a:solidFill>
+                  <a:srgbClr val="1E4E1F"/>
+                </a:solidFill>
+              </a:rPr>
+              <a:t>CRC</a:t>
+            </a:r>
+          </a:p>
+          <a:p>
+            <a:r>
+              <a:rPr lang="ru-RU" sz="2000" dirty="0" smtClean="0">
+                <a:solidFill>
+                  <a:srgbClr val="1E4E1F"/>
+                </a:solidFill>
+              </a:rPr>
+              <a:t>В регистр </a:t>
+            </a:r>
+            <a:r>
+              <a:rPr lang="en-US" sz="2000" dirty="0" err="1" smtClean="0">
+                <a:solidFill>
+                  <a:srgbClr val="1E4E1F"/>
+                </a:solidFill>
+              </a:rPr>
+              <a:t>BReceiver</a:t>
+            </a:r>
+            <a:r>
+              <a:rPr lang="ru-RU" sz="2000" dirty="0" smtClean="0">
+                <a:solidFill>
+                  <a:srgbClr val="1E4E1F"/>
+                </a:solidFill>
+              </a:rPr>
+              <a:t> записывается байт из пакета данных</a:t>
+            </a:r>
+          </a:p>
+          <a:p>
+            <a:r>
+              <a:rPr lang="ru-RU" sz="2000" dirty="0" smtClean="0">
+                <a:solidFill>
+                  <a:srgbClr val="1E4E1F"/>
+                </a:solidFill>
+              </a:rPr>
+              <a:t>В регистр </a:t>
+            </a:r>
+            <a:r>
+              <a:rPr lang="en-US" sz="2000" dirty="0" smtClean="0">
+                <a:solidFill>
+                  <a:srgbClr val="1E4E1F"/>
+                </a:solidFill>
+              </a:rPr>
+              <a:t>Counter </a:t>
+            </a:r>
+            <a:r>
+              <a:rPr lang="ru-RU" sz="2000" dirty="0" smtClean="0">
+                <a:solidFill>
+                  <a:srgbClr val="1E4E1F"/>
+                </a:solidFill>
+              </a:rPr>
+              <a:t>записывается кол-во байт в пакете данных</a:t>
+            </a:r>
+            <a:endParaRPr lang="ru-RU" sz="2000" dirty="0">
+              <a:solidFill>
+                <a:srgbClr val="1E4E1F"/>
+              </a:solidFill>
+            </a:endParaRPr>
+          </a:p>
+        </p:txBody>
+      </p:sp>
+      <p:sp>
+        <p:nvSpPr>
+          <p:cNvPr id="64" name="TextBox 63"/>
+          <p:cNvSpPr txBox="1"/>
+          <p:nvPr/>
+        </p:nvSpPr>
+        <p:spPr>
+          <a:xfrm>
+            <a:off x="3095836" y="4673061"/>
+            <a:ext cx="5544616" cy="400110"/>
+          </a:xfrm>
+          <a:prstGeom prst="rect">
+            <a:avLst/>
+          </a:prstGeom>
+          <a:noFill/>
+        </p:spPr>
+        <p:txBody>
+          <a:bodyPr wrap="square" rtlCol="0">
+            <a:spAutoFit/>
+          </a:bodyPr>
+          <a:lstStyle/>
+          <a:p>
+            <a:r>
+              <a:rPr lang="ru-RU" sz="2000" dirty="0" smtClean="0">
+                <a:solidFill>
+                  <a:srgbClr val="1E4E1F"/>
+                </a:solidFill>
+              </a:rPr>
+              <a:t>Считаем первый байт из пакета данных</a:t>
+            </a:r>
+            <a:endParaRPr lang="ru-RU" sz="2000" dirty="0">
+              <a:solidFill>
+                <a:srgbClr val="1E4E1F"/>
+              </a:solidFill>
+            </a:endParaRPr>
+          </a:p>
+        </p:txBody>
+      </p:sp>
+      <p:sp>
+        <p:nvSpPr>
+          <p:cNvPr id="65" name="TextBox 64"/>
+          <p:cNvSpPr txBox="1"/>
+          <p:nvPr/>
+        </p:nvSpPr>
+        <p:spPr>
+          <a:xfrm>
+            <a:off x="3095193" y="4673061"/>
+            <a:ext cx="5544616" cy="400110"/>
+          </a:xfrm>
+          <a:prstGeom prst="rect">
+            <a:avLst/>
+          </a:prstGeom>
+          <a:noFill/>
+        </p:spPr>
+        <p:txBody>
+          <a:bodyPr wrap="square" rtlCol="0">
+            <a:spAutoFit/>
+          </a:bodyPr>
+          <a:lstStyle/>
+          <a:p>
+            <a:r>
+              <a:rPr lang="ru-RU" sz="2000" dirty="0" smtClean="0">
+                <a:solidFill>
+                  <a:srgbClr val="1E4E1F"/>
+                </a:solidFill>
+              </a:rPr>
+              <a:t>Запишем считанный из пакета байт в В</a:t>
+            </a:r>
+            <a:r>
+              <a:rPr lang="ru-RU" sz="2000" dirty="0">
+                <a:solidFill>
+                  <a:srgbClr val="1E4E1F"/>
+                </a:solidFill>
+              </a:rPr>
+              <a:t>1</a:t>
+            </a:r>
+          </a:p>
+        </p:txBody>
+      </p:sp>
+      <p:sp>
+        <p:nvSpPr>
+          <p:cNvPr id="66" name="TextBox 65"/>
+          <p:cNvSpPr txBox="1"/>
+          <p:nvPr/>
+        </p:nvSpPr>
+        <p:spPr>
+          <a:xfrm>
+            <a:off x="3095836" y="4653136"/>
+            <a:ext cx="5544616" cy="400110"/>
+          </a:xfrm>
+          <a:prstGeom prst="rect">
+            <a:avLst/>
+          </a:prstGeom>
+          <a:noFill/>
+        </p:spPr>
+        <p:txBody>
+          <a:bodyPr wrap="square" rtlCol="0">
+            <a:spAutoFit/>
+          </a:bodyPr>
+          <a:lstStyle/>
+          <a:p>
+            <a:r>
+              <a:rPr lang="ru-RU" sz="2000" dirty="0" smtClean="0">
+                <a:solidFill>
+                  <a:srgbClr val="1E4E1F"/>
+                </a:solidFill>
+              </a:rPr>
+              <a:t>Начало цикла расчета </a:t>
+            </a:r>
+            <a:r>
+              <a:rPr lang="en-US" sz="2000" dirty="0" smtClean="0">
+                <a:solidFill>
+                  <a:srgbClr val="1E4E1F"/>
+                </a:solidFill>
+              </a:rPr>
+              <a:t>CRC</a:t>
+            </a:r>
+            <a:r>
+              <a:rPr lang="ru-RU" sz="2000" dirty="0" smtClean="0">
+                <a:solidFill>
+                  <a:srgbClr val="1E4E1F"/>
+                </a:solidFill>
+              </a:rPr>
+              <a:t> всего пакета данных</a:t>
+            </a:r>
+            <a:endParaRPr lang="ru-RU" sz="2000" dirty="0">
+              <a:solidFill>
+                <a:srgbClr val="1E4E1F"/>
+              </a:solidFill>
+            </a:endParaRPr>
+          </a:p>
+        </p:txBody>
+      </p:sp>
+      <p:sp>
+        <p:nvSpPr>
+          <p:cNvPr id="67" name="TextBox 66"/>
+          <p:cNvSpPr txBox="1"/>
+          <p:nvPr/>
+        </p:nvSpPr>
+        <p:spPr>
+          <a:xfrm>
+            <a:off x="3095193" y="4673061"/>
+            <a:ext cx="5544616" cy="400110"/>
+          </a:xfrm>
+          <a:prstGeom prst="rect">
+            <a:avLst/>
+          </a:prstGeom>
+          <a:noFill/>
+        </p:spPr>
+        <p:txBody>
+          <a:bodyPr wrap="square" rtlCol="0">
+            <a:spAutoFit/>
+          </a:bodyPr>
+          <a:lstStyle/>
+          <a:p>
+            <a:r>
+              <a:rPr lang="ru-RU" sz="2000" dirty="0" smtClean="0">
+                <a:solidFill>
+                  <a:srgbClr val="1E4E1F"/>
+                </a:solidFill>
+              </a:rPr>
+              <a:t>Уменьшаем счетчик цикла</a:t>
+            </a:r>
+            <a:endParaRPr lang="ru-RU" sz="2000" dirty="0">
+              <a:solidFill>
+                <a:srgbClr val="1E4E1F"/>
+              </a:solidFill>
+            </a:endParaRPr>
+          </a:p>
+        </p:txBody>
+      </p:sp>
+      <p:sp>
+        <p:nvSpPr>
+          <p:cNvPr id="68" name="TextBox 67"/>
+          <p:cNvSpPr txBox="1"/>
+          <p:nvPr/>
+        </p:nvSpPr>
+        <p:spPr>
+          <a:xfrm>
+            <a:off x="3095193" y="4673061"/>
+            <a:ext cx="5544616" cy="400110"/>
+          </a:xfrm>
+          <a:prstGeom prst="rect">
+            <a:avLst/>
+          </a:prstGeom>
+          <a:noFill/>
+        </p:spPr>
+        <p:txBody>
+          <a:bodyPr wrap="square" rtlCol="0">
+            <a:spAutoFit/>
+          </a:bodyPr>
+          <a:lstStyle/>
+          <a:p>
+            <a:r>
+              <a:rPr lang="ru-RU" sz="2000" dirty="0" smtClean="0">
+                <a:solidFill>
+                  <a:srgbClr val="1E4E1F"/>
+                </a:solidFill>
+              </a:rPr>
+              <a:t>Считываем следующий байт из пакета данных</a:t>
+            </a:r>
+            <a:endParaRPr lang="ru-RU" sz="2000" dirty="0">
+              <a:solidFill>
+                <a:srgbClr val="1E4E1F"/>
+              </a:solidFill>
+            </a:endParaRPr>
+          </a:p>
+        </p:txBody>
+      </p:sp>
+      <p:sp>
+        <p:nvSpPr>
+          <p:cNvPr id="69" name="TextBox 68"/>
+          <p:cNvSpPr txBox="1"/>
+          <p:nvPr/>
+        </p:nvSpPr>
+        <p:spPr>
+          <a:xfrm>
+            <a:off x="3095836" y="4647803"/>
+            <a:ext cx="5544616" cy="707886"/>
+          </a:xfrm>
+          <a:prstGeom prst="rect">
+            <a:avLst/>
+          </a:prstGeom>
+          <a:noFill/>
+        </p:spPr>
+        <p:txBody>
+          <a:bodyPr wrap="square" rtlCol="0">
+            <a:spAutoFit/>
+          </a:bodyPr>
+          <a:lstStyle/>
+          <a:p>
+            <a:r>
+              <a:rPr lang="ru-RU" sz="2000" dirty="0" smtClean="0">
+                <a:solidFill>
+                  <a:srgbClr val="1E4E1F"/>
+                </a:solidFill>
+              </a:rPr>
+              <a:t>Посчитаем </a:t>
+            </a:r>
+            <a:r>
+              <a:rPr lang="en-US" sz="2000" dirty="0" smtClean="0">
+                <a:solidFill>
+                  <a:srgbClr val="1E4E1F"/>
+                </a:solidFill>
+              </a:rPr>
+              <a:t>CRC </a:t>
+            </a:r>
+            <a:r>
+              <a:rPr lang="ru-RU" sz="2000" dirty="0" smtClean="0">
+                <a:solidFill>
+                  <a:srgbClr val="1E4E1F"/>
+                </a:solidFill>
+              </a:rPr>
+              <a:t>полученных байт пакета данных</a:t>
+            </a:r>
+          </a:p>
+          <a:p>
+            <a:r>
+              <a:rPr lang="ru-RU" sz="2000" dirty="0" smtClean="0">
+                <a:solidFill>
+                  <a:srgbClr val="1E4E1F"/>
+                </a:solidFill>
+              </a:rPr>
+              <a:t>Результат расчета останется в В1</a:t>
+            </a:r>
+            <a:endParaRPr lang="ru-RU" sz="2000" dirty="0">
+              <a:solidFill>
+                <a:srgbClr val="1E4E1F"/>
+              </a:solidFill>
+            </a:endParaRPr>
+          </a:p>
+        </p:txBody>
+      </p:sp>
+      <p:sp>
+        <p:nvSpPr>
+          <p:cNvPr id="70" name="TextBox 69"/>
+          <p:cNvSpPr txBox="1"/>
+          <p:nvPr/>
+        </p:nvSpPr>
+        <p:spPr>
+          <a:xfrm>
+            <a:off x="3089429" y="4653136"/>
+            <a:ext cx="5544616" cy="400110"/>
+          </a:xfrm>
+          <a:prstGeom prst="rect">
+            <a:avLst/>
+          </a:prstGeom>
+          <a:noFill/>
+        </p:spPr>
+        <p:txBody>
+          <a:bodyPr wrap="square" rtlCol="0">
+            <a:spAutoFit/>
+          </a:bodyPr>
+          <a:lstStyle/>
+          <a:p>
+            <a:r>
+              <a:rPr lang="ru-RU" sz="2000" dirty="0" smtClean="0">
+                <a:solidFill>
+                  <a:srgbClr val="1E4E1F"/>
+                </a:solidFill>
+              </a:rPr>
+              <a:t>Запишем полученный байт в В</a:t>
+            </a:r>
+            <a:r>
+              <a:rPr lang="ru-RU" sz="2000" dirty="0">
+                <a:solidFill>
+                  <a:srgbClr val="1E4E1F"/>
+                </a:solidFill>
+              </a:rPr>
+              <a:t>2</a:t>
+            </a:r>
+          </a:p>
+        </p:txBody>
+      </p:sp>
+      <p:sp>
+        <p:nvSpPr>
+          <p:cNvPr id="71" name="TextBox 70"/>
+          <p:cNvSpPr txBox="1"/>
+          <p:nvPr/>
+        </p:nvSpPr>
+        <p:spPr>
+          <a:xfrm>
+            <a:off x="3095193" y="4698337"/>
+            <a:ext cx="5544616" cy="1323439"/>
+          </a:xfrm>
+          <a:prstGeom prst="rect">
+            <a:avLst/>
+          </a:prstGeom>
+          <a:noFill/>
+        </p:spPr>
+        <p:txBody>
+          <a:bodyPr wrap="square" rtlCol="0">
+            <a:spAutoFit/>
+          </a:bodyPr>
+          <a:lstStyle/>
+          <a:p>
+            <a:r>
+              <a:rPr lang="ru-RU" sz="2000" dirty="0" smtClean="0">
+                <a:solidFill>
+                  <a:srgbClr val="1E4E1F"/>
+                </a:solidFill>
+              </a:rPr>
+              <a:t>Проверяем счетчик</a:t>
+            </a:r>
+          </a:p>
+          <a:p>
+            <a:r>
+              <a:rPr lang="ru-RU" sz="2000" dirty="0" smtClean="0">
+                <a:solidFill>
+                  <a:srgbClr val="1E4E1F"/>
+                </a:solidFill>
+              </a:rPr>
+              <a:t>Если считали все байты из пакета выходим из цикла</a:t>
+            </a:r>
+          </a:p>
+          <a:p>
+            <a:r>
+              <a:rPr lang="ru-RU" sz="2000" dirty="0" smtClean="0">
+                <a:solidFill>
+                  <a:srgbClr val="1E4E1F"/>
+                </a:solidFill>
+              </a:rPr>
+              <a:t>Иначе продолжаем получение</a:t>
+            </a:r>
+            <a:r>
+              <a:rPr lang="en-US" sz="2000" dirty="0" smtClean="0">
+                <a:solidFill>
+                  <a:srgbClr val="1E4E1F"/>
+                </a:solidFill>
+              </a:rPr>
+              <a:t> </a:t>
+            </a:r>
+            <a:r>
+              <a:rPr lang="ru-RU" sz="2000" dirty="0" smtClean="0">
+                <a:solidFill>
+                  <a:srgbClr val="1E4E1F"/>
+                </a:solidFill>
+              </a:rPr>
+              <a:t>байт и расчет </a:t>
+            </a:r>
+            <a:r>
+              <a:rPr lang="en-US" sz="2000" dirty="0" smtClean="0">
+                <a:solidFill>
+                  <a:srgbClr val="1E4E1F"/>
+                </a:solidFill>
+              </a:rPr>
+              <a:t>CRC</a:t>
+            </a:r>
+            <a:r>
+              <a:rPr lang="ru-RU" sz="2000" dirty="0" smtClean="0">
+                <a:solidFill>
+                  <a:srgbClr val="1E4E1F"/>
+                </a:solidFill>
+              </a:rPr>
+              <a:t>  </a:t>
+            </a:r>
+            <a:endParaRPr lang="ru-RU" sz="2000" dirty="0">
+              <a:solidFill>
+                <a:srgbClr val="1E4E1F"/>
+              </a:solidFill>
+            </a:endParaRPr>
+          </a:p>
+        </p:txBody>
+      </p:sp>
+      <p:sp>
+        <p:nvSpPr>
+          <p:cNvPr id="72" name="TextBox 71"/>
+          <p:cNvSpPr txBox="1"/>
+          <p:nvPr/>
+        </p:nvSpPr>
+        <p:spPr>
+          <a:xfrm>
+            <a:off x="3095836" y="4698337"/>
+            <a:ext cx="5544616" cy="400110"/>
+          </a:xfrm>
+          <a:prstGeom prst="rect">
+            <a:avLst/>
+          </a:prstGeom>
+          <a:noFill/>
+        </p:spPr>
+        <p:txBody>
+          <a:bodyPr wrap="square" rtlCol="0">
+            <a:spAutoFit/>
+          </a:bodyPr>
+          <a:lstStyle/>
+          <a:p>
+            <a:r>
+              <a:rPr lang="ru-RU" sz="2000" dirty="0" smtClean="0">
+                <a:solidFill>
+                  <a:srgbClr val="1E4E1F"/>
+                </a:solidFill>
+              </a:rPr>
+              <a:t>Переходим к след. итерации</a:t>
+            </a:r>
+            <a:endParaRPr lang="ru-RU" sz="2000" dirty="0">
+              <a:solidFill>
+                <a:srgbClr val="1E4E1F"/>
+              </a:solidFill>
+            </a:endParaRPr>
+          </a:p>
+        </p:txBody>
+      </p:sp>
+      <p:sp>
+        <p:nvSpPr>
+          <p:cNvPr id="73" name="TextBox 72"/>
+          <p:cNvSpPr txBox="1"/>
+          <p:nvPr/>
+        </p:nvSpPr>
+        <p:spPr>
+          <a:xfrm>
+            <a:off x="3104716" y="4698337"/>
+            <a:ext cx="5544616" cy="400110"/>
+          </a:xfrm>
+          <a:prstGeom prst="rect">
+            <a:avLst/>
+          </a:prstGeom>
+          <a:noFill/>
+        </p:spPr>
+        <p:txBody>
+          <a:bodyPr wrap="square" rtlCol="0">
+            <a:spAutoFit/>
+          </a:bodyPr>
+          <a:lstStyle/>
+          <a:p>
+            <a:r>
+              <a:rPr lang="ru-RU" sz="2000" dirty="0" smtClean="0">
+                <a:solidFill>
+                  <a:srgbClr val="1E4E1F"/>
+                </a:solidFill>
+              </a:rPr>
+              <a:t>Уменьшаем счетчик цикла</a:t>
+            </a:r>
+            <a:endParaRPr lang="ru-RU" sz="2000" dirty="0">
+              <a:solidFill>
+                <a:srgbClr val="1E4E1F"/>
+              </a:solidFill>
+            </a:endParaRPr>
+          </a:p>
+        </p:txBody>
+      </p:sp>
+      <p:sp>
+        <p:nvSpPr>
+          <p:cNvPr id="74" name="TextBox 73"/>
+          <p:cNvSpPr txBox="1"/>
+          <p:nvPr/>
+        </p:nvSpPr>
+        <p:spPr>
+          <a:xfrm>
+            <a:off x="3124577" y="4684974"/>
+            <a:ext cx="5544616" cy="400110"/>
+          </a:xfrm>
+          <a:prstGeom prst="rect">
+            <a:avLst/>
+          </a:prstGeom>
+          <a:noFill/>
+        </p:spPr>
+        <p:txBody>
+          <a:bodyPr wrap="square" rtlCol="0">
+            <a:spAutoFit/>
+          </a:bodyPr>
+          <a:lstStyle/>
+          <a:p>
+            <a:r>
+              <a:rPr lang="ru-RU" sz="2000" dirty="0" smtClean="0">
+                <a:solidFill>
+                  <a:srgbClr val="1E4E1F"/>
+                </a:solidFill>
+              </a:rPr>
+              <a:t>Получаем следующий байт из пакета данных</a:t>
+            </a:r>
+            <a:endParaRPr lang="ru-RU" sz="2000" dirty="0">
+              <a:solidFill>
+                <a:srgbClr val="1E4E1F"/>
+              </a:solidFill>
+            </a:endParaRPr>
+          </a:p>
+        </p:txBody>
+      </p:sp>
+      <p:sp>
+        <p:nvSpPr>
+          <p:cNvPr id="75" name="TextBox 74"/>
+          <p:cNvSpPr txBox="1"/>
+          <p:nvPr/>
+        </p:nvSpPr>
+        <p:spPr>
+          <a:xfrm>
+            <a:off x="3135522" y="4713383"/>
+            <a:ext cx="5544616" cy="400110"/>
+          </a:xfrm>
+          <a:prstGeom prst="rect">
+            <a:avLst/>
+          </a:prstGeom>
+          <a:noFill/>
+        </p:spPr>
+        <p:txBody>
+          <a:bodyPr wrap="square" rtlCol="0">
+            <a:spAutoFit/>
+          </a:bodyPr>
+          <a:lstStyle/>
+          <a:p>
+            <a:r>
+              <a:rPr lang="ru-RU" sz="2000" dirty="0" smtClean="0">
+                <a:solidFill>
+                  <a:srgbClr val="1E4E1F"/>
+                </a:solidFill>
+              </a:rPr>
+              <a:t>Записываем его в байт В2</a:t>
+            </a:r>
+            <a:endParaRPr lang="ru-RU" sz="2000" dirty="0">
+              <a:solidFill>
+                <a:srgbClr val="1E4E1F"/>
+              </a:solidFill>
+            </a:endParaRPr>
+          </a:p>
+        </p:txBody>
+      </p:sp>
+      <p:sp>
+        <p:nvSpPr>
+          <p:cNvPr id="76" name="TextBox 75"/>
+          <p:cNvSpPr txBox="1"/>
+          <p:nvPr/>
+        </p:nvSpPr>
+        <p:spPr>
+          <a:xfrm>
+            <a:off x="3123833" y="4684311"/>
+            <a:ext cx="5544616" cy="707886"/>
+          </a:xfrm>
+          <a:prstGeom prst="rect">
+            <a:avLst/>
+          </a:prstGeom>
+          <a:noFill/>
+        </p:spPr>
+        <p:txBody>
+          <a:bodyPr wrap="square" rtlCol="0">
+            <a:spAutoFit/>
+          </a:bodyPr>
+          <a:lstStyle/>
+          <a:p>
+            <a:r>
+              <a:rPr lang="ru-RU" sz="2000" dirty="0" smtClean="0">
+                <a:solidFill>
+                  <a:srgbClr val="1E4E1F"/>
+                </a:solidFill>
+              </a:rPr>
+              <a:t>Посчитаем С</a:t>
+            </a:r>
+            <a:r>
+              <a:rPr lang="en-US" sz="2000" dirty="0" smtClean="0">
+                <a:solidFill>
+                  <a:srgbClr val="1E4E1F"/>
+                </a:solidFill>
+              </a:rPr>
+              <a:t>RC</a:t>
+            </a:r>
+            <a:r>
+              <a:rPr lang="ru-RU" sz="2000" dirty="0" smtClean="0">
+                <a:solidFill>
+                  <a:srgbClr val="1E4E1F"/>
+                </a:solidFill>
+              </a:rPr>
+              <a:t>, В2 и В1, в котором хранится предыдущий расчет</a:t>
+            </a:r>
+            <a:endParaRPr lang="ru-RU" sz="2000" dirty="0">
+              <a:solidFill>
+                <a:srgbClr val="1E4E1F"/>
+              </a:solidFill>
+            </a:endParaRPr>
+          </a:p>
+        </p:txBody>
+      </p:sp>
+      <p:sp>
+        <p:nvSpPr>
+          <p:cNvPr id="77" name="TextBox 76"/>
+          <p:cNvSpPr txBox="1"/>
+          <p:nvPr/>
+        </p:nvSpPr>
+        <p:spPr>
+          <a:xfrm>
+            <a:off x="3095193" y="4713383"/>
+            <a:ext cx="5544616" cy="707886"/>
+          </a:xfrm>
+          <a:prstGeom prst="rect">
+            <a:avLst/>
+          </a:prstGeom>
+          <a:noFill/>
+        </p:spPr>
+        <p:txBody>
+          <a:bodyPr wrap="square" rtlCol="0">
+            <a:spAutoFit/>
+          </a:bodyPr>
+          <a:lstStyle/>
+          <a:p>
+            <a:r>
+              <a:rPr lang="ru-RU" sz="2000" dirty="0" smtClean="0">
+                <a:solidFill>
+                  <a:srgbClr val="1E4E1F"/>
+                </a:solidFill>
+              </a:rPr>
+              <a:t>Проверяем счетчик цикла</a:t>
+            </a:r>
+          </a:p>
+          <a:p>
+            <a:r>
+              <a:rPr lang="ru-RU" sz="2000" dirty="0" smtClean="0">
+                <a:solidFill>
+                  <a:srgbClr val="1E4E1F"/>
+                </a:solidFill>
+              </a:rPr>
+              <a:t>Совершаем те же самые действия</a:t>
+            </a:r>
+            <a:endParaRPr lang="ru-RU" sz="2000" dirty="0">
+              <a:solidFill>
+                <a:srgbClr val="1E4E1F"/>
+              </a:solidFill>
+            </a:endParaRPr>
+          </a:p>
+        </p:txBody>
+      </p:sp>
+      <p:sp>
+        <p:nvSpPr>
+          <p:cNvPr id="78" name="TextBox 77"/>
+          <p:cNvSpPr txBox="1"/>
+          <p:nvPr/>
+        </p:nvSpPr>
+        <p:spPr>
+          <a:xfrm>
+            <a:off x="3169554" y="4759550"/>
+            <a:ext cx="5544616" cy="707886"/>
+          </a:xfrm>
+          <a:prstGeom prst="rect">
+            <a:avLst/>
+          </a:prstGeom>
+          <a:noFill/>
+        </p:spPr>
+        <p:txBody>
+          <a:bodyPr wrap="square" rtlCol="0">
+            <a:spAutoFit/>
+          </a:bodyPr>
+          <a:lstStyle/>
+          <a:p>
+            <a:r>
+              <a:rPr lang="ru-RU" sz="2000" dirty="0" smtClean="0">
+                <a:solidFill>
+                  <a:srgbClr val="1E4E1F"/>
+                </a:solidFill>
+              </a:rPr>
+              <a:t>После выполнения данного алгоритма в В1 будет хранится </a:t>
+            </a:r>
+            <a:r>
+              <a:rPr lang="en-US" sz="2000" dirty="0" smtClean="0">
+                <a:solidFill>
+                  <a:srgbClr val="1E4E1F"/>
+                </a:solidFill>
+              </a:rPr>
+              <a:t>CRC</a:t>
+            </a:r>
+            <a:r>
+              <a:rPr lang="ru-RU" sz="2000" dirty="0" smtClean="0">
+                <a:solidFill>
+                  <a:srgbClr val="1E4E1F"/>
+                </a:solidFill>
+              </a:rPr>
+              <a:t> всего пакета данных</a:t>
+            </a:r>
+            <a:endParaRPr lang="ru-RU" sz="2000" dirty="0">
+              <a:solidFill>
+                <a:srgbClr val="1E4E1F"/>
+              </a:solidFill>
+            </a:endParaRPr>
+          </a:p>
+        </p:txBody>
+      </p:sp>
+      <p:sp>
+        <p:nvSpPr>
+          <p:cNvPr id="79" name="Скругленный прямоугольник 78"/>
+          <p:cNvSpPr/>
+          <p:nvPr/>
+        </p:nvSpPr>
+        <p:spPr>
+          <a:xfrm>
+            <a:off x="4412981" y="1959394"/>
+            <a:ext cx="1060136" cy="294129"/>
+          </a:xfrm>
+          <a:prstGeom prst="roundRect">
+            <a:avLst/>
+          </a:prstGeom>
+          <a:noFill/>
+        </p:spPr>
+        <p:style>
+          <a:lnRef idx="2">
+            <a:schemeClr val="accent2">
+              <a:shade val="50000"/>
+            </a:schemeClr>
+          </a:lnRef>
+          <a:fillRef idx="1">
+            <a:schemeClr val="accent2"/>
+          </a:fillRef>
+          <a:effectRef idx="0">
+            <a:schemeClr val="accent2"/>
+          </a:effectRef>
+          <a:fontRef idx="minor">
+            <a:schemeClr val="lt1"/>
+          </a:fontRef>
+        </p:style>
+        <p:txBody>
+          <a:bodyPr rtlCol="0" anchor="ctr"/>
+          <a:lstStyle/>
+          <a:p>
+            <a:pPr algn="ctr"/>
+            <a:endParaRPr lang="ru-RU"/>
+          </a:p>
+        </p:txBody>
+      </p:sp>
+      <p:sp>
+        <p:nvSpPr>
+          <p:cNvPr id="80" name="Скругленный прямоугольник 79"/>
+          <p:cNvSpPr/>
+          <p:nvPr/>
+        </p:nvSpPr>
+        <p:spPr>
+          <a:xfrm>
+            <a:off x="4412981" y="897418"/>
+            <a:ext cx="1060136" cy="294129"/>
+          </a:xfrm>
+          <a:prstGeom prst="roundRect">
+            <a:avLst/>
+          </a:prstGeom>
+          <a:noFill/>
+        </p:spPr>
+        <p:style>
+          <a:lnRef idx="2">
+            <a:schemeClr val="accent2">
+              <a:shade val="50000"/>
+            </a:schemeClr>
+          </a:lnRef>
+          <a:fillRef idx="1">
+            <a:schemeClr val="accent2"/>
+          </a:fillRef>
+          <a:effectRef idx="0">
+            <a:schemeClr val="accent2"/>
+          </a:effectRef>
+          <a:fontRef idx="minor">
+            <a:schemeClr val="lt1"/>
+          </a:fontRef>
+        </p:style>
+        <p:txBody>
+          <a:bodyPr rtlCol="0" anchor="ctr"/>
+          <a:lstStyle/>
+          <a:p>
+            <a:pPr algn="ctr"/>
+            <a:endParaRPr lang="ru-RU"/>
+          </a:p>
+        </p:txBody>
+      </p:sp>
+      <p:sp>
+        <p:nvSpPr>
+          <p:cNvPr id="81" name="Скругленный прямоугольник 80"/>
+          <p:cNvSpPr/>
+          <p:nvPr/>
+        </p:nvSpPr>
+        <p:spPr>
+          <a:xfrm>
+            <a:off x="4379974" y="2516727"/>
+            <a:ext cx="351040" cy="294129"/>
+          </a:xfrm>
+          <a:prstGeom prst="roundRect">
+            <a:avLst/>
+          </a:prstGeom>
+          <a:noFill/>
+        </p:spPr>
+        <p:style>
+          <a:lnRef idx="2">
+            <a:schemeClr val="accent2">
+              <a:shade val="50000"/>
+            </a:schemeClr>
+          </a:lnRef>
+          <a:fillRef idx="1">
+            <a:schemeClr val="accent2"/>
+          </a:fillRef>
+          <a:effectRef idx="0">
+            <a:schemeClr val="accent2"/>
+          </a:effectRef>
+          <a:fontRef idx="minor">
+            <a:schemeClr val="lt1"/>
+          </a:fontRef>
+        </p:style>
+        <p:txBody>
+          <a:bodyPr rtlCol="0" anchor="ctr"/>
+          <a:lstStyle/>
+          <a:p>
+            <a:pPr algn="ctr"/>
+            <a:endParaRPr lang="ru-RU"/>
+          </a:p>
+        </p:txBody>
+      </p:sp>
+      <p:sp>
+        <p:nvSpPr>
+          <p:cNvPr id="82" name="Скругленный прямоугольник 81"/>
+          <p:cNvSpPr/>
+          <p:nvPr/>
+        </p:nvSpPr>
+        <p:spPr>
+          <a:xfrm>
+            <a:off x="4388160" y="1970727"/>
+            <a:ext cx="1060136" cy="294129"/>
+          </a:xfrm>
+          <a:prstGeom prst="roundRect">
+            <a:avLst/>
+          </a:prstGeom>
+          <a:noFill/>
+        </p:spPr>
+        <p:style>
+          <a:lnRef idx="2">
+            <a:schemeClr val="accent2">
+              <a:shade val="50000"/>
+            </a:schemeClr>
+          </a:lnRef>
+          <a:fillRef idx="1">
+            <a:schemeClr val="accent2"/>
+          </a:fillRef>
+          <a:effectRef idx="0">
+            <a:schemeClr val="accent2"/>
+          </a:effectRef>
+          <a:fontRef idx="minor">
+            <a:schemeClr val="lt1"/>
+          </a:fontRef>
+        </p:style>
+        <p:txBody>
+          <a:bodyPr rtlCol="0" anchor="ctr"/>
+          <a:lstStyle/>
+          <a:p>
+            <a:pPr algn="ctr"/>
+            <a:endParaRPr lang="ru-RU"/>
+          </a:p>
+        </p:txBody>
+      </p:sp>
+      <p:sp>
+        <p:nvSpPr>
+          <p:cNvPr id="83" name="Скругленный прямоугольник 82"/>
+          <p:cNvSpPr/>
+          <p:nvPr/>
+        </p:nvSpPr>
+        <p:spPr>
+          <a:xfrm>
+            <a:off x="4412981" y="1402260"/>
+            <a:ext cx="1060136" cy="294129"/>
+          </a:xfrm>
+          <a:prstGeom prst="roundRect">
+            <a:avLst/>
+          </a:prstGeom>
+          <a:noFill/>
+        </p:spPr>
+        <p:style>
+          <a:lnRef idx="2">
+            <a:schemeClr val="accent2">
+              <a:shade val="50000"/>
+            </a:schemeClr>
+          </a:lnRef>
+          <a:fillRef idx="1">
+            <a:schemeClr val="accent2"/>
+          </a:fillRef>
+          <a:effectRef idx="0">
+            <a:schemeClr val="accent2"/>
+          </a:effectRef>
+          <a:fontRef idx="minor">
+            <a:schemeClr val="lt1"/>
+          </a:fontRef>
+        </p:style>
+        <p:txBody>
+          <a:bodyPr rtlCol="0" anchor="ctr"/>
+          <a:lstStyle/>
+          <a:p>
+            <a:pPr algn="ctr"/>
+            <a:endParaRPr lang="ru-RU"/>
+          </a:p>
+        </p:txBody>
+      </p:sp>
+      <p:sp>
+        <p:nvSpPr>
+          <p:cNvPr id="84" name="Скругленный прямоугольник 83"/>
+          <p:cNvSpPr/>
+          <p:nvPr/>
+        </p:nvSpPr>
+        <p:spPr>
+          <a:xfrm>
+            <a:off x="4391980" y="897418"/>
+            <a:ext cx="1060136" cy="294129"/>
+          </a:xfrm>
+          <a:prstGeom prst="roundRect">
+            <a:avLst/>
+          </a:prstGeom>
+          <a:noFill/>
+        </p:spPr>
+        <p:style>
+          <a:lnRef idx="2">
+            <a:schemeClr val="accent2">
+              <a:shade val="50000"/>
+            </a:schemeClr>
+          </a:lnRef>
+          <a:fillRef idx="1">
+            <a:schemeClr val="accent2"/>
+          </a:fillRef>
+          <a:effectRef idx="0">
+            <a:schemeClr val="accent2"/>
+          </a:effectRef>
+          <a:fontRef idx="minor">
+            <a:schemeClr val="lt1"/>
+          </a:fontRef>
+        </p:style>
+        <p:txBody>
+          <a:bodyPr rtlCol="0" anchor="ctr"/>
+          <a:lstStyle/>
+          <a:p>
+            <a:pPr algn="ctr"/>
+            <a:endParaRPr lang="ru-RU"/>
+          </a:p>
+        </p:txBody>
+      </p:sp>
+      <p:sp>
+        <p:nvSpPr>
+          <p:cNvPr id="85" name="Скругленный прямоугольник 84"/>
+          <p:cNvSpPr/>
+          <p:nvPr/>
+        </p:nvSpPr>
+        <p:spPr>
+          <a:xfrm>
+            <a:off x="4379974" y="2489797"/>
+            <a:ext cx="371054" cy="294129"/>
+          </a:xfrm>
+          <a:prstGeom prst="roundRect">
+            <a:avLst/>
+          </a:prstGeom>
+          <a:noFill/>
+        </p:spPr>
+        <p:style>
+          <a:lnRef idx="2">
+            <a:schemeClr val="accent2">
+              <a:shade val="50000"/>
+            </a:schemeClr>
+          </a:lnRef>
+          <a:fillRef idx="1">
+            <a:schemeClr val="accent2"/>
+          </a:fillRef>
+          <a:effectRef idx="0">
+            <a:schemeClr val="accent2"/>
+          </a:effectRef>
+          <a:fontRef idx="minor">
+            <a:schemeClr val="lt1"/>
+          </a:fontRef>
+        </p:style>
+        <p:txBody>
+          <a:bodyPr rtlCol="0" anchor="ctr"/>
+          <a:lstStyle/>
+          <a:p>
+            <a:pPr algn="ctr"/>
+            <a:endParaRPr lang="ru-RU"/>
+          </a:p>
+        </p:txBody>
+      </p:sp>
+      <p:sp>
+        <p:nvSpPr>
+          <p:cNvPr id="86" name="Скругленный прямоугольник 85"/>
+          <p:cNvSpPr/>
+          <p:nvPr/>
+        </p:nvSpPr>
+        <p:spPr>
+          <a:xfrm>
+            <a:off x="4412981" y="1959394"/>
+            <a:ext cx="1060136" cy="294129"/>
+          </a:xfrm>
+          <a:prstGeom prst="roundRect">
+            <a:avLst/>
+          </a:prstGeom>
+          <a:noFill/>
+        </p:spPr>
+        <p:style>
+          <a:lnRef idx="2">
+            <a:schemeClr val="accent2">
+              <a:shade val="50000"/>
+            </a:schemeClr>
+          </a:lnRef>
+          <a:fillRef idx="1">
+            <a:schemeClr val="accent2"/>
+          </a:fillRef>
+          <a:effectRef idx="0">
+            <a:schemeClr val="accent2"/>
+          </a:effectRef>
+          <a:fontRef idx="minor">
+            <a:schemeClr val="lt1"/>
+          </a:fontRef>
+        </p:style>
+        <p:txBody>
+          <a:bodyPr rtlCol="0" anchor="ctr"/>
+          <a:lstStyle/>
+          <a:p>
+            <a:pPr algn="ctr"/>
+            <a:endParaRPr lang="ru-RU"/>
+          </a:p>
+        </p:txBody>
+      </p:sp>
+      <p:sp>
+        <p:nvSpPr>
+          <p:cNvPr id="87" name="Скругленный прямоугольник 86"/>
+          <p:cNvSpPr/>
+          <p:nvPr/>
+        </p:nvSpPr>
+        <p:spPr>
+          <a:xfrm>
+            <a:off x="4412981" y="1396057"/>
+            <a:ext cx="1060136" cy="294129"/>
+          </a:xfrm>
+          <a:prstGeom prst="roundRect">
+            <a:avLst/>
+          </a:prstGeom>
+          <a:noFill/>
+        </p:spPr>
+        <p:style>
+          <a:lnRef idx="2">
+            <a:schemeClr val="accent2">
+              <a:shade val="50000"/>
+            </a:schemeClr>
+          </a:lnRef>
+          <a:fillRef idx="1">
+            <a:schemeClr val="accent2"/>
+          </a:fillRef>
+          <a:effectRef idx="0">
+            <a:schemeClr val="accent2"/>
+          </a:effectRef>
+          <a:fontRef idx="minor">
+            <a:schemeClr val="lt1"/>
+          </a:fontRef>
+        </p:style>
+        <p:txBody>
+          <a:bodyPr rtlCol="0" anchor="ctr"/>
+          <a:lstStyle/>
+          <a:p>
+            <a:pPr algn="ctr"/>
+            <a:endParaRPr lang="ru-RU"/>
+          </a:p>
+        </p:txBody>
+      </p:sp>
+      <p:sp>
+        <p:nvSpPr>
+          <p:cNvPr id="88" name="Скругленный прямоугольник 87"/>
+          <p:cNvSpPr/>
+          <p:nvPr/>
+        </p:nvSpPr>
+        <p:spPr>
+          <a:xfrm>
+            <a:off x="4417376" y="903915"/>
+            <a:ext cx="1060136" cy="294129"/>
+          </a:xfrm>
+          <a:prstGeom prst="roundRect">
+            <a:avLst/>
+          </a:prstGeom>
+          <a:noFill/>
+        </p:spPr>
+        <p:style>
+          <a:lnRef idx="2">
+            <a:schemeClr val="accent2">
+              <a:shade val="50000"/>
+            </a:schemeClr>
+          </a:lnRef>
+          <a:fillRef idx="1">
+            <a:schemeClr val="accent2"/>
+          </a:fillRef>
+          <a:effectRef idx="0">
+            <a:schemeClr val="accent2"/>
+          </a:effectRef>
+          <a:fontRef idx="minor">
+            <a:schemeClr val="lt1"/>
+          </a:fontRef>
+        </p:style>
+        <p:txBody>
+          <a:bodyPr rtlCol="0" anchor="ctr"/>
+          <a:lstStyle/>
+          <a:p>
+            <a:pPr algn="ctr"/>
+            <a:endParaRPr lang="ru-RU"/>
+          </a:p>
+        </p:txBody>
+      </p:sp>
+      <p:sp>
+        <p:nvSpPr>
+          <p:cNvPr id="89" name="TextBox 88"/>
+          <p:cNvSpPr txBox="1"/>
+          <p:nvPr/>
+        </p:nvSpPr>
+        <p:spPr>
+          <a:xfrm>
+            <a:off x="4385679" y="1364659"/>
+            <a:ext cx="1296144" cy="369332"/>
+          </a:xfrm>
+          <a:prstGeom prst="rect">
+            <a:avLst/>
+          </a:prstGeom>
+          <a:noFill/>
+        </p:spPr>
+        <p:txBody>
+          <a:bodyPr wrap="square" rtlCol="0">
+            <a:spAutoFit/>
+          </a:bodyPr>
+          <a:lstStyle/>
+          <a:p>
+            <a:r>
+              <a:rPr lang="ru-RU" dirty="0" err="1" smtClean="0"/>
+              <a:t>хххх</a:t>
+            </a:r>
+            <a:r>
+              <a:rPr lang="en-US" dirty="0" smtClean="0"/>
+              <a:t> </a:t>
+            </a:r>
+            <a:r>
+              <a:rPr lang="ru-RU" dirty="0" err="1" smtClean="0"/>
+              <a:t>хххх</a:t>
+            </a:r>
+            <a:endParaRPr lang="ru-RU" dirty="0"/>
+          </a:p>
+        </p:txBody>
+      </p:sp>
+      <p:sp>
+        <p:nvSpPr>
+          <p:cNvPr id="90" name="Скругленный прямоугольник 89"/>
+          <p:cNvSpPr/>
+          <p:nvPr/>
+        </p:nvSpPr>
+        <p:spPr>
+          <a:xfrm>
+            <a:off x="4425677" y="1402259"/>
+            <a:ext cx="1060136" cy="294129"/>
+          </a:xfrm>
+          <a:prstGeom prst="roundRect">
+            <a:avLst/>
+          </a:prstGeom>
+          <a:noFill/>
+        </p:spPr>
+        <p:style>
+          <a:lnRef idx="2">
+            <a:schemeClr val="accent2">
+              <a:shade val="50000"/>
+            </a:schemeClr>
+          </a:lnRef>
+          <a:fillRef idx="1">
+            <a:schemeClr val="accent2"/>
+          </a:fillRef>
+          <a:effectRef idx="0">
+            <a:schemeClr val="accent2"/>
+          </a:effectRef>
+          <a:fontRef idx="minor">
+            <a:schemeClr val="lt1"/>
+          </a:fontRef>
+        </p:style>
+        <p:txBody>
+          <a:bodyPr rtlCol="0" anchor="ctr"/>
+          <a:lstStyle/>
+          <a:p>
+            <a:pPr algn="ctr"/>
+            <a:endParaRPr lang="ru-RU"/>
+          </a:p>
+        </p:txBody>
+      </p:sp>
+      <p:sp>
+        <p:nvSpPr>
+          <p:cNvPr id="91" name="TextBox 90"/>
+          <p:cNvSpPr txBox="1"/>
+          <p:nvPr/>
+        </p:nvSpPr>
+        <p:spPr>
+          <a:xfrm>
+            <a:off x="4391980" y="1358455"/>
+            <a:ext cx="1296144" cy="369332"/>
+          </a:xfrm>
+          <a:prstGeom prst="rect">
+            <a:avLst/>
+          </a:prstGeom>
+          <a:noFill/>
+        </p:spPr>
+        <p:txBody>
+          <a:bodyPr wrap="square" rtlCol="0">
+            <a:spAutoFit/>
+          </a:bodyPr>
+          <a:lstStyle/>
+          <a:p>
+            <a:r>
+              <a:rPr lang="ru-RU" dirty="0" err="1" smtClean="0"/>
+              <a:t>хххх</a:t>
+            </a:r>
+            <a:r>
+              <a:rPr lang="en-US" dirty="0" smtClean="0"/>
+              <a:t> </a:t>
+            </a:r>
+            <a:r>
+              <a:rPr lang="ru-RU" dirty="0" err="1" smtClean="0"/>
+              <a:t>хххх</a:t>
+            </a:r>
+            <a:endParaRPr lang="ru-RU" dirty="0"/>
+          </a:p>
+        </p:txBody>
+      </p:sp>
+      <p:sp>
+        <p:nvSpPr>
+          <p:cNvPr id="92" name="Скругленный прямоугольник 91"/>
+          <p:cNvSpPr/>
+          <p:nvPr/>
+        </p:nvSpPr>
+        <p:spPr>
+          <a:xfrm>
+            <a:off x="4379974" y="1402258"/>
+            <a:ext cx="1060136" cy="294129"/>
+          </a:xfrm>
+          <a:prstGeom prst="roundRect">
+            <a:avLst/>
+          </a:prstGeom>
+          <a:noFill/>
+        </p:spPr>
+        <p:style>
+          <a:lnRef idx="2">
+            <a:schemeClr val="accent2">
+              <a:shade val="50000"/>
+            </a:schemeClr>
+          </a:lnRef>
+          <a:fillRef idx="1">
+            <a:schemeClr val="accent2"/>
+          </a:fillRef>
+          <a:effectRef idx="0">
+            <a:schemeClr val="accent2"/>
+          </a:effectRef>
+          <a:fontRef idx="minor">
+            <a:schemeClr val="lt1"/>
+          </a:fontRef>
+        </p:style>
+        <p:txBody>
+          <a:bodyPr rtlCol="0" anchor="ctr"/>
+          <a:lstStyle/>
+          <a:p>
+            <a:pPr algn="ctr"/>
+            <a:endParaRPr lang="ru-RU"/>
+          </a:p>
+        </p:txBody>
+      </p:sp>
     </p:spTree>
     <p:extLst>
       <p:ext uri="{BB962C8B-B14F-4D97-AF65-F5344CB8AC3E}">
@@ -6074,9 +9190,4898 @@
   <p:timing>
     <p:tnLst>
       <p:par>
-        <p:cTn id="1" dur="indefinite" restart="never" nodeType="tmRoot"/>
+        <p:cTn id="1" dur="indefinite" restart="never" nodeType="tmRoot">
+          <p:childTnLst>
+            <p:seq concurrent="1" nextAc="seek">
+              <p:cTn id="2" dur="indefinite" nodeType="mainSeq">
+                <p:childTnLst>
+                  <p:par>
+                    <p:cTn id="3" fill="hold">
+                      <p:stCondLst>
+                        <p:cond delay="indefinite"/>
+                      </p:stCondLst>
+                      <p:childTnLst>
+                        <p:par>
+                          <p:cTn id="4" fill="hold">
+                            <p:stCondLst>
+                              <p:cond delay="0"/>
+                            </p:stCondLst>
+                            <p:childTnLst>
+                              <p:par>
+                                <p:cTn id="5" presetID="10" presetClass="entr" presetSubtype="0" fill="hold" nodeType="clickEffect">
+                                  <p:stCondLst>
+                                    <p:cond delay="0"/>
+                                  </p:stCondLst>
+                                  <p:childTnLst>
+                                    <p:set>
+                                      <p:cBhvr>
+                                        <p:cTn id="6" dur="1" fill="hold">
+                                          <p:stCondLst>
+                                            <p:cond delay="0"/>
+                                          </p:stCondLst>
+                                        </p:cTn>
+                                        <p:tgtEl>
+                                          <p:spTgt spid="11"/>
+                                        </p:tgtEl>
+                                        <p:attrNameLst>
+                                          <p:attrName>style.visibility</p:attrName>
+                                        </p:attrNameLst>
+                                      </p:cBhvr>
+                                      <p:to>
+                                        <p:strVal val="visible"/>
+                                      </p:to>
+                                    </p:set>
+                                    <p:animEffect transition="in" filter="fade">
+                                      <p:cBhvr>
+                                        <p:cTn id="7" dur="500"/>
+                                        <p:tgtEl>
+                                          <p:spTgt spid="11"/>
+                                        </p:tgtEl>
+                                      </p:cBhvr>
+                                    </p:animEffect>
+                                  </p:childTnLst>
+                                  <p:subTnLst>
+                                    <p:set>
+                                      <p:cBhvr override="childStyle">
+                                        <p:cTn dur="1" fill="hold" display="0" masterRel="nextClick" afterEffect="1"/>
+                                        <p:tgtEl>
+                                          <p:spTgt spid="11"/>
+                                        </p:tgtEl>
+                                        <p:attrNameLst>
+                                          <p:attrName>style.visibility</p:attrName>
+                                        </p:attrNameLst>
+                                      </p:cBhvr>
+                                      <p:to>
+                                        <p:strVal val="hidden"/>
+                                      </p:to>
+                                    </p:set>
+                                  </p:subTnLst>
+                                </p:cTn>
+                              </p:par>
+                              <p:par>
+                                <p:cTn id="8" presetID="10" presetClass="entr" presetSubtype="0" fill="hold" grpId="0" nodeType="withEffect">
+                                  <p:stCondLst>
+                                    <p:cond delay="0"/>
+                                  </p:stCondLst>
+                                  <p:childTnLst>
+                                    <p:set>
+                                      <p:cBhvr>
+                                        <p:cTn id="9" dur="1" fill="hold">
+                                          <p:stCondLst>
+                                            <p:cond delay="0"/>
+                                          </p:stCondLst>
+                                        </p:cTn>
+                                        <p:tgtEl>
+                                          <p:spTgt spid="62"/>
+                                        </p:tgtEl>
+                                        <p:attrNameLst>
+                                          <p:attrName>style.visibility</p:attrName>
+                                        </p:attrNameLst>
+                                      </p:cBhvr>
+                                      <p:to>
+                                        <p:strVal val="visible"/>
+                                      </p:to>
+                                    </p:set>
+                                    <p:animEffect transition="in" filter="fade">
+                                      <p:cBhvr>
+                                        <p:cTn id="10" dur="500"/>
+                                        <p:tgtEl>
+                                          <p:spTgt spid="62"/>
+                                        </p:tgtEl>
+                                      </p:cBhvr>
+                                    </p:animEffect>
+                                  </p:childTnLst>
+                                  <p:subTnLst>
+                                    <p:set>
+                                      <p:cBhvr override="childStyle">
+                                        <p:cTn dur="1" fill="hold" display="0" masterRel="nextClick" afterEffect="1"/>
+                                        <p:tgtEl>
+                                          <p:spTgt spid="62"/>
+                                        </p:tgtEl>
+                                        <p:attrNameLst>
+                                          <p:attrName>style.visibility</p:attrName>
+                                        </p:attrNameLst>
+                                      </p:cBhvr>
+                                      <p:to>
+                                        <p:strVal val="hidden"/>
+                                      </p:to>
+                                    </p:set>
+                                  </p:subTnLst>
+                                </p:cTn>
+                              </p:par>
+                            </p:childTnLst>
+                          </p:cTn>
+                        </p:par>
+                      </p:childTnLst>
+                    </p:cTn>
+                  </p:par>
+                  <p:par>
+                    <p:cTn id="11" fill="hold">
+                      <p:stCondLst>
+                        <p:cond delay="indefinite"/>
+                      </p:stCondLst>
+                      <p:childTnLst>
+                        <p:par>
+                          <p:cTn id="12" fill="hold">
+                            <p:stCondLst>
+                              <p:cond delay="0"/>
+                            </p:stCondLst>
+                            <p:childTnLst>
+                              <p:par>
+                                <p:cTn id="13" presetID="10" presetClass="entr" presetSubtype="0" fill="hold" nodeType="clickEffect">
+                                  <p:stCondLst>
+                                    <p:cond delay="0"/>
+                                  </p:stCondLst>
+                                  <p:childTnLst>
+                                    <p:set>
+                                      <p:cBhvr>
+                                        <p:cTn id="14" dur="1" fill="hold">
+                                          <p:stCondLst>
+                                            <p:cond delay="0"/>
+                                          </p:stCondLst>
+                                        </p:cTn>
+                                        <p:tgtEl>
+                                          <p:spTgt spid="12"/>
+                                        </p:tgtEl>
+                                        <p:attrNameLst>
+                                          <p:attrName>style.visibility</p:attrName>
+                                        </p:attrNameLst>
+                                      </p:cBhvr>
+                                      <p:to>
+                                        <p:strVal val="visible"/>
+                                      </p:to>
+                                    </p:set>
+                                    <p:animEffect transition="in" filter="fade">
+                                      <p:cBhvr>
+                                        <p:cTn id="15" dur="500"/>
+                                        <p:tgtEl>
+                                          <p:spTgt spid="12"/>
+                                        </p:tgtEl>
+                                      </p:cBhvr>
+                                    </p:animEffect>
+                                  </p:childTnLst>
+                                  <p:subTnLst>
+                                    <p:set>
+                                      <p:cBhvr override="childStyle">
+                                        <p:cTn dur="1" fill="hold" display="0" masterRel="nextClick" afterEffect="1"/>
+                                        <p:tgtEl>
+                                          <p:spTgt spid="12"/>
+                                        </p:tgtEl>
+                                        <p:attrNameLst>
+                                          <p:attrName>style.visibility</p:attrName>
+                                        </p:attrNameLst>
+                                      </p:cBhvr>
+                                      <p:to>
+                                        <p:strVal val="hidden"/>
+                                      </p:to>
+                                    </p:set>
+                                  </p:subTnLst>
+                                </p:cTn>
+                              </p:par>
+                              <p:par>
+                                <p:cTn id="16" presetID="10" presetClass="entr" presetSubtype="0" fill="hold" grpId="0" nodeType="withEffect">
+                                  <p:stCondLst>
+                                    <p:cond delay="0"/>
+                                  </p:stCondLst>
+                                  <p:childTnLst>
+                                    <p:set>
+                                      <p:cBhvr>
+                                        <p:cTn id="17" dur="1" fill="hold">
+                                          <p:stCondLst>
+                                            <p:cond delay="0"/>
+                                          </p:stCondLst>
+                                        </p:cTn>
+                                        <p:tgtEl>
+                                          <p:spTgt spid="3"/>
+                                        </p:tgtEl>
+                                        <p:attrNameLst>
+                                          <p:attrName>style.visibility</p:attrName>
+                                        </p:attrNameLst>
+                                      </p:cBhvr>
+                                      <p:to>
+                                        <p:strVal val="visible"/>
+                                      </p:to>
+                                    </p:set>
+                                    <p:animEffect transition="in" filter="fade">
+                                      <p:cBhvr>
+                                        <p:cTn id="18" dur="500"/>
+                                        <p:tgtEl>
+                                          <p:spTgt spid="3"/>
+                                        </p:tgtEl>
+                                      </p:cBhvr>
+                                    </p:animEffect>
+                                  </p:childTnLst>
+                                </p:cTn>
+                              </p:par>
+                              <p:par>
+                                <p:cTn id="19" presetID="10" presetClass="entr" presetSubtype="0" fill="hold" grpId="0" nodeType="withEffect">
+                                  <p:stCondLst>
+                                    <p:cond delay="0"/>
+                                  </p:stCondLst>
+                                  <p:childTnLst>
+                                    <p:set>
+                                      <p:cBhvr>
+                                        <p:cTn id="20" dur="1" fill="hold">
+                                          <p:stCondLst>
+                                            <p:cond delay="0"/>
+                                          </p:stCondLst>
+                                        </p:cTn>
+                                        <p:tgtEl>
+                                          <p:spTgt spid="7"/>
+                                        </p:tgtEl>
+                                        <p:attrNameLst>
+                                          <p:attrName>style.visibility</p:attrName>
+                                        </p:attrNameLst>
+                                      </p:cBhvr>
+                                      <p:to>
+                                        <p:strVal val="visible"/>
+                                      </p:to>
+                                    </p:set>
+                                    <p:animEffect transition="in" filter="fade">
+                                      <p:cBhvr>
+                                        <p:cTn id="21" dur="500"/>
+                                        <p:tgtEl>
+                                          <p:spTgt spid="7"/>
+                                        </p:tgtEl>
+                                      </p:cBhvr>
+                                    </p:animEffect>
+                                  </p:childTnLst>
+                                </p:cTn>
+                              </p:par>
+                              <p:par>
+                                <p:cTn id="22" presetID="10" presetClass="entr" presetSubtype="0" fill="hold" grpId="0" nodeType="withEffect">
+                                  <p:stCondLst>
+                                    <p:cond delay="0"/>
+                                  </p:stCondLst>
+                                  <p:childTnLst>
+                                    <p:set>
+                                      <p:cBhvr>
+                                        <p:cTn id="23" dur="1" fill="hold">
+                                          <p:stCondLst>
+                                            <p:cond delay="0"/>
+                                          </p:stCondLst>
+                                        </p:cTn>
+                                        <p:tgtEl>
+                                          <p:spTgt spid="8"/>
+                                        </p:tgtEl>
+                                        <p:attrNameLst>
+                                          <p:attrName>style.visibility</p:attrName>
+                                        </p:attrNameLst>
+                                      </p:cBhvr>
+                                      <p:to>
+                                        <p:strVal val="visible"/>
+                                      </p:to>
+                                    </p:set>
+                                    <p:animEffect transition="in" filter="fade">
+                                      <p:cBhvr>
+                                        <p:cTn id="24" dur="500"/>
+                                        <p:tgtEl>
+                                          <p:spTgt spid="8"/>
+                                        </p:tgtEl>
+                                      </p:cBhvr>
+                                    </p:animEffect>
+                                  </p:childTnLst>
+                                </p:cTn>
+                              </p:par>
+                              <p:par>
+                                <p:cTn id="25" presetID="10" presetClass="entr" presetSubtype="0" fill="hold" grpId="0" nodeType="withEffect">
+                                  <p:stCondLst>
+                                    <p:cond delay="0"/>
+                                  </p:stCondLst>
+                                  <p:childTnLst>
+                                    <p:set>
+                                      <p:cBhvr>
+                                        <p:cTn id="26" dur="1" fill="hold">
+                                          <p:stCondLst>
+                                            <p:cond delay="0"/>
+                                          </p:stCondLst>
+                                        </p:cTn>
+                                        <p:tgtEl>
+                                          <p:spTgt spid="9"/>
+                                        </p:tgtEl>
+                                        <p:attrNameLst>
+                                          <p:attrName>style.visibility</p:attrName>
+                                        </p:attrNameLst>
+                                      </p:cBhvr>
+                                      <p:to>
+                                        <p:strVal val="visible"/>
+                                      </p:to>
+                                    </p:set>
+                                    <p:animEffect transition="in" filter="fade">
+                                      <p:cBhvr>
+                                        <p:cTn id="27" dur="500"/>
+                                        <p:tgtEl>
+                                          <p:spTgt spid="9"/>
+                                        </p:tgtEl>
+                                      </p:cBhvr>
+                                    </p:animEffect>
+                                  </p:childTnLst>
+                                  <p:subTnLst>
+                                    <p:set>
+                                      <p:cBhvr override="childStyle">
+                                        <p:cTn dur="1" fill="hold" display="0" masterRel="nextClick" afterEffect="1"/>
+                                        <p:tgtEl>
+                                          <p:spTgt spid="9"/>
+                                        </p:tgtEl>
+                                        <p:attrNameLst>
+                                          <p:attrName>style.visibility</p:attrName>
+                                        </p:attrNameLst>
+                                      </p:cBhvr>
+                                      <p:to>
+                                        <p:strVal val="hidden"/>
+                                      </p:to>
+                                    </p:set>
+                                  </p:subTnLst>
+                                </p:cTn>
+                              </p:par>
+                              <p:par>
+                                <p:cTn id="28" presetID="10" presetClass="entr" presetSubtype="0" fill="hold" grpId="0" nodeType="withEffect">
+                                  <p:stCondLst>
+                                    <p:cond delay="0"/>
+                                  </p:stCondLst>
+                                  <p:childTnLst>
+                                    <p:set>
+                                      <p:cBhvr>
+                                        <p:cTn id="29" dur="1" fill="hold">
+                                          <p:stCondLst>
+                                            <p:cond delay="0"/>
+                                          </p:stCondLst>
+                                        </p:cTn>
+                                        <p:tgtEl>
+                                          <p:spTgt spid="10"/>
+                                        </p:tgtEl>
+                                        <p:attrNameLst>
+                                          <p:attrName>style.visibility</p:attrName>
+                                        </p:attrNameLst>
+                                      </p:cBhvr>
+                                      <p:to>
+                                        <p:strVal val="visible"/>
+                                      </p:to>
+                                    </p:set>
+                                    <p:animEffect transition="in" filter="fade">
+                                      <p:cBhvr>
+                                        <p:cTn id="30" dur="500"/>
+                                        <p:tgtEl>
+                                          <p:spTgt spid="10"/>
+                                        </p:tgtEl>
+                                      </p:cBhvr>
+                                    </p:animEffect>
+                                  </p:childTnLst>
+                                </p:cTn>
+                              </p:par>
+                              <p:par>
+                                <p:cTn id="31" presetID="10" presetClass="entr" presetSubtype="0" fill="hold" grpId="0" nodeType="withEffect">
+                                  <p:stCondLst>
+                                    <p:cond delay="0"/>
+                                  </p:stCondLst>
+                                  <p:childTnLst>
+                                    <p:set>
+                                      <p:cBhvr>
+                                        <p:cTn id="32" dur="1" fill="hold">
+                                          <p:stCondLst>
+                                            <p:cond delay="0"/>
+                                          </p:stCondLst>
+                                        </p:cTn>
+                                        <p:tgtEl>
+                                          <p:spTgt spid="5"/>
+                                        </p:tgtEl>
+                                        <p:attrNameLst>
+                                          <p:attrName>style.visibility</p:attrName>
+                                        </p:attrNameLst>
+                                      </p:cBhvr>
+                                      <p:to>
+                                        <p:strVal val="visible"/>
+                                      </p:to>
+                                    </p:set>
+                                    <p:animEffect transition="in" filter="fade">
+                                      <p:cBhvr>
+                                        <p:cTn id="33" dur="500"/>
+                                        <p:tgtEl>
+                                          <p:spTgt spid="5"/>
+                                        </p:tgtEl>
+                                      </p:cBhvr>
+                                    </p:animEffect>
+                                  </p:childTnLst>
+                                </p:cTn>
+                              </p:par>
+                              <p:par>
+                                <p:cTn id="34" presetID="10" presetClass="entr" presetSubtype="0" fill="hold" nodeType="withEffect">
+                                  <p:stCondLst>
+                                    <p:cond delay="0"/>
+                                  </p:stCondLst>
+                                  <p:childTnLst>
+                                    <p:set>
+                                      <p:cBhvr>
+                                        <p:cTn id="35" dur="1" fill="hold">
+                                          <p:stCondLst>
+                                            <p:cond delay="0"/>
+                                          </p:stCondLst>
+                                        </p:cTn>
+                                        <p:tgtEl>
+                                          <p:spTgt spid="21"/>
+                                        </p:tgtEl>
+                                        <p:attrNameLst>
+                                          <p:attrName>style.visibility</p:attrName>
+                                        </p:attrNameLst>
+                                      </p:cBhvr>
+                                      <p:to>
+                                        <p:strVal val="visible"/>
+                                      </p:to>
+                                    </p:set>
+                                    <p:animEffect transition="in" filter="fade">
+                                      <p:cBhvr>
+                                        <p:cTn id="36" dur="500"/>
+                                        <p:tgtEl>
+                                          <p:spTgt spid="21"/>
+                                        </p:tgtEl>
+                                      </p:cBhvr>
+                                    </p:animEffect>
+                                  </p:childTnLst>
+                                  <p:subTnLst>
+                                    <p:set>
+                                      <p:cBhvr override="childStyle">
+                                        <p:cTn dur="1" fill="hold" display="0" masterRel="nextClick" afterEffect="1"/>
+                                        <p:tgtEl>
+                                          <p:spTgt spid="21"/>
+                                        </p:tgtEl>
+                                        <p:attrNameLst>
+                                          <p:attrName>style.visibility</p:attrName>
+                                        </p:attrNameLst>
+                                      </p:cBhvr>
+                                      <p:to>
+                                        <p:strVal val="hidden"/>
+                                      </p:to>
+                                    </p:set>
+                                  </p:subTnLst>
+                                </p:cTn>
+                              </p:par>
+                              <p:par>
+                                <p:cTn id="37" presetID="10" presetClass="entr" presetSubtype="0" fill="hold" nodeType="withEffect">
+                                  <p:stCondLst>
+                                    <p:cond delay="0"/>
+                                  </p:stCondLst>
+                                  <p:childTnLst>
+                                    <p:set>
+                                      <p:cBhvr>
+                                        <p:cTn id="38" dur="1" fill="hold">
+                                          <p:stCondLst>
+                                            <p:cond delay="0"/>
+                                          </p:stCondLst>
+                                        </p:cTn>
+                                        <p:tgtEl>
+                                          <p:spTgt spid="22"/>
+                                        </p:tgtEl>
+                                        <p:attrNameLst>
+                                          <p:attrName>style.visibility</p:attrName>
+                                        </p:attrNameLst>
+                                      </p:cBhvr>
+                                      <p:to>
+                                        <p:strVal val="visible"/>
+                                      </p:to>
+                                    </p:set>
+                                    <p:animEffect transition="in" filter="fade">
+                                      <p:cBhvr>
+                                        <p:cTn id="39" dur="500"/>
+                                        <p:tgtEl>
+                                          <p:spTgt spid="22"/>
+                                        </p:tgtEl>
+                                      </p:cBhvr>
+                                    </p:animEffect>
+                                  </p:childTnLst>
+                                  <p:subTnLst>
+                                    <p:set>
+                                      <p:cBhvr override="childStyle">
+                                        <p:cTn dur="1" fill="hold" display="0" masterRel="nextClick" afterEffect="1"/>
+                                        <p:tgtEl>
+                                          <p:spTgt spid="22"/>
+                                        </p:tgtEl>
+                                        <p:attrNameLst>
+                                          <p:attrName>style.visibility</p:attrName>
+                                        </p:attrNameLst>
+                                      </p:cBhvr>
+                                      <p:to>
+                                        <p:strVal val="hidden"/>
+                                      </p:to>
+                                    </p:set>
+                                  </p:subTnLst>
+                                </p:cTn>
+                              </p:par>
+                              <p:par>
+                                <p:cTn id="40" presetID="10" presetClass="entr" presetSubtype="0" fill="hold" nodeType="withEffect">
+                                  <p:stCondLst>
+                                    <p:cond delay="0"/>
+                                  </p:stCondLst>
+                                  <p:childTnLst>
+                                    <p:set>
+                                      <p:cBhvr>
+                                        <p:cTn id="41" dur="1" fill="hold">
+                                          <p:stCondLst>
+                                            <p:cond delay="0"/>
+                                          </p:stCondLst>
+                                        </p:cTn>
+                                        <p:tgtEl>
+                                          <p:spTgt spid="23"/>
+                                        </p:tgtEl>
+                                        <p:attrNameLst>
+                                          <p:attrName>style.visibility</p:attrName>
+                                        </p:attrNameLst>
+                                      </p:cBhvr>
+                                      <p:to>
+                                        <p:strVal val="visible"/>
+                                      </p:to>
+                                    </p:set>
+                                    <p:animEffect transition="in" filter="fade">
+                                      <p:cBhvr>
+                                        <p:cTn id="42" dur="500"/>
+                                        <p:tgtEl>
+                                          <p:spTgt spid="23"/>
+                                        </p:tgtEl>
+                                      </p:cBhvr>
+                                    </p:animEffect>
+                                  </p:childTnLst>
+                                  <p:subTnLst>
+                                    <p:set>
+                                      <p:cBhvr override="childStyle">
+                                        <p:cTn dur="1" fill="hold" display="0" masterRel="nextClick" afterEffect="1"/>
+                                        <p:tgtEl>
+                                          <p:spTgt spid="23"/>
+                                        </p:tgtEl>
+                                        <p:attrNameLst>
+                                          <p:attrName>style.visibility</p:attrName>
+                                        </p:attrNameLst>
+                                      </p:cBhvr>
+                                      <p:to>
+                                        <p:strVal val="hidden"/>
+                                      </p:to>
+                                    </p:set>
+                                  </p:subTnLst>
+                                </p:cTn>
+                              </p:par>
+                              <p:par>
+                                <p:cTn id="43" presetID="10" presetClass="entr" presetSubtype="0" fill="hold" nodeType="withEffect">
+                                  <p:stCondLst>
+                                    <p:cond delay="0"/>
+                                  </p:stCondLst>
+                                  <p:childTnLst>
+                                    <p:set>
+                                      <p:cBhvr>
+                                        <p:cTn id="44" dur="1" fill="hold">
+                                          <p:stCondLst>
+                                            <p:cond delay="0"/>
+                                          </p:stCondLst>
+                                        </p:cTn>
+                                        <p:tgtEl>
+                                          <p:spTgt spid="24"/>
+                                        </p:tgtEl>
+                                        <p:attrNameLst>
+                                          <p:attrName>style.visibility</p:attrName>
+                                        </p:attrNameLst>
+                                      </p:cBhvr>
+                                      <p:to>
+                                        <p:strVal val="visible"/>
+                                      </p:to>
+                                    </p:set>
+                                    <p:animEffect transition="in" filter="fade">
+                                      <p:cBhvr>
+                                        <p:cTn id="45" dur="500"/>
+                                        <p:tgtEl>
+                                          <p:spTgt spid="24"/>
+                                        </p:tgtEl>
+                                      </p:cBhvr>
+                                    </p:animEffect>
+                                  </p:childTnLst>
+                                  <p:subTnLst>
+                                    <p:set>
+                                      <p:cBhvr override="childStyle">
+                                        <p:cTn dur="1" fill="hold" display="0" masterRel="nextClick" afterEffect="1"/>
+                                        <p:tgtEl>
+                                          <p:spTgt spid="24"/>
+                                        </p:tgtEl>
+                                        <p:attrNameLst>
+                                          <p:attrName>style.visibility</p:attrName>
+                                        </p:attrNameLst>
+                                      </p:cBhvr>
+                                      <p:to>
+                                        <p:strVal val="hidden"/>
+                                      </p:to>
+                                    </p:set>
+                                  </p:subTnLst>
+                                </p:cTn>
+                              </p:par>
+                              <p:par>
+                                <p:cTn id="46" presetID="10" presetClass="entr" presetSubtype="0" fill="hold" nodeType="withEffect">
+                                  <p:stCondLst>
+                                    <p:cond delay="0"/>
+                                  </p:stCondLst>
+                                  <p:childTnLst>
+                                    <p:set>
+                                      <p:cBhvr>
+                                        <p:cTn id="47" dur="1" fill="hold">
+                                          <p:stCondLst>
+                                            <p:cond delay="0"/>
+                                          </p:stCondLst>
+                                        </p:cTn>
+                                        <p:tgtEl>
+                                          <p:spTgt spid="25"/>
+                                        </p:tgtEl>
+                                        <p:attrNameLst>
+                                          <p:attrName>style.visibility</p:attrName>
+                                        </p:attrNameLst>
+                                      </p:cBhvr>
+                                      <p:to>
+                                        <p:strVal val="visible"/>
+                                      </p:to>
+                                    </p:set>
+                                    <p:animEffect transition="in" filter="fade">
+                                      <p:cBhvr>
+                                        <p:cTn id="48" dur="500"/>
+                                        <p:tgtEl>
+                                          <p:spTgt spid="25"/>
+                                        </p:tgtEl>
+                                      </p:cBhvr>
+                                    </p:animEffect>
+                                  </p:childTnLst>
+                                  <p:subTnLst>
+                                    <p:set>
+                                      <p:cBhvr override="childStyle">
+                                        <p:cTn dur="1" fill="hold" display="0" masterRel="nextClick" afterEffect="1"/>
+                                        <p:tgtEl>
+                                          <p:spTgt spid="25"/>
+                                        </p:tgtEl>
+                                        <p:attrNameLst>
+                                          <p:attrName>style.visibility</p:attrName>
+                                        </p:attrNameLst>
+                                      </p:cBhvr>
+                                      <p:to>
+                                        <p:strVal val="hidden"/>
+                                      </p:to>
+                                    </p:set>
+                                  </p:subTnLst>
+                                </p:cTn>
+                              </p:par>
+                              <p:par>
+                                <p:cTn id="49" presetID="10" presetClass="entr" presetSubtype="0" fill="hold" grpId="0" nodeType="withEffect">
+                                  <p:stCondLst>
+                                    <p:cond delay="0"/>
+                                  </p:stCondLst>
+                                  <p:childTnLst>
+                                    <p:set>
+                                      <p:cBhvr>
+                                        <p:cTn id="50" dur="1" fill="hold">
+                                          <p:stCondLst>
+                                            <p:cond delay="0"/>
+                                          </p:stCondLst>
+                                        </p:cTn>
+                                        <p:tgtEl>
+                                          <p:spTgt spid="63"/>
+                                        </p:tgtEl>
+                                        <p:attrNameLst>
+                                          <p:attrName>style.visibility</p:attrName>
+                                        </p:attrNameLst>
+                                      </p:cBhvr>
+                                      <p:to>
+                                        <p:strVal val="visible"/>
+                                      </p:to>
+                                    </p:set>
+                                    <p:animEffect transition="in" filter="fade">
+                                      <p:cBhvr>
+                                        <p:cTn id="51" dur="500"/>
+                                        <p:tgtEl>
+                                          <p:spTgt spid="63"/>
+                                        </p:tgtEl>
+                                      </p:cBhvr>
+                                    </p:animEffect>
+                                  </p:childTnLst>
+                                  <p:subTnLst>
+                                    <p:set>
+                                      <p:cBhvr override="childStyle">
+                                        <p:cTn dur="1" fill="hold" display="0" masterRel="nextClick" afterEffect="1"/>
+                                        <p:tgtEl>
+                                          <p:spTgt spid="63"/>
+                                        </p:tgtEl>
+                                        <p:attrNameLst>
+                                          <p:attrName>style.visibility</p:attrName>
+                                        </p:attrNameLst>
+                                      </p:cBhvr>
+                                      <p:to>
+                                        <p:strVal val="hidden"/>
+                                      </p:to>
+                                    </p:set>
+                                  </p:subTnLst>
+                                </p:cTn>
+                              </p:par>
+                            </p:childTnLst>
+                          </p:cTn>
+                        </p:par>
+                      </p:childTnLst>
+                    </p:cTn>
+                  </p:par>
+                  <p:par>
+                    <p:cTn id="52" fill="hold">
+                      <p:stCondLst>
+                        <p:cond delay="indefinite"/>
+                      </p:stCondLst>
+                      <p:childTnLst>
+                        <p:par>
+                          <p:cTn id="53" fill="hold">
+                            <p:stCondLst>
+                              <p:cond delay="0"/>
+                            </p:stCondLst>
+                            <p:childTnLst>
+                              <p:par>
+                                <p:cTn id="54" presetID="10" presetClass="entr" presetSubtype="0" fill="hold" grpId="0" nodeType="clickEffect">
+                                  <p:stCondLst>
+                                    <p:cond delay="0"/>
+                                  </p:stCondLst>
+                                  <p:childTnLst>
+                                    <p:set>
+                                      <p:cBhvr>
+                                        <p:cTn id="55" dur="1" fill="hold">
+                                          <p:stCondLst>
+                                            <p:cond delay="0"/>
+                                          </p:stCondLst>
+                                        </p:cTn>
+                                        <p:tgtEl>
+                                          <p:spTgt spid="38"/>
+                                        </p:tgtEl>
+                                        <p:attrNameLst>
+                                          <p:attrName>style.visibility</p:attrName>
+                                        </p:attrNameLst>
+                                      </p:cBhvr>
+                                      <p:to>
+                                        <p:strVal val="visible"/>
+                                      </p:to>
+                                    </p:set>
+                                    <p:animEffect transition="in" filter="fade">
+                                      <p:cBhvr>
+                                        <p:cTn id="56" dur="500"/>
+                                        <p:tgtEl>
+                                          <p:spTgt spid="38"/>
+                                        </p:tgtEl>
+                                      </p:cBhvr>
+                                    </p:animEffect>
+                                  </p:childTnLst>
+                                </p:cTn>
+                              </p:par>
+                              <p:par>
+                                <p:cTn id="57" presetID="10" presetClass="entr" presetSubtype="0" fill="hold" nodeType="withEffect">
+                                  <p:stCondLst>
+                                    <p:cond delay="0"/>
+                                  </p:stCondLst>
+                                  <p:childTnLst>
+                                    <p:set>
+                                      <p:cBhvr>
+                                        <p:cTn id="58" dur="1" fill="hold">
+                                          <p:stCondLst>
+                                            <p:cond delay="0"/>
+                                          </p:stCondLst>
+                                        </p:cTn>
+                                        <p:tgtEl>
+                                          <p:spTgt spid="26"/>
+                                        </p:tgtEl>
+                                        <p:attrNameLst>
+                                          <p:attrName>style.visibility</p:attrName>
+                                        </p:attrNameLst>
+                                      </p:cBhvr>
+                                      <p:to>
+                                        <p:strVal val="visible"/>
+                                      </p:to>
+                                    </p:set>
+                                    <p:animEffect transition="in" filter="fade">
+                                      <p:cBhvr>
+                                        <p:cTn id="59" dur="500"/>
+                                        <p:tgtEl>
+                                          <p:spTgt spid="26"/>
+                                        </p:tgtEl>
+                                      </p:cBhvr>
+                                    </p:animEffect>
+                                  </p:childTnLst>
+                                  <p:subTnLst>
+                                    <p:set>
+                                      <p:cBhvr override="childStyle">
+                                        <p:cTn dur="1" fill="hold" display="0" masterRel="nextClick" afterEffect="1"/>
+                                        <p:tgtEl>
+                                          <p:spTgt spid="26"/>
+                                        </p:tgtEl>
+                                        <p:attrNameLst>
+                                          <p:attrName>style.visibility</p:attrName>
+                                        </p:attrNameLst>
+                                      </p:cBhvr>
+                                      <p:to>
+                                        <p:strVal val="hidden"/>
+                                      </p:to>
+                                    </p:set>
+                                  </p:subTnLst>
+                                </p:cTn>
+                              </p:par>
+                              <p:par>
+                                <p:cTn id="60" presetID="10" presetClass="entr" presetSubtype="0" fill="hold" nodeType="withEffect">
+                                  <p:stCondLst>
+                                    <p:cond delay="0"/>
+                                  </p:stCondLst>
+                                  <p:childTnLst>
+                                    <p:set>
+                                      <p:cBhvr>
+                                        <p:cTn id="61" dur="1" fill="hold">
+                                          <p:stCondLst>
+                                            <p:cond delay="0"/>
+                                          </p:stCondLst>
+                                        </p:cTn>
+                                        <p:tgtEl>
+                                          <p:spTgt spid="13"/>
+                                        </p:tgtEl>
+                                        <p:attrNameLst>
+                                          <p:attrName>style.visibility</p:attrName>
+                                        </p:attrNameLst>
+                                      </p:cBhvr>
+                                      <p:to>
+                                        <p:strVal val="visible"/>
+                                      </p:to>
+                                    </p:set>
+                                    <p:animEffect transition="in" filter="fade">
+                                      <p:cBhvr>
+                                        <p:cTn id="62" dur="500"/>
+                                        <p:tgtEl>
+                                          <p:spTgt spid="13"/>
+                                        </p:tgtEl>
+                                      </p:cBhvr>
+                                    </p:animEffect>
+                                  </p:childTnLst>
+                                  <p:subTnLst>
+                                    <p:set>
+                                      <p:cBhvr override="childStyle">
+                                        <p:cTn dur="1" fill="hold" display="0" masterRel="nextClick" afterEffect="1"/>
+                                        <p:tgtEl>
+                                          <p:spTgt spid="13"/>
+                                        </p:tgtEl>
+                                        <p:attrNameLst>
+                                          <p:attrName>style.visibility</p:attrName>
+                                        </p:attrNameLst>
+                                      </p:cBhvr>
+                                      <p:to>
+                                        <p:strVal val="hidden"/>
+                                      </p:to>
+                                    </p:set>
+                                  </p:subTnLst>
+                                </p:cTn>
+                              </p:par>
+                              <p:par>
+                                <p:cTn id="63" presetID="10" presetClass="entr" presetSubtype="0" fill="hold" grpId="0" nodeType="withEffect">
+                                  <p:stCondLst>
+                                    <p:cond delay="0"/>
+                                  </p:stCondLst>
+                                  <p:childTnLst>
+                                    <p:set>
+                                      <p:cBhvr>
+                                        <p:cTn id="64" dur="1" fill="hold">
+                                          <p:stCondLst>
+                                            <p:cond delay="0"/>
+                                          </p:stCondLst>
+                                        </p:cTn>
+                                        <p:tgtEl>
+                                          <p:spTgt spid="64"/>
+                                        </p:tgtEl>
+                                        <p:attrNameLst>
+                                          <p:attrName>style.visibility</p:attrName>
+                                        </p:attrNameLst>
+                                      </p:cBhvr>
+                                      <p:to>
+                                        <p:strVal val="visible"/>
+                                      </p:to>
+                                    </p:set>
+                                    <p:animEffect transition="in" filter="fade">
+                                      <p:cBhvr>
+                                        <p:cTn id="65" dur="500"/>
+                                        <p:tgtEl>
+                                          <p:spTgt spid="64"/>
+                                        </p:tgtEl>
+                                      </p:cBhvr>
+                                    </p:animEffect>
+                                  </p:childTnLst>
+                                  <p:subTnLst>
+                                    <p:set>
+                                      <p:cBhvr override="childStyle">
+                                        <p:cTn dur="1" fill="hold" display="0" masterRel="nextClick" afterEffect="1"/>
+                                        <p:tgtEl>
+                                          <p:spTgt spid="64"/>
+                                        </p:tgtEl>
+                                        <p:attrNameLst>
+                                          <p:attrName>style.visibility</p:attrName>
+                                        </p:attrNameLst>
+                                      </p:cBhvr>
+                                      <p:to>
+                                        <p:strVal val="hidden"/>
+                                      </p:to>
+                                    </p:set>
+                                  </p:subTnLst>
+                                </p:cTn>
+                              </p:par>
+                              <p:par>
+                                <p:cTn id="66" presetID="10" presetClass="entr" presetSubtype="0" fill="hold" grpId="0" nodeType="withEffect">
+                                  <p:stCondLst>
+                                    <p:cond delay="0"/>
+                                  </p:stCondLst>
+                                  <p:childTnLst>
+                                    <p:set>
+                                      <p:cBhvr>
+                                        <p:cTn id="67" dur="1" fill="hold">
+                                          <p:stCondLst>
+                                            <p:cond delay="0"/>
+                                          </p:stCondLst>
+                                        </p:cTn>
+                                        <p:tgtEl>
+                                          <p:spTgt spid="79"/>
+                                        </p:tgtEl>
+                                        <p:attrNameLst>
+                                          <p:attrName>style.visibility</p:attrName>
+                                        </p:attrNameLst>
+                                      </p:cBhvr>
+                                      <p:to>
+                                        <p:strVal val="visible"/>
+                                      </p:to>
+                                    </p:set>
+                                    <p:animEffect transition="in" filter="fade">
+                                      <p:cBhvr>
+                                        <p:cTn id="68" dur="500"/>
+                                        <p:tgtEl>
+                                          <p:spTgt spid="79"/>
+                                        </p:tgtEl>
+                                      </p:cBhvr>
+                                    </p:animEffect>
+                                  </p:childTnLst>
+                                  <p:subTnLst>
+                                    <p:set>
+                                      <p:cBhvr override="childStyle">
+                                        <p:cTn dur="1" fill="hold" display="0" masterRel="nextClick" afterEffect="1"/>
+                                        <p:tgtEl>
+                                          <p:spTgt spid="79"/>
+                                        </p:tgtEl>
+                                        <p:attrNameLst>
+                                          <p:attrName>style.visibility</p:attrName>
+                                        </p:attrNameLst>
+                                      </p:cBhvr>
+                                      <p:to>
+                                        <p:strVal val="hidden"/>
+                                      </p:to>
+                                    </p:set>
+                                  </p:subTnLst>
+                                </p:cTn>
+                              </p:par>
+                            </p:childTnLst>
+                          </p:cTn>
+                        </p:par>
+                      </p:childTnLst>
+                    </p:cTn>
+                  </p:par>
+                  <p:par>
+                    <p:cTn id="69" fill="hold">
+                      <p:stCondLst>
+                        <p:cond delay="indefinite"/>
+                      </p:stCondLst>
+                      <p:childTnLst>
+                        <p:par>
+                          <p:cTn id="70" fill="hold">
+                            <p:stCondLst>
+                              <p:cond delay="0"/>
+                            </p:stCondLst>
+                            <p:childTnLst>
+                              <p:par>
+                                <p:cTn id="71" presetID="1" presetClass="exit" presetSubtype="0" fill="hold" grpId="1" nodeType="clickEffect">
+                                  <p:stCondLst>
+                                    <p:cond delay="0"/>
+                                  </p:stCondLst>
+                                  <p:childTnLst>
+                                    <p:set>
+                                      <p:cBhvr>
+                                        <p:cTn id="72" dur="1" fill="hold">
+                                          <p:stCondLst>
+                                            <p:cond delay="0"/>
+                                          </p:stCondLst>
+                                        </p:cTn>
+                                        <p:tgtEl>
+                                          <p:spTgt spid="7"/>
+                                        </p:tgtEl>
+                                        <p:attrNameLst>
+                                          <p:attrName>style.visibility</p:attrName>
+                                        </p:attrNameLst>
+                                      </p:cBhvr>
+                                      <p:to>
+                                        <p:strVal val="hidden"/>
+                                      </p:to>
+                                    </p:set>
+                                  </p:childTnLst>
+                                </p:cTn>
+                              </p:par>
+                              <p:par>
+                                <p:cTn id="73" presetID="10" presetClass="entr" presetSubtype="0" fill="hold" nodeType="withEffect">
+                                  <p:stCondLst>
+                                    <p:cond delay="0"/>
+                                  </p:stCondLst>
+                                  <p:childTnLst>
+                                    <p:set>
+                                      <p:cBhvr>
+                                        <p:cTn id="74" dur="1" fill="hold">
+                                          <p:stCondLst>
+                                            <p:cond delay="0"/>
+                                          </p:stCondLst>
+                                        </p:cTn>
+                                        <p:tgtEl>
+                                          <p:spTgt spid="14"/>
+                                        </p:tgtEl>
+                                        <p:attrNameLst>
+                                          <p:attrName>style.visibility</p:attrName>
+                                        </p:attrNameLst>
+                                      </p:cBhvr>
+                                      <p:to>
+                                        <p:strVal val="visible"/>
+                                      </p:to>
+                                    </p:set>
+                                    <p:animEffect transition="in" filter="fade">
+                                      <p:cBhvr>
+                                        <p:cTn id="75" dur="500"/>
+                                        <p:tgtEl>
+                                          <p:spTgt spid="14"/>
+                                        </p:tgtEl>
+                                      </p:cBhvr>
+                                    </p:animEffect>
+                                  </p:childTnLst>
+                                  <p:subTnLst>
+                                    <p:set>
+                                      <p:cBhvr override="childStyle">
+                                        <p:cTn dur="1" fill="hold" display="0" masterRel="nextClick" afterEffect="1"/>
+                                        <p:tgtEl>
+                                          <p:spTgt spid="14"/>
+                                        </p:tgtEl>
+                                        <p:attrNameLst>
+                                          <p:attrName>style.visibility</p:attrName>
+                                        </p:attrNameLst>
+                                      </p:cBhvr>
+                                      <p:to>
+                                        <p:strVal val="hidden"/>
+                                      </p:to>
+                                    </p:set>
+                                  </p:subTnLst>
+                                </p:cTn>
+                              </p:par>
+                              <p:par>
+                                <p:cTn id="76" presetID="10" presetClass="entr" presetSubtype="0" fill="hold" nodeType="withEffect">
+                                  <p:stCondLst>
+                                    <p:cond delay="0"/>
+                                  </p:stCondLst>
+                                  <p:childTnLst>
+                                    <p:set>
+                                      <p:cBhvr>
+                                        <p:cTn id="77" dur="1" fill="hold">
+                                          <p:stCondLst>
+                                            <p:cond delay="0"/>
+                                          </p:stCondLst>
+                                        </p:cTn>
+                                        <p:tgtEl>
+                                          <p:spTgt spid="27"/>
+                                        </p:tgtEl>
+                                        <p:attrNameLst>
+                                          <p:attrName>style.visibility</p:attrName>
+                                        </p:attrNameLst>
+                                      </p:cBhvr>
+                                      <p:to>
+                                        <p:strVal val="visible"/>
+                                      </p:to>
+                                    </p:set>
+                                    <p:animEffect transition="in" filter="fade">
+                                      <p:cBhvr>
+                                        <p:cTn id="78" dur="500"/>
+                                        <p:tgtEl>
+                                          <p:spTgt spid="27"/>
+                                        </p:tgtEl>
+                                      </p:cBhvr>
+                                    </p:animEffect>
+                                  </p:childTnLst>
+                                  <p:subTnLst>
+                                    <p:set>
+                                      <p:cBhvr override="childStyle">
+                                        <p:cTn dur="1" fill="hold" display="0" masterRel="nextClick" afterEffect="1"/>
+                                        <p:tgtEl>
+                                          <p:spTgt spid="27"/>
+                                        </p:tgtEl>
+                                        <p:attrNameLst>
+                                          <p:attrName>style.visibility</p:attrName>
+                                        </p:attrNameLst>
+                                      </p:cBhvr>
+                                      <p:to>
+                                        <p:strVal val="hidden"/>
+                                      </p:to>
+                                    </p:set>
+                                  </p:subTnLst>
+                                </p:cTn>
+                              </p:par>
+                              <p:par>
+                                <p:cTn id="79" presetID="10" presetClass="entr" presetSubtype="0" fill="hold" grpId="0" nodeType="withEffect">
+                                  <p:stCondLst>
+                                    <p:cond delay="0"/>
+                                  </p:stCondLst>
+                                  <p:childTnLst>
+                                    <p:set>
+                                      <p:cBhvr>
+                                        <p:cTn id="80" dur="1" fill="hold">
+                                          <p:stCondLst>
+                                            <p:cond delay="0"/>
+                                          </p:stCondLst>
+                                        </p:cTn>
+                                        <p:tgtEl>
+                                          <p:spTgt spid="39"/>
+                                        </p:tgtEl>
+                                        <p:attrNameLst>
+                                          <p:attrName>style.visibility</p:attrName>
+                                        </p:attrNameLst>
+                                      </p:cBhvr>
+                                      <p:to>
+                                        <p:strVal val="visible"/>
+                                      </p:to>
+                                    </p:set>
+                                    <p:animEffect transition="in" filter="fade">
+                                      <p:cBhvr>
+                                        <p:cTn id="81" dur="500"/>
+                                        <p:tgtEl>
+                                          <p:spTgt spid="39"/>
+                                        </p:tgtEl>
+                                      </p:cBhvr>
+                                    </p:animEffect>
+                                  </p:childTnLst>
+                                </p:cTn>
+                              </p:par>
+                              <p:par>
+                                <p:cTn id="82" presetID="10" presetClass="entr" presetSubtype="0" fill="hold" grpId="0" nodeType="withEffect">
+                                  <p:stCondLst>
+                                    <p:cond delay="0"/>
+                                  </p:stCondLst>
+                                  <p:childTnLst>
+                                    <p:set>
+                                      <p:cBhvr>
+                                        <p:cTn id="83" dur="1" fill="hold">
+                                          <p:stCondLst>
+                                            <p:cond delay="0"/>
+                                          </p:stCondLst>
+                                        </p:cTn>
+                                        <p:tgtEl>
+                                          <p:spTgt spid="65"/>
+                                        </p:tgtEl>
+                                        <p:attrNameLst>
+                                          <p:attrName>style.visibility</p:attrName>
+                                        </p:attrNameLst>
+                                      </p:cBhvr>
+                                      <p:to>
+                                        <p:strVal val="visible"/>
+                                      </p:to>
+                                    </p:set>
+                                    <p:animEffect transition="in" filter="fade">
+                                      <p:cBhvr>
+                                        <p:cTn id="84" dur="500"/>
+                                        <p:tgtEl>
+                                          <p:spTgt spid="65"/>
+                                        </p:tgtEl>
+                                      </p:cBhvr>
+                                    </p:animEffect>
+                                  </p:childTnLst>
+                                  <p:subTnLst>
+                                    <p:set>
+                                      <p:cBhvr override="childStyle">
+                                        <p:cTn dur="1" fill="hold" display="0" masterRel="nextClick" afterEffect="1"/>
+                                        <p:tgtEl>
+                                          <p:spTgt spid="65"/>
+                                        </p:tgtEl>
+                                        <p:attrNameLst>
+                                          <p:attrName>style.visibility</p:attrName>
+                                        </p:attrNameLst>
+                                      </p:cBhvr>
+                                      <p:to>
+                                        <p:strVal val="hidden"/>
+                                      </p:to>
+                                    </p:set>
+                                  </p:subTnLst>
+                                </p:cTn>
+                              </p:par>
+                              <p:par>
+                                <p:cTn id="85" presetID="10" presetClass="entr" presetSubtype="0" fill="hold" grpId="0" nodeType="withEffect">
+                                  <p:stCondLst>
+                                    <p:cond delay="0"/>
+                                  </p:stCondLst>
+                                  <p:childTnLst>
+                                    <p:set>
+                                      <p:cBhvr>
+                                        <p:cTn id="86" dur="1" fill="hold">
+                                          <p:stCondLst>
+                                            <p:cond delay="0"/>
+                                          </p:stCondLst>
+                                        </p:cTn>
+                                        <p:tgtEl>
+                                          <p:spTgt spid="80"/>
+                                        </p:tgtEl>
+                                        <p:attrNameLst>
+                                          <p:attrName>style.visibility</p:attrName>
+                                        </p:attrNameLst>
+                                      </p:cBhvr>
+                                      <p:to>
+                                        <p:strVal val="visible"/>
+                                      </p:to>
+                                    </p:set>
+                                    <p:animEffect transition="in" filter="fade">
+                                      <p:cBhvr>
+                                        <p:cTn id="87" dur="500"/>
+                                        <p:tgtEl>
+                                          <p:spTgt spid="80"/>
+                                        </p:tgtEl>
+                                      </p:cBhvr>
+                                    </p:animEffect>
+                                  </p:childTnLst>
+                                  <p:subTnLst>
+                                    <p:set>
+                                      <p:cBhvr override="childStyle">
+                                        <p:cTn dur="1" fill="hold" display="0" masterRel="nextClick" afterEffect="1"/>
+                                        <p:tgtEl>
+                                          <p:spTgt spid="80"/>
+                                        </p:tgtEl>
+                                        <p:attrNameLst>
+                                          <p:attrName>style.visibility</p:attrName>
+                                        </p:attrNameLst>
+                                      </p:cBhvr>
+                                      <p:to>
+                                        <p:strVal val="hidden"/>
+                                      </p:to>
+                                    </p:set>
+                                  </p:subTnLst>
+                                </p:cTn>
+                              </p:par>
+                            </p:childTnLst>
+                          </p:cTn>
+                        </p:par>
+                      </p:childTnLst>
+                    </p:cTn>
+                  </p:par>
+                  <p:par>
+                    <p:cTn id="88" fill="hold">
+                      <p:stCondLst>
+                        <p:cond delay="indefinite"/>
+                      </p:stCondLst>
+                      <p:childTnLst>
+                        <p:par>
+                          <p:cTn id="89" fill="hold">
+                            <p:stCondLst>
+                              <p:cond delay="0"/>
+                            </p:stCondLst>
+                            <p:childTnLst>
+                              <p:par>
+                                <p:cTn id="90" presetID="10" presetClass="entr" presetSubtype="0" fill="hold" nodeType="clickEffect">
+                                  <p:stCondLst>
+                                    <p:cond delay="0"/>
+                                  </p:stCondLst>
+                                  <p:childTnLst>
+                                    <p:set>
+                                      <p:cBhvr>
+                                        <p:cTn id="91" dur="1" fill="hold">
+                                          <p:stCondLst>
+                                            <p:cond delay="0"/>
+                                          </p:stCondLst>
+                                        </p:cTn>
+                                        <p:tgtEl>
+                                          <p:spTgt spid="15"/>
+                                        </p:tgtEl>
+                                        <p:attrNameLst>
+                                          <p:attrName>style.visibility</p:attrName>
+                                        </p:attrNameLst>
+                                      </p:cBhvr>
+                                      <p:to>
+                                        <p:strVal val="visible"/>
+                                      </p:to>
+                                    </p:set>
+                                    <p:animEffect transition="in" filter="fade">
+                                      <p:cBhvr>
+                                        <p:cTn id="92" dur="500"/>
+                                        <p:tgtEl>
+                                          <p:spTgt spid="15"/>
+                                        </p:tgtEl>
+                                      </p:cBhvr>
+                                    </p:animEffect>
+                                  </p:childTnLst>
+                                  <p:subTnLst>
+                                    <p:set>
+                                      <p:cBhvr override="childStyle">
+                                        <p:cTn dur="1" fill="hold" display="0" masterRel="nextClick" afterEffect="1"/>
+                                        <p:tgtEl>
+                                          <p:spTgt spid="15"/>
+                                        </p:tgtEl>
+                                        <p:attrNameLst>
+                                          <p:attrName>style.visibility</p:attrName>
+                                        </p:attrNameLst>
+                                      </p:cBhvr>
+                                      <p:to>
+                                        <p:strVal val="hidden"/>
+                                      </p:to>
+                                    </p:set>
+                                  </p:subTnLst>
+                                </p:cTn>
+                              </p:par>
+                              <p:par>
+                                <p:cTn id="93" presetID="10" presetClass="entr" presetSubtype="0" fill="hold" nodeType="withEffect">
+                                  <p:stCondLst>
+                                    <p:cond delay="0"/>
+                                  </p:stCondLst>
+                                  <p:childTnLst>
+                                    <p:set>
+                                      <p:cBhvr>
+                                        <p:cTn id="94" dur="1" fill="hold">
+                                          <p:stCondLst>
+                                            <p:cond delay="0"/>
+                                          </p:stCondLst>
+                                        </p:cTn>
+                                        <p:tgtEl>
+                                          <p:spTgt spid="28"/>
+                                        </p:tgtEl>
+                                        <p:attrNameLst>
+                                          <p:attrName>style.visibility</p:attrName>
+                                        </p:attrNameLst>
+                                      </p:cBhvr>
+                                      <p:to>
+                                        <p:strVal val="visible"/>
+                                      </p:to>
+                                    </p:set>
+                                    <p:animEffect transition="in" filter="fade">
+                                      <p:cBhvr>
+                                        <p:cTn id="95" dur="500"/>
+                                        <p:tgtEl>
+                                          <p:spTgt spid="28"/>
+                                        </p:tgtEl>
+                                      </p:cBhvr>
+                                    </p:animEffect>
+                                  </p:childTnLst>
+                                  <p:subTnLst>
+                                    <p:set>
+                                      <p:cBhvr override="childStyle">
+                                        <p:cTn dur="1" fill="hold" display="0" masterRel="nextClick" afterEffect="1"/>
+                                        <p:tgtEl>
+                                          <p:spTgt spid="28"/>
+                                        </p:tgtEl>
+                                        <p:attrNameLst>
+                                          <p:attrName>style.visibility</p:attrName>
+                                        </p:attrNameLst>
+                                      </p:cBhvr>
+                                      <p:to>
+                                        <p:strVal val="hidden"/>
+                                      </p:to>
+                                    </p:set>
+                                  </p:subTnLst>
+                                </p:cTn>
+                              </p:par>
+                              <p:par>
+                                <p:cTn id="96" presetID="10" presetClass="entr" presetSubtype="0" fill="hold" nodeType="withEffect">
+                                  <p:stCondLst>
+                                    <p:cond delay="0"/>
+                                  </p:stCondLst>
+                                  <p:childTnLst>
+                                    <p:set>
+                                      <p:cBhvr>
+                                        <p:cTn id="97" dur="1" fill="hold">
+                                          <p:stCondLst>
+                                            <p:cond delay="0"/>
+                                          </p:stCondLst>
+                                        </p:cTn>
+                                        <p:tgtEl>
+                                          <p:spTgt spid="29"/>
+                                        </p:tgtEl>
+                                        <p:attrNameLst>
+                                          <p:attrName>style.visibility</p:attrName>
+                                        </p:attrNameLst>
+                                      </p:cBhvr>
+                                      <p:to>
+                                        <p:strVal val="visible"/>
+                                      </p:to>
+                                    </p:set>
+                                    <p:animEffect transition="in" filter="fade">
+                                      <p:cBhvr>
+                                        <p:cTn id="98" dur="500"/>
+                                        <p:tgtEl>
+                                          <p:spTgt spid="29"/>
+                                        </p:tgtEl>
+                                      </p:cBhvr>
+                                    </p:animEffect>
+                                  </p:childTnLst>
+                                  <p:subTnLst>
+                                    <p:set>
+                                      <p:cBhvr override="childStyle">
+                                        <p:cTn dur="1" fill="hold" display="0" masterRel="nextClick" afterEffect="1"/>
+                                        <p:tgtEl>
+                                          <p:spTgt spid="29"/>
+                                        </p:tgtEl>
+                                        <p:attrNameLst>
+                                          <p:attrName>style.visibility</p:attrName>
+                                        </p:attrNameLst>
+                                      </p:cBhvr>
+                                      <p:to>
+                                        <p:strVal val="hidden"/>
+                                      </p:to>
+                                    </p:set>
+                                  </p:subTnLst>
+                                </p:cTn>
+                              </p:par>
+                              <p:par>
+                                <p:cTn id="99" presetID="10" presetClass="entr" presetSubtype="0" fill="hold" grpId="0" nodeType="withEffect">
+                                  <p:stCondLst>
+                                    <p:cond delay="0"/>
+                                  </p:stCondLst>
+                                  <p:childTnLst>
+                                    <p:set>
+                                      <p:cBhvr>
+                                        <p:cTn id="100" dur="1" fill="hold">
+                                          <p:stCondLst>
+                                            <p:cond delay="0"/>
+                                          </p:stCondLst>
+                                        </p:cTn>
+                                        <p:tgtEl>
+                                          <p:spTgt spid="66"/>
+                                        </p:tgtEl>
+                                        <p:attrNameLst>
+                                          <p:attrName>style.visibility</p:attrName>
+                                        </p:attrNameLst>
+                                      </p:cBhvr>
+                                      <p:to>
+                                        <p:strVal val="visible"/>
+                                      </p:to>
+                                    </p:set>
+                                    <p:animEffect transition="in" filter="fade">
+                                      <p:cBhvr>
+                                        <p:cTn id="101" dur="500"/>
+                                        <p:tgtEl>
+                                          <p:spTgt spid="66"/>
+                                        </p:tgtEl>
+                                      </p:cBhvr>
+                                    </p:animEffect>
+                                  </p:childTnLst>
+                                  <p:subTnLst>
+                                    <p:set>
+                                      <p:cBhvr override="childStyle">
+                                        <p:cTn dur="1" fill="hold" display="0" masterRel="nextClick" afterEffect="1"/>
+                                        <p:tgtEl>
+                                          <p:spTgt spid="66"/>
+                                        </p:tgtEl>
+                                        <p:attrNameLst>
+                                          <p:attrName>style.visibility</p:attrName>
+                                        </p:attrNameLst>
+                                      </p:cBhvr>
+                                      <p:to>
+                                        <p:strVal val="hidden"/>
+                                      </p:to>
+                                    </p:set>
+                                  </p:subTnLst>
+                                </p:cTn>
+                              </p:par>
+                            </p:childTnLst>
+                          </p:cTn>
+                        </p:par>
+                      </p:childTnLst>
+                    </p:cTn>
+                  </p:par>
+                  <p:par>
+                    <p:cTn id="102" fill="hold">
+                      <p:stCondLst>
+                        <p:cond delay="indefinite"/>
+                      </p:stCondLst>
+                      <p:childTnLst>
+                        <p:par>
+                          <p:cTn id="103" fill="hold">
+                            <p:stCondLst>
+                              <p:cond delay="0"/>
+                            </p:stCondLst>
+                            <p:childTnLst>
+                              <p:par>
+                                <p:cTn id="104" presetID="1" presetClass="exit" presetSubtype="0" fill="hold" grpId="1" nodeType="clickEffect">
+                                  <p:stCondLst>
+                                    <p:cond delay="0"/>
+                                  </p:stCondLst>
+                                  <p:childTnLst>
+                                    <p:set>
+                                      <p:cBhvr>
+                                        <p:cTn id="105" dur="1" fill="hold">
+                                          <p:stCondLst>
+                                            <p:cond delay="0"/>
+                                          </p:stCondLst>
+                                        </p:cTn>
+                                        <p:tgtEl>
+                                          <p:spTgt spid="10"/>
+                                        </p:tgtEl>
+                                        <p:attrNameLst>
+                                          <p:attrName>style.visibility</p:attrName>
+                                        </p:attrNameLst>
+                                      </p:cBhvr>
+                                      <p:to>
+                                        <p:strVal val="hidden"/>
+                                      </p:to>
+                                    </p:set>
+                                  </p:childTnLst>
+                                </p:cTn>
+                              </p:par>
+                              <p:par>
+                                <p:cTn id="106" presetID="10" presetClass="entr" presetSubtype="0" fill="hold" nodeType="withEffect">
+                                  <p:stCondLst>
+                                    <p:cond delay="0"/>
+                                  </p:stCondLst>
+                                  <p:childTnLst>
+                                    <p:set>
+                                      <p:cBhvr>
+                                        <p:cTn id="107" dur="1" fill="hold">
+                                          <p:stCondLst>
+                                            <p:cond delay="0"/>
+                                          </p:stCondLst>
+                                        </p:cTn>
+                                        <p:tgtEl>
+                                          <p:spTgt spid="32"/>
+                                        </p:tgtEl>
+                                        <p:attrNameLst>
+                                          <p:attrName>style.visibility</p:attrName>
+                                        </p:attrNameLst>
+                                      </p:cBhvr>
+                                      <p:to>
+                                        <p:strVal val="visible"/>
+                                      </p:to>
+                                    </p:set>
+                                    <p:animEffect transition="in" filter="fade">
+                                      <p:cBhvr>
+                                        <p:cTn id="108" dur="500"/>
+                                        <p:tgtEl>
+                                          <p:spTgt spid="32"/>
+                                        </p:tgtEl>
+                                      </p:cBhvr>
+                                    </p:animEffect>
+                                  </p:childTnLst>
+                                  <p:subTnLst>
+                                    <p:set>
+                                      <p:cBhvr override="childStyle">
+                                        <p:cTn dur="1" fill="hold" display="0" masterRel="nextClick" afterEffect="1"/>
+                                        <p:tgtEl>
+                                          <p:spTgt spid="32"/>
+                                        </p:tgtEl>
+                                        <p:attrNameLst>
+                                          <p:attrName>style.visibility</p:attrName>
+                                        </p:attrNameLst>
+                                      </p:cBhvr>
+                                      <p:to>
+                                        <p:strVal val="hidden"/>
+                                      </p:to>
+                                    </p:set>
+                                  </p:subTnLst>
+                                </p:cTn>
+                              </p:par>
+                              <p:par>
+                                <p:cTn id="109" presetID="10" presetClass="entr" presetSubtype="0" fill="hold" grpId="0" nodeType="withEffect">
+                                  <p:stCondLst>
+                                    <p:cond delay="0"/>
+                                  </p:stCondLst>
+                                  <p:childTnLst>
+                                    <p:set>
+                                      <p:cBhvr>
+                                        <p:cTn id="110" dur="1" fill="hold">
+                                          <p:stCondLst>
+                                            <p:cond delay="0"/>
+                                          </p:stCondLst>
+                                        </p:cTn>
+                                        <p:tgtEl>
+                                          <p:spTgt spid="40"/>
+                                        </p:tgtEl>
+                                        <p:attrNameLst>
+                                          <p:attrName>style.visibility</p:attrName>
+                                        </p:attrNameLst>
+                                      </p:cBhvr>
+                                      <p:to>
+                                        <p:strVal val="visible"/>
+                                      </p:to>
+                                    </p:set>
+                                    <p:animEffect transition="in" filter="fade">
+                                      <p:cBhvr>
+                                        <p:cTn id="111" dur="500"/>
+                                        <p:tgtEl>
+                                          <p:spTgt spid="40"/>
+                                        </p:tgtEl>
+                                      </p:cBhvr>
+                                    </p:animEffect>
+                                  </p:childTnLst>
+                                </p:cTn>
+                              </p:par>
+                              <p:par>
+                                <p:cTn id="112" presetID="10" presetClass="entr" presetSubtype="0" fill="hold" nodeType="withEffect">
+                                  <p:stCondLst>
+                                    <p:cond delay="0"/>
+                                  </p:stCondLst>
+                                  <p:childTnLst>
+                                    <p:set>
+                                      <p:cBhvr>
+                                        <p:cTn id="113" dur="1" fill="hold">
+                                          <p:stCondLst>
+                                            <p:cond delay="0"/>
+                                          </p:stCondLst>
+                                        </p:cTn>
+                                        <p:tgtEl>
+                                          <p:spTgt spid="42"/>
+                                        </p:tgtEl>
+                                        <p:attrNameLst>
+                                          <p:attrName>style.visibility</p:attrName>
+                                        </p:attrNameLst>
+                                      </p:cBhvr>
+                                      <p:to>
+                                        <p:strVal val="visible"/>
+                                      </p:to>
+                                    </p:set>
+                                    <p:animEffect transition="in" filter="fade">
+                                      <p:cBhvr>
+                                        <p:cTn id="114" dur="500"/>
+                                        <p:tgtEl>
+                                          <p:spTgt spid="42"/>
+                                        </p:tgtEl>
+                                      </p:cBhvr>
+                                    </p:animEffect>
+                                  </p:childTnLst>
+                                  <p:subTnLst>
+                                    <p:set>
+                                      <p:cBhvr override="childStyle">
+                                        <p:cTn dur="1" fill="hold" display="0" masterRel="nextClick" afterEffect="1"/>
+                                        <p:tgtEl>
+                                          <p:spTgt spid="42"/>
+                                        </p:tgtEl>
+                                        <p:attrNameLst>
+                                          <p:attrName>style.visibility</p:attrName>
+                                        </p:attrNameLst>
+                                      </p:cBhvr>
+                                      <p:to>
+                                        <p:strVal val="hidden"/>
+                                      </p:to>
+                                    </p:set>
+                                  </p:subTnLst>
+                                </p:cTn>
+                              </p:par>
+                              <p:par>
+                                <p:cTn id="115" presetID="10" presetClass="entr" presetSubtype="0" fill="hold" grpId="0" nodeType="withEffect">
+                                  <p:stCondLst>
+                                    <p:cond delay="0"/>
+                                  </p:stCondLst>
+                                  <p:childTnLst>
+                                    <p:set>
+                                      <p:cBhvr>
+                                        <p:cTn id="116" dur="1" fill="hold">
+                                          <p:stCondLst>
+                                            <p:cond delay="0"/>
+                                          </p:stCondLst>
+                                        </p:cTn>
+                                        <p:tgtEl>
+                                          <p:spTgt spid="67"/>
+                                        </p:tgtEl>
+                                        <p:attrNameLst>
+                                          <p:attrName>style.visibility</p:attrName>
+                                        </p:attrNameLst>
+                                      </p:cBhvr>
+                                      <p:to>
+                                        <p:strVal val="visible"/>
+                                      </p:to>
+                                    </p:set>
+                                    <p:animEffect transition="in" filter="fade">
+                                      <p:cBhvr>
+                                        <p:cTn id="117" dur="500"/>
+                                        <p:tgtEl>
+                                          <p:spTgt spid="67"/>
+                                        </p:tgtEl>
+                                      </p:cBhvr>
+                                    </p:animEffect>
+                                  </p:childTnLst>
+                                  <p:subTnLst>
+                                    <p:set>
+                                      <p:cBhvr override="childStyle">
+                                        <p:cTn dur="1" fill="hold" display="0" masterRel="nextClick" afterEffect="1"/>
+                                        <p:tgtEl>
+                                          <p:spTgt spid="67"/>
+                                        </p:tgtEl>
+                                        <p:attrNameLst>
+                                          <p:attrName>style.visibility</p:attrName>
+                                        </p:attrNameLst>
+                                      </p:cBhvr>
+                                      <p:to>
+                                        <p:strVal val="hidden"/>
+                                      </p:to>
+                                    </p:set>
+                                  </p:subTnLst>
+                                </p:cTn>
+                              </p:par>
+                              <p:par>
+                                <p:cTn id="118" presetID="10" presetClass="entr" presetSubtype="0" fill="hold" grpId="0" nodeType="withEffect">
+                                  <p:stCondLst>
+                                    <p:cond delay="0"/>
+                                  </p:stCondLst>
+                                  <p:childTnLst>
+                                    <p:set>
+                                      <p:cBhvr>
+                                        <p:cTn id="119" dur="1" fill="hold">
+                                          <p:stCondLst>
+                                            <p:cond delay="0"/>
+                                          </p:stCondLst>
+                                        </p:cTn>
+                                        <p:tgtEl>
+                                          <p:spTgt spid="81"/>
+                                        </p:tgtEl>
+                                        <p:attrNameLst>
+                                          <p:attrName>style.visibility</p:attrName>
+                                        </p:attrNameLst>
+                                      </p:cBhvr>
+                                      <p:to>
+                                        <p:strVal val="visible"/>
+                                      </p:to>
+                                    </p:set>
+                                    <p:animEffect transition="in" filter="fade">
+                                      <p:cBhvr>
+                                        <p:cTn id="120" dur="500"/>
+                                        <p:tgtEl>
+                                          <p:spTgt spid="81"/>
+                                        </p:tgtEl>
+                                      </p:cBhvr>
+                                    </p:animEffect>
+                                  </p:childTnLst>
+                                  <p:subTnLst>
+                                    <p:set>
+                                      <p:cBhvr override="childStyle">
+                                        <p:cTn dur="1" fill="hold" display="0" masterRel="nextClick" afterEffect="1"/>
+                                        <p:tgtEl>
+                                          <p:spTgt spid="81"/>
+                                        </p:tgtEl>
+                                        <p:attrNameLst>
+                                          <p:attrName>style.visibility</p:attrName>
+                                        </p:attrNameLst>
+                                      </p:cBhvr>
+                                      <p:to>
+                                        <p:strVal val="hidden"/>
+                                      </p:to>
+                                    </p:set>
+                                  </p:subTnLst>
+                                </p:cTn>
+                              </p:par>
+                            </p:childTnLst>
+                          </p:cTn>
+                        </p:par>
+                      </p:childTnLst>
+                    </p:cTn>
+                  </p:par>
+                  <p:par>
+                    <p:cTn id="121" fill="hold">
+                      <p:stCondLst>
+                        <p:cond delay="indefinite"/>
+                      </p:stCondLst>
+                      <p:childTnLst>
+                        <p:par>
+                          <p:cTn id="122" fill="hold">
+                            <p:stCondLst>
+                              <p:cond delay="0"/>
+                            </p:stCondLst>
+                            <p:childTnLst>
+                              <p:par>
+                                <p:cTn id="123" presetID="1" presetClass="exit" presetSubtype="0" fill="hold" grpId="1" nodeType="clickEffect">
+                                  <p:stCondLst>
+                                    <p:cond delay="0"/>
+                                  </p:stCondLst>
+                                  <p:childTnLst>
+                                    <p:set>
+                                      <p:cBhvr>
+                                        <p:cTn id="124" dur="1" fill="hold">
+                                          <p:stCondLst>
+                                            <p:cond delay="0"/>
+                                          </p:stCondLst>
+                                        </p:cTn>
+                                        <p:tgtEl>
+                                          <p:spTgt spid="38"/>
+                                        </p:tgtEl>
+                                        <p:attrNameLst>
+                                          <p:attrName>style.visibility</p:attrName>
+                                        </p:attrNameLst>
+                                      </p:cBhvr>
+                                      <p:to>
+                                        <p:strVal val="hidden"/>
+                                      </p:to>
+                                    </p:set>
+                                  </p:childTnLst>
+                                </p:cTn>
+                              </p:par>
+                              <p:par>
+                                <p:cTn id="125" presetID="10" presetClass="entr" presetSubtype="0" fill="hold" grpId="0" nodeType="withEffect">
+                                  <p:stCondLst>
+                                    <p:cond delay="0"/>
+                                  </p:stCondLst>
+                                  <p:childTnLst>
+                                    <p:set>
+                                      <p:cBhvr>
+                                        <p:cTn id="126" dur="1" fill="hold">
+                                          <p:stCondLst>
+                                            <p:cond delay="0"/>
+                                          </p:stCondLst>
+                                        </p:cTn>
+                                        <p:tgtEl>
+                                          <p:spTgt spid="43"/>
+                                        </p:tgtEl>
+                                        <p:attrNameLst>
+                                          <p:attrName>style.visibility</p:attrName>
+                                        </p:attrNameLst>
+                                      </p:cBhvr>
+                                      <p:to>
+                                        <p:strVal val="visible"/>
+                                      </p:to>
+                                    </p:set>
+                                    <p:animEffect transition="in" filter="fade">
+                                      <p:cBhvr>
+                                        <p:cTn id="127" dur="500"/>
+                                        <p:tgtEl>
+                                          <p:spTgt spid="43"/>
+                                        </p:tgtEl>
+                                      </p:cBhvr>
+                                    </p:animEffect>
+                                  </p:childTnLst>
+                                </p:cTn>
+                              </p:par>
+                              <p:par>
+                                <p:cTn id="128" presetID="10" presetClass="entr" presetSubtype="0" fill="hold" nodeType="withEffect">
+                                  <p:stCondLst>
+                                    <p:cond delay="0"/>
+                                  </p:stCondLst>
+                                  <p:childTnLst>
+                                    <p:set>
+                                      <p:cBhvr>
+                                        <p:cTn id="129" dur="1" fill="hold">
+                                          <p:stCondLst>
+                                            <p:cond delay="0"/>
+                                          </p:stCondLst>
+                                        </p:cTn>
+                                        <p:tgtEl>
+                                          <p:spTgt spid="16"/>
+                                        </p:tgtEl>
+                                        <p:attrNameLst>
+                                          <p:attrName>style.visibility</p:attrName>
+                                        </p:attrNameLst>
+                                      </p:cBhvr>
+                                      <p:to>
+                                        <p:strVal val="visible"/>
+                                      </p:to>
+                                    </p:set>
+                                    <p:animEffect transition="in" filter="fade">
+                                      <p:cBhvr>
+                                        <p:cTn id="130" dur="500"/>
+                                        <p:tgtEl>
+                                          <p:spTgt spid="16"/>
+                                        </p:tgtEl>
+                                      </p:cBhvr>
+                                    </p:animEffect>
+                                  </p:childTnLst>
+                                  <p:subTnLst>
+                                    <p:set>
+                                      <p:cBhvr override="childStyle">
+                                        <p:cTn dur="1" fill="hold" display="0" masterRel="nextClick" afterEffect="1"/>
+                                        <p:tgtEl>
+                                          <p:spTgt spid="16"/>
+                                        </p:tgtEl>
+                                        <p:attrNameLst>
+                                          <p:attrName>style.visibility</p:attrName>
+                                        </p:attrNameLst>
+                                      </p:cBhvr>
+                                      <p:to>
+                                        <p:strVal val="hidden"/>
+                                      </p:to>
+                                    </p:set>
+                                  </p:subTnLst>
+                                </p:cTn>
+                              </p:par>
+                              <p:par>
+                                <p:cTn id="131" presetID="10" presetClass="entr" presetSubtype="0" fill="hold" nodeType="withEffect">
+                                  <p:stCondLst>
+                                    <p:cond delay="0"/>
+                                  </p:stCondLst>
+                                  <p:childTnLst>
+                                    <p:set>
+                                      <p:cBhvr>
+                                        <p:cTn id="132" dur="1" fill="hold">
+                                          <p:stCondLst>
+                                            <p:cond delay="0"/>
+                                          </p:stCondLst>
+                                        </p:cTn>
+                                        <p:tgtEl>
+                                          <p:spTgt spid="33"/>
+                                        </p:tgtEl>
+                                        <p:attrNameLst>
+                                          <p:attrName>style.visibility</p:attrName>
+                                        </p:attrNameLst>
+                                      </p:cBhvr>
+                                      <p:to>
+                                        <p:strVal val="visible"/>
+                                      </p:to>
+                                    </p:set>
+                                    <p:animEffect transition="in" filter="fade">
+                                      <p:cBhvr>
+                                        <p:cTn id="133" dur="500"/>
+                                        <p:tgtEl>
+                                          <p:spTgt spid="33"/>
+                                        </p:tgtEl>
+                                      </p:cBhvr>
+                                    </p:animEffect>
+                                  </p:childTnLst>
+                                  <p:subTnLst>
+                                    <p:set>
+                                      <p:cBhvr override="childStyle">
+                                        <p:cTn dur="1" fill="hold" display="0" masterRel="nextClick" afterEffect="1"/>
+                                        <p:tgtEl>
+                                          <p:spTgt spid="33"/>
+                                        </p:tgtEl>
+                                        <p:attrNameLst>
+                                          <p:attrName>style.visibility</p:attrName>
+                                        </p:attrNameLst>
+                                      </p:cBhvr>
+                                      <p:to>
+                                        <p:strVal val="hidden"/>
+                                      </p:to>
+                                    </p:set>
+                                  </p:subTnLst>
+                                </p:cTn>
+                              </p:par>
+                              <p:par>
+                                <p:cTn id="134" presetID="10" presetClass="entr" presetSubtype="0" fill="hold" grpId="0" nodeType="withEffect">
+                                  <p:stCondLst>
+                                    <p:cond delay="0"/>
+                                  </p:stCondLst>
+                                  <p:childTnLst>
+                                    <p:set>
+                                      <p:cBhvr>
+                                        <p:cTn id="135" dur="1" fill="hold">
+                                          <p:stCondLst>
+                                            <p:cond delay="0"/>
+                                          </p:stCondLst>
+                                        </p:cTn>
+                                        <p:tgtEl>
+                                          <p:spTgt spid="68"/>
+                                        </p:tgtEl>
+                                        <p:attrNameLst>
+                                          <p:attrName>style.visibility</p:attrName>
+                                        </p:attrNameLst>
+                                      </p:cBhvr>
+                                      <p:to>
+                                        <p:strVal val="visible"/>
+                                      </p:to>
+                                    </p:set>
+                                    <p:animEffect transition="in" filter="fade">
+                                      <p:cBhvr>
+                                        <p:cTn id="136" dur="500"/>
+                                        <p:tgtEl>
+                                          <p:spTgt spid="68"/>
+                                        </p:tgtEl>
+                                      </p:cBhvr>
+                                    </p:animEffect>
+                                  </p:childTnLst>
+                                  <p:subTnLst>
+                                    <p:set>
+                                      <p:cBhvr override="childStyle">
+                                        <p:cTn dur="1" fill="hold" display="0" masterRel="nextClick" afterEffect="1"/>
+                                        <p:tgtEl>
+                                          <p:spTgt spid="68"/>
+                                        </p:tgtEl>
+                                        <p:attrNameLst>
+                                          <p:attrName>style.visibility</p:attrName>
+                                        </p:attrNameLst>
+                                      </p:cBhvr>
+                                      <p:to>
+                                        <p:strVal val="hidden"/>
+                                      </p:to>
+                                    </p:set>
+                                  </p:subTnLst>
+                                </p:cTn>
+                              </p:par>
+                              <p:par>
+                                <p:cTn id="137" presetID="10" presetClass="entr" presetSubtype="0" fill="hold" grpId="0" nodeType="withEffect">
+                                  <p:stCondLst>
+                                    <p:cond delay="0"/>
+                                  </p:stCondLst>
+                                  <p:childTnLst>
+                                    <p:set>
+                                      <p:cBhvr>
+                                        <p:cTn id="138" dur="1" fill="hold">
+                                          <p:stCondLst>
+                                            <p:cond delay="0"/>
+                                          </p:stCondLst>
+                                        </p:cTn>
+                                        <p:tgtEl>
+                                          <p:spTgt spid="82"/>
+                                        </p:tgtEl>
+                                        <p:attrNameLst>
+                                          <p:attrName>style.visibility</p:attrName>
+                                        </p:attrNameLst>
+                                      </p:cBhvr>
+                                      <p:to>
+                                        <p:strVal val="visible"/>
+                                      </p:to>
+                                    </p:set>
+                                    <p:animEffect transition="in" filter="fade">
+                                      <p:cBhvr>
+                                        <p:cTn id="139" dur="500"/>
+                                        <p:tgtEl>
+                                          <p:spTgt spid="82"/>
+                                        </p:tgtEl>
+                                      </p:cBhvr>
+                                    </p:animEffect>
+                                  </p:childTnLst>
+                                  <p:subTnLst>
+                                    <p:set>
+                                      <p:cBhvr override="childStyle">
+                                        <p:cTn dur="1" fill="hold" display="0" masterRel="nextClick" afterEffect="1"/>
+                                        <p:tgtEl>
+                                          <p:spTgt spid="82"/>
+                                        </p:tgtEl>
+                                        <p:attrNameLst>
+                                          <p:attrName>style.visibility</p:attrName>
+                                        </p:attrNameLst>
+                                      </p:cBhvr>
+                                      <p:to>
+                                        <p:strVal val="hidden"/>
+                                      </p:to>
+                                    </p:set>
+                                  </p:subTnLst>
+                                </p:cTn>
+                              </p:par>
+                            </p:childTnLst>
+                          </p:cTn>
+                        </p:par>
+                      </p:childTnLst>
+                    </p:cTn>
+                  </p:par>
+                  <p:par>
+                    <p:cTn id="140" fill="hold">
+                      <p:stCondLst>
+                        <p:cond delay="indefinite"/>
+                      </p:stCondLst>
+                      <p:childTnLst>
+                        <p:par>
+                          <p:cTn id="141" fill="hold">
+                            <p:stCondLst>
+                              <p:cond delay="0"/>
+                            </p:stCondLst>
+                            <p:childTnLst>
+                              <p:par>
+                                <p:cTn id="142" presetID="1" presetClass="exit" presetSubtype="0" fill="hold" grpId="1" nodeType="clickEffect">
+                                  <p:stCondLst>
+                                    <p:cond delay="0"/>
+                                  </p:stCondLst>
+                                  <p:childTnLst>
+                                    <p:set>
+                                      <p:cBhvr>
+                                        <p:cTn id="143" dur="1" fill="hold">
+                                          <p:stCondLst>
+                                            <p:cond delay="0"/>
+                                          </p:stCondLst>
+                                        </p:cTn>
+                                        <p:tgtEl>
+                                          <p:spTgt spid="8"/>
+                                        </p:tgtEl>
+                                        <p:attrNameLst>
+                                          <p:attrName>style.visibility</p:attrName>
+                                        </p:attrNameLst>
+                                      </p:cBhvr>
+                                      <p:to>
+                                        <p:strVal val="hidden"/>
+                                      </p:to>
+                                    </p:set>
+                                  </p:childTnLst>
+                                </p:cTn>
+                              </p:par>
+                              <p:par>
+                                <p:cTn id="144" presetID="10" presetClass="entr" presetSubtype="0" fill="hold" nodeType="withEffect">
+                                  <p:stCondLst>
+                                    <p:cond delay="0"/>
+                                  </p:stCondLst>
+                                  <p:childTnLst>
+                                    <p:set>
+                                      <p:cBhvr>
+                                        <p:cTn id="145" dur="1" fill="hold">
+                                          <p:stCondLst>
+                                            <p:cond delay="0"/>
+                                          </p:stCondLst>
+                                        </p:cTn>
+                                        <p:tgtEl>
+                                          <p:spTgt spid="17"/>
+                                        </p:tgtEl>
+                                        <p:attrNameLst>
+                                          <p:attrName>style.visibility</p:attrName>
+                                        </p:attrNameLst>
+                                      </p:cBhvr>
+                                      <p:to>
+                                        <p:strVal val="visible"/>
+                                      </p:to>
+                                    </p:set>
+                                    <p:animEffect transition="in" filter="fade">
+                                      <p:cBhvr>
+                                        <p:cTn id="146" dur="500"/>
+                                        <p:tgtEl>
+                                          <p:spTgt spid="17"/>
+                                        </p:tgtEl>
+                                      </p:cBhvr>
+                                    </p:animEffect>
+                                  </p:childTnLst>
+                                  <p:subTnLst>
+                                    <p:set>
+                                      <p:cBhvr override="childStyle">
+                                        <p:cTn dur="1" fill="hold" display="0" masterRel="nextClick" afterEffect="1"/>
+                                        <p:tgtEl>
+                                          <p:spTgt spid="17"/>
+                                        </p:tgtEl>
+                                        <p:attrNameLst>
+                                          <p:attrName>style.visibility</p:attrName>
+                                        </p:attrNameLst>
+                                      </p:cBhvr>
+                                      <p:to>
+                                        <p:strVal val="hidden"/>
+                                      </p:to>
+                                    </p:set>
+                                  </p:subTnLst>
+                                </p:cTn>
+                              </p:par>
+                              <p:par>
+                                <p:cTn id="147" presetID="10" presetClass="entr" presetSubtype="0" fill="hold" grpId="0" nodeType="withEffect">
+                                  <p:stCondLst>
+                                    <p:cond delay="0"/>
+                                  </p:stCondLst>
+                                  <p:childTnLst>
+                                    <p:set>
+                                      <p:cBhvr>
+                                        <p:cTn id="148" dur="1" fill="hold">
+                                          <p:stCondLst>
+                                            <p:cond delay="0"/>
+                                          </p:stCondLst>
+                                        </p:cTn>
+                                        <p:tgtEl>
+                                          <p:spTgt spid="44"/>
+                                        </p:tgtEl>
+                                        <p:attrNameLst>
+                                          <p:attrName>style.visibility</p:attrName>
+                                        </p:attrNameLst>
+                                      </p:cBhvr>
+                                      <p:to>
+                                        <p:strVal val="visible"/>
+                                      </p:to>
+                                    </p:set>
+                                    <p:animEffect transition="in" filter="fade">
+                                      <p:cBhvr>
+                                        <p:cTn id="149" dur="500"/>
+                                        <p:tgtEl>
+                                          <p:spTgt spid="44"/>
+                                        </p:tgtEl>
+                                      </p:cBhvr>
+                                    </p:animEffect>
+                                  </p:childTnLst>
+                                </p:cTn>
+                              </p:par>
+                              <p:par>
+                                <p:cTn id="150" presetID="10" presetClass="entr" presetSubtype="0" fill="hold" nodeType="withEffect">
+                                  <p:stCondLst>
+                                    <p:cond delay="0"/>
+                                  </p:stCondLst>
+                                  <p:childTnLst>
+                                    <p:set>
+                                      <p:cBhvr>
+                                        <p:cTn id="151" dur="1" fill="hold">
+                                          <p:stCondLst>
+                                            <p:cond delay="0"/>
+                                          </p:stCondLst>
+                                        </p:cTn>
+                                        <p:tgtEl>
+                                          <p:spTgt spid="34"/>
+                                        </p:tgtEl>
+                                        <p:attrNameLst>
+                                          <p:attrName>style.visibility</p:attrName>
+                                        </p:attrNameLst>
+                                      </p:cBhvr>
+                                      <p:to>
+                                        <p:strVal val="visible"/>
+                                      </p:to>
+                                    </p:set>
+                                    <p:animEffect transition="in" filter="fade">
+                                      <p:cBhvr>
+                                        <p:cTn id="152" dur="500"/>
+                                        <p:tgtEl>
+                                          <p:spTgt spid="34"/>
+                                        </p:tgtEl>
+                                      </p:cBhvr>
+                                    </p:animEffect>
+                                  </p:childTnLst>
+                                  <p:subTnLst>
+                                    <p:set>
+                                      <p:cBhvr override="childStyle">
+                                        <p:cTn dur="1" fill="hold" display="0" masterRel="nextClick" afterEffect="1"/>
+                                        <p:tgtEl>
+                                          <p:spTgt spid="34"/>
+                                        </p:tgtEl>
+                                        <p:attrNameLst>
+                                          <p:attrName>style.visibility</p:attrName>
+                                        </p:attrNameLst>
+                                      </p:cBhvr>
+                                      <p:to>
+                                        <p:strVal val="hidden"/>
+                                      </p:to>
+                                    </p:set>
+                                  </p:subTnLst>
+                                </p:cTn>
+                              </p:par>
+                              <p:par>
+                                <p:cTn id="153" presetID="10" presetClass="entr" presetSubtype="0" fill="hold" grpId="0" nodeType="withEffect">
+                                  <p:stCondLst>
+                                    <p:cond delay="0"/>
+                                  </p:stCondLst>
+                                  <p:childTnLst>
+                                    <p:set>
+                                      <p:cBhvr>
+                                        <p:cTn id="154" dur="1" fill="hold">
+                                          <p:stCondLst>
+                                            <p:cond delay="0"/>
+                                          </p:stCondLst>
+                                        </p:cTn>
+                                        <p:tgtEl>
+                                          <p:spTgt spid="70"/>
+                                        </p:tgtEl>
+                                        <p:attrNameLst>
+                                          <p:attrName>style.visibility</p:attrName>
+                                        </p:attrNameLst>
+                                      </p:cBhvr>
+                                      <p:to>
+                                        <p:strVal val="visible"/>
+                                      </p:to>
+                                    </p:set>
+                                    <p:animEffect transition="in" filter="fade">
+                                      <p:cBhvr>
+                                        <p:cTn id="155" dur="500"/>
+                                        <p:tgtEl>
+                                          <p:spTgt spid="70"/>
+                                        </p:tgtEl>
+                                      </p:cBhvr>
+                                    </p:animEffect>
+                                  </p:childTnLst>
+                                  <p:subTnLst>
+                                    <p:set>
+                                      <p:cBhvr override="childStyle">
+                                        <p:cTn dur="1" fill="hold" display="0" masterRel="nextClick" afterEffect="1"/>
+                                        <p:tgtEl>
+                                          <p:spTgt spid="70"/>
+                                        </p:tgtEl>
+                                        <p:attrNameLst>
+                                          <p:attrName>style.visibility</p:attrName>
+                                        </p:attrNameLst>
+                                      </p:cBhvr>
+                                      <p:to>
+                                        <p:strVal val="hidden"/>
+                                      </p:to>
+                                    </p:set>
+                                  </p:subTnLst>
+                                </p:cTn>
+                              </p:par>
+                              <p:par>
+                                <p:cTn id="156" presetID="10" presetClass="entr" presetSubtype="0" fill="hold" grpId="0" nodeType="withEffect">
+                                  <p:stCondLst>
+                                    <p:cond delay="0"/>
+                                  </p:stCondLst>
+                                  <p:childTnLst>
+                                    <p:set>
+                                      <p:cBhvr>
+                                        <p:cTn id="157" dur="1" fill="hold">
+                                          <p:stCondLst>
+                                            <p:cond delay="0"/>
+                                          </p:stCondLst>
+                                        </p:cTn>
+                                        <p:tgtEl>
+                                          <p:spTgt spid="83"/>
+                                        </p:tgtEl>
+                                        <p:attrNameLst>
+                                          <p:attrName>style.visibility</p:attrName>
+                                        </p:attrNameLst>
+                                      </p:cBhvr>
+                                      <p:to>
+                                        <p:strVal val="visible"/>
+                                      </p:to>
+                                    </p:set>
+                                    <p:animEffect transition="in" filter="fade">
+                                      <p:cBhvr>
+                                        <p:cTn id="158" dur="500"/>
+                                        <p:tgtEl>
+                                          <p:spTgt spid="83"/>
+                                        </p:tgtEl>
+                                      </p:cBhvr>
+                                    </p:animEffect>
+                                  </p:childTnLst>
+                                  <p:subTnLst>
+                                    <p:set>
+                                      <p:cBhvr override="childStyle">
+                                        <p:cTn dur="1" fill="hold" display="0" masterRel="nextClick" afterEffect="1"/>
+                                        <p:tgtEl>
+                                          <p:spTgt spid="83"/>
+                                        </p:tgtEl>
+                                        <p:attrNameLst>
+                                          <p:attrName>style.visibility</p:attrName>
+                                        </p:attrNameLst>
+                                      </p:cBhvr>
+                                      <p:to>
+                                        <p:strVal val="hidden"/>
+                                      </p:to>
+                                    </p:set>
+                                  </p:subTnLst>
+                                </p:cTn>
+                              </p:par>
+                            </p:childTnLst>
+                          </p:cTn>
+                        </p:par>
+                      </p:childTnLst>
+                    </p:cTn>
+                  </p:par>
+                  <p:par>
+                    <p:cTn id="159" fill="hold">
+                      <p:stCondLst>
+                        <p:cond delay="indefinite"/>
+                      </p:stCondLst>
+                      <p:childTnLst>
+                        <p:par>
+                          <p:cTn id="160" fill="hold">
+                            <p:stCondLst>
+                              <p:cond delay="0"/>
+                            </p:stCondLst>
+                            <p:childTnLst>
+                              <p:par>
+                                <p:cTn id="161" presetID="1" presetClass="exit" presetSubtype="0" fill="hold" grpId="2" nodeType="clickEffect">
+                                  <p:stCondLst>
+                                    <p:cond delay="0"/>
+                                  </p:stCondLst>
+                                  <p:childTnLst>
+                                    <p:set>
+                                      <p:cBhvr>
+                                        <p:cTn id="162" dur="1" fill="hold">
+                                          <p:stCondLst>
+                                            <p:cond delay="0"/>
+                                          </p:stCondLst>
+                                        </p:cTn>
+                                        <p:tgtEl>
+                                          <p:spTgt spid="7"/>
+                                        </p:tgtEl>
+                                        <p:attrNameLst>
+                                          <p:attrName>style.visibility</p:attrName>
+                                        </p:attrNameLst>
+                                      </p:cBhvr>
+                                      <p:to>
+                                        <p:strVal val="hidden"/>
+                                      </p:to>
+                                    </p:set>
+                                  </p:childTnLst>
+                                </p:cTn>
+                              </p:par>
+                              <p:par>
+                                <p:cTn id="163" presetID="1" presetClass="exit" presetSubtype="0" fill="hold" grpId="1" nodeType="withEffect">
+                                  <p:stCondLst>
+                                    <p:cond delay="0"/>
+                                  </p:stCondLst>
+                                  <p:childTnLst>
+                                    <p:set>
+                                      <p:cBhvr>
+                                        <p:cTn id="164" dur="1" fill="hold">
+                                          <p:stCondLst>
+                                            <p:cond delay="0"/>
+                                          </p:stCondLst>
+                                        </p:cTn>
+                                        <p:tgtEl>
+                                          <p:spTgt spid="39"/>
+                                        </p:tgtEl>
+                                        <p:attrNameLst>
+                                          <p:attrName>style.visibility</p:attrName>
+                                        </p:attrNameLst>
+                                      </p:cBhvr>
+                                      <p:to>
+                                        <p:strVal val="hidden"/>
+                                      </p:to>
+                                    </p:set>
+                                  </p:childTnLst>
+                                </p:cTn>
+                              </p:par>
+                              <p:par>
+                                <p:cTn id="165" presetID="1" presetClass="exit" presetSubtype="0" fill="hold" grpId="2" nodeType="withEffect">
+                                  <p:stCondLst>
+                                    <p:cond delay="0"/>
+                                  </p:stCondLst>
+                                  <p:childTnLst>
+                                    <p:set>
+                                      <p:cBhvr>
+                                        <p:cTn id="166" dur="1" fill="hold">
+                                          <p:stCondLst>
+                                            <p:cond delay="0"/>
+                                          </p:stCondLst>
+                                        </p:cTn>
+                                        <p:tgtEl>
+                                          <p:spTgt spid="44"/>
+                                        </p:tgtEl>
+                                        <p:attrNameLst>
+                                          <p:attrName>style.visibility</p:attrName>
+                                        </p:attrNameLst>
+                                      </p:cBhvr>
+                                      <p:to>
+                                        <p:strVal val="hidden"/>
+                                      </p:to>
+                                    </p:set>
+                                  </p:childTnLst>
+                                </p:cTn>
+                              </p:par>
+                              <p:par>
+                                <p:cTn id="167" presetID="10" presetClass="entr" presetSubtype="0" fill="hold" grpId="0" nodeType="withEffect">
+                                  <p:stCondLst>
+                                    <p:cond delay="0"/>
+                                  </p:stCondLst>
+                                  <p:childTnLst>
+                                    <p:set>
+                                      <p:cBhvr>
+                                        <p:cTn id="168" dur="1" fill="hold">
+                                          <p:stCondLst>
+                                            <p:cond delay="0"/>
+                                          </p:stCondLst>
+                                        </p:cTn>
+                                        <p:tgtEl>
+                                          <p:spTgt spid="89"/>
+                                        </p:tgtEl>
+                                        <p:attrNameLst>
+                                          <p:attrName>style.visibility</p:attrName>
+                                        </p:attrNameLst>
+                                      </p:cBhvr>
+                                      <p:to>
+                                        <p:strVal val="visible"/>
+                                      </p:to>
+                                    </p:set>
+                                    <p:animEffect transition="in" filter="fade">
+                                      <p:cBhvr>
+                                        <p:cTn id="169" dur="500"/>
+                                        <p:tgtEl>
+                                          <p:spTgt spid="89"/>
+                                        </p:tgtEl>
+                                      </p:cBhvr>
+                                    </p:animEffect>
+                                  </p:childTnLst>
+                                </p:cTn>
+                              </p:par>
+                              <p:par>
+                                <p:cTn id="170" presetID="10" presetClass="entr" presetSubtype="0" fill="hold" nodeType="withEffect">
+                                  <p:stCondLst>
+                                    <p:cond delay="0"/>
+                                  </p:stCondLst>
+                                  <p:childTnLst>
+                                    <p:set>
+                                      <p:cBhvr>
+                                        <p:cTn id="171" dur="1" fill="hold">
+                                          <p:stCondLst>
+                                            <p:cond delay="0"/>
+                                          </p:stCondLst>
+                                        </p:cTn>
+                                        <p:tgtEl>
+                                          <p:spTgt spid="18"/>
+                                        </p:tgtEl>
+                                        <p:attrNameLst>
+                                          <p:attrName>style.visibility</p:attrName>
+                                        </p:attrNameLst>
+                                      </p:cBhvr>
+                                      <p:to>
+                                        <p:strVal val="visible"/>
+                                      </p:to>
+                                    </p:set>
+                                    <p:animEffect transition="in" filter="fade">
+                                      <p:cBhvr>
+                                        <p:cTn id="172" dur="500"/>
+                                        <p:tgtEl>
+                                          <p:spTgt spid="18"/>
+                                        </p:tgtEl>
+                                      </p:cBhvr>
+                                    </p:animEffect>
+                                  </p:childTnLst>
+                                  <p:subTnLst>
+                                    <p:set>
+                                      <p:cBhvr override="childStyle">
+                                        <p:cTn dur="1" fill="hold" display="0" masterRel="nextClick" afterEffect="1"/>
+                                        <p:tgtEl>
+                                          <p:spTgt spid="18"/>
+                                        </p:tgtEl>
+                                        <p:attrNameLst>
+                                          <p:attrName>style.visibility</p:attrName>
+                                        </p:attrNameLst>
+                                      </p:cBhvr>
+                                      <p:to>
+                                        <p:strVal val="hidden"/>
+                                      </p:to>
+                                    </p:set>
+                                  </p:subTnLst>
+                                </p:cTn>
+                              </p:par>
+                              <p:par>
+                                <p:cTn id="173" presetID="10" presetClass="entr" presetSubtype="0" fill="hold" grpId="0" nodeType="withEffect">
+                                  <p:stCondLst>
+                                    <p:cond delay="0"/>
+                                  </p:stCondLst>
+                                  <p:childTnLst>
+                                    <p:set>
+                                      <p:cBhvr>
+                                        <p:cTn id="174" dur="1" fill="hold">
+                                          <p:stCondLst>
+                                            <p:cond delay="0"/>
+                                          </p:stCondLst>
+                                        </p:cTn>
+                                        <p:tgtEl>
+                                          <p:spTgt spid="45"/>
+                                        </p:tgtEl>
+                                        <p:attrNameLst>
+                                          <p:attrName>style.visibility</p:attrName>
+                                        </p:attrNameLst>
+                                      </p:cBhvr>
+                                      <p:to>
+                                        <p:strVal val="visible"/>
+                                      </p:to>
+                                    </p:set>
+                                    <p:animEffect transition="in" filter="fade">
+                                      <p:cBhvr>
+                                        <p:cTn id="175" dur="500"/>
+                                        <p:tgtEl>
+                                          <p:spTgt spid="45"/>
+                                        </p:tgtEl>
+                                      </p:cBhvr>
+                                    </p:animEffect>
+                                  </p:childTnLst>
+                                </p:cTn>
+                              </p:par>
+                              <p:par>
+                                <p:cTn id="176" presetID="10" presetClass="entr" presetSubtype="0" fill="hold" nodeType="withEffect">
+                                  <p:stCondLst>
+                                    <p:cond delay="0"/>
+                                  </p:stCondLst>
+                                  <p:childTnLst>
+                                    <p:set>
+                                      <p:cBhvr>
+                                        <p:cTn id="177" dur="1" fill="hold">
+                                          <p:stCondLst>
+                                            <p:cond delay="0"/>
+                                          </p:stCondLst>
+                                        </p:cTn>
+                                        <p:tgtEl>
+                                          <p:spTgt spid="35"/>
+                                        </p:tgtEl>
+                                        <p:attrNameLst>
+                                          <p:attrName>style.visibility</p:attrName>
+                                        </p:attrNameLst>
+                                      </p:cBhvr>
+                                      <p:to>
+                                        <p:strVal val="visible"/>
+                                      </p:to>
+                                    </p:set>
+                                    <p:animEffect transition="in" filter="fade">
+                                      <p:cBhvr>
+                                        <p:cTn id="178" dur="500"/>
+                                        <p:tgtEl>
+                                          <p:spTgt spid="35"/>
+                                        </p:tgtEl>
+                                      </p:cBhvr>
+                                    </p:animEffect>
+                                  </p:childTnLst>
+                                  <p:subTnLst>
+                                    <p:set>
+                                      <p:cBhvr override="childStyle">
+                                        <p:cTn dur="1" fill="hold" display="0" masterRel="nextClick" afterEffect="1"/>
+                                        <p:tgtEl>
+                                          <p:spTgt spid="35"/>
+                                        </p:tgtEl>
+                                        <p:attrNameLst>
+                                          <p:attrName>style.visibility</p:attrName>
+                                        </p:attrNameLst>
+                                      </p:cBhvr>
+                                      <p:to>
+                                        <p:strVal val="hidden"/>
+                                      </p:to>
+                                    </p:set>
+                                  </p:subTnLst>
+                                </p:cTn>
+                              </p:par>
+                              <p:par>
+                                <p:cTn id="179" presetID="10" presetClass="entr" presetSubtype="0" fill="hold" grpId="0" nodeType="withEffect">
+                                  <p:stCondLst>
+                                    <p:cond delay="0"/>
+                                  </p:stCondLst>
+                                  <p:childTnLst>
+                                    <p:set>
+                                      <p:cBhvr>
+                                        <p:cTn id="180" dur="1" fill="hold">
+                                          <p:stCondLst>
+                                            <p:cond delay="0"/>
+                                          </p:stCondLst>
+                                        </p:cTn>
+                                        <p:tgtEl>
+                                          <p:spTgt spid="69"/>
+                                        </p:tgtEl>
+                                        <p:attrNameLst>
+                                          <p:attrName>style.visibility</p:attrName>
+                                        </p:attrNameLst>
+                                      </p:cBhvr>
+                                      <p:to>
+                                        <p:strVal val="visible"/>
+                                      </p:to>
+                                    </p:set>
+                                    <p:animEffect transition="in" filter="fade">
+                                      <p:cBhvr>
+                                        <p:cTn id="181" dur="500"/>
+                                        <p:tgtEl>
+                                          <p:spTgt spid="69"/>
+                                        </p:tgtEl>
+                                      </p:cBhvr>
+                                    </p:animEffect>
+                                  </p:childTnLst>
+                                  <p:subTnLst>
+                                    <p:set>
+                                      <p:cBhvr override="childStyle">
+                                        <p:cTn dur="1" fill="hold" display="0" masterRel="nextClick" afterEffect="1"/>
+                                        <p:tgtEl>
+                                          <p:spTgt spid="69"/>
+                                        </p:tgtEl>
+                                        <p:attrNameLst>
+                                          <p:attrName>style.visibility</p:attrName>
+                                        </p:attrNameLst>
+                                      </p:cBhvr>
+                                      <p:to>
+                                        <p:strVal val="hidden"/>
+                                      </p:to>
+                                    </p:set>
+                                  </p:subTnLst>
+                                </p:cTn>
+                              </p:par>
+                              <p:par>
+                                <p:cTn id="182" presetID="10" presetClass="entr" presetSubtype="0" fill="hold" grpId="0" nodeType="withEffect">
+                                  <p:stCondLst>
+                                    <p:cond delay="0"/>
+                                  </p:stCondLst>
+                                  <p:childTnLst>
+                                    <p:set>
+                                      <p:cBhvr>
+                                        <p:cTn id="183" dur="1" fill="hold">
+                                          <p:stCondLst>
+                                            <p:cond delay="0"/>
+                                          </p:stCondLst>
+                                        </p:cTn>
+                                        <p:tgtEl>
+                                          <p:spTgt spid="84"/>
+                                        </p:tgtEl>
+                                        <p:attrNameLst>
+                                          <p:attrName>style.visibility</p:attrName>
+                                        </p:attrNameLst>
+                                      </p:cBhvr>
+                                      <p:to>
+                                        <p:strVal val="visible"/>
+                                      </p:to>
+                                    </p:set>
+                                    <p:animEffect transition="in" filter="fade">
+                                      <p:cBhvr>
+                                        <p:cTn id="184" dur="500"/>
+                                        <p:tgtEl>
+                                          <p:spTgt spid="84"/>
+                                        </p:tgtEl>
+                                      </p:cBhvr>
+                                    </p:animEffect>
+                                  </p:childTnLst>
+                                  <p:subTnLst>
+                                    <p:set>
+                                      <p:cBhvr override="childStyle">
+                                        <p:cTn dur="1" fill="hold" display="0" masterRel="nextClick" afterEffect="1"/>
+                                        <p:tgtEl>
+                                          <p:spTgt spid="84"/>
+                                        </p:tgtEl>
+                                        <p:attrNameLst>
+                                          <p:attrName>style.visibility</p:attrName>
+                                        </p:attrNameLst>
+                                      </p:cBhvr>
+                                      <p:to>
+                                        <p:strVal val="hidden"/>
+                                      </p:to>
+                                    </p:set>
+                                  </p:subTnLst>
+                                </p:cTn>
+                              </p:par>
+                              <p:par>
+                                <p:cTn id="185" presetID="10" presetClass="entr" presetSubtype="0" fill="hold" grpId="0" nodeType="withEffect">
+                                  <p:stCondLst>
+                                    <p:cond delay="0"/>
+                                  </p:stCondLst>
+                                  <p:childTnLst>
+                                    <p:set>
+                                      <p:cBhvr>
+                                        <p:cTn id="186" dur="1" fill="hold">
+                                          <p:stCondLst>
+                                            <p:cond delay="0"/>
+                                          </p:stCondLst>
+                                        </p:cTn>
+                                        <p:tgtEl>
+                                          <p:spTgt spid="90"/>
+                                        </p:tgtEl>
+                                        <p:attrNameLst>
+                                          <p:attrName>style.visibility</p:attrName>
+                                        </p:attrNameLst>
+                                      </p:cBhvr>
+                                      <p:to>
+                                        <p:strVal val="visible"/>
+                                      </p:to>
+                                    </p:set>
+                                    <p:animEffect transition="in" filter="fade">
+                                      <p:cBhvr>
+                                        <p:cTn id="187" dur="500"/>
+                                        <p:tgtEl>
+                                          <p:spTgt spid="90"/>
+                                        </p:tgtEl>
+                                      </p:cBhvr>
+                                    </p:animEffect>
+                                  </p:childTnLst>
+                                  <p:subTnLst>
+                                    <p:set>
+                                      <p:cBhvr override="childStyle">
+                                        <p:cTn dur="1" fill="hold" display="0" masterRel="nextClick" afterEffect="1"/>
+                                        <p:tgtEl>
+                                          <p:spTgt spid="90"/>
+                                        </p:tgtEl>
+                                        <p:attrNameLst>
+                                          <p:attrName>style.visibility</p:attrName>
+                                        </p:attrNameLst>
+                                      </p:cBhvr>
+                                      <p:to>
+                                        <p:strVal val="hidden"/>
+                                      </p:to>
+                                    </p:set>
+                                  </p:subTnLst>
+                                </p:cTn>
+                              </p:par>
+                            </p:childTnLst>
+                          </p:cTn>
+                        </p:par>
+                      </p:childTnLst>
+                    </p:cTn>
+                  </p:par>
+                  <p:par>
+                    <p:cTn id="188" fill="hold">
+                      <p:stCondLst>
+                        <p:cond delay="indefinite"/>
+                      </p:stCondLst>
+                      <p:childTnLst>
+                        <p:par>
+                          <p:cTn id="189" fill="hold">
+                            <p:stCondLst>
+                              <p:cond delay="0"/>
+                            </p:stCondLst>
+                            <p:childTnLst>
+                              <p:par>
+                                <p:cTn id="190" presetID="10" presetClass="entr" presetSubtype="0" fill="hold" nodeType="clickEffect">
+                                  <p:stCondLst>
+                                    <p:cond delay="0"/>
+                                  </p:stCondLst>
+                                  <p:childTnLst>
+                                    <p:set>
+                                      <p:cBhvr>
+                                        <p:cTn id="191" dur="1" fill="hold">
+                                          <p:stCondLst>
+                                            <p:cond delay="0"/>
+                                          </p:stCondLst>
+                                        </p:cTn>
+                                        <p:tgtEl>
+                                          <p:spTgt spid="19"/>
+                                        </p:tgtEl>
+                                        <p:attrNameLst>
+                                          <p:attrName>style.visibility</p:attrName>
+                                        </p:attrNameLst>
+                                      </p:cBhvr>
+                                      <p:to>
+                                        <p:strVal val="visible"/>
+                                      </p:to>
+                                    </p:set>
+                                    <p:animEffect transition="in" filter="fade">
+                                      <p:cBhvr>
+                                        <p:cTn id="192" dur="500"/>
+                                        <p:tgtEl>
+                                          <p:spTgt spid="19"/>
+                                        </p:tgtEl>
+                                      </p:cBhvr>
+                                    </p:animEffect>
+                                  </p:childTnLst>
+                                  <p:subTnLst>
+                                    <p:set>
+                                      <p:cBhvr override="childStyle">
+                                        <p:cTn dur="1" fill="hold" display="0" masterRel="nextClick" afterEffect="1"/>
+                                        <p:tgtEl>
+                                          <p:spTgt spid="19"/>
+                                        </p:tgtEl>
+                                        <p:attrNameLst>
+                                          <p:attrName>style.visibility</p:attrName>
+                                        </p:attrNameLst>
+                                      </p:cBhvr>
+                                      <p:to>
+                                        <p:strVal val="hidden"/>
+                                      </p:to>
+                                    </p:set>
+                                  </p:subTnLst>
+                                </p:cTn>
+                              </p:par>
+                              <p:par>
+                                <p:cTn id="193" presetID="10" presetClass="entr" presetSubtype="0" fill="hold" nodeType="withEffect">
+                                  <p:stCondLst>
+                                    <p:cond delay="0"/>
+                                  </p:stCondLst>
+                                  <p:childTnLst>
+                                    <p:set>
+                                      <p:cBhvr>
+                                        <p:cTn id="194" dur="1" fill="hold">
+                                          <p:stCondLst>
+                                            <p:cond delay="0"/>
+                                          </p:stCondLst>
+                                        </p:cTn>
+                                        <p:tgtEl>
+                                          <p:spTgt spid="36"/>
+                                        </p:tgtEl>
+                                        <p:attrNameLst>
+                                          <p:attrName>style.visibility</p:attrName>
+                                        </p:attrNameLst>
+                                      </p:cBhvr>
+                                      <p:to>
+                                        <p:strVal val="visible"/>
+                                      </p:to>
+                                    </p:set>
+                                    <p:animEffect transition="in" filter="fade">
+                                      <p:cBhvr>
+                                        <p:cTn id="195" dur="500"/>
+                                        <p:tgtEl>
+                                          <p:spTgt spid="36"/>
+                                        </p:tgtEl>
+                                      </p:cBhvr>
+                                    </p:animEffect>
+                                  </p:childTnLst>
+                                  <p:subTnLst>
+                                    <p:set>
+                                      <p:cBhvr override="childStyle">
+                                        <p:cTn dur="1" fill="hold" display="0" masterRel="nextClick" afterEffect="1"/>
+                                        <p:tgtEl>
+                                          <p:spTgt spid="36"/>
+                                        </p:tgtEl>
+                                        <p:attrNameLst>
+                                          <p:attrName>style.visibility</p:attrName>
+                                        </p:attrNameLst>
+                                      </p:cBhvr>
+                                      <p:to>
+                                        <p:strVal val="hidden"/>
+                                      </p:to>
+                                    </p:set>
+                                  </p:subTnLst>
+                                </p:cTn>
+                              </p:par>
+                              <p:par>
+                                <p:cTn id="196" presetID="10" presetClass="entr" presetSubtype="0" fill="hold" nodeType="withEffect">
+                                  <p:stCondLst>
+                                    <p:cond delay="0"/>
+                                  </p:stCondLst>
+                                  <p:childTnLst>
+                                    <p:set>
+                                      <p:cBhvr>
+                                        <p:cTn id="197" dur="1" fill="hold">
+                                          <p:stCondLst>
+                                            <p:cond delay="0"/>
+                                          </p:stCondLst>
+                                        </p:cTn>
+                                        <p:tgtEl>
+                                          <p:spTgt spid="37"/>
+                                        </p:tgtEl>
+                                        <p:attrNameLst>
+                                          <p:attrName>style.visibility</p:attrName>
+                                        </p:attrNameLst>
+                                      </p:cBhvr>
+                                      <p:to>
+                                        <p:strVal val="visible"/>
+                                      </p:to>
+                                    </p:set>
+                                    <p:animEffect transition="in" filter="fade">
+                                      <p:cBhvr>
+                                        <p:cTn id="198" dur="500"/>
+                                        <p:tgtEl>
+                                          <p:spTgt spid="37"/>
+                                        </p:tgtEl>
+                                      </p:cBhvr>
+                                    </p:animEffect>
+                                  </p:childTnLst>
+                                  <p:subTnLst>
+                                    <p:set>
+                                      <p:cBhvr override="childStyle">
+                                        <p:cTn dur="1" fill="hold" display="0" masterRel="nextClick" afterEffect="1"/>
+                                        <p:tgtEl>
+                                          <p:spTgt spid="37"/>
+                                        </p:tgtEl>
+                                        <p:attrNameLst>
+                                          <p:attrName>style.visibility</p:attrName>
+                                        </p:attrNameLst>
+                                      </p:cBhvr>
+                                      <p:to>
+                                        <p:strVal val="hidden"/>
+                                      </p:to>
+                                    </p:set>
+                                  </p:subTnLst>
+                                </p:cTn>
+                              </p:par>
+                              <p:par>
+                                <p:cTn id="199" presetID="10" presetClass="entr" presetSubtype="0" fill="hold" grpId="0" nodeType="withEffect">
+                                  <p:stCondLst>
+                                    <p:cond delay="0"/>
+                                  </p:stCondLst>
+                                  <p:childTnLst>
+                                    <p:set>
+                                      <p:cBhvr>
+                                        <p:cTn id="200" dur="1" fill="hold">
+                                          <p:stCondLst>
+                                            <p:cond delay="0"/>
+                                          </p:stCondLst>
+                                        </p:cTn>
+                                        <p:tgtEl>
+                                          <p:spTgt spid="71"/>
+                                        </p:tgtEl>
+                                        <p:attrNameLst>
+                                          <p:attrName>style.visibility</p:attrName>
+                                        </p:attrNameLst>
+                                      </p:cBhvr>
+                                      <p:to>
+                                        <p:strVal val="visible"/>
+                                      </p:to>
+                                    </p:set>
+                                    <p:animEffect transition="in" filter="fade">
+                                      <p:cBhvr>
+                                        <p:cTn id="201" dur="500"/>
+                                        <p:tgtEl>
+                                          <p:spTgt spid="71"/>
+                                        </p:tgtEl>
+                                      </p:cBhvr>
+                                    </p:animEffect>
+                                  </p:childTnLst>
+                                  <p:subTnLst>
+                                    <p:set>
+                                      <p:cBhvr override="childStyle">
+                                        <p:cTn dur="1" fill="hold" display="0" masterRel="nextClick" afterEffect="1"/>
+                                        <p:tgtEl>
+                                          <p:spTgt spid="71"/>
+                                        </p:tgtEl>
+                                        <p:attrNameLst>
+                                          <p:attrName>style.visibility</p:attrName>
+                                        </p:attrNameLst>
+                                      </p:cBhvr>
+                                      <p:to>
+                                        <p:strVal val="hidden"/>
+                                      </p:to>
+                                    </p:set>
+                                  </p:subTnLst>
+                                </p:cTn>
+                              </p:par>
+                            </p:childTnLst>
+                          </p:cTn>
+                        </p:par>
+                      </p:childTnLst>
+                    </p:cTn>
+                  </p:par>
+                  <p:par>
+                    <p:cTn id="202" fill="hold">
+                      <p:stCondLst>
+                        <p:cond delay="indefinite"/>
+                      </p:stCondLst>
+                      <p:childTnLst>
+                        <p:par>
+                          <p:cTn id="203" fill="hold">
+                            <p:stCondLst>
+                              <p:cond delay="0"/>
+                            </p:stCondLst>
+                            <p:childTnLst>
+                              <p:par>
+                                <p:cTn id="204" presetID="10" presetClass="entr" presetSubtype="0" fill="hold" nodeType="clickEffect">
+                                  <p:stCondLst>
+                                    <p:cond delay="0"/>
+                                  </p:stCondLst>
+                                  <p:childTnLst>
+                                    <p:set>
+                                      <p:cBhvr>
+                                        <p:cTn id="205" dur="1" fill="hold">
+                                          <p:stCondLst>
+                                            <p:cond delay="0"/>
+                                          </p:stCondLst>
+                                        </p:cTn>
+                                        <p:tgtEl>
+                                          <p:spTgt spid="46"/>
+                                        </p:tgtEl>
+                                        <p:attrNameLst>
+                                          <p:attrName>style.visibility</p:attrName>
+                                        </p:attrNameLst>
+                                      </p:cBhvr>
+                                      <p:to>
+                                        <p:strVal val="visible"/>
+                                      </p:to>
+                                    </p:set>
+                                    <p:animEffect transition="in" filter="fade">
+                                      <p:cBhvr>
+                                        <p:cTn id="206" dur="500"/>
+                                        <p:tgtEl>
+                                          <p:spTgt spid="46"/>
+                                        </p:tgtEl>
+                                      </p:cBhvr>
+                                    </p:animEffect>
+                                  </p:childTnLst>
+                                  <p:subTnLst>
+                                    <p:set>
+                                      <p:cBhvr override="childStyle">
+                                        <p:cTn dur="1" fill="hold" display="0" masterRel="nextClick" afterEffect="1"/>
+                                        <p:tgtEl>
+                                          <p:spTgt spid="46"/>
+                                        </p:tgtEl>
+                                        <p:attrNameLst>
+                                          <p:attrName>style.visibility</p:attrName>
+                                        </p:attrNameLst>
+                                      </p:cBhvr>
+                                      <p:to>
+                                        <p:strVal val="hidden"/>
+                                      </p:to>
+                                    </p:set>
+                                  </p:subTnLst>
+                                </p:cTn>
+                              </p:par>
+                              <p:par>
+                                <p:cTn id="207" presetID="10" presetClass="entr" presetSubtype="0" fill="hold" nodeType="withEffect">
+                                  <p:stCondLst>
+                                    <p:cond delay="0"/>
+                                  </p:stCondLst>
+                                  <p:childTnLst>
+                                    <p:set>
+                                      <p:cBhvr>
+                                        <p:cTn id="208" dur="1" fill="hold">
+                                          <p:stCondLst>
+                                            <p:cond delay="0"/>
+                                          </p:stCondLst>
+                                        </p:cTn>
+                                        <p:tgtEl>
+                                          <p:spTgt spid="47"/>
+                                        </p:tgtEl>
+                                        <p:attrNameLst>
+                                          <p:attrName>style.visibility</p:attrName>
+                                        </p:attrNameLst>
+                                      </p:cBhvr>
+                                      <p:to>
+                                        <p:strVal val="visible"/>
+                                      </p:to>
+                                    </p:set>
+                                    <p:animEffect transition="in" filter="fade">
+                                      <p:cBhvr>
+                                        <p:cTn id="209" dur="500"/>
+                                        <p:tgtEl>
+                                          <p:spTgt spid="47"/>
+                                        </p:tgtEl>
+                                      </p:cBhvr>
+                                    </p:animEffect>
+                                  </p:childTnLst>
+                                  <p:subTnLst>
+                                    <p:set>
+                                      <p:cBhvr override="childStyle">
+                                        <p:cTn dur="1" fill="hold" display="0" masterRel="nextClick" afterEffect="1"/>
+                                        <p:tgtEl>
+                                          <p:spTgt spid="47"/>
+                                        </p:tgtEl>
+                                        <p:attrNameLst>
+                                          <p:attrName>style.visibility</p:attrName>
+                                        </p:attrNameLst>
+                                      </p:cBhvr>
+                                      <p:to>
+                                        <p:strVal val="hidden"/>
+                                      </p:to>
+                                    </p:set>
+                                  </p:subTnLst>
+                                </p:cTn>
+                              </p:par>
+                              <p:par>
+                                <p:cTn id="210" presetID="10" presetClass="entr" presetSubtype="0" fill="hold" grpId="0" nodeType="withEffect">
+                                  <p:stCondLst>
+                                    <p:cond delay="0"/>
+                                  </p:stCondLst>
+                                  <p:childTnLst>
+                                    <p:set>
+                                      <p:cBhvr>
+                                        <p:cTn id="211" dur="1" fill="hold">
+                                          <p:stCondLst>
+                                            <p:cond delay="0"/>
+                                          </p:stCondLst>
+                                        </p:cTn>
+                                        <p:tgtEl>
+                                          <p:spTgt spid="72"/>
+                                        </p:tgtEl>
+                                        <p:attrNameLst>
+                                          <p:attrName>style.visibility</p:attrName>
+                                        </p:attrNameLst>
+                                      </p:cBhvr>
+                                      <p:to>
+                                        <p:strVal val="visible"/>
+                                      </p:to>
+                                    </p:set>
+                                    <p:animEffect transition="in" filter="fade">
+                                      <p:cBhvr>
+                                        <p:cTn id="212" dur="500"/>
+                                        <p:tgtEl>
+                                          <p:spTgt spid="72"/>
+                                        </p:tgtEl>
+                                      </p:cBhvr>
+                                    </p:animEffect>
+                                  </p:childTnLst>
+                                  <p:subTnLst>
+                                    <p:set>
+                                      <p:cBhvr override="childStyle">
+                                        <p:cTn dur="1" fill="hold" display="0" masterRel="nextClick" afterEffect="1"/>
+                                        <p:tgtEl>
+                                          <p:spTgt spid="72"/>
+                                        </p:tgtEl>
+                                        <p:attrNameLst>
+                                          <p:attrName>style.visibility</p:attrName>
+                                        </p:attrNameLst>
+                                      </p:cBhvr>
+                                      <p:to>
+                                        <p:strVal val="hidden"/>
+                                      </p:to>
+                                    </p:set>
+                                  </p:subTnLst>
+                                </p:cTn>
+                              </p:par>
+                            </p:childTnLst>
+                          </p:cTn>
+                        </p:par>
+                      </p:childTnLst>
+                    </p:cTn>
+                  </p:par>
+                  <p:par>
+                    <p:cTn id="213" fill="hold">
+                      <p:stCondLst>
+                        <p:cond delay="indefinite"/>
+                      </p:stCondLst>
+                      <p:childTnLst>
+                        <p:par>
+                          <p:cTn id="214" fill="hold">
+                            <p:stCondLst>
+                              <p:cond delay="0"/>
+                            </p:stCondLst>
+                            <p:childTnLst>
+                              <p:par>
+                                <p:cTn id="215" presetID="1" presetClass="exit" presetSubtype="0" fill="hold" grpId="1" nodeType="clickEffect">
+                                  <p:stCondLst>
+                                    <p:cond delay="0"/>
+                                  </p:stCondLst>
+                                  <p:childTnLst>
+                                    <p:set>
+                                      <p:cBhvr>
+                                        <p:cTn id="216" dur="1" fill="hold">
+                                          <p:stCondLst>
+                                            <p:cond delay="0"/>
+                                          </p:stCondLst>
+                                        </p:cTn>
+                                        <p:tgtEl>
+                                          <p:spTgt spid="40"/>
+                                        </p:tgtEl>
+                                        <p:attrNameLst>
+                                          <p:attrName>style.visibility</p:attrName>
+                                        </p:attrNameLst>
+                                      </p:cBhvr>
+                                      <p:to>
+                                        <p:strVal val="hidden"/>
+                                      </p:to>
+                                    </p:set>
+                                  </p:childTnLst>
+                                </p:cTn>
+                              </p:par>
+                              <p:par>
+                                <p:cTn id="217" presetID="10" presetClass="entr" presetSubtype="0" fill="hold" nodeType="withEffect">
+                                  <p:stCondLst>
+                                    <p:cond delay="0"/>
+                                  </p:stCondLst>
+                                  <p:childTnLst>
+                                    <p:set>
+                                      <p:cBhvr>
+                                        <p:cTn id="218" dur="1" fill="hold">
+                                          <p:stCondLst>
+                                            <p:cond delay="0"/>
+                                          </p:stCondLst>
+                                        </p:cTn>
+                                        <p:tgtEl>
+                                          <p:spTgt spid="49"/>
+                                        </p:tgtEl>
+                                        <p:attrNameLst>
+                                          <p:attrName>style.visibility</p:attrName>
+                                        </p:attrNameLst>
+                                      </p:cBhvr>
+                                      <p:to>
+                                        <p:strVal val="visible"/>
+                                      </p:to>
+                                    </p:set>
+                                    <p:animEffect transition="in" filter="fade">
+                                      <p:cBhvr>
+                                        <p:cTn id="219" dur="500"/>
+                                        <p:tgtEl>
+                                          <p:spTgt spid="49"/>
+                                        </p:tgtEl>
+                                      </p:cBhvr>
+                                    </p:animEffect>
+                                  </p:childTnLst>
+                                  <p:subTnLst>
+                                    <p:set>
+                                      <p:cBhvr override="childStyle">
+                                        <p:cTn dur="1" fill="hold" display="0" masterRel="nextClick" afterEffect="1"/>
+                                        <p:tgtEl>
+                                          <p:spTgt spid="49"/>
+                                        </p:tgtEl>
+                                        <p:attrNameLst>
+                                          <p:attrName>style.visibility</p:attrName>
+                                        </p:attrNameLst>
+                                      </p:cBhvr>
+                                      <p:to>
+                                        <p:strVal val="hidden"/>
+                                      </p:to>
+                                    </p:set>
+                                  </p:subTnLst>
+                                </p:cTn>
+                              </p:par>
+                              <p:par>
+                                <p:cTn id="220" presetID="10" presetClass="entr" presetSubtype="0" fill="hold" nodeType="withEffect">
+                                  <p:stCondLst>
+                                    <p:cond delay="0"/>
+                                  </p:stCondLst>
+                                  <p:childTnLst>
+                                    <p:set>
+                                      <p:cBhvr>
+                                        <p:cTn id="221" dur="1" fill="hold">
+                                          <p:stCondLst>
+                                            <p:cond delay="0"/>
+                                          </p:stCondLst>
+                                        </p:cTn>
+                                        <p:tgtEl>
+                                          <p:spTgt spid="50"/>
+                                        </p:tgtEl>
+                                        <p:attrNameLst>
+                                          <p:attrName>style.visibility</p:attrName>
+                                        </p:attrNameLst>
+                                      </p:cBhvr>
+                                      <p:to>
+                                        <p:strVal val="visible"/>
+                                      </p:to>
+                                    </p:set>
+                                    <p:animEffect transition="in" filter="fade">
+                                      <p:cBhvr>
+                                        <p:cTn id="222" dur="500"/>
+                                        <p:tgtEl>
+                                          <p:spTgt spid="50"/>
+                                        </p:tgtEl>
+                                      </p:cBhvr>
+                                    </p:animEffect>
+                                  </p:childTnLst>
+                                  <p:subTnLst>
+                                    <p:set>
+                                      <p:cBhvr override="childStyle">
+                                        <p:cTn dur="1" fill="hold" display="0" masterRel="nextClick" afterEffect="1"/>
+                                        <p:tgtEl>
+                                          <p:spTgt spid="50"/>
+                                        </p:tgtEl>
+                                        <p:attrNameLst>
+                                          <p:attrName>style.visibility</p:attrName>
+                                        </p:attrNameLst>
+                                      </p:cBhvr>
+                                      <p:to>
+                                        <p:strVal val="hidden"/>
+                                      </p:to>
+                                    </p:set>
+                                  </p:subTnLst>
+                                </p:cTn>
+                              </p:par>
+                              <p:par>
+                                <p:cTn id="223" presetID="10" presetClass="entr" presetSubtype="0" fill="hold" grpId="0" nodeType="withEffect">
+                                  <p:stCondLst>
+                                    <p:cond delay="0"/>
+                                  </p:stCondLst>
+                                  <p:childTnLst>
+                                    <p:set>
+                                      <p:cBhvr>
+                                        <p:cTn id="224" dur="1" fill="hold">
+                                          <p:stCondLst>
+                                            <p:cond delay="0"/>
+                                          </p:stCondLst>
+                                        </p:cTn>
+                                        <p:tgtEl>
+                                          <p:spTgt spid="48"/>
+                                        </p:tgtEl>
+                                        <p:attrNameLst>
+                                          <p:attrName>style.visibility</p:attrName>
+                                        </p:attrNameLst>
+                                      </p:cBhvr>
+                                      <p:to>
+                                        <p:strVal val="visible"/>
+                                      </p:to>
+                                    </p:set>
+                                    <p:animEffect transition="in" filter="fade">
+                                      <p:cBhvr>
+                                        <p:cTn id="225" dur="500"/>
+                                        <p:tgtEl>
+                                          <p:spTgt spid="48"/>
+                                        </p:tgtEl>
+                                      </p:cBhvr>
+                                    </p:animEffect>
+                                  </p:childTnLst>
+                                </p:cTn>
+                              </p:par>
+                              <p:par>
+                                <p:cTn id="226" presetID="10" presetClass="entr" presetSubtype="0" fill="hold" grpId="0" nodeType="withEffect">
+                                  <p:stCondLst>
+                                    <p:cond delay="0"/>
+                                  </p:stCondLst>
+                                  <p:childTnLst>
+                                    <p:set>
+                                      <p:cBhvr>
+                                        <p:cTn id="227" dur="1" fill="hold">
+                                          <p:stCondLst>
+                                            <p:cond delay="0"/>
+                                          </p:stCondLst>
+                                        </p:cTn>
+                                        <p:tgtEl>
+                                          <p:spTgt spid="73"/>
+                                        </p:tgtEl>
+                                        <p:attrNameLst>
+                                          <p:attrName>style.visibility</p:attrName>
+                                        </p:attrNameLst>
+                                      </p:cBhvr>
+                                      <p:to>
+                                        <p:strVal val="visible"/>
+                                      </p:to>
+                                    </p:set>
+                                    <p:animEffect transition="in" filter="fade">
+                                      <p:cBhvr>
+                                        <p:cTn id="228" dur="500"/>
+                                        <p:tgtEl>
+                                          <p:spTgt spid="73"/>
+                                        </p:tgtEl>
+                                      </p:cBhvr>
+                                    </p:animEffect>
+                                  </p:childTnLst>
+                                  <p:subTnLst>
+                                    <p:set>
+                                      <p:cBhvr override="childStyle">
+                                        <p:cTn dur="1" fill="hold" display="0" masterRel="nextClick" afterEffect="1"/>
+                                        <p:tgtEl>
+                                          <p:spTgt spid="73"/>
+                                        </p:tgtEl>
+                                        <p:attrNameLst>
+                                          <p:attrName>style.visibility</p:attrName>
+                                        </p:attrNameLst>
+                                      </p:cBhvr>
+                                      <p:to>
+                                        <p:strVal val="hidden"/>
+                                      </p:to>
+                                    </p:set>
+                                  </p:subTnLst>
+                                </p:cTn>
+                              </p:par>
+                              <p:par>
+                                <p:cTn id="229" presetID="10" presetClass="entr" presetSubtype="0" fill="hold" grpId="0" nodeType="withEffect">
+                                  <p:stCondLst>
+                                    <p:cond delay="0"/>
+                                  </p:stCondLst>
+                                  <p:childTnLst>
+                                    <p:set>
+                                      <p:cBhvr>
+                                        <p:cTn id="230" dur="1" fill="hold">
+                                          <p:stCondLst>
+                                            <p:cond delay="0"/>
+                                          </p:stCondLst>
+                                        </p:cTn>
+                                        <p:tgtEl>
+                                          <p:spTgt spid="85"/>
+                                        </p:tgtEl>
+                                        <p:attrNameLst>
+                                          <p:attrName>style.visibility</p:attrName>
+                                        </p:attrNameLst>
+                                      </p:cBhvr>
+                                      <p:to>
+                                        <p:strVal val="visible"/>
+                                      </p:to>
+                                    </p:set>
+                                    <p:animEffect transition="in" filter="fade">
+                                      <p:cBhvr>
+                                        <p:cTn id="231" dur="500"/>
+                                        <p:tgtEl>
+                                          <p:spTgt spid="85"/>
+                                        </p:tgtEl>
+                                      </p:cBhvr>
+                                    </p:animEffect>
+                                  </p:childTnLst>
+                                  <p:subTnLst>
+                                    <p:set>
+                                      <p:cBhvr override="childStyle">
+                                        <p:cTn dur="1" fill="hold" display="0" masterRel="nextClick" afterEffect="1"/>
+                                        <p:tgtEl>
+                                          <p:spTgt spid="85"/>
+                                        </p:tgtEl>
+                                        <p:attrNameLst>
+                                          <p:attrName>style.visibility</p:attrName>
+                                        </p:attrNameLst>
+                                      </p:cBhvr>
+                                      <p:to>
+                                        <p:strVal val="hidden"/>
+                                      </p:to>
+                                    </p:set>
+                                  </p:subTnLst>
+                                </p:cTn>
+                              </p:par>
+                            </p:childTnLst>
+                          </p:cTn>
+                        </p:par>
+                      </p:childTnLst>
+                    </p:cTn>
+                  </p:par>
+                  <p:par>
+                    <p:cTn id="232" fill="hold">
+                      <p:stCondLst>
+                        <p:cond delay="indefinite"/>
+                      </p:stCondLst>
+                      <p:childTnLst>
+                        <p:par>
+                          <p:cTn id="233" fill="hold">
+                            <p:stCondLst>
+                              <p:cond delay="0"/>
+                            </p:stCondLst>
+                            <p:childTnLst>
+                              <p:par>
+                                <p:cTn id="234" presetID="1" presetClass="exit" presetSubtype="0" fill="hold" grpId="1" nodeType="clickEffect">
+                                  <p:stCondLst>
+                                    <p:cond delay="0"/>
+                                  </p:stCondLst>
+                                  <p:childTnLst>
+                                    <p:set>
+                                      <p:cBhvr>
+                                        <p:cTn id="235" dur="1" fill="hold">
+                                          <p:stCondLst>
+                                            <p:cond delay="0"/>
+                                          </p:stCondLst>
+                                        </p:cTn>
+                                        <p:tgtEl>
+                                          <p:spTgt spid="43"/>
+                                        </p:tgtEl>
+                                        <p:attrNameLst>
+                                          <p:attrName>style.visibility</p:attrName>
+                                        </p:attrNameLst>
+                                      </p:cBhvr>
+                                      <p:to>
+                                        <p:strVal val="hidden"/>
+                                      </p:to>
+                                    </p:set>
+                                  </p:childTnLst>
+                                </p:cTn>
+                              </p:par>
+                              <p:par>
+                                <p:cTn id="236" presetID="10" presetClass="entr" presetSubtype="0" fill="hold" nodeType="withEffect">
+                                  <p:stCondLst>
+                                    <p:cond delay="0"/>
+                                  </p:stCondLst>
+                                  <p:childTnLst>
+                                    <p:set>
+                                      <p:cBhvr>
+                                        <p:cTn id="237" dur="1" fill="hold">
+                                          <p:stCondLst>
+                                            <p:cond delay="0"/>
+                                          </p:stCondLst>
+                                        </p:cTn>
+                                        <p:tgtEl>
+                                          <p:spTgt spid="51"/>
+                                        </p:tgtEl>
+                                        <p:attrNameLst>
+                                          <p:attrName>style.visibility</p:attrName>
+                                        </p:attrNameLst>
+                                      </p:cBhvr>
+                                      <p:to>
+                                        <p:strVal val="visible"/>
+                                      </p:to>
+                                    </p:set>
+                                    <p:animEffect transition="in" filter="fade">
+                                      <p:cBhvr>
+                                        <p:cTn id="238" dur="500"/>
+                                        <p:tgtEl>
+                                          <p:spTgt spid="51"/>
+                                        </p:tgtEl>
+                                      </p:cBhvr>
+                                    </p:animEffect>
+                                  </p:childTnLst>
+                                  <p:subTnLst>
+                                    <p:set>
+                                      <p:cBhvr override="childStyle">
+                                        <p:cTn dur="1" fill="hold" display="0" masterRel="nextClick" afterEffect="1"/>
+                                        <p:tgtEl>
+                                          <p:spTgt spid="51"/>
+                                        </p:tgtEl>
+                                        <p:attrNameLst>
+                                          <p:attrName>style.visibility</p:attrName>
+                                        </p:attrNameLst>
+                                      </p:cBhvr>
+                                      <p:to>
+                                        <p:strVal val="hidden"/>
+                                      </p:to>
+                                    </p:set>
+                                  </p:subTnLst>
+                                </p:cTn>
+                              </p:par>
+                              <p:par>
+                                <p:cTn id="239" presetID="10" presetClass="entr" presetSubtype="0" fill="hold" grpId="0" nodeType="withEffect">
+                                  <p:stCondLst>
+                                    <p:cond delay="0"/>
+                                  </p:stCondLst>
+                                  <p:childTnLst>
+                                    <p:set>
+                                      <p:cBhvr>
+                                        <p:cTn id="240" dur="1" fill="hold">
+                                          <p:stCondLst>
+                                            <p:cond delay="0"/>
+                                          </p:stCondLst>
+                                        </p:cTn>
+                                        <p:tgtEl>
+                                          <p:spTgt spid="53"/>
+                                        </p:tgtEl>
+                                        <p:attrNameLst>
+                                          <p:attrName>style.visibility</p:attrName>
+                                        </p:attrNameLst>
+                                      </p:cBhvr>
+                                      <p:to>
+                                        <p:strVal val="visible"/>
+                                      </p:to>
+                                    </p:set>
+                                    <p:animEffect transition="in" filter="fade">
+                                      <p:cBhvr>
+                                        <p:cTn id="241" dur="500"/>
+                                        <p:tgtEl>
+                                          <p:spTgt spid="53"/>
+                                        </p:tgtEl>
+                                      </p:cBhvr>
+                                    </p:animEffect>
+                                  </p:childTnLst>
+                                </p:cTn>
+                              </p:par>
+                              <p:par>
+                                <p:cTn id="242" presetID="10" presetClass="entr" presetSubtype="0" fill="hold" nodeType="withEffect">
+                                  <p:stCondLst>
+                                    <p:cond delay="0"/>
+                                  </p:stCondLst>
+                                  <p:childTnLst>
+                                    <p:set>
+                                      <p:cBhvr>
+                                        <p:cTn id="243" dur="1" fill="hold">
+                                          <p:stCondLst>
+                                            <p:cond delay="0"/>
+                                          </p:stCondLst>
+                                        </p:cTn>
+                                        <p:tgtEl>
+                                          <p:spTgt spid="52"/>
+                                        </p:tgtEl>
+                                        <p:attrNameLst>
+                                          <p:attrName>style.visibility</p:attrName>
+                                        </p:attrNameLst>
+                                      </p:cBhvr>
+                                      <p:to>
+                                        <p:strVal val="visible"/>
+                                      </p:to>
+                                    </p:set>
+                                    <p:animEffect transition="in" filter="fade">
+                                      <p:cBhvr>
+                                        <p:cTn id="244" dur="500"/>
+                                        <p:tgtEl>
+                                          <p:spTgt spid="52"/>
+                                        </p:tgtEl>
+                                      </p:cBhvr>
+                                    </p:animEffect>
+                                  </p:childTnLst>
+                                  <p:subTnLst>
+                                    <p:set>
+                                      <p:cBhvr override="childStyle">
+                                        <p:cTn dur="1" fill="hold" display="0" masterRel="nextClick" afterEffect="1"/>
+                                        <p:tgtEl>
+                                          <p:spTgt spid="52"/>
+                                        </p:tgtEl>
+                                        <p:attrNameLst>
+                                          <p:attrName>style.visibility</p:attrName>
+                                        </p:attrNameLst>
+                                      </p:cBhvr>
+                                      <p:to>
+                                        <p:strVal val="hidden"/>
+                                      </p:to>
+                                    </p:set>
+                                  </p:subTnLst>
+                                </p:cTn>
+                              </p:par>
+                              <p:par>
+                                <p:cTn id="245" presetID="10" presetClass="entr" presetSubtype="0" fill="hold" grpId="0" nodeType="withEffect">
+                                  <p:stCondLst>
+                                    <p:cond delay="0"/>
+                                  </p:stCondLst>
+                                  <p:childTnLst>
+                                    <p:set>
+                                      <p:cBhvr>
+                                        <p:cTn id="246" dur="1" fill="hold">
+                                          <p:stCondLst>
+                                            <p:cond delay="0"/>
+                                          </p:stCondLst>
+                                        </p:cTn>
+                                        <p:tgtEl>
+                                          <p:spTgt spid="74"/>
+                                        </p:tgtEl>
+                                        <p:attrNameLst>
+                                          <p:attrName>style.visibility</p:attrName>
+                                        </p:attrNameLst>
+                                      </p:cBhvr>
+                                      <p:to>
+                                        <p:strVal val="visible"/>
+                                      </p:to>
+                                    </p:set>
+                                    <p:animEffect transition="in" filter="fade">
+                                      <p:cBhvr>
+                                        <p:cTn id="247" dur="500"/>
+                                        <p:tgtEl>
+                                          <p:spTgt spid="74"/>
+                                        </p:tgtEl>
+                                      </p:cBhvr>
+                                    </p:animEffect>
+                                  </p:childTnLst>
+                                  <p:subTnLst>
+                                    <p:set>
+                                      <p:cBhvr override="childStyle">
+                                        <p:cTn dur="1" fill="hold" display="0" masterRel="nextClick" afterEffect="1"/>
+                                        <p:tgtEl>
+                                          <p:spTgt spid="74"/>
+                                        </p:tgtEl>
+                                        <p:attrNameLst>
+                                          <p:attrName>style.visibility</p:attrName>
+                                        </p:attrNameLst>
+                                      </p:cBhvr>
+                                      <p:to>
+                                        <p:strVal val="hidden"/>
+                                      </p:to>
+                                    </p:set>
+                                  </p:subTnLst>
+                                </p:cTn>
+                              </p:par>
+                              <p:par>
+                                <p:cTn id="248" presetID="10" presetClass="entr" presetSubtype="0" fill="hold" grpId="0" nodeType="withEffect">
+                                  <p:stCondLst>
+                                    <p:cond delay="0"/>
+                                  </p:stCondLst>
+                                  <p:childTnLst>
+                                    <p:set>
+                                      <p:cBhvr>
+                                        <p:cTn id="249" dur="1" fill="hold">
+                                          <p:stCondLst>
+                                            <p:cond delay="0"/>
+                                          </p:stCondLst>
+                                        </p:cTn>
+                                        <p:tgtEl>
+                                          <p:spTgt spid="86"/>
+                                        </p:tgtEl>
+                                        <p:attrNameLst>
+                                          <p:attrName>style.visibility</p:attrName>
+                                        </p:attrNameLst>
+                                      </p:cBhvr>
+                                      <p:to>
+                                        <p:strVal val="visible"/>
+                                      </p:to>
+                                    </p:set>
+                                    <p:animEffect transition="in" filter="fade">
+                                      <p:cBhvr>
+                                        <p:cTn id="250" dur="500"/>
+                                        <p:tgtEl>
+                                          <p:spTgt spid="86"/>
+                                        </p:tgtEl>
+                                      </p:cBhvr>
+                                    </p:animEffect>
+                                  </p:childTnLst>
+                                  <p:subTnLst>
+                                    <p:set>
+                                      <p:cBhvr override="childStyle">
+                                        <p:cTn dur="1" fill="hold" display="0" masterRel="nextClick" afterEffect="1"/>
+                                        <p:tgtEl>
+                                          <p:spTgt spid="86"/>
+                                        </p:tgtEl>
+                                        <p:attrNameLst>
+                                          <p:attrName>style.visibility</p:attrName>
+                                        </p:attrNameLst>
+                                      </p:cBhvr>
+                                      <p:to>
+                                        <p:strVal val="hidden"/>
+                                      </p:to>
+                                    </p:set>
+                                  </p:subTnLst>
+                                </p:cTn>
+                              </p:par>
+                            </p:childTnLst>
+                          </p:cTn>
+                        </p:par>
+                      </p:childTnLst>
+                    </p:cTn>
+                  </p:par>
+                  <p:par>
+                    <p:cTn id="251" fill="hold">
+                      <p:stCondLst>
+                        <p:cond delay="indefinite"/>
+                      </p:stCondLst>
+                      <p:childTnLst>
+                        <p:par>
+                          <p:cTn id="252" fill="hold">
+                            <p:stCondLst>
+                              <p:cond delay="0"/>
+                            </p:stCondLst>
+                            <p:childTnLst>
+                              <p:par>
+                                <p:cTn id="253" presetID="1" presetClass="exit" presetSubtype="0" fill="hold" grpId="3" nodeType="clickEffect">
+                                  <p:stCondLst>
+                                    <p:cond delay="0"/>
+                                  </p:stCondLst>
+                                  <p:childTnLst>
+                                    <p:set>
+                                      <p:cBhvr>
+                                        <p:cTn id="254" dur="1" fill="hold">
+                                          <p:stCondLst>
+                                            <p:cond delay="0"/>
+                                          </p:stCondLst>
+                                        </p:cTn>
+                                        <p:tgtEl>
+                                          <p:spTgt spid="8"/>
+                                        </p:tgtEl>
+                                        <p:attrNameLst>
+                                          <p:attrName>style.visibility</p:attrName>
+                                        </p:attrNameLst>
+                                      </p:cBhvr>
+                                      <p:to>
+                                        <p:strVal val="hidden"/>
+                                      </p:to>
+                                    </p:set>
+                                  </p:childTnLst>
+                                </p:cTn>
+                              </p:par>
+                              <p:par>
+                                <p:cTn id="255" presetID="1" presetClass="exit" presetSubtype="0" fill="hold" grpId="1" nodeType="withEffect">
+                                  <p:stCondLst>
+                                    <p:cond delay="0"/>
+                                  </p:stCondLst>
+                                  <p:childTnLst>
+                                    <p:set>
+                                      <p:cBhvr>
+                                        <p:cTn id="256" dur="1" fill="hold">
+                                          <p:stCondLst>
+                                            <p:cond delay="0"/>
+                                          </p:stCondLst>
+                                        </p:cTn>
+                                        <p:tgtEl>
+                                          <p:spTgt spid="44"/>
+                                        </p:tgtEl>
+                                        <p:attrNameLst>
+                                          <p:attrName>style.visibility</p:attrName>
+                                        </p:attrNameLst>
+                                      </p:cBhvr>
+                                      <p:to>
+                                        <p:strVal val="hidden"/>
+                                      </p:to>
+                                    </p:set>
+                                  </p:childTnLst>
+                                </p:cTn>
+                              </p:par>
+                              <p:par>
+                                <p:cTn id="257" presetID="1" presetClass="exit" presetSubtype="0" fill="hold" grpId="1" nodeType="withEffect">
+                                  <p:stCondLst>
+                                    <p:cond delay="0"/>
+                                  </p:stCondLst>
+                                  <p:childTnLst>
+                                    <p:set>
+                                      <p:cBhvr>
+                                        <p:cTn id="258" dur="1" fill="hold">
+                                          <p:stCondLst>
+                                            <p:cond delay="0"/>
+                                          </p:stCondLst>
+                                        </p:cTn>
+                                        <p:tgtEl>
+                                          <p:spTgt spid="89"/>
+                                        </p:tgtEl>
+                                        <p:attrNameLst>
+                                          <p:attrName>style.visibility</p:attrName>
+                                        </p:attrNameLst>
+                                      </p:cBhvr>
+                                      <p:to>
+                                        <p:strVal val="hidden"/>
+                                      </p:to>
+                                    </p:set>
+                                  </p:childTnLst>
+                                </p:cTn>
+                              </p:par>
+                              <p:par>
+                                <p:cTn id="259" presetID="10" presetClass="entr" presetSubtype="0" fill="hold" nodeType="withEffect">
+                                  <p:stCondLst>
+                                    <p:cond delay="0"/>
+                                  </p:stCondLst>
+                                  <p:childTnLst>
+                                    <p:set>
+                                      <p:cBhvr>
+                                        <p:cTn id="260" dur="1" fill="hold">
+                                          <p:stCondLst>
+                                            <p:cond delay="0"/>
+                                          </p:stCondLst>
+                                        </p:cTn>
+                                        <p:tgtEl>
+                                          <p:spTgt spid="55"/>
+                                        </p:tgtEl>
+                                        <p:attrNameLst>
+                                          <p:attrName>style.visibility</p:attrName>
+                                        </p:attrNameLst>
+                                      </p:cBhvr>
+                                      <p:to>
+                                        <p:strVal val="visible"/>
+                                      </p:to>
+                                    </p:set>
+                                    <p:animEffect transition="in" filter="fade">
+                                      <p:cBhvr>
+                                        <p:cTn id="261" dur="500"/>
+                                        <p:tgtEl>
+                                          <p:spTgt spid="55"/>
+                                        </p:tgtEl>
+                                      </p:cBhvr>
+                                    </p:animEffect>
+                                  </p:childTnLst>
+                                  <p:subTnLst>
+                                    <p:set>
+                                      <p:cBhvr override="childStyle">
+                                        <p:cTn dur="1" fill="hold" display="0" masterRel="nextClick" afterEffect="1"/>
+                                        <p:tgtEl>
+                                          <p:spTgt spid="55"/>
+                                        </p:tgtEl>
+                                        <p:attrNameLst>
+                                          <p:attrName>style.visibility</p:attrName>
+                                        </p:attrNameLst>
+                                      </p:cBhvr>
+                                      <p:to>
+                                        <p:strVal val="hidden"/>
+                                      </p:to>
+                                    </p:set>
+                                  </p:subTnLst>
+                                </p:cTn>
+                              </p:par>
+                              <p:par>
+                                <p:cTn id="262" presetID="10" presetClass="entr" presetSubtype="0" fill="hold" nodeType="withEffect">
+                                  <p:stCondLst>
+                                    <p:cond delay="0"/>
+                                  </p:stCondLst>
+                                  <p:childTnLst>
+                                    <p:set>
+                                      <p:cBhvr>
+                                        <p:cTn id="263" dur="1" fill="hold">
+                                          <p:stCondLst>
+                                            <p:cond delay="0"/>
+                                          </p:stCondLst>
+                                        </p:cTn>
+                                        <p:tgtEl>
+                                          <p:spTgt spid="56"/>
+                                        </p:tgtEl>
+                                        <p:attrNameLst>
+                                          <p:attrName>style.visibility</p:attrName>
+                                        </p:attrNameLst>
+                                      </p:cBhvr>
+                                      <p:to>
+                                        <p:strVal val="visible"/>
+                                      </p:to>
+                                    </p:set>
+                                    <p:animEffect transition="in" filter="fade">
+                                      <p:cBhvr>
+                                        <p:cTn id="264" dur="500"/>
+                                        <p:tgtEl>
+                                          <p:spTgt spid="56"/>
+                                        </p:tgtEl>
+                                      </p:cBhvr>
+                                    </p:animEffect>
+                                  </p:childTnLst>
+                                  <p:subTnLst>
+                                    <p:set>
+                                      <p:cBhvr override="childStyle">
+                                        <p:cTn dur="1" fill="hold" display="0" masterRel="nextClick" afterEffect="1"/>
+                                        <p:tgtEl>
+                                          <p:spTgt spid="56"/>
+                                        </p:tgtEl>
+                                        <p:attrNameLst>
+                                          <p:attrName>style.visibility</p:attrName>
+                                        </p:attrNameLst>
+                                      </p:cBhvr>
+                                      <p:to>
+                                        <p:strVal val="hidden"/>
+                                      </p:to>
+                                    </p:set>
+                                  </p:subTnLst>
+                                </p:cTn>
+                              </p:par>
+                              <p:par>
+                                <p:cTn id="265" presetID="10" presetClass="entr" presetSubtype="0" fill="hold" grpId="0" nodeType="withEffect">
+                                  <p:stCondLst>
+                                    <p:cond delay="0"/>
+                                  </p:stCondLst>
+                                  <p:childTnLst>
+                                    <p:set>
+                                      <p:cBhvr>
+                                        <p:cTn id="266" dur="1" fill="hold">
+                                          <p:stCondLst>
+                                            <p:cond delay="0"/>
+                                          </p:stCondLst>
+                                        </p:cTn>
+                                        <p:tgtEl>
+                                          <p:spTgt spid="54"/>
+                                        </p:tgtEl>
+                                        <p:attrNameLst>
+                                          <p:attrName>style.visibility</p:attrName>
+                                        </p:attrNameLst>
+                                      </p:cBhvr>
+                                      <p:to>
+                                        <p:strVal val="visible"/>
+                                      </p:to>
+                                    </p:set>
+                                    <p:animEffect transition="in" filter="fade">
+                                      <p:cBhvr>
+                                        <p:cTn id="267" dur="500"/>
+                                        <p:tgtEl>
+                                          <p:spTgt spid="54"/>
+                                        </p:tgtEl>
+                                      </p:cBhvr>
+                                    </p:animEffect>
+                                  </p:childTnLst>
+                                </p:cTn>
+                              </p:par>
+                              <p:par>
+                                <p:cTn id="268" presetID="10" presetClass="entr" presetSubtype="0" fill="hold" grpId="0" nodeType="withEffect">
+                                  <p:stCondLst>
+                                    <p:cond delay="0"/>
+                                  </p:stCondLst>
+                                  <p:childTnLst>
+                                    <p:set>
+                                      <p:cBhvr>
+                                        <p:cTn id="269" dur="1" fill="hold">
+                                          <p:stCondLst>
+                                            <p:cond delay="0"/>
+                                          </p:stCondLst>
+                                        </p:cTn>
+                                        <p:tgtEl>
+                                          <p:spTgt spid="75"/>
+                                        </p:tgtEl>
+                                        <p:attrNameLst>
+                                          <p:attrName>style.visibility</p:attrName>
+                                        </p:attrNameLst>
+                                      </p:cBhvr>
+                                      <p:to>
+                                        <p:strVal val="visible"/>
+                                      </p:to>
+                                    </p:set>
+                                    <p:animEffect transition="in" filter="fade">
+                                      <p:cBhvr>
+                                        <p:cTn id="270" dur="500"/>
+                                        <p:tgtEl>
+                                          <p:spTgt spid="75"/>
+                                        </p:tgtEl>
+                                      </p:cBhvr>
+                                    </p:animEffect>
+                                  </p:childTnLst>
+                                  <p:subTnLst>
+                                    <p:set>
+                                      <p:cBhvr override="childStyle">
+                                        <p:cTn dur="1" fill="hold" display="0" masterRel="nextClick" afterEffect="1"/>
+                                        <p:tgtEl>
+                                          <p:spTgt spid="75"/>
+                                        </p:tgtEl>
+                                        <p:attrNameLst>
+                                          <p:attrName>style.visibility</p:attrName>
+                                        </p:attrNameLst>
+                                      </p:cBhvr>
+                                      <p:to>
+                                        <p:strVal val="hidden"/>
+                                      </p:to>
+                                    </p:set>
+                                  </p:subTnLst>
+                                </p:cTn>
+                              </p:par>
+                              <p:par>
+                                <p:cTn id="271" presetID="10" presetClass="entr" presetSubtype="0" fill="hold" grpId="0" nodeType="withEffect">
+                                  <p:stCondLst>
+                                    <p:cond delay="0"/>
+                                  </p:stCondLst>
+                                  <p:childTnLst>
+                                    <p:set>
+                                      <p:cBhvr>
+                                        <p:cTn id="272" dur="1" fill="hold">
+                                          <p:stCondLst>
+                                            <p:cond delay="0"/>
+                                          </p:stCondLst>
+                                        </p:cTn>
+                                        <p:tgtEl>
+                                          <p:spTgt spid="87"/>
+                                        </p:tgtEl>
+                                        <p:attrNameLst>
+                                          <p:attrName>style.visibility</p:attrName>
+                                        </p:attrNameLst>
+                                      </p:cBhvr>
+                                      <p:to>
+                                        <p:strVal val="visible"/>
+                                      </p:to>
+                                    </p:set>
+                                    <p:animEffect transition="in" filter="fade">
+                                      <p:cBhvr>
+                                        <p:cTn id="273" dur="500"/>
+                                        <p:tgtEl>
+                                          <p:spTgt spid="87"/>
+                                        </p:tgtEl>
+                                      </p:cBhvr>
+                                    </p:animEffect>
+                                  </p:childTnLst>
+                                  <p:subTnLst>
+                                    <p:set>
+                                      <p:cBhvr override="childStyle">
+                                        <p:cTn dur="1" fill="hold" display="0" masterRel="nextClick" afterEffect="1"/>
+                                        <p:tgtEl>
+                                          <p:spTgt spid="87"/>
+                                        </p:tgtEl>
+                                        <p:attrNameLst>
+                                          <p:attrName>style.visibility</p:attrName>
+                                        </p:attrNameLst>
+                                      </p:cBhvr>
+                                      <p:to>
+                                        <p:strVal val="hidden"/>
+                                      </p:to>
+                                    </p:set>
+                                  </p:subTnLst>
+                                </p:cTn>
+                              </p:par>
+                            </p:childTnLst>
+                          </p:cTn>
+                        </p:par>
+                      </p:childTnLst>
+                    </p:cTn>
+                  </p:par>
+                  <p:par>
+                    <p:cTn id="274" fill="hold">
+                      <p:stCondLst>
+                        <p:cond delay="indefinite"/>
+                      </p:stCondLst>
+                      <p:childTnLst>
+                        <p:par>
+                          <p:cTn id="275" fill="hold">
+                            <p:stCondLst>
+                              <p:cond delay="0"/>
+                            </p:stCondLst>
+                            <p:childTnLst>
+                              <p:par>
+                                <p:cTn id="276" presetID="1" presetClass="exit" presetSubtype="0" fill="hold" grpId="2" nodeType="clickEffect">
+                                  <p:stCondLst>
+                                    <p:cond delay="0"/>
+                                  </p:stCondLst>
+                                  <p:childTnLst>
+                                    <p:set>
+                                      <p:cBhvr>
+                                        <p:cTn id="277" dur="1" fill="hold">
+                                          <p:stCondLst>
+                                            <p:cond delay="0"/>
+                                          </p:stCondLst>
+                                        </p:cTn>
+                                        <p:tgtEl>
+                                          <p:spTgt spid="39"/>
+                                        </p:tgtEl>
+                                        <p:attrNameLst>
+                                          <p:attrName>style.visibility</p:attrName>
+                                        </p:attrNameLst>
+                                      </p:cBhvr>
+                                      <p:to>
+                                        <p:strVal val="hidden"/>
+                                      </p:to>
+                                    </p:set>
+                                  </p:childTnLst>
+                                </p:cTn>
+                              </p:par>
+                              <p:par>
+                                <p:cTn id="278" presetID="1" presetClass="exit" presetSubtype="0" fill="hold" grpId="3" nodeType="withEffect">
+                                  <p:stCondLst>
+                                    <p:cond delay="0"/>
+                                  </p:stCondLst>
+                                  <p:childTnLst>
+                                    <p:set>
+                                      <p:cBhvr>
+                                        <p:cTn id="279" dur="1" fill="hold">
+                                          <p:stCondLst>
+                                            <p:cond delay="0"/>
+                                          </p:stCondLst>
+                                        </p:cTn>
+                                        <p:tgtEl>
+                                          <p:spTgt spid="7"/>
+                                        </p:tgtEl>
+                                        <p:attrNameLst>
+                                          <p:attrName>style.visibility</p:attrName>
+                                        </p:attrNameLst>
+                                      </p:cBhvr>
+                                      <p:to>
+                                        <p:strVal val="hidden"/>
+                                      </p:to>
+                                    </p:set>
+                                  </p:childTnLst>
+                                </p:cTn>
+                              </p:par>
+                              <p:par>
+                                <p:cTn id="280" presetID="1" presetClass="exit" presetSubtype="0" fill="hold" grpId="1" nodeType="withEffect">
+                                  <p:stCondLst>
+                                    <p:cond delay="0"/>
+                                  </p:stCondLst>
+                                  <p:childTnLst>
+                                    <p:set>
+                                      <p:cBhvr>
+                                        <p:cTn id="281" dur="1" fill="hold">
+                                          <p:stCondLst>
+                                            <p:cond delay="0"/>
+                                          </p:stCondLst>
+                                        </p:cTn>
+                                        <p:tgtEl>
+                                          <p:spTgt spid="45"/>
+                                        </p:tgtEl>
+                                        <p:attrNameLst>
+                                          <p:attrName>style.visibility</p:attrName>
+                                        </p:attrNameLst>
+                                      </p:cBhvr>
+                                      <p:to>
+                                        <p:strVal val="hidden"/>
+                                      </p:to>
+                                    </p:set>
+                                  </p:childTnLst>
+                                </p:cTn>
+                              </p:par>
+                              <p:par>
+                                <p:cTn id="282" presetID="1" presetClass="exit" presetSubtype="0" fill="hold" grpId="1" nodeType="withEffect">
+                                  <p:stCondLst>
+                                    <p:cond delay="0"/>
+                                  </p:stCondLst>
+                                  <p:childTnLst>
+                                    <p:set>
+                                      <p:cBhvr>
+                                        <p:cTn id="283" dur="1" fill="hold">
+                                          <p:stCondLst>
+                                            <p:cond delay="0"/>
+                                          </p:stCondLst>
+                                        </p:cTn>
+                                        <p:tgtEl>
+                                          <p:spTgt spid="54"/>
+                                        </p:tgtEl>
+                                        <p:attrNameLst>
+                                          <p:attrName>style.visibility</p:attrName>
+                                        </p:attrNameLst>
+                                      </p:cBhvr>
+                                      <p:to>
+                                        <p:strVal val="hidden"/>
+                                      </p:to>
+                                    </p:set>
+                                  </p:childTnLst>
+                                </p:cTn>
+                              </p:par>
+                              <p:par>
+                                <p:cTn id="284" presetID="10" presetClass="entr" presetSubtype="0" fill="hold" grpId="0" nodeType="withEffect">
+                                  <p:stCondLst>
+                                    <p:cond delay="0"/>
+                                  </p:stCondLst>
+                                  <p:childTnLst>
+                                    <p:set>
+                                      <p:cBhvr>
+                                        <p:cTn id="285" dur="1" fill="hold">
+                                          <p:stCondLst>
+                                            <p:cond delay="0"/>
+                                          </p:stCondLst>
+                                        </p:cTn>
+                                        <p:tgtEl>
+                                          <p:spTgt spid="91"/>
+                                        </p:tgtEl>
+                                        <p:attrNameLst>
+                                          <p:attrName>style.visibility</p:attrName>
+                                        </p:attrNameLst>
+                                      </p:cBhvr>
+                                      <p:to>
+                                        <p:strVal val="visible"/>
+                                      </p:to>
+                                    </p:set>
+                                    <p:animEffect transition="in" filter="fade">
+                                      <p:cBhvr>
+                                        <p:cTn id="286" dur="500"/>
+                                        <p:tgtEl>
+                                          <p:spTgt spid="91"/>
+                                        </p:tgtEl>
+                                      </p:cBhvr>
+                                    </p:animEffect>
+                                  </p:childTnLst>
+                                </p:cTn>
+                              </p:par>
+                              <p:par>
+                                <p:cTn id="287" presetID="10" presetClass="entr" presetSubtype="0" fill="hold" nodeType="withEffect">
+                                  <p:stCondLst>
+                                    <p:cond delay="0"/>
+                                  </p:stCondLst>
+                                  <p:childTnLst>
+                                    <p:set>
+                                      <p:cBhvr>
+                                        <p:cTn id="288" dur="1" fill="hold">
+                                          <p:stCondLst>
+                                            <p:cond delay="0"/>
+                                          </p:stCondLst>
+                                        </p:cTn>
+                                        <p:tgtEl>
+                                          <p:spTgt spid="58"/>
+                                        </p:tgtEl>
+                                        <p:attrNameLst>
+                                          <p:attrName>style.visibility</p:attrName>
+                                        </p:attrNameLst>
+                                      </p:cBhvr>
+                                      <p:to>
+                                        <p:strVal val="visible"/>
+                                      </p:to>
+                                    </p:set>
+                                    <p:animEffect transition="in" filter="fade">
+                                      <p:cBhvr>
+                                        <p:cTn id="289" dur="500"/>
+                                        <p:tgtEl>
+                                          <p:spTgt spid="58"/>
+                                        </p:tgtEl>
+                                      </p:cBhvr>
+                                    </p:animEffect>
+                                  </p:childTnLst>
+                                  <p:subTnLst>
+                                    <p:set>
+                                      <p:cBhvr override="childStyle">
+                                        <p:cTn dur="1" fill="hold" display="0" masterRel="nextClick" afterEffect="1"/>
+                                        <p:tgtEl>
+                                          <p:spTgt spid="58"/>
+                                        </p:tgtEl>
+                                        <p:attrNameLst>
+                                          <p:attrName>style.visibility</p:attrName>
+                                        </p:attrNameLst>
+                                      </p:cBhvr>
+                                      <p:to>
+                                        <p:strVal val="hidden"/>
+                                      </p:to>
+                                    </p:set>
+                                  </p:subTnLst>
+                                </p:cTn>
+                              </p:par>
+                              <p:par>
+                                <p:cTn id="290" presetID="10" presetClass="entr" presetSubtype="0" fill="hold" nodeType="withEffect">
+                                  <p:stCondLst>
+                                    <p:cond delay="0"/>
+                                  </p:stCondLst>
+                                  <p:childTnLst>
+                                    <p:set>
+                                      <p:cBhvr>
+                                        <p:cTn id="291" dur="1" fill="hold">
+                                          <p:stCondLst>
+                                            <p:cond delay="0"/>
+                                          </p:stCondLst>
+                                        </p:cTn>
+                                        <p:tgtEl>
+                                          <p:spTgt spid="59"/>
+                                        </p:tgtEl>
+                                        <p:attrNameLst>
+                                          <p:attrName>style.visibility</p:attrName>
+                                        </p:attrNameLst>
+                                      </p:cBhvr>
+                                      <p:to>
+                                        <p:strVal val="visible"/>
+                                      </p:to>
+                                    </p:set>
+                                    <p:animEffect transition="in" filter="fade">
+                                      <p:cBhvr>
+                                        <p:cTn id="292" dur="500"/>
+                                        <p:tgtEl>
+                                          <p:spTgt spid="59"/>
+                                        </p:tgtEl>
+                                      </p:cBhvr>
+                                    </p:animEffect>
+                                  </p:childTnLst>
+                                  <p:subTnLst>
+                                    <p:set>
+                                      <p:cBhvr override="childStyle">
+                                        <p:cTn dur="1" fill="hold" display="0" masterRel="nextClick" afterEffect="1"/>
+                                        <p:tgtEl>
+                                          <p:spTgt spid="59"/>
+                                        </p:tgtEl>
+                                        <p:attrNameLst>
+                                          <p:attrName>style.visibility</p:attrName>
+                                        </p:attrNameLst>
+                                      </p:cBhvr>
+                                      <p:to>
+                                        <p:strVal val="hidden"/>
+                                      </p:to>
+                                    </p:set>
+                                  </p:subTnLst>
+                                </p:cTn>
+                              </p:par>
+                              <p:par>
+                                <p:cTn id="293" presetID="10" presetClass="entr" presetSubtype="0" fill="hold" grpId="0" nodeType="withEffect">
+                                  <p:stCondLst>
+                                    <p:cond delay="0"/>
+                                  </p:stCondLst>
+                                  <p:childTnLst>
+                                    <p:set>
+                                      <p:cBhvr>
+                                        <p:cTn id="294" dur="1" fill="hold">
+                                          <p:stCondLst>
+                                            <p:cond delay="0"/>
+                                          </p:stCondLst>
+                                        </p:cTn>
+                                        <p:tgtEl>
+                                          <p:spTgt spid="57"/>
+                                        </p:tgtEl>
+                                        <p:attrNameLst>
+                                          <p:attrName>style.visibility</p:attrName>
+                                        </p:attrNameLst>
+                                      </p:cBhvr>
+                                      <p:to>
+                                        <p:strVal val="visible"/>
+                                      </p:to>
+                                    </p:set>
+                                    <p:animEffect transition="in" filter="fade">
+                                      <p:cBhvr>
+                                        <p:cTn id="295" dur="500"/>
+                                        <p:tgtEl>
+                                          <p:spTgt spid="57"/>
+                                        </p:tgtEl>
+                                      </p:cBhvr>
+                                    </p:animEffect>
+                                  </p:childTnLst>
+                                </p:cTn>
+                              </p:par>
+                              <p:par>
+                                <p:cTn id="296" presetID="10" presetClass="entr" presetSubtype="0" fill="hold" grpId="0" nodeType="withEffect">
+                                  <p:stCondLst>
+                                    <p:cond delay="0"/>
+                                  </p:stCondLst>
+                                  <p:childTnLst>
+                                    <p:set>
+                                      <p:cBhvr>
+                                        <p:cTn id="297" dur="1" fill="hold">
+                                          <p:stCondLst>
+                                            <p:cond delay="0"/>
+                                          </p:stCondLst>
+                                        </p:cTn>
+                                        <p:tgtEl>
+                                          <p:spTgt spid="76"/>
+                                        </p:tgtEl>
+                                        <p:attrNameLst>
+                                          <p:attrName>style.visibility</p:attrName>
+                                        </p:attrNameLst>
+                                      </p:cBhvr>
+                                      <p:to>
+                                        <p:strVal val="visible"/>
+                                      </p:to>
+                                    </p:set>
+                                    <p:animEffect transition="in" filter="fade">
+                                      <p:cBhvr>
+                                        <p:cTn id="298" dur="500"/>
+                                        <p:tgtEl>
+                                          <p:spTgt spid="76"/>
+                                        </p:tgtEl>
+                                      </p:cBhvr>
+                                    </p:animEffect>
+                                  </p:childTnLst>
+                                  <p:subTnLst>
+                                    <p:set>
+                                      <p:cBhvr override="childStyle">
+                                        <p:cTn dur="1" fill="hold" display="0" masterRel="nextClick" afterEffect="1"/>
+                                        <p:tgtEl>
+                                          <p:spTgt spid="76"/>
+                                        </p:tgtEl>
+                                        <p:attrNameLst>
+                                          <p:attrName>style.visibility</p:attrName>
+                                        </p:attrNameLst>
+                                      </p:cBhvr>
+                                      <p:to>
+                                        <p:strVal val="hidden"/>
+                                      </p:to>
+                                    </p:set>
+                                  </p:subTnLst>
+                                </p:cTn>
+                              </p:par>
+                              <p:par>
+                                <p:cTn id="299" presetID="10" presetClass="entr" presetSubtype="0" fill="hold" grpId="0" nodeType="withEffect">
+                                  <p:stCondLst>
+                                    <p:cond delay="0"/>
+                                  </p:stCondLst>
+                                  <p:childTnLst>
+                                    <p:set>
+                                      <p:cBhvr>
+                                        <p:cTn id="300" dur="1" fill="hold">
+                                          <p:stCondLst>
+                                            <p:cond delay="0"/>
+                                          </p:stCondLst>
+                                        </p:cTn>
+                                        <p:tgtEl>
+                                          <p:spTgt spid="92"/>
+                                        </p:tgtEl>
+                                        <p:attrNameLst>
+                                          <p:attrName>style.visibility</p:attrName>
+                                        </p:attrNameLst>
+                                      </p:cBhvr>
+                                      <p:to>
+                                        <p:strVal val="visible"/>
+                                      </p:to>
+                                    </p:set>
+                                    <p:animEffect transition="in" filter="fade">
+                                      <p:cBhvr>
+                                        <p:cTn id="301" dur="500"/>
+                                        <p:tgtEl>
+                                          <p:spTgt spid="92"/>
+                                        </p:tgtEl>
+                                      </p:cBhvr>
+                                    </p:animEffect>
+                                  </p:childTnLst>
+                                  <p:subTnLst>
+                                    <p:set>
+                                      <p:cBhvr override="childStyle">
+                                        <p:cTn dur="1" fill="hold" display="0" masterRel="nextClick" afterEffect="1"/>
+                                        <p:tgtEl>
+                                          <p:spTgt spid="92"/>
+                                        </p:tgtEl>
+                                        <p:attrNameLst>
+                                          <p:attrName>style.visibility</p:attrName>
+                                        </p:attrNameLst>
+                                      </p:cBhvr>
+                                      <p:to>
+                                        <p:strVal val="hidden"/>
+                                      </p:to>
+                                    </p:set>
+                                  </p:subTnLst>
+                                </p:cTn>
+                              </p:par>
+                              <p:par>
+                                <p:cTn id="302" presetID="10" presetClass="entr" presetSubtype="0" fill="hold" grpId="0" nodeType="withEffect">
+                                  <p:stCondLst>
+                                    <p:cond delay="0"/>
+                                  </p:stCondLst>
+                                  <p:childTnLst>
+                                    <p:set>
+                                      <p:cBhvr>
+                                        <p:cTn id="303" dur="1" fill="hold">
+                                          <p:stCondLst>
+                                            <p:cond delay="0"/>
+                                          </p:stCondLst>
+                                        </p:cTn>
+                                        <p:tgtEl>
+                                          <p:spTgt spid="88"/>
+                                        </p:tgtEl>
+                                        <p:attrNameLst>
+                                          <p:attrName>style.visibility</p:attrName>
+                                        </p:attrNameLst>
+                                      </p:cBhvr>
+                                      <p:to>
+                                        <p:strVal val="visible"/>
+                                      </p:to>
+                                    </p:set>
+                                    <p:animEffect transition="in" filter="fade">
+                                      <p:cBhvr>
+                                        <p:cTn id="304" dur="500"/>
+                                        <p:tgtEl>
+                                          <p:spTgt spid="88"/>
+                                        </p:tgtEl>
+                                      </p:cBhvr>
+                                    </p:animEffect>
+                                  </p:childTnLst>
+                                  <p:subTnLst>
+                                    <p:set>
+                                      <p:cBhvr override="childStyle">
+                                        <p:cTn dur="1" fill="hold" display="0" masterRel="nextClick" afterEffect="1"/>
+                                        <p:tgtEl>
+                                          <p:spTgt spid="88"/>
+                                        </p:tgtEl>
+                                        <p:attrNameLst>
+                                          <p:attrName>style.visibility</p:attrName>
+                                        </p:attrNameLst>
+                                      </p:cBhvr>
+                                      <p:to>
+                                        <p:strVal val="hidden"/>
+                                      </p:to>
+                                    </p:set>
+                                  </p:subTnLst>
+                                </p:cTn>
+                              </p:par>
+                            </p:childTnLst>
+                          </p:cTn>
+                        </p:par>
+                      </p:childTnLst>
+                    </p:cTn>
+                  </p:par>
+                  <p:par>
+                    <p:cTn id="305" fill="hold">
+                      <p:stCondLst>
+                        <p:cond delay="indefinite"/>
+                      </p:stCondLst>
+                      <p:childTnLst>
+                        <p:par>
+                          <p:cTn id="306" fill="hold">
+                            <p:stCondLst>
+                              <p:cond delay="0"/>
+                            </p:stCondLst>
+                            <p:childTnLst>
+                              <p:par>
+                                <p:cTn id="307" presetID="10" presetClass="entr" presetSubtype="0" fill="hold" nodeType="clickEffect">
+                                  <p:stCondLst>
+                                    <p:cond delay="0"/>
+                                  </p:stCondLst>
+                                  <p:childTnLst>
+                                    <p:set>
+                                      <p:cBhvr>
+                                        <p:cTn id="308" dur="1" fill="hold">
+                                          <p:stCondLst>
+                                            <p:cond delay="0"/>
+                                          </p:stCondLst>
+                                        </p:cTn>
+                                        <p:tgtEl>
+                                          <p:spTgt spid="60"/>
+                                        </p:tgtEl>
+                                        <p:attrNameLst>
+                                          <p:attrName>style.visibility</p:attrName>
+                                        </p:attrNameLst>
+                                      </p:cBhvr>
+                                      <p:to>
+                                        <p:strVal val="visible"/>
+                                      </p:to>
+                                    </p:set>
+                                    <p:animEffect transition="in" filter="fade">
+                                      <p:cBhvr>
+                                        <p:cTn id="309" dur="500"/>
+                                        <p:tgtEl>
+                                          <p:spTgt spid="60"/>
+                                        </p:tgtEl>
+                                      </p:cBhvr>
+                                    </p:animEffect>
+                                  </p:childTnLst>
+                                  <p:subTnLst>
+                                    <p:set>
+                                      <p:cBhvr override="childStyle">
+                                        <p:cTn dur="1" fill="hold" display="0" masterRel="nextClick" afterEffect="1"/>
+                                        <p:tgtEl>
+                                          <p:spTgt spid="60"/>
+                                        </p:tgtEl>
+                                        <p:attrNameLst>
+                                          <p:attrName>style.visibility</p:attrName>
+                                        </p:attrNameLst>
+                                      </p:cBhvr>
+                                      <p:to>
+                                        <p:strVal val="hidden"/>
+                                      </p:to>
+                                    </p:set>
+                                  </p:subTnLst>
+                                </p:cTn>
+                              </p:par>
+                              <p:par>
+                                <p:cTn id="310" presetID="10" presetClass="entr" presetSubtype="0" fill="hold" nodeType="withEffect">
+                                  <p:stCondLst>
+                                    <p:cond delay="0"/>
+                                  </p:stCondLst>
+                                  <p:childTnLst>
+                                    <p:set>
+                                      <p:cBhvr>
+                                        <p:cTn id="311" dur="1" fill="hold">
+                                          <p:stCondLst>
+                                            <p:cond delay="0"/>
+                                          </p:stCondLst>
+                                        </p:cTn>
+                                        <p:tgtEl>
+                                          <p:spTgt spid="61"/>
+                                        </p:tgtEl>
+                                        <p:attrNameLst>
+                                          <p:attrName>style.visibility</p:attrName>
+                                        </p:attrNameLst>
+                                      </p:cBhvr>
+                                      <p:to>
+                                        <p:strVal val="visible"/>
+                                      </p:to>
+                                    </p:set>
+                                    <p:animEffect transition="in" filter="fade">
+                                      <p:cBhvr>
+                                        <p:cTn id="312" dur="500"/>
+                                        <p:tgtEl>
+                                          <p:spTgt spid="61"/>
+                                        </p:tgtEl>
+                                      </p:cBhvr>
+                                    </p:animEffect>
+                                  </p:childTnLst>
+                                  <p:subTnLst>
+                                    <p:set>
+                                      <p:cBhvr override="childStyle">
+                                        <p:cTn dur="1" fill="hold" display="0" masterRel="nextClick" afterEffect="1"/>
+                                        <p:tgtEl>
+                                          <p:spTgt spid="61"/>
+                                        </p:tgtEl>
+                                        <p:attrNameLst>
+                                          <p:attrName>style.visibility</p:attrName>
+                                        </p:attrNameLst>
+                                      </p:cBhvr>
+                                      <p:to>
+                                        <p:strVal val="hidden"/>
+                                      </p:to>
+                                    </p:set>
+                                  </p:subTnLst>
+                                </p:cTn>
+                              </p:par>
+                              <p:par>
+                                <p:cTn id="313" presetID="10" presetClass="entr" presetSubtype="0" fill="hold" grpId="0" nodeType="withEffect">
+                                  <p:stCondLst>
+                                    <p:cond delay="0"/>
+                                  </p:stCondLst>
+                                  <p:childTnLst>
+                                    <p:set>
+                                      <p:cBhvr>
+                                        <p:cTn id="314" dur="1" fill="hold">
+                                          <p:stCondLst>
+                                            <p:cond delay="0"/>
+                                          </p:stCondLst>
+                                        </p:cTn>
+                                        <p:tgtEl>
+                                          <p:spTgt spid="77"/>
+                                        </p:tgtEl>
+                                        <p:attrNameLst>
+                                          <p:attrName>style.visibility</p:attrName>
+                                        </p:attrNameLst>
+                                      </p:cBhvr>
+                                      <p:to>
+                                        <p:strVal val="visible"/>
+                                      </p:to>
+                                    </p:set>
+                                    <p:animEffect transition="in" filter="fade">
+                                      <p:cBhvr>
+                                        <p:cTn id="315" dur="500"/>
+                                        <p:tgtEl>
+                                          <p:spTgt spid="77"/>
+                                        </p:tgtEl>
+                                      </p:cBhvr>
+                                    </p:animEffect>
+                                  </p:childTnLst>
+                                  <p:subTnLst>
+                                    <p:set>
+                                      <p:cBhvr override="childStyle">
+                                        <p:cTn dur="1" fill="hold" display="0" masterRel="nextClick" afterEffect="1"/>
+                                        <p:tgtEl>
+                                          <p:spTgt spid="77"/>
+                                        </p:tgtEl>
+                                        <p:attrNameLst>
+                                          <p:attrName>style.visibility</p:attrName>
+                                        </p:attrNameLst>
+                                      </p:cBhvr>
+                                      <p:to>
+                                        <p:strVal val="hidden"/>
+                                      </p:to>
+                                    </p:set>
+                                  </p:subTnLst>
+                                </p:cTn>
+                              </p:par>
+                            </p:childTnLst>
+                          </p:cTn>
+                        </p:par>
+                      </p:childTnLst>
+                    </p:cTn>
+                  </p:par>
+                  <p:par>
+                    <p:cTn id="316" fill="hold">
+                      <p:stCondLst>
+                        <p:cond delay="indefinite"/>
+                      </p:stCondLst>
+                      <p:childTnLst>
+                        <p:par>
+                          <p:cTn id="317" fill="hold">
+                            <p:stCondLst>
+                              <p:cond delay="0"/>
+                            </p:stCondLst>
+                            <p:childTnLst>
+                              <p:par>
+                                <p:cTn id="318" presetID="10" presetClass="entr" presetSubtype="0" fill="hold" nodeType="clickEffect">
+                                  <p:stCondLst>
+                                    <p:cond delay="0"/>
+                                  </p:stCondLst>
+                                  <p:childTnLst>
+                                    <p:set>
+                                      <p:cBhvr>
+                                        <p:cTn id="319" dur="1" fill="hold">
+                                          <p:stCondLst>
+                                            <p:cond delay="0"/>
+                                          </p:stCondLst>
+                                        </p:cTn>
+                                        <p:tgtEl>
+                                          <p:spTgt spid="20"/>
+                                        </p:tgtEl>
+                                        <p:attrNameLst>
+                                          <p:attrName>style.visibility</p:attrName>
+                                        </p:attrNameLst>
+                                      </p:cBhvr>
+                                      <p:to>
+                                        <p:strVal val="visible"/>
+                                      </p:to>
+                                    </p:set>
+                                    <p:animEffect transition="in" filter="fade">
+                                      <p:cBhvr>
+                                        <p:cTn id="320" dur="500"/>
+                                        <p:tgtEl>
+                                          <p:spTgt spid="20"/>
+                                        </p:tgtEl>
+                                      </p:cBhvr>
+                                    </p:animEffect>
+                                  </p:childTnLst>
+                                  <p:subTnLst>
+                                    <p:set>
+                                      <p:cBhvr override="childStyle">
+                                        <p:cTn dur="1" fill="hold" display="0" masterRel="nextClick" afterEffect="1"/>
+                                        <p:tgtEl>
+                                          <p:spTgt spid="20"/>
+                                        </p:tgtEl>
+                                        <p:attrNameLst>
+                                          <p:attrName>style.visibility</p:attrName>
+                                        </p:attrNameLst>
+                                      </p:cBhvr>
+                                      <p:to>
+                                        <p:strVal val="hidden"/>
+                                      </p:to>
+                                    </p:set>
+                                  </p:subTnLst>
+                                </p:cTn>
+                              </p:par>
+                              <p:par>
+                                <p:cTn id="321" presetID="10" presetClass="entr" presetSubtype="0" fill="hold" grpId="0" nodeType="withEffect">
+                                  <p:stCondLst>
+                                    <p:cond delay="0"/>
+                                  </p:stCondLst>
+                                  <p:childTnLst>
+                                    <p:set>
+                                      <p:cBhvr>
+                                        <p:cTn id="322" dur="1" fill="hold">
+                                          <p:stCondLst>
+                                            <p:cond delay="0"/>
+                                          </p:stCondLst>
+                                        </p:cTn>
+                                        <p:tgtEl>
+                                          <p:spTgt spid="78"/>
+                                        </p:tgtEl>
+                                        <p:attrNameLst>
+                                          <p:attrName>style.visibility</p:attrName>
+                                        </p:attrNameLst>
+                                      </p:cBhvr>
+                                      <p:to>
+                                        <p:strVal val="visible"/>
+                                      </p:to>
+                                    </p:set>
+                                    <p:animEffect transition="in" filter="fade">
+                                      <p:cBhvr>
+                                        <p:cTn id="323" dur="500"/>
+                                        <p:tgtEl>
+                                          <p:spTgt spid="78"/>
+                                        </p:tgtEl>
+                                      </p:cBhvr>
+                                    </p:animEffect>
+                                  </p:childTnLst>
+                                  <p:subTnLst>
+                                    <p:set>
+                                      <p:cBhvr override="childStyle">
+                                        <p:cTn dur="1" fill="hold" display="0" masterRel="nextClick" afterEffect="1"/>
+                                        <p:tgtEl>
+                                          <p:spTgt spid="78"/>
+                                        </p:tgtEl>
+                                        <p:attrNameLst>
+                                          <p:attrName>style.visibility</p:attrName>
+                                        </p:attrNameLst>
+                                      </p:cBhvr>
+                                      <p:to>
+                                        <p:strVal val="hidden"/>
+                                      </p:to>
+                                    </p:set>
+                                  </p:subTnLst>
+                                </p:cTn>
+                              </p:par>
+                            </p:childTnLst>
+                          </p:cTn>
+                        </p:par>
+                      </p:childTnLst>
+                    </p:cTn>
+                  </p:par>
+                </p:childTnLst>
+              </p:cTn>
+              <p:prevCondLst>
+                <p:cond evt="onPrev" delay="0">
+                  <p:tgtEl>
+                    <p:sldTgt/>
+                  </p:tgtEl>
+                </p:cond>
+              </p:prevCondLst>
+              <p:nextCondLst>
+                <p:cond evt="onNext" delay="0">
+                  <p:tgtEl>
+                    <p:sldTgt/>
+                  </p:tgtEl>
+                </p:cond>
+              </p:nextCondLst>
+            </p:seq>
+          </p:childTnLst>
+        </p:cTn>
       </p:par>
     </p:tnLst>
+    <p:bldLst>
+      <p:bldP spid="3" grpId="0"/>
+      <p:bldP spid="5" grpId="0"/>
+      <p:bldP spid="7" grpId="0"/>
+      <p:bldP spid="7" grpId="1"/>
+      <p:bldP spid="7" grpId="2"/>
+      <p:bldP spid="7" grpId="3"/>
+      <p:bldP spid="8" grpId="0"/>
+      <p:bldP spid="8" grpId="1"/>
+      <p:bldP spid="8" grpId="3"/>
+      <p:bldP spid="9" grpId="0"/>
+      <p:bldP spid="10" grpId="0"/>
+      <p:bldP spid="10" grpId="1"/>
+      <p:bldP spid="38" grpId="0"/>
+      <p:bldP spid="38" grpId="1"/>
+      <p:bldP spid="39" grpId="0"/>
+      <p:bldP spid="39" grpId="1"/>
+      <p:bldP spid="39" grpId="2"/>
+      <p:bldP spid="40" grpId="0"/>
+      <p:bldP spid="40" grpId="1"/>
+      <p:bldP spid="43" grpId="0"/>
+      <p:bldP spid="43" grpId="1"/>
+      <p:bldP spid="44" grpId="0"/>
+      <p:bldP spid="44" grpId="1"/>
+      <p:bldP spid="44" grpId="2"/>
+      <p:bldP spid="45" grpId="0"/>
+      <p:bldP spid="45" grpId="1"/>
+      <p:bldP spid="48" grpId="0"/>
+      <p:bldP spid="53" grpId="0"/>
+      <p:bldP spid="54" grpId="0"/>
+      <p:bldP spid="54" grpId="1"/>
+      <p:bldP spid="57" grpId="0"/>
+      <p:bldP spid="62" grpId="0"/>
+      <p:bldP spid="63" grpId="0"/>
+      <p:bldP spid="64" grpId="0"/>
+      <p:bldP spid="65" grpId="0"/>
+      <p:bldP spid="66" grpId="0"/>
+      <p:bldP spid="67" grpId="0"/>
+      <p:bldP spid="68" grpId="0"/>
+      <p:bldP spid="69" grpId="0"/>
+      <p:bldP spid="70" grpId="0"/>
+      <p:bldP spid="71" grpId="0"/>
+      <p:bldP spid="72" grpId="0"/>
+      <p:bldP spid="73" grpId="0"/>
+      <p:bldP spid="74" grpId="0"/>
+      <p:bldP spid="75" grpId="0"/>
+      <p:bldP spid="76" grpId="0"/>
+      <p:bldP spid="77" grpId="0"/>
+      <p:bldP spid="78" grpId="0"/>
+      <p:bldP spid="79" grpId="0" animBg="1"/>
+      <p:bldP spid="80" grpId="0" animBg="1"/>
+      <p:bldP spid="81" grpId="0" animBg="1"/>
+      <p:bldP spid="82" grpId="0" animBg="1"/>
+      <p:bldP spid="83" grpId="0" animBg="1"/>
+      <p:bldP spid="84" grpId="0" animBg="1"/>
+      <p:bldP spid="85" grpId="0" animBg="1"/>
+      <p:bldP spid="86" grpId="0" animBg="1"/>
+      <p:bldP spid="87" grpId="0" animBg="1"/>
+      <p:bldP spid="88" grpId="0" animBg="1"/>
+      <p:bldP spid="89" grpId="0"/>
+      <p:bldP spid="89" grpId="1"/>
+      <p:bldP spid="90" grpId="0" animBg="1"/>
+      <p:bldP spid="91" grpId="0"/>
+      <p:bldP spid="92" grpId="0" animBg="1"/>
+    </p:bldLst>
   </p:timing>
 </p:sld>
 </file>
